--- a/draft-gandhi-ippm-stamp-srpm-00.pptx
+++ b/draft-gandhi-ippm-stamp-srpm-00.pptx
@@ -253,7 +253,7 @@
           <a:p>
             <a:fld id="{E8FA3DB5-7722-3F4F-947D-12B203669AD7}" type="datetimeFigureOut">
               <a:rPr lang="en-US" smtClean="0"/>
-              <a:t>11/7/20</a:t>
+              <a:t>11/9/20</a:t>
             </a:fld>
             <a:endParaRPr lang="en-US"/>
           </a:p>
@@ -5262,7 +5262,7 @@
           <a:p>
             <a:r>
               <a:rPr lang="en-US" sz="2400" dirty="0"/>
-              <a:t>Summary</a:t>
+              <a:t>Summary of Extensions</a:t>
             </a:r>
           </a:p>
           <a:p>
@@ -6028,7 +6028,7 @@
                 <a:latin typeface="Calibri Light" panose="020F0302020204030204" pitchFamily="34" charset="0"/>
                 <a:cs typeface="Calibri Light" panose="020F0302020204030204" pitchFamily="34" charset="0"/>
               </a:rPr>
-              <a:t>STAMP Control Code Field</a:t>
+              <a:t>STAMP - Session-Sender Control Code Field</a:t>
             </a:r>
           </a:p>
         </p:txBody>
@@ -6154,7 +6154,7 @@
                 <a:latin typeface="Calibri" panose="020F0502020204030204" pitchFamily="34" charset="0"/>
                 <a:cs typeface="Calibri" panose="020F0502020204030204" pitchFamily="34" charset="0"/>
               </a:rPr>
-              <a:t>Sender Control Code</a:t>
+              <a:t>Session-Sender Control Code</a:t>
             </a:r>
           </a:p>
           <a:p>
@@ -6648,7 +6648,7 @@
                 <a:latin typeface="Courier" pitchFamily="2" charset="0"/>
                 <a:ea typeface="Times New Roman" panose="02020603050405020304" pitchFamily="18" charset="0"/>
               </a:rPr>
-              <a:t>+-+-+-+-+-+-+-+-+-+-+-+-+-+-+-+-+-+-+-+-+-+-+-+-+-+-+-+-+-+-+-+-+ |                        Sequence Number                        | +-+-+-+-+-+-+-+-+-+-+-+-+-+-+-+-+-+-+-+-+-+-+-+-+-+-+-+-+-+-+-+-+ |                          Timestamp                            | |                                                               | +-+-+-+-+-+-+-+-+-+-+-+-+-+-+-+-+-+-+-+-+-+-+-+-+-+-+-+-+-+-+-+-+</a:t>
+              <a:t>+-+-+-+-+-+-+-+-+-+-+-+-+-+-+-+-+-+-+-+-+-+-+-+-+-+-+-+-+-+-+-+-+ |                        Sequence Number                        | +-+-+-+-+-+-+-+-+-+-+-+-+-+-+-+-+-+-+-+-+-+-+-+-+-+-+-+-+-+-+-+-+ |                        Timestamp                              | |                                                               | +-+-+-+-+-+-+-+-+-+-+-+-+-+-+-+-+-+-+-+-+-+-+-+-+-+-+-+-+-+-+-+-+</a:t>
             </a:r>
             <a:endParaRPr kumimoji="0" lang="en-US" altLang="en-US" sz="1000" u="none" strike="noStrike" cap="none" normalizeH="0" baseline="0" dirty="0">
               <a:ln>
@@ -7123,7 +7123,7 @@
               <a:rPr lang="en-CA" sz="1000" dirty="0">
                 <a:latin typeface="Courier" pitchFamily="2" charset="0"/>
               </a:rPr>
-              <a:t>         Figure: Sender Control Code in STAMP DM Message</a:t>
+              <a:t>      Figure: Session-Sender Control Code in STAMP DM Message</a:t>
             </a:r>
             <a:r>
               <a:rPr kumimoji="0" lang="en-US" altLang="en-US" sz="1000" u="none" strike="noStrike" cap="none" normalizeH="0" baseline="0" dirty="0">
@@ -7185,7 +7185,7 @@
                 <a:latin typeface="Calibri" panose="020F0502020204030204" pitchFamily="34" charset="0"/>
                 <a:cs typeface="Calibri" panose="020F0502020204030204" pitchFamily="34" charset="0"/>
               </a:rPr>
-              <a:t>With this, the reflector node does not require any additional SR state for PM (recall that in SR networks, the state is in the probe packet and signaling of the parameters is avoided).</a:t>
+              <a:t>With this, the Session-Reflector node does not require any additional SR state for PM (recall that in SR networks, the state is in the probe packet and signaling of the parameters is avoided).</a:t>
             </a:r>
           </a:p>
           <a:p>
@@ -7270,7 +7270,7 @@
                 <a:latin typeface="Calibri Light" panose="020F0302020204030204" pitchFamily="34" charset="0"/>
                 <a:cs typeface="Calibri Light" panose="020F0302020204030204" pitchFamily="34" charset="0"/>
               </a:rPr>
-              <a:t>Destination Address in STAMP Node Address TLV</a:t>
+              <a:t>STAMP - Destination Node Address TLV</a:t>
             </a:r>
           </a:p>
         </p:txBody>
@@ -7502,7 +7502,7 @@
         <p:spPr>
           <a:xfrm>
             <a:off x="304800" y="1047750"/>
-            <a:ext cx="3657600" cy="2502865"/>
+            <a:ext cx="3657600" cy="2772234"/>
           </a:xfrm>
           <a:prstGeom prst="rect">
             <a:avLst/>
@@ -7598,7 +7598,7 @@
                 <a:ea typeface="Calibri" panose="020F0502020204030204" pitchFamily="34" charset="0"/>
                 <a:cs typeface="Consolas" panose="020B0609020204030204" pitchFamily="49" charset="0"/>
               </a:rPr>
-              <a:t>The reflector node </a:t>
+              <a:t>The Session-Reflector node </a:t>
             </a:r>
             <a:r>
               <a:rPr lang="en-CA" sz="1600" b="1" dirty="0">
@@ -7712,7 +7712,7 @@
                 <a:latin typeface="Calibri Light" panose="020F0302020204030204" pitchFamily="34" charset="0"/>
                 <a:cs typeface="Calibri Light" panose="020F0302020204030204" pitchFamily="34" charset="0"/>
               </a:rPr>
-              <a:t>Return Address in STAMP Return Path TLV</a:t>
+              <a:t>STAMP - Return Path TLV</a:t>
             </a:r>
           </a:p>
         </p:txBody>
@@ -8305,7 +8305,7 @@
                 <a:latin typeface="Calibri Light" panose="020F0302020204030204" pitchFamily="34" charset="0"/>
                 <a:cs typeface="Calibri Light" panose="020F0302020204030204" pitchFamily="34" charset="0"/>
               </a:rPr>
-              <a:t>Stand-alone Direct-mode LM Message Format for STAMP</a:t>
+              <a:t>STAMP - Stand-alone Direct-mode LM Message Format</a:t>
             </a:r>
           </a:p>
         </p:txBody>
@@ -8356,7 +8356,7 @@
         <p:spPr bwMode="auto">
           <a:xfrm>
             <a:off x="139148" y="1200150"/>
-            <a:ext cx="4432852" cy="2977162"/>
+            <a:ext cx="4432852" cy="3124200"/>
           </a:xfrm>
           <a:prstGeom prst="rect">
             <a:avLst/>
@@ -8529,7 +8529,7 @@
           <a:p>
             <a:r>
               <a:rPr lang="en-US" sz="1400" kern="0" dirty="0"/>
-              <a:t>Stand-alone Direct-mode Loss Measurement (LM) message defined</a:t>
+              <a:t>Stand-alone Direct-mode Loss Measurement (LM) query and response messages defined</a:t>
             </a:r>
           </a:p>
           <a:p>
@@ -8574,13 +8574,13 @@
             </a:r>
             <a:r>
               <a:rPr lang="en-US" sz="1400" kern="0" dirty="0"/>
-              <a:t> is used for identifying LM probe packets</a:t>
+              <a:t> is used for identifying direct-mode LM probe packets</a:t>
             </a:r>
           </a:p>
           <a:p>
             <a:r>
               <a:rPr lang="en-US" sz="1400" kern="0" dirty="0"/>
-              <a:t>Does not modify existing STAMP (which is for DM) procedure as different destination UDP is used for LM</a:t>
+              <a:t>Does not modify existing STAMP (which is for DM) procedure as different destination UDP port is used for direct-mode LM</a:t>
             </a:r>
           </a:p>
         </p:txBody>
@@ -8630,7 +8630,7 @@
         </p:nvSpPr>
         <p:spPr bwMode="auto">
           <a:xfrm>
-            <a:off x="4699552" y="323703"/>
+            <a:off x="4699552" y="323704"/>
             <a:ext cx="4152900" cy="4231928"/>
           </a:xfrm>
           <a:prstGeom prst="rect">
@@ -9201,7 +9201,7 @@
                 <a:ea typeface="Times New Roman" panose="02020603050405020304" pitchFamily="18" charset="0"/>
                 <a:cs typeface="Courier New" panose="02070309020205020404" pitchFamily="49" charset="0"/>
               </a:rPr>
-              <a:t>.  Source IP Address = Sender IPv4 or IPv6 Address              .</a:t>
+              <a:t>.  Source IP Address = Session-Sender IPv4 or IPv6 Address      .</a:t>
             </a:r>
             <a:endParaRPr kumimoji="0" lang="en-US" altLang="en-US" sz="600" u="none" strike="noStrike" cap="none" normalizeH="0" baseline="0" dirty="0">
               <a:ln>
@@ -9261,7 +9261,37 @@
                 <a:ea typeface="Times New Roman" panose="02020603050405020304" pitchFamily="18" charset="0"/>
                 <a:cs typeface="Courier New" panose="02070309020205020404" pitchFamily="49" charset="0"/>
               </a:rPr>
-              <a:t>.  Destination IP Address = Reflector IPv4 or IPv6 Address      .</a:t>
+              <a:t>.  Destination IP Address = Session-Reflector IPv4 or IPv6 </a:t>
+            </a:r>
+            <a:r>
+              <a:rPr kumimoji="0" lang="en-US" altLang="en-US" sz="800" u="none" strike="noStrike" cap="none" normalizeH="0" baseline="0" dirty="0" err="1">
+                <a:ln>
+                  <a:noFill/>
+                </a:ln>
+                <a:solidFill>
+                  <a:schemeClr val="tx1"/>
+                </a:solidFill>
+                <a:effectLst/>
+                <a:latin typeface="Courier" pitchFamily="2" charset="0"/>
+                <a:ea typeface="Times New Roman" panose="02020603050405020304" pitchFamily="18" charset="0"/>
+                <a:cs typeface="Courier New" panose="02070309020205020404" pitchFamily="49" charset="0"/>
+              </a:rPr>
+              <a:t>Addr</a:t>
+            </a:r>
+            <a:r>
+              <a:rPr kumimoji="0" lang="en-US" altLang="en-US" sz="800" u="none" strike="noStrike" cap="none" normalizeH="0" baseline="0" dirty="0">
+                <a:ln>
+                  <a:noFill/>
+                </a:ln>
+                <a:solidFill>
+                  <a:schemeClr val="tx1"/>
+                </a:solidFill>
+                <a:effectLst/>
+                <a:latin typeface="Courier" pitchFamily="2" charset="0"/>
+                <a:ea typeface="Times New Roman" panose="02020603050405020304" pitchFamily="18" charset="0"/>
+                <a:cs typeface="Courier New" panose="02070309020205020404" pitchFamily="49" charset="0"/>
+              </a:rPr>
+              <a:t> .</a:t>
             </a:r>
             <a:endParaRPr kumimoji="0" lang="en-US" altLang="en-US" sz="600" u="none" strike="noStrike" cap="none" normalizeH="0" baseline="0" dirty="0">
               <a:ln>
@@ -9561,7 +9591,7 @@
                 <a:ea typeface="Times New Roman" panose="02020603050405020304" pitchFamily="18" charset="0"/>
                 <a:cs typeface="Courier New" panose="02070309020205020404" pitchFamily="49" charset="0"/>
               </a:rPr>
-              <a:t>.  Source Port = As chosen by Sender                            .</a:t>
+              <a:t>.  Source Port = As chosen by Session-Sender                    .</a:t>
             </a:r>
             <a:endParaRPr kumimoji="0" lang="en-US" altLang="en-US" sz="600" u="none" strike="noStrike" cap="none" normalizeH="0" baseline="0" dirty="0">
               <a:ln>
@@ -10406,7 +10436,7 @@
                 <a:latin typeface="Courier" pitchFamily="2" charset="0"/>
                 <a:ea typeface="Times New Roman" panose="02020603050405020304" pitchFamily="18" charset="0"/>
               </a:rPr>
-              <a:t>|                        Sender Sequence Number                 |</a:t>
+              <a:t>|                        Session-Sender Sequence Number         |</a:t>
             </a:r>
           </a:p>
           <a:p>
@@ -10508,7 +10538,7 @@
                 <a:latin typeface="Courier" pitchFamily="2" charset="0"/>
                 <a:ea typeface="Times New Roman" panose="02020603050405020304" pitchFamily="18" charset="0"/>
               </a:rPr>
-              <a:t>|                        Sender Counter                         |</a:t>
+              <a:t>|                        Session-Sender Counter                 |</a:t>
             </a:r>
           </a:p>
           <a:p>

--- a/draft-gandhi-ippm-stamp-srpm-00.pptx
+++ b/draft-gandhi-ippm-stamp-srpm-00.pptx
@@ -7365,7 +7365,7 @@
         </p:nvSpPr>
         <p:spPr>
           <a:xfrm>
-            <a:off x="4168140" y="1655608"/>
+            <a:off x="4229100" y="1625953"/>
             <a:ext cx="4648200" cy="1615827"/>
           </a:xfrm>
           <a:prstGeom prst="rect">
@@ -7501,8 +7501,8 @@
         </p:nvSpPr>
         <p:spPr>
           <a:xfrm>
-            <a:off x="304800" y="1047750"/>
-            <a:ext cx="3657600" cy="2772234"/>
+            <a:off x="299357" y="1149180"/>
+            <a:ext cx="3924300" cy="2502929"/>
           </a:xfrm>
           <a:prstGeom prst="rect">
             <a:avLst/>
@@ -7531,7 +7531,7 @@
                 <a:ea typeface="Calibri" panose="020F0502020204030204" pitchFamily="34" charset="0"/>
                 <a:cs typeface="Consolas" panose="020B0609020204030204" pitchFamily="49" charset="0"/>
               </a:rPr>
-              <a:t>Destination Node Address (value TBA1):</a:t>
+              <a:t>Destination Node Address TLV (value TBA1):</a:t>
             </a:r>
           </a:p>
           <a:p>
@@ -7808,7 +7808,7 @@
         <p:spPr>
           <a:xfrm>
             <a:off x="4343400" y="837063"/>
-            <a:ext cx="4572000" cy="1323439"/>
+            <a:ext cx="4419600" cy="1323439"/>
           </a:xfrm>
           <a:prstGeom prst="rect">
             <a:avLst/>
@@ -7938,14 +7938,11 @@
             </a:pPr>
             <a:r>
               <a:rPr lang="en-CA" sz="1400" b="1" dirty="0">
-                <a:solidFill>
-                  <a:schemeClr val="tx2"/>
-                </a:solidFill>
                 <a:latin typeface="Calibri" panose="020F0502020204030204" pitchFamily="34" charset="0"/>
                 <a:ea typeface="Calibri" panose="020F0502020204030204" pitchFamily="34" charset="0"/>
                 <a:cs typeface="Consolas" panose="020B0609020204030204" pitchFamily="49" charset="0"/>
               </a:rPr>
-              <a:t>Return Path (value TBA2):</a:t>
+              <a:t>Return Path TLV (value TBA2):</a:t>
             </a:r>
             <a:endParaRPr lang="en-CA" sz="1400" b="1" dirty="0"/>
           </a:p>
@@ -7968,11 +7965,7 @@
               </a:spcBef>
             </a:pPr>
             <a:r>
-              <a:rPr lang="en-CA" sz="1400" dirty="0">
-                <a:solidFill>
-                  <a:srgbClr val="0070C0"/>
-                </a:solidFill>
-              </a:rPr>
+              <a:rPr lang="en-CA" sz="1400" dirty="0"/>
               <a:t>Type (value 1): Return Address. Target node address of the response; different than the Source Address in the query</a:t>
             </a:r>
           </a:p>
@@ -8090,7 +8083,7 @@
         <p:spPr>
           <a:xfrm>
             <a:off x="4343400" y="2385355"/>
-            <a:ext cx="4572000" cy="2185214"/>
+            <a:ext cx="4419600" cy="2185214"/>
           </a:xfrm>
           <a:prstGeom prst="rect">
             <a:avLst/>
@@ -10967,12 +10960,6 @@
                 <a:cs typeface="Calibri" charset="0"/>
               </a:rPr>
               <a:t>Welcome your comments and suggestions</a:t>
-            </a:r>
-          </a:p>
-          <a:p>
-            <a:r>
-              <a:rPr lang="en-US" sz="2400" dirty="0"/>
-              <a:t>Implementation exists</a:t>
             </a:r>
           </a:p>
           <a:p>

--- a/draft-gandhi-ippm-stamp-srpm-00.pptx
+++ b/draft-gandhi-ippm-stamp-srpm-00.pptx
@@ -16,9 +16,9 @@
     <p:sldId id="1663" r:id="rId4"/>
     <p:sldId id="1653" r:id="rId5"/>
     <p:sldId id="1666" r:id="rId6"/>
-    <p:sldId id="1668" r:id="rId7"/>
-    <p:sldId id="1669" r:id="rId8"/>
-    <p:sldId id="321" r:id="rId9"/>
+    <p:sldId id="321" r:id="rId7"/>
+    <p:sldId id="1668" r:id="rId8"/>
+    <p:sldId id="1669" r:id="rId9"/>
     <p:sldId id="1670" r:id="rId10"/>
     <p:sldId id="1671" r:id="rId11"/>
   </p:sldIdLst>
@@ -253,7 +253,7 @@
           <a:p>
             <a:fld id="{E8FA3DB5-7722-3F4F-947D-12B203669AD7}" type="datetimeFigureOut">
               <a:rPr lang="en-US" smtClean="0"/>
-              <a:t>11/9/20</a:t>
+              <a:t>11/10/20</a:t>
             </a:fld>
             <a:endParaRPr lang="en-US"/>
           </a:p>
@@ -5435,27 +5435,7 @@
             </a:pPr>
             <a:r>
               <a:rPr lang="en-US" sz="1600" dirty="0"/>
-              <a:t>Delay and Loss Performance Measurement (PM) </a:t>
-            </a:r>
-          </a:p>
-          <a:p>
-            <a:pPr lvl="2">
-              <a:buFont typeface="Wingdings" pitchFamily="2" charset="2"/>
-              <a:buChar char="ü"/>
-            </a:pPr>
-            <a:r>
-              <a:rPr lang="en-US" sz="1600" dirty="0"/>
-              <a:t>Links and End-to-end P2P/P2MP SR Paths</a:t>
-            </a:r>
-          </a:p>
-          <a:p>
-            <a:pPr lvl="2">
-              <a:buFont typeface="Wingdings" charset="2"/>
-              <a:buChar char="ü"/>
-            </a:pPr>
-            <a:r>
-              <a:rPr lang="en-US" sz="1600" dirty="0"/>
-              <a:t>Applicable to SR-MPLS/SRv6 data planes</a:t>
+              <a:t>Delay and Synthetic Loss Performance Measurement </a:t>
             </a:r>
           </a:p>
           <a:p>
@@ -5465,7 +5445,7 @@
             </a:pPr>
             <a:r>
               <a:rPr lang="en-US" sz="1600" dirty="0"/>
-              <a:t>Support stand-alone direct-mode loss measurement</a:t>
+              <a:t>Support stand-alone direct-mode Loss Measurement</a:t>
             </a:r>
           </a:p>
           <a:p>
@@ -7155,8 +7135,8 @@
         </p:nvSpPr>
         <p:spPr>
           <a:xfrm>
-            <a:off x="0" y="3758505"/>
-            <a:ext cx="3657600" cy="1384995"/>
+            <a:off x="43277" y="4339293"/>
+            <a:ext cx="3657600" cy="523220"/>
           </a:xfrm>
           <a:prstGeom prst="rect">
             <a:avLst/>
@@ -7185,23 +7165,7 @@
                 <a:latin typeface="Calibri" panose="020F0502020204030204" pitchFamily="34" charset="0"/>
                 <a:cs typeface="Calibri" panose="020F0502020204030204" pitchFamily="34" charset="0"/>
               </a:rPr>
-              <a:t>With this, the Session-Reflector node does not require any additional SR state for PM (recall that in SR networks, the state is in the probe packet and signaling of the parameters is avoided).</a:t>
-            </a:r>
-          </a:p>
-          <a:p>
-            <a:pPr marL="285750" indent="-285750">
-              <a:buFont typeface="Arial" panose="020B0604020202020204" pitchFamily="34" charset="0"/>
-              <a:buChar char="•"/>
-            </a:pPr>
-            <a:r>
-              <a:rPr lang="en-US" sz="1400" dirty="0">
-                <a:solidFill>
-                  <a:schemeClr val="tx2"/>
-                </a:solidFill>
-                <a:latin typeface="Calibri" panose="020F0502020204030204" pitchFamily="34" charset="0"/>
-                <a:cs typeface="Calibri" panose="020F0502020204030204" pitchFamily="34" charset="0"/>
-              </a:rPr>
-              <a:t>Also applicable to non-SR paths.</a:t>
+              <a:t>With this, the Session-Reflector node does not require any additional state for PM</a:t>
             </a:r>
           </a:p>
         </p:txBody>
@@ -7238,1039 +7202,6 @@
       </p:grpSpPr>
       <p:sp>
         <p:nvSpPr>
-          <p:cNvPr id="2" name="Title 1">
-            <a:extLst>
-              <a:ext uri="{FF2B5EF4-FFF2-40B4-BE49-F238E27FC236}">
-                <a16:creationId xmlns:a16="http://schemas.microsoft.com/office/drawing/2014/main" id="{9A6F4236-AC14-394A-A36C-F2BD8CED3237}"/>
-              </a:ext>
-            </a:extLst>
-          </p:cNvPr>
-          <p:cNvSpPr>
-            <a:spLocks noGrp="1"/>
-          </p:cNvSpPr>
-          <p:nvPr>
-            <p:ph type="title"/>
-          </p:nvPr>
-        </p:nvSpPr>
-        <p:spPr>
-          <a:xfrm>
-            <a:off x="228600" y="-20187"/>
-            <a:ext cx="8686800" cy="857250"/>
-          </a:xfrm>
-        </p:spPr>
-        <p:txBody>
-          <a:bodyPr/>
-          <a:lstStyle/>
-          <a:p>
-            <a:r>
-              <a:rPr lang="en-US" sz="3200" dirty="0">
-                <a:solidFill>
-                  <a:srgbClr val="0070C0"/>
-                </a:solidFill>
-                <a:latin typeface="Calibri Light" panose="020F0302020204030204" pitchFamily="34" charset="0"/>
-                <a:cs typeface="Calibri Light" panose="020F0302020204030204" pitchFamily="34" charset="0"/>
-              </a:rPr>
-              <a:t>STAMP - Destination Node Address TLV</a:t>
-            </a:r>
-          </a:p>
-        </p:txBody>
-      </p:sp>
-      <p:sp>
-        <p:nvSpPr>
-          <p:cNvPr id="4" name="Footer Placeholder 3">
-            <a:extLst>
-              <a:ext uri="{FF2B5EF4-FFF2-40B4-BE49-F238E27FC236}">
-                <a16:creationId xmlns:a16="http://schemas.microsoft.com/office/drawing/2014/main" id="{643D160E-CC3C-EB46-A6F1-43B8E2996F46}"/>
-              </a:ext>
-            </a:extLst>
-          </p:cNvPr>
-          <p:cNvSpPr>
-            <a:spLocks noGrp="1"/>
-          </p:cNvSpPr>
-          <p:nvPr>
-            <p:ph type="ftr" sz="quarter" idx="11"/>
-          </p:nvPr>
-        </p:nvSpPr>
-        <p:spPr>
-          <a:xfrm>
-            <a:off x="3124200" y="4805362"/>
-            <a:ext cx="2895600" cy="357188"/>
-          </a:xfrm>
-        </p:spPr>
-        <p:txBody>
-          <a:bodyPr/>
-          <a:lstStyle/>
-          <a:p>
-            <a:r>
-              <a:rPr lang="en-CA" dirty="0"/>
-              <a:t>109</a:t>
-            </a:r>
-            <a:r>
-              <a:rPr lang="en-CA" baseline="30000" dirty="0"/>
-              <a:t>th</a:t>
-            </a:r>
-            <a:r>
-              <a:rPr lang="en-CA" dirty="0"/>
-              <a:t> IETF Online</a:t>
-            </a:r>
-          </a:p>
-        </p:txBody>
-      </p:sp>
-      <p:sp>
-        <p:nvSpPr>
-          <p:cNvPr id="5" name="Slide Number Placeholder 4">
-            <a:extLst>
-              <a:ext uri="{FF2B5EF4-FFF2-40B4-BE49-F238E27FC236}">
-                <a16:creationId xmlns:a16="http://schemas.microsoft.com/office/drawing/2014/main" id="{A8B868AE-B105-7547-A646-14FCDF91C2DD}"/>
-              </a:ext>
-            </a:extLst>
-          </p:cNvPr>
-          <p:cNvSpPr>
-            <a:spLocks noGrp="1"/>
-          </p:cNvSpPr>
-          <p:nvPr>
-            <p:ph type="sldNum" sz="quarter" idx="12"/>
-          </p:nvPr>
-        </p:nvSpPr>
-        <p:spPr/>
-        <p:txBody>
-          <a:bodyPr/>
-          <a:lstStyle/>
-          <a:p>
-            <a:pPr>
-              <a:defRPr/>
-            </a:pPr>
-            <a:fld id="{BD6E0F59-1DD8-40FC-9C92-B6295CBA6CCA}" type="slidenum">
-              <a:rPr lang="en-US" altLang="zh-CN" smtClean="0"/>
-              <a:pPr>
-                <a:defRPr/>
-              </a:pPr>
-              <a:t>6</a:t>
-            </a:fld>
-            <a:endParaRPr lang="en-US" altLang="zh-CN"/>
-          </a:p>
-        </p:txBody>
-      </p:sp>
-      <p:sp>
-        <p:nvSpPr>
-          <p:cNvPr id="7" name="Rectangle 6">
-            <a:extLst>
-              <a:ext uri="{FF2B5EF4-FFF2-40B4-BE49-F238E27FC236}">
-                <a16:creationId xmlns:a16="http://schemas.microsoft.com/office/drawing/2014/main" id="{AA6E66CA-28BC-2C4A-BC04-4600D8FEBF3B}"/>
-              </a:ext>
-            </a:extLst>
-          </p:cNvPr>
-          <p:cNvSpPr/>
-          <p:nvPr/>
-        </p:nvSpPr>
-        <p:spPr>
-          <a:xfrm>
-            <a:off x="4229100" y="1625953"/>
-            <a:ext cx="4648200" cy="1615827"/>
-          </a:xfrm>
-          <a:prstGeom prst="rect">
-            <a:avLst/>
-          </a:prstGeom>
-          <a:solidFill>
-            <a:schemeClr val="accent6">
-              <a:lumMod val="20000"/>
-              <a:lumOff val="80000"/>
-            </a:schemeClr>
-          </a:solidFill>
-        </p:spPr>
-        <p:txBody>
-          <a:bodyPr wrap="square">
-            <a:spAutoFit/>
-          </a:bodyPr>
-          <a:lstStyle/>
-          <a:p>
-            <a:r>
-              <a:rPr lang="en-CA" sz="900" dirty="0">
-                <a:latin typeface="Courier" pitchFamily="2" charset="0"/>
-                <a:cs typeface="Courier New" panose="02070309020205020404" pitchFamily="49" charset="0"/>
-              </a:rPr>
-              <a:t>0                   1                   2                   3</a:t>
-            </a:r>
-          </a:p>
-          <a:p>
-            <a:r>
-              <a:rPr lang="en-CA" sz="900" dirty="0">
-                <a:latin typeface="Courier" pitchFamily="2" charset="0"/>
-                <a:cs typeface="Courier New" panose="02070309020205020404" pitchFamily="49" charset="0"/>
-              </a:rPr>
-              <a:t>0 1 2 3 4 5 6 7 8 9 0 1 2 3 4 5 6 7 8 9 0 1 2 3 4 5 6 7 8 9 0 1</a:t>
-            </a:r>
-          </a:p>
-          <a:p>
-            <a:r>
-              <a:rPr lang="en-CA" sz="900" dirty="0">
-                <a:latin typeface="Courier" pitchFamily="2" charset="0"/>
-                <a:cs typeface="Courier New" panose="02070309020205020404" pitchFamily="49" charset="0"/>
-              </a:rPr>
-              <a:t>+-+-+-+-+-+-+-+-+-+-+-+-+-+-+-+-+-+-+-+-+-+-+-+-+-+-+-+-+-+-+-+-+</a:t>
-            </a:r>
-          </a:p>
-          <a:p>
-            <a:r>
-              <a:rPr lang="en-CA" sz="900" dirty="0">
-                <a:latin typeface="Courier" pitchFamily="2" charset="0"/>
-              </a:rPr>
-              <a:t>|STAMP TLV Flags|  Type         |     Length                    |</a:t>
-            </a:r>
-          </a:p>
-          <a:p>
-            <a:r>
-              <a:rPr lang="en-CA" sz="900" dirty="0">
-                <a:latin typeface="Courier" pitchFamily="2" charset="0"/>
-                <a:cs typeface="Courier New" panose="02070309020205020404" pitchFamily="49" charset="0"/>
-              </a:rPr>
-              <a:t>+-+-+-+-+-+-+-+-+-+-+-+-+-+-+-+-+-+-+-+-+-+-+-+-+-+-+-+-+-+-+-+-+</a:t>
-            </a:r>
-          </a:p>
-          <a:p>
-            <a:r>
-              <a:rPr lang="en-CA" sz="900" dirty="0">
-                <a:latin typeface="Courier" pitchFamily="2" charset="0"/>
-                <a:cs typeface="Courier New" panose="02070309020205020404" pitchFamily="49" charset="0"/>
-              </a:rPr>
-              <a:t>|     Reserved                  |        Address Family         |</a:t>
-            </a:r>
-          </a:p>
-          <a:p>
-            <a:r>
-              <a:rPr lang="en-CA" sz="900" dirty="0">
-                <a:latin typeface="Courier" pitchFamily="2" charset="0"/>
-                <a:cs typeface="Courier New" panose="02070309020205020404" pitchFamily="49" charset="0"/>
-              </a:rPr>
-              <a:t>+-+-+-+-+-+-+-+-+-+-+-+-+-+-+-+-+-+-+-+-+-+-+-+-+-+-+-+-+-+-+-+-+</a:t>
-            </a:r>
-          </a:p>
-          <a:p>
-            <a:r>
-              <a:rPr lang="en-CA" sz="900" dirty="0">
-                <a:latin typeface="Courier" pitchFamily="2" charset="0"/>
-                <a:cs typeface="Courier New" panose="02070309020205020404" pitchFamily="49" charset="0"/>
-              </a:rPr>
-              <a:t>~                           Address                             ~</a:t>
-            </a:r>
-          </a:p>
-          <a:p>
-            <a:r>
-              <a:rPr lang="en-CA" sz="900" dirty="0">
-                <a:latin typeface="Courier" pitchFamily="2" charset="0"/>
-                <a:cs typeface="Courier New" panose="02070309020205020404" pitchFamily="49" charset="0"/>
-              </a:rPr>
-              <a:t>+-+-+-+-+-+-+-+-+-+-+-+-+-+-+-+-+-+-+-+-+-+-+-+-+-+-+-+-+-+-+-+-+</a:t>
-            </a:r>
-          </a:p>
-          <a:p>
-            <a:r>
-              <a:rPr lang="en-CA" sz="900" dirty="0">
-                <a:latin typeface="Courier" pitchFamily="2" charset="0"/>
-                <a:cs typeface="Courier New" panose="02070309020205020404" pitchFamily="49" charset="0"/>
-              </a:rPr>
-              <a:t> </a:t>
-            </a:r>
-          </a:p>
-          <a:p>
-            <a:r>
-              <a:rPr lang="en-CA" sz="900" dirty="0">
-                <a:latin typeface="Courier" pitchFamily="2" charset="0"/>
-                <a:cs typeface="Courier New" panose="02070309020205020404" pitchFamily="49" charset="0"/>
-              </a:rPr>
-              <a:t>                   Figure: Node Address TLV Format </a:t>
-            </a:r>
-            <a:endParaRPr lang="en-US" sz="900" dirty="0">
-              <a:latin typeface="Courier" pitchFamily="2" charset="0"/>
-              <a:cs typeface="Courier New" panose="02070309020205020404" pitchFamily="49" charset="0"/>
-            </a:endParaRPr>
-          </a:p>
-        </p:txBody>
-      </p:sp>
-      <p:sp>
-        <p:nvSpPr>
-          <p:cNvPr id="9" name="Rectangle 8">
-            <a:extLst>
-              <a:ext uri="{FF2B5EF4-FFF2-40B4-BE49-F238E27FC236}">
-                <a16:creationId xmlns:a16="http://schemas.microsoft.com/office/drawing/2014/main" id="{8BD4B8E2-831D-5C4C-9AA6-259F0AB5BE90}"/>
-              </a:ext>
-            </a:extLst>
-          </p:cNvPr>
-          <p:cNvSpPr/>
-          <p:nvPr/>
-        </p:nvSpPr>
-        <p:spPr>
-          <a:xfrm>
-            <a:off x="299357" y="1149180"/>
-            <a:ext cx="3924300" cy="2502929"/>
-          </a:xfrm>
-          <a:prstGeom prst="rect">
-            <a:avLst/>
-          </a:prstGeom>
-        </p:spPr>
-        <p:txBody>
-          <a:bodyPr wrap="square">
-            <a:spAutoFit/>
-          </a:bodyPr>
-          <a:lstStyle/>
-          <a:p>
-            <a:pPr>
-              <a:lnSpc>
-                <a:spcPts val="2120"/>
-              </a:lnSpc>
-              <a:spcAft>
-                <a:spcPts val="0"/>
-              </a:spcAft>
-            </a:pPr>
-            <a:r>
-              <a:rPr lang="en-CA" sz="1600" b="1" dirty="0">
-                <a:solidFill>
-                  <a:schemeClr val="tx2"/>
-                </a:solidFill>
-                <a:latin typeface="Calibri" panose="020F0502020204030204" pitchFamily="34" charset="0"/>
-                <a:ea typeface="Calibri" panose="020F0502020204030204" pitchFamily="34" charset="0"/>
-                <a:cs typeface="Consolas" panose="020B0609020204030204" pitchFamily="49" charset="0"/>
-              </a:rPr>
-              <a:t>Destination Node Address TLV (value TBA1):</a:t>
-            </a:r>
-          </a:p>
-          <a:p>
-            <a:pPr>
-              <a:lnSpc>
-                <a:spcPts val="2120"/>
-              </a:lnSpc>
-              <a:spcAft>
-                <a:spcPts val="0"/>
-              </a:spcAft>
-            </a:pPr>
-            <a:r>
-              <a:rPr lang="en-CA" sz="1600" dirty="0">
-                <a:solidFill>
-                  <a:schemeClr val="tx2"/>
-                </a:solidFill>
-                <a:latin typeface="Calibri" panose="020F0502020204030204" pitchFamily="34" charset="0"/>
-                <a:ea typeface="Calibri" panose="020F0502020204030204" pitchFamily="34" charset="0"/>
-                <a:cs typeface="Consolas" panose="020B0609020204030204" pitchFamily="49" charset="0"/>
-              </a:rPr>
-              <a:t> </a:t>
-            </a:r>
-          </a:p>
-          <a:p>
-            <a:pPr marL="285750" indent="-285750">
-              <a:lnSpc>
-                <a:spcPts val="2120"/>
-              </a:lnSpc>
-              <a:spcAft>
-                <a:spcPts val="0"/>
-              </a:spcAft>
-              <a:buFont typeface="Arial" panose="020B0604020202020204" pitchFamily="34" charset="0"/>
-              <a:buChar char="•"/>
-            </a:pPr>
-            <a:r>
-              <a:rPr lang="en-CA" sz="1600" dirty="0">
-                <a:solidFill>
-                  <a:schemeClr val="tx2"/>
-                </a:solidFill>
-                <a:latin typeface="Calibri" panose="020F0502020204030204" pitchFamily="34" charset="0"/>
-                <a:ea typeface="Calibri" panose="020F0502020204030204" pitchFamily="34" charset="0"/>
-                <a:cs typeface="Consolas" panose="020B0609020204030204" pitchFamily="49" charset="0"/>
-              </a:rPr>
-              <a:t>Indicates the address of the intended recipient node of the query message.  </a:t>
-            </a:r>
-          </a:p>
-          <a:p>
-            <a:pPr marL="285750" indent="-285750">
-              <a:lnSpc>
-                <a:spcPts val="2120"/>
-              </a:lnSpc>
-              <a:spcAft>
-                <a:spcPts val="0"/>
-              </a:spcAft>
-              <a:buFont typeface="Arial" panose="020B0604020202020204" pitchFamily="34" charset="0"/>
-              <a:buChar char="•"/>
-            </a:pPr>
-            <a:r>
-              <a:rPr lang="en-CA" sz="1600" dirty="0">
-                <a:solidFill>
-                  <a:schemeClr val="tx2"/>
-                </a:solidFill>
-                <a:latin typeface="Calibri" panose="020F0502020204030204" pitchFamily="34" charset="0"/>
-                <a:ea typeface="Calibri" panose="020F0502020204030204" pitchFamily="34" charset="0"/>
-                <a:cs typeface="Consolas" panose="020B0609020204030204" pitchFamily="49" charset="0"/>
-              </a:rPr>
-              <a:t>The Session-Reflector node </a:t>
-            </a:r>
-            <a:r>
-              <a:rPr lang="en-CA" sz="1600" b="1" dirty="0">
-                <a:solidFill>
-                  <a:schemeClr val="tx2"/>
-                </a:solidFill>
-                <a:latin typeface="Calibri" panose="020F0502020204030204" pitchFamily="34" charset="0"/>
-                <a:ea typeface="Calibri" panose="020F0502020204030204" pitchFamily="34" charset="0"/>
-                <a:cs typeface="Consolas" panose="020B0609020204030204" pitchFamily="49" charset="0"/>
-              </a:rPr>
-              <a:t>MUST NOT </a:t>
-            </a:r>
-            <a:r>
-              <a:rPr lang="en-CA" sz="1600" dirty="0">
-                <a:solidFill>
-                  <a:schemeClr val="tx2"/>
-                </a:solidFill>
-                <a:latin typeface="Calibri" panose="020F0502020204030204" pitchFamily="34" charset="0"/>
-                <a:ea typeface="Calibri" panose="020F0502020204030204" pitchFamily="34" charset="0"/>
-                <a:cs typeface="Consolas" panose="020B0609020204030204" pitchFamily="49" charset="0"/>
-              </a:rPr>
-              <a:t>send response if it is not the intended destination node of the query.</a:t>
-            </a:r>
-          </a:p>
-          <a:p>
-            <a:pPr marL="285750" indent="-285750">
-              <a:lnSpc>
-                <a:spcPts val="2120"/>
-              </a:lnSpc>
-              <a:spcAft>
-                <a:spcPts val="0"/>
-              </a:spcAft>
-              <a:buFont typeface="Arial" panose="020B0604020202020204" pitchFamily="34" charset="0"/>
-              <a:buChar char="•"/>
-            </a:pPr>
-            <a:r>
-              <a:rPr lang="en-CA" sz="1600" dirty="0">
-                <a:solidFill>
-                  <a:schemeClr val="tx2"/>
-                </a:solidFill>
-                <a:latin typeface="Calibri" panose="020F0502020204030204" pitchFamily="34" charset="0"/>
-                <a:ea typeface="Calibri" panose="020F0502020204030204" pitchFamily="34" charset="0"/>
-                <a:cs typeface="Consolas" panose="020B0609020204030204" pitchFamily="49" charset="0"/>
-              </a:rPr>
-              <a:t>Useful when query is sent with 127/8 destination address.</a:t>
-            </a:r>
-          </a:p>
-        </p:txBody>
-      </p:sp>
-    </p:spTree>
-    <p:extLst>
-      <p:ext uri="{BB962C8B-B14F-4D97-AF65-F5344CB8AC3E}">
-        <p14:creationId xmlns:p14="http://schemas.microsoft.com/office/powerpoint/2010/main" val="2343000683"/>
-      </p:ext>
-    </p:extLst>
-  </p:cSld>
-  <p:clrMapOvr>
-    <a:masterClrMapping/>
-  </p:clrMapOvr>
-</p:sld>
-</file>
-
-<file path=ppt/slides/slide7.xml><?xml version="1.0" encoding="utf-8"?>
-<p:sld xmlns:a="http://schemas.openxmlformats.org/drawingml/2006/main" xmlns:r="http://schemas.openxmlformats.org/officeDocument/2006/relationships" xmlns:p="http://schemas.openxmlformats.org/presentationml/2006/main">
-  <p:cSld>
-    <p:spTree>
-      <p:nvGrpSpPr>
-        <p:cNvPr id="1" name=""/>
-        <p:cNvGrpSpPr/>
-        <p:nvPr/>
-      </p:nvGrpSpPr>
-      <p:grpSpPr>
-        <a:xfrm>
-          <a:off x="0" y="0"/>
-          <a:ext cx="0" cy="0"/>
-          <a:chOff x="0" y="0"/>
-          <a:chExt cx="0" cy="0"/>
-        </a:xfrm>
-      </p:grpSpPr>
-      <p:sp>
-        <p:nvSpPr>
-          <p:cNvPr id="2" name="Title 1">
-            <a:extLst>
-              <a:ext uri="{FF2B5EF4-FFF2-40B4-BE49-F238E27FC236}">
-                <a16:creationId xmlns:a16="http://schemas.microsoft.com/office/drawing/2014/main" id="{9A6F4236-AC14-394A-A36C-F2BD8CED3237}"/>
-              </a:ext>
-            </a:extLst>
-          </p:cNvPr>
-          <p:cNvSpPr>
-            <a:spLocks noGrp="1"/>
-          </p:cNvSpPr>
-          <p:nvPr>
-            <p:ph type="title"/>
-          </p:nvPr>
-        </p:nvSpPr>
-        <p:spPr>
-          <a:xfrm>
-            <a:off x="228600" y="-8968"/>
-            <a:ext cx="8686800" cy="857250"/>
-          </a:xfrm>
-        </p:spPr>
-        <p:txBody>
-          <a:bodyPr/>
-          <a:lstStyle/>
-          <a:p>
-            <a:r>
-              <a:rPr lang="en-US" sz="3200" dirty="0">
-                <a:solidFill>
-                  <a:srgbClr val="0070C0"/>
-                </a:solidFill>
-                <a:latin typeface="Calibri Light" panose="020F0302020204030204" pitchFamily="34" charset="0"/>
-                <a:cs typeface="Calibri Light" panose="020F0302020204030204" pitchFamily="34" charset="0"/>
-              </a:rPr>
-              <a:t>STAMP - Return Path TLV</a:t>
-            </a:r>
-          </a:p>
-        </p:txBody>
-      </p:sp>
-      <p:sp>
-        <p:nvSpPr>
-          <p:cNvPr id="4" name="Footer Placeholder 3">
-            <a:extLst>
-              <a:ext uri="{FF2B5EF4-FFF2-40B4-BE49-F238E27FC236}">
-                <a16:creationId xmlns:a16="http://schemas.microsoft.com/office/drawing/2014/main" id="{643D160E-CC3C-EB46-A6F1-43B8E2996F46}"/>
-              </a:ext>
-            </a:extLst>
-          </p:cNvPr>
-          <p:cNvSpPr>
-            <a:spLocks noGrp="1"/>
-          </p:cNvSpPr>
-          <p:nvPr>
-            <p:ph type="ftr" sz="quarter" idx="11"/>
-          </p:nvPr>
-        </p:nvSpPr>
-        <p:spPr>
-          <a:xfrm>
-            <a:off x="3124200" y="4805362"/>
-            <a:ext cx="2895600" cy="357188"/>
-          </a:xfrm>
-        </p:spPr>
-        <p:txBody>
-          <a:bodyPr/>
-          <a:lstStyle/>
-          <a:p>
-            <a:r>
-              <a:rPr lang="en-CA" dirty="0"/>
-              <a:t>109</a:t>
-            </a:r>
-            <a:r>
-              <a:rPr lang="en-CA" baseline="30000" dirty="0"/>
-              <a:t>th</a:t>
-            </a:r>
-            <a:r>
-              <a:rPr lang="en-CA" dirty="0"/>
-              <a:t> IETF Online</a:t>
-            </a:r>
-          </a:p>
-        </p:txBody>
-      </p:sp>
-      <p:sp>
-        <p:nvSpPr>
-          <p:cNvPr id="5" name="Slide Number Placeholder 4">
-            <a:extLst>
-              <a:ext uri="{FF2B5EF4-FFF2-40B4-BE49-F238E27FC236}">
-                <a16:creationId xmlns:a16="http://schemas.microsoft.com/office/drawing/2014/main" id="{A8B868AE-B105-7547-A646-14FCDF91C2DD}"/>
-              </a:ext>
-            </a:extLst>
-          </p:cNvPr>
-          <p:cNvSpPr>
-            <a:spLocks noGrp="1"/>
-          </p:cNvSpPr>
-          <p:nvPr>
-            <p:ph type="sldNum" sz="quarter" idx="12"/>
-          </p:nvPr>
-        </p:nvSpPr>
-        <p:spPr/>
-        <p:txBody>
-          <a:bodyPr/>
-          <a:lstStyle/>
-          <a:p>
-            <a:pPr>
-              <a:defRPr/>
-            </a:pPr>
-            <a:fld id="{BD6E0F59-1DD8-40FC-9C92-B6295CBA6CCA}" type="slidenum">
-              <a:rPr lang="en-US" altLang="zh-CN" smtClean="0"/>
-              <a:pPr>
-                <a:defRPr/>
-              </a:pPr>
-              <a:t>7</a:t>
-            </a:fld>
-            <a:endParaRPr lang="en-US" altLang="zh-CN"/>
-          </a:p>
-        </p:txBody>
-      </p:sp>
-      <p:sp>
-        <p:nvSpPr>
-          <p:cNvPr id="7" name="Rectangle 6">
-            <a:extLst>
-              <a:ext uri="{FF2B5EF4-FFF2-40B4-BE49-F238E27FC236}">
-                <a16:creationId xmlns:a16="http://schemas.microsoft.com/office/drawing/2014/main" id="{AA6E66CA-28BC-2C4A-BC04-4600D8FEBF3B}"/>
-              </a:ext>
-            </a:extLst>
-          </p:cNvPr>
-          <p:cNvSpPr/>
-          <p:nvPr/>
-        </p:nvSpPr>
-        <p:spPr>
-          <a:xfrm>
-            <a:off x="4343400" y="837063"/>
-            <a:ext cx="4419600" cy="1323439"/>
-          </a:xfrm>
-          <a:prstGeom prst="rect">
-            <a:avLst/>
-          </a:prstGeom>
-          <a:solidFill>
-            <a:schemeClr val="accent6">
-              <a:lumMod val="20000"/>
-              <a:lumOff val="80000"/>
-            </a:schemeClr>
-          </a:solidFill>
-        </p:spPr>
-        <p:txBody>
-          <a:bodyPr wrap="square">
-            <a:spAutoFit/>
-          </a:bodyPr>
-          <a:lstStyle/>
-          <a:p>
-            <a:r>
-              <a:rPr lang="en-CA" sz="800" dirty="0">
-                <a:latin typeface="Courier" pitchFamily="2" charset="0"/>
-              </a:rPr>
-              <a:t>    0                   1                   2                   3</a:t>
-            </a:r>
-          </a:p>
-          <a:p>
-            <a:r>
-              <a:rPr lang="en-CA" sz="800" dirty="0">
-                <a:latin typeface="Courier" pitchFamily="2" charset="0"/>
-              </a:rPr>
-              <a:t>    0 1 2 3 4 5 6 7 8 9 0 1 2 3 4 5 6 7 8 9 0 1 2 3 4 5 6 7 8 9 0 1</a:t>
-            </a:r>
-          </a:p>
-          <a:p>
-            <a:r>
-              <a:rPr lang="en-CA" sz="800" dirty="0">
-                <a:latin typeface="Courier" pitchFamily="2" charset="0"/>
-              </a:rPr>
-              <a:t>    +-+-+-+-+-+-+-+-+-+-+-+-+-+-+-+-+-+-+-+-+-+-+-+-+-+-+-+-+-+-+-+-+</a:t>
-            </a:r>
-          </a:p>
-          <a:p>
-            <a:r>
-              <a:rPr lang="en-CA" sz="800" dirty="0">
-                <a:latin typeface="Courier" pitchFamily="2" charset="0"/>
-              </a:rPr>
-              <a:t>    |STAMP TLV Flags|  Type = TBA2  |     Length                    |</a:t>
-            </a:r>
-          </a:p>
-          <a:p>
-            <a:r>
-              <a:rPr lang="en-CA" sz="800" dirty="0">
-                <a:latin typeface="Courier" pitchFamily="2" charset="0"/>
-              </a:rPr>
-              <a:t>    +-+-+-+-+-+-+-+-+-+-+-+-+-+-+-+-+-+-+-+-+-+-+-+-+-+-+-+-+-+-+-+-+</a:t>
-            </a:r>
-          </a:p>
-          <a:p>
-            <a:r>
-              <a:rPr lang="en-CA" sz="800" dirty="0">
-                <a:latin typeface="Courier" pitchFamily="2" charset="0"/>
-              </a:rPr>
-              <a:t>    |                    Return Path Sub-TLVs                       |</a:t>
-            </a:r>
-          </a:p>
-          <a:p>
-            <a:r>
-              <a:rPr lang="en-CA" sz="800" dirty="0">
-                <a:latin typeface="Courier" pitchFamily="2" charset="0"/>
-              </a:rPr>
-              <a:t>    .                                                               .</a:t>
-            </a:r>
-          </a:p>
-          <a:p>
-            <a:r>
-              <a:rPr lang="en-CA" sz="800" dirty="0">
-                <a:latin typeface="Courier" pitchFamily="2" charset="0"/>
-              </a:rPr>
-              <a:t>    +-+-+-+-+-+-+-+-+-+-+-+-+-+-+-+-+-+-+-+-+-+-+-+-+-+-+-+-+-+-+-+-+</a:t>
-            </a:r>
-          </a:p>
-          <a:p>
-            <a:endParaRPr lang="en-CA" sz="800" dirty="0">
-              <a:latin typeface="Courier" pitchFamily="2" charset="0"/>
-            </a:endParaRPr>
-          </a:p>
-          <a:p>
-            <a:r>
-              <a:rPr lang="en-CA" sz="800" dirty="0">
-                <a:latin typeface="Courier" pitchFamily="2" charset="0"/>
-              </a:rPr>
-              <a:t>                         Figure: Return Path TLV</a:t>
-            </a:r>
-          </a:p>
-        </p:txBody>
-      </p:sp>
-      <p:sp>
-        <p:nvSpPr>
-          <p:cNvPr id="6" name="Content Placeholder 2">
-            <a:extLst>
-              <a:ext uri="{FF2B5EF4-FFF2-40B4-BE49-F238E27FC236}">
-                <a16:creationId xmlns:a16="http://schemas.microsoft.com/office/drawing/2014/main" id="{23AC919A-376F-2044-ADF3-0CCFB1FD964A}"/>
-              </a:ext>
-            </a:extLst>
-          </p:cNvPr>
-          <p:cNvSpPr>
-            <a:spLocks noGrp="1"/>
-          </p:cNvSpPr>
-          <p:nvPr>
-            <p:ph idx="1"/>
-          </p:nvPr>
-        </p:nvSpPr>
-        <p:spPr>
-          <a:xfrm>
-            <a:off x="152400" y="985158"/>
-            <a:ext cx="4114800" cy="3350617"/>
-          </a:xfrm>
-        </p:spPr>
-        <p:txBody>
-          <a:bodyPr/>
-          <a:lstStyle/>
-          <a:p>
-            <a:pPr marL="0" indent="0">
-              <a:spcBef>
-                <a:spcPts val="600"/>
-              </a:spcBef>
-              <a:buNone/>
-            </a:pPr>
-            <a:r>
-              <a:rPr lang="en-CA" sz="1400" b="1" dirty="0">
-                <a:latin typeface="Calibri" panose="020F0502020204030204" pitchFamily="34" charset="0"/>
-                <a:ea typeface="Calibri" panose="020F0502020204030204" pitchFamily="34" charset="0"/>
-                <a:cs typeface="Consolas" panose="020B0609020204030204" pitchFamily="49" charset="0"/>
-              </a:rPr>
-              <a:t>Return Path TLV (value TBA2):</a:t>
-            </a:r>
-            <a:endParaRPr lang="en-CA" sz="1400" b="1" dirty="0"/>
-          </a:p>
-          <a:p>
-            <a:pPr marL="0" indent="0">
-              <a:spcBef>
-                <a:spcPts val="600"/>
-              </a:spcBef>
-              <a:buNone/>
-            </a:pPr>
-            <a:r>
-              <a:rPr lang="en-CA" sz="1400" dirty="0"/>
-              <a:t>Sub-TLVs Types:</a:t>
-            </a:r>
-          </a:p>
-          <a:p>
-            <a:pPr>
-              <a:spcBef>
-                <a:spcPts val="600"/>
-              </a:spcBef>
-            </a:pPr>
-            <a:r>
-              <a:rPr lang="en-CA" sz="1400" dirty="0"/>
-              <a:t>Type (value 1): Return Address. Target node address of the response; different than the Source Address in the query</a:t>
-            </a:r>
-          </a:p>
-          <a:p>
-            <a:pPr>
-              <a:spcBef>
-                <a:spcPts val="600"/>
-              </a:spcBef>
-            </a:pPr>
-            <a:r>
-              <a:rPr lang="en-CA" sz="1400" dirty="0"/>
-              <a:t>Type (value 2): SR-MPLS Label Stack of the Reverse SR Path</a:t>
-            </a:r>
-          </a:p>
-          <a:p>
-            <a:pPr>
-              <a:spcBef>
-                <a:spcPts val="600"/>
-              </a:spcBef>
-            </a:pPr>
-            <a:r>
-              <a:rPr lang="en-CA" sz="1400" dirty="0"/>
-              <a:t>Type (value 3): SR-MPLS Binding SID [draft-</a:t>
-            </a:r>
-            <a:r>
-              <a:rPr lang="en-CA" sz="1400" dirty="0" err="1"/>
-              <a:t>ietf</a:t>
-            </a:r>
-            <a:r>
-              <a:rPr lang="en-CA" sz="1400" dirty="0"/>
-              <a:t>-</a:t>
-            </a:r>
-            <a:r>
-              <a:rPr lang="en-CA" sz="1400" dirty="0" err="1"/>
-              <a:t>pce</a:t>
-            </a:r>
-            <a:r>
-              <a:rPr lang="en-CA" sz="1400" dirty="0"/>
-              <a:t>-binding-label-</a:t>
-            </a:r>
-            <a:r>
-              <a:rPr lang="en-CA" sz="1400" dirty="0" err="1"/>
-              <a:t>sid</a:t>
-            </a:r>
-            <a:r>
-              <a:rPr lang="en-CA" sz="1400" dirty="0"/>
-              <a:t>] of the Reverse SR Policy</a:t>
-            </a:r>
-          </a:p>
-          <a:p>
-            <a:pPr>
-              <a:spcBef>
-                <a:spcPts val="600"/>
-              </a:spcBef>
-            </a:pPr>
-            <a:r>
-              <a:rPr lang="en-CA" sz="1400" dirty="0"/>
-              <a:t>Type (value 4): SRv6 Segment List of the Reverse SR Path</a:t>
-            </a:r>
-          </a:p>
-          <a:p>
-            <a:pPr>
-              <a:spcBef>
-                <a:spcPts val="600"/>
-              </a:spcBef>
-            </a:pPr>
-            <a:r>
-              <a:rPr lang="en-CA" sz="1400" dirty="0"/>
-              <a:t>Type (value 5): SRv6 Binding SID [draft-</a:t>
-            </a:r>
-            <a:r>
-              <a:rPr lang="en-CA" sz="1400" dirty="0" err="1"/>
-              <a:t>ietf</a:t>
-            </a:r>
-            <a:r>
-              <a:rPr lang="en-CA" sz="1400" dirty="0"/>
-              <a:t>-</a:t>
-            </a:r>
-            <a:r>
-              <a:rPr lang="en-CA" sz="1400" dirty="0" err="1"/>
-              <a:t>pce</a:t>
-            </a:r>
-            <a:r>
-              <a:rPr lang="en-CA" sz="1400" dirty="0"/>
-              <a:t>-binding-label-</a:t>
-            </a:r>
-            <a:r>
-              <a:rPr lang="en-CA" sz="1400" dirty="0" err="1"/>
-              <a:t>sid</a:t>
-            </a:r>
-            <a:r>
-              <a:rPr lang="en-CA" sz="1400" dirty="0"/>
-              <a:t>] of the Reverse SR Policy</a:t>
-            </a:r>
-            <a:endParaRPr lang="en-US" sz="1400" dirty="0">
-              <a:latin typeface="Calibri" charset="0"/>
-              <a:ea typeface="Calibri" charset="0"/>
-              <a:cs typeface="Calibri" charset="0"/>
-            </a:endParaRPr>
-          </a:p>
-        </p:txBody>
-      </p:sp>
-      <p:sp>
-        <p:nvSpPr>
-          <p:cNvPr id="9" name="Rectangle 8">
-            <a:extLst>
-              <a:ext uri="{FF2B5EF4-FFF2-40B4-BE49-F238E27FC236}">
-                <a16:creationId xmlns:a16="http://schemas.microsoft.com/office/drawing/2014/main" id="{B04D7E52-9ADA-114D-877F-E1C7CA482275}"/>
-              </a:ext>
-            </a:extLst>
-          </p:cNvPr>
-          <p:cNvSpPr/>
-          <p:nvPr/>
-        </p:nvSpPr>
-        <p:spPr>
-          <a:xfrm>
-            <a:off x="4343400" y="2385355"/>
-            <a:ext cx="4419600" cy="2185214"/>
-          </a:xfrm>
-          <a:prstGeom prst="rect">
-            <a:avLst/>
-          </a:prstGeom>
-          <a:solidFill>
-            <a:schemeClr val="accent6">
-              <a:lumMod val="20000"/>
-              <a:lumOff val="80000"/>
-            </a:schemeClr>
-          </a:solidFill>
-        </p:spPr>
-        <p:txBody>
-          <a:bodyPr wrap="square">
-            <a:spAutoFit/>
-          </a:bodyPr>
-          <a:lstStyle/>
-          <a:p>
-            <a:r>
-              <a:rPr lang="en-CA" sz="800" dirty="0">
-                <a:latin typeface="Courier" pitchFamily="2" charset="0"/>
-              </a:rPr>
-              <a:t>    0                   1                   2                   3</a:t>
-            </a:r>
-          </a:p>
-          <a:p>
-            <a:r>
-              <a:rPr lang="en-CA" sz="800" dirty="0">
-                <a:latin typeface="Courier" pitchFamily="2" charset="0"/>
-              </a:rPr>
-              <a:t>    0 1 2 3 4 5 6 7 8 9 0 1 2 3 4 5 6 7 8 9 0 1 2 3 4 5 6 7 8 9 0 1</a:t>
-            </a:r>
-          </a:p>
-          <a:p>
-            <a:r>
-              <a:rPr lang="en-CA" sz="800" dirty="0">
-                <a:latin typeface="Courier" pitchFamily="2" charset="0"/>
-              </a:rPr>
-              <a:t>    +-+-+-+-+-+-+-+-+-+-+-+-+-+-+-+-+-+-+-+-+-+-+-+-+-+-+-+-+-+-+-+-+</a:t>
-            </a:r>
-          </a:p>
-          <a:p>
-            <a:r>
-              <a:rPr lang="en-CA" sz="800" dirty="0">
-                <a:latin typeface="Courier" pitchFamily="2" charset="0"/>
-              </a:rPr>
-              <a:t>    |STAMP TLV Flags|  Type         |     Length                    |</a:t>
-            </a:r>
-          </a:p>
-          <a:p>
-            <a:r>
-              <a:rPr lang="en-CA" sz="800" dirty="0">
-                <a:latin typeface="Courier" pitchFamily="2" charset="0"/>
-              </a:rPr>
-              <a:t>    +-+-+-+-+-+-+-+-+-+-+-+-+-+-+-+-+-+-+-+-+-+-+-+-+-+-+-+-+-+-+-+-+</a:t>
-            </a:r>
-          </a:p>
-          <a:p>
-            <a:r>
-              <a:rPr lang="en-CA" sz="800" dirty="0">
-                <a:latin typeface="Courier" pitchFamily="2" charset="0"/>
-              </a:rPr>
-              <a:t>    |                    Segment(1)                                 |</a:t>
-            </a:r>
-          </a:p>
-          <a:p>
-            <a:r>
-              <a:rPr lang="en-CA" sz="800" dirty="0">
-                <a:latin typeface="Courier" pitchFamily="2" charset="0"/>
-              </a:rPr>
-              <a:t>    .                                                               .</a:t>
-            </a:r>
-          </a:p>
-          <a:p>
-            <a:r>
-              <a:rPr lang="en-CA" sz="800" dirty="0">
-                <a:latin typeface="Courier" pitchFamily="2" charset="0"/>
-              </a:rPr>
-              <a:t>    +-+-+-+-+-+-+-+-+-+-+-+-+-+-+-+-+-+-+-+-+-+-+-+-+-+-+-+-+-+-+-+-+</a:t>
-            </a:r>
-          </a:p>
-          <a:p>
-            <a:r>
-              <a:rPr lang="en-CA" sz="800" dirty="0">
-                <a:latin typeface="Courier" pitchFamily="2" charset="0"/>
-              </a:rPr>
-              <a:t>    .                                                               .</a:t>
-            </a:r>
-          </a:p>
-          <a:p>
-            <a:r>
-              <a:rPr lang="en-CA" sz="800" dirty="0">
-                <a:latin typeface="Courier" pitchFamily="2" charset="0"/>
-              </a:rPr>
-              <a:t>    .                                                               .</a:t>
-            </a:r>
-          </a:p>
-          <a:p>
-            <a:r>
-              <a:rPr lang="en-CA" sz="800" dirty="0">
-                <a:latin typeface="Courier" pitchFamily="2" charset="0"/>
-              </a:rPr>
-              <a:t>    .                                                               .</a:t>
-            </a:r>
-          </a:p>
-          <a:p>
-            <a:r>
-              <a:rPr lang="en-CA" sz="800" dirty="0">
-                <a:latin typeface="Courier" pitchFamily="2" charset="0"/>
-              </a:rPr>
-              <a:t>    +-+-+-+-+-+-+-+-+-+-+-+-+-+-+-+-+-+-+-+-+-+-+-+-+-+-+-+-+-+-+-+-+</a:t>
-            </a:r>
-          </a:p>
-          <a:p>
-            <a:r>
-              <a:rPr lang="en-CA" sz="800" dirty="0">
-                <a:latin typeface="Courier" pitchFamily="2" charset="0"/>
-              </a:rPr>
-              <a:t>    |                    Segment(n)                                 |</a:t>
-            </a:r>
-          </a:p>
-          <a:p>
-            <a:r>
-              <a:rPr lang="en-CA" sz="800" dirty="0">
-                <a:latin typeface="Courier" pitchFamily="2" charset="0"/>
-              </a:rPr>
-              <a:t>    .                                                               .</a:t>
-            </a:r>
-          </a:p>
-          <a:p>
-            <a:r>
-              <a:rPr lang="en-CA" sz="800" dirty="0">
-                <a:latin typeface="Courier" pitchFamily="2" charset="0"/>
-              </a:rPr>
-              <a:t>    +-+-+-+-+-+-+-+-+-+-+-+-+-+-+-+-+-+-+-+-+-+-+-+-+-+-+-+-+-+-+-+-+</a:t>
-            </a:r>
-          </a:p>
-          <a:p>
-            <a:endParaRPr lang="en-CA" sz="800" dirty="0">
-              <a:latin typeface="Courier" pitchFamily="2" charset="0"/>
-            </a:endParaRPr>
-          </a:p>
-          <a:p>
-            <a:r>
-              <a:rPr lang="en-CA" sz="800" dirty="0">
-                <a:latin typeface="Courier" pitchFamily="2" charset="0"/>
-              </a:rPr>
-              <a:t>              Figure: Segment List Sub-TLV in Return Path TLV</a:t>
-            </a:r>
-            <a:endParaRPr lang="en-US" sz="800" dirty="0">
-              <a:latin typeface="Courier" pitchFamily="2" charset="0"/>
-              <a:cs typeface="Courier New" panose="02070309020205020404" pitchFamily="49" charset="0"/>
-            </a:endParaRPr>
-          </a:p>
-        </p:txBody>
-      </p:sp>
-    </p:spTree>
-    <p:extLst>
-      <p:ext uri="{BB962C8B-B14F-4D97-AF65-F5344CB8AC3E}">
-        <p14:creationId xmlns:p14="http://schemas.microsoft.com/office/powerpoint/2010/main" val="720098633"/>
-      </p:ext>
-    </p:extLst>
-  </p:cSld>
-  <p:clrMapOvr>
-    <a:masterClrMapping/>
-  </p:clrMapOvr>
-</p:sld>
-</file>
-
-<file path=ppt/slides/slide8.xml><?xml version="1.0" encoding="utf-8"?>
-<p:sld xmlns:a="http://schemas.openxmlformats.org/drawingml/2006/main" xmlns:r="http://schemas.openxmlformats.org/officeDocument/2006/relationships" xmlns:p="http://schemas.openxmlformats.org/presentationml/2006/main">
-  <p:cSld>
-    <p:spTree>
-      <p:nvGrpSpPr>
-        <p:cNvPr id="1" name=""/>
-        <p:cNvGrpSpPr/>
-        <p:nvPr/>
-      </p:nvGrpSpPr>
-      <p:grpSpPr>
-        <a:xfrm>
-          <a:off x="0" y="0"/>
-          <a:ext cx="0" cy="0"/>
-          <a:chOff x="0" y="0"/>
-          <a:chExt cx="0" cy="0"/>
-        </a:xfrm>
-      </p:grpSpPr>
-      <p:sp>
-        <p:nvSpPr>
           <p:cNvPr id="2" name="Title 1"/>
           <p:cNvSpPr>
             <a:spLocks noGrp="1"/>
@@ -8601,7 +7532,7 @@
               <a:pPr>
                 <a:defRPr/>
               </a:pPr>
-              <a:t>8</a:t>
+              <a:t>6</a:t>
             </a:fld>
             <a:endParaRPr lang="en-US" altLang="zh-CN" dirty="0"/>
           </a:p>
@@ -10873,6 +9804,1039 @@
     <p:extLst>
       <p:ext uri="{BB962C8B-B14F-4D97-AF65-F5344CB8AC3E}">
         <p14:creationId xmlns:p14="http://schemas.microsoft.com/office/powerpoint/2010/main" val="4229054511"/>
+      </p:ext>
+    </p:extLst>
+  </p:cSld>
+  <p:clrMapOvr>
+    <a:masterClrMapping/>
+  </p:clrMapOvr>
+</p:sld>
+</file>
+
+<file path=ppt/slides/slide7.xml><?xml version="1.0" encoding="utf-8"?>
+<p:sld xmlns:a="http://schemas.openxmlformats.org/drawingml/2006/main" xmlns:r="http://schemas.openxmlformats.org/officeDocument/2006/relationships" xmlns:p="http://schemas.openxmlformats.org/presentationml/2006/main">
+  <p:cSld>
+    <p:spTree>
+      <p:nvGrpSpPr>
+        <p:cNvPr id="1" name=""/>
+        <p:cNvGrpSpPr/>
+        <p:nvPr/>
+      </p:nvGrpSpPr>
+      <p:grpSpPr>
+        <a:xfrm>
+          <a:off x="0" y="0"/>
+          <a:ext cx="0" cy="0"/>
+          <a:chOff x="0" y="0"/>
+          <a:chExt cx="0" cy="0"/>
+        </a:xfrm>
+      </p:grpSpPr>
+      <p:sp>
+        <p:nvSpPr>
+          <p:cNvPr id="2" name="Title 1">
+            <a:extLst>
+              <a:ext uri="{FF2B5EF4-FFF2-40B4-BE49-F238E27FC236}">
+                <a16:creationId xmlns:a16="http://schemas.microsoft.com/office/drawing/2014/main" id="{9A6F4236-AC14-394A-A36C-F2BD8CED3237}"/>
+              </a:ext>
+            </a:extLst>
+          </p:cNvPr>
+          <p:cNvSpPr>
+            <a:spLocks noGrp="1"/>
+          </p:cNvSpPr>
+          <p:nvPr>
+            <p:ph type="title"/>
+          </p:nvPr>
+        </p:nvSpPr>
+        <p:spPr>
+          <a:xfrm>
+            <a:off x="228600" y="-20187"/>
+            <a:ext cx="8686800" cy="857250"/>
+          </a:xfrm>
+        </p:spPr>
+        <p:txBody>
+          <a:bodyPr/>
+          <a:lstStyle/>
+          <a:p>
+            <a:r>
+              <a:rPr lang="en-US" sz="3200" dirty="0">
+                <a:solidFill>
+                  <a:srgbClr val="0070C0"/>
+                </a:solidFill>
+                <a:latin typeface="Calibri Light" panose="020F0302020204030204" pitchFamily="34" charset="0"/>
+                <a:cs typeface="Calibri Light" panose="020F0302020204030204" pitchFamily="34" charset="0"/>
+              </a:rPr>
+              <a:t>STAMP - Destination Node Address TLV</a:t>
+            </a:r>
+          </a:p>
+        </p:txBody>
+      </p:sp>
+      <p:sp>
+        <p:nvSpPr>
+          <p:cNvPr id="4" name="Footer Placeholder 3">
+            <a:extLst>
+              <a:ext uri="{FF2B5EF4-FFF2-40B4-BE49-F238E27FC236}">
+                <a16:creationId xmlns:a16="http://schemas.microsoft.com/office/drawing/2014/main" id="{643D160E-CC3C-EB46-A6F1-43B8E2996F46}"/>
+              </a:ext>
+            </a:extLst>
+          </p:cNvPr>
+          <p:cNvSpPr>
+            <a:spLocks noGrp="1"/>
+          </p:cNvSpPr>
+          <p:nvPr>
+            <p:ph type="ftr" sz="quarter" idx="11"/>
+          </p:nvPr>
+        </p:nvSpPr>
+        <p:spPr>
+          <a:xfrm>
+            <a:off x="3124200" y="4805362"/>
+            <a:ext cx="2895600" cy="357188"/>
+          </a:xfrm>
+        </p:spPr>
+        <p:txBody>
+          <a:bodyPr/>
+          <a:lstStyle/>
+          <a:p>
+            <a:r>
+              <a:rPr lang="en-CA" dirty="0"/>
+              <a:t>109</a:t>
+            </a:r>
+            <a:r>
+              <a:rPr lang="en-CA" baseline="30000" dirty="0"/>
+              <a:t>th</a:t>
+            </a:r>
+            <a:r>
+              <a:rPr lang="en-CA" dirty="0"/>
+              <a:t> IETF Online</a:t>
+            </a:r>
+          </a:p>
+        </p:txBody>
+      </p:sp>
+      <p:sp>
+        <p:nvSpPr>
+          <p:cNvPr id="5" name="Slide Number Placeholder 4">
+            <a:extLst>
+              <a:ext uri="{FF2B5EF4-FFF2-40B4-BE49-F238E27FC236}">
+                <a16:creationId xmlns:a16="http://schemas.microsoft.com/office/drawing/2014/main" id="{A8B868AE-B105-7547-A646-14FCDF91C2DD}"/>
+              </a:ext>
+            </a:extLst>
+          </p:cNvPr>
+          <p:cNvSpPr>
+            <a:spLocks noGrp="1"/>
+          </p:cNvSpPr>
+          <p:nvPr>
+            <p:ph type="sldNum" sz="quarter" idx="12"/>
+          </p:nvPr>
+        </p:nvSpPr>
+        <p:spPr/>
+        <p:txBody>
+          <a:bodyPr/>
+          <a:lstStyle/>
+          <a:p>
+            <a:pPr>
+              <a:defRPr/>
+            </a:pPr>
+            <a:fld id="{BD6E0F59-1DD8-40FC-9C92-B6295CBA6CCA}" type="slidenum">
+              <a:rPr lang="en-US" altLang="zh-CN" smtClean="0"/>
+              <a:pPr>
+                <a:defRPr/>
+              </a:pPr>
+              <a:t>7</a:t>
+            </a:fld>
+            <a:endParaRPr lang="en-US" altLang="zh-CN"/>
+          </a:p>
+        </p:txBody>
+      </p:sp>
+      <p:sp>
+        <p:nvSpPr>
+          <p:cNvPr id="7" name="Rectangle 6">
+            <a:extLst>
+              <a:ext uri="{FF2B5EF4-FFF2-40B4-BE49-F238E27FC236}">
+                <a16:creationId xmlns:a16="http://schemas.microsoft.com/office/drawing/2014/main" id="{AA6E66CA-28BC-2C4A-BC04-4600D8FEBF3B}"/>
+              </a:ext>
+            </a:extLst>
+          </p:cNvPr>
+          <p:cNvSpPr/>
+          <p:nvPr/>
+        </p:nvSpPr>
+        <p:spPr>
+          <a:xfrm>
+            <a:off x="4229100" y="1625953"/>
+            <a:ext cx="4648200" cy="1615827"/>
+          </a:xfrm>
+          <a:prstGeom prst="rect">
+            <a:avLst/>
+          </a:prstGeom>
+          <a:solidFill>
+            <a:schemeClr val="accent6">
+              <a:lumMod val="20000"/>
+              <a:lumOff val="80000"/>
+            </a:schemeClr>
+          </a:solidFill>
+        </p:spPr>
+        <p:txBody>
+          <a:bodyPr wrap="square">
+            <a:spAutoFit/>
+          </a:bodyPr>
+          <a:lstStyle/>
+          <a:p>
+            <a:r>
+              <a:rPr lang="en-CA" sz="900" dirty="0">
+                <a:latin typeface="Courier" pitchFamily="2" charset="0"/>
+                <a:cs typeface="Courier New" panose="02070309020205020404" pitchFamily="49" charset="0"/>
+              </a:rPr>
+              <a:t>0                   1                   2                   3</a:t>
+            </a:r>
+          </a:p>
+          <a:p>
+            <a:r>
+              <a:rPr lang="en-CA" sz="900" dirty="0">
+                <a:latin typeface="Courier" pitchFamily="2" charset="0"/>
+                <a:cs typeface="Courier New" panose="02070309020205020404" pitchFamily="49" charset="0"/>
+              </a:rPr>
+              <a:t>0 1 2 3 4 5 6 7 8 9 0 1 2 3 4 5 6 7 8 9 0 1 2 3 4 5 6 7 8 9 0 1</a:t>
+            </a:r>
+          </a:p>
+          <a:p>
+            <a:r>
+              <a:rPr lang="en-CA" sz="900" dirty="0">
+                <a:latin typeface="Courier" pitchFamily="2" charset="0"/>
+                <a:cs typeface="Courier New" panose="02070309020205020404" pitchFamily="49" charset="0"/>
+              </a:rPr>
+              <a:t>+-+-+-+-+-+-+-+-+-+-+-+-+-+-+-+-+-+-+-+-+-+-+-+-+-+-+-+-+-+-+-+-+</a:t>
+            </a:r>
+          </a:p>
+          <a:p>
+            <a:r>
+              <a:rPr lang="en-CA" sz="900" dirty="0">
+                <a:latin typeface="Courier" pitchFamily="2" charset="0"/>
+              </a:rPr>
+              <a:t>|STAMP TLV Flags|  Type         |     Length                    |</a:t>
+            </a:r>
+          </a:p>
+          <a:p>
+            <a:r>
+              <a:rPr lang="en-CA" sz="900" dirty="0">
+                <a:latin typeface="Courier" pitchFamily="2" charset="0"/>
+                <a:cs typeface="Courier New" panose="02070309020205020404" pitchFamily="49" charset="0"/>
+              </a:rPr>
+              <a:t>+-+-+-+-+-+-+-+-+-+-+-+-+-+-+-+-+-+-+-+-+-+-+-+-+-+-+-+-+-+-+-+-+</a:t>
+            </a:r>
+          </a:p>
+          <a:p>
+            <a:r>
+              <a:rPr lang="en-CA" sz="900" dirty="0">
+                <a:latin typeface="Courier" pitchFamily="2" charset="0"/>
+                <a:cs typeface="Courier New" panose="02070309020205020404" pitchFamily="49" charset="0"/>
+              </a:rPr>
+              <a:t>|     Reserved                  |        Address Family         |</a:t>
+            </a:r>
+          </a:p>
+          <a:p>
+            <a:r>
+              <a:rPr lang="en-CA" sz="900" dirty="0">
+                <a:latin typeface="Courier" pitchFamily="2" charset="0"/>
+                <a:cs typeface="Courier New" panose="02070309020205020404" pitchFamily="49" charset="0"/>
+              </a:rPr>
+              <a:t>+-+-+-+-+-+-+-+-+-+-+-+-+-+-+-+-+-+-+-+-+-+-+-+-+-+-+-+-+-+-+-+-+</a:t>
+            </a:r>
+          </a:p>
+          <a:p>
+            <a:r>
+              <a:rPr lang="en-CA" sz="900" dirty="0">
+                <a:latin typeface="Courier" pitchFamily="2" charset="0"/>
+                <a:cs typeface="Courier New" panose="02070309020205020404" pitchFamily="49" charset="0"/>
+              </a:rPr>
+              <a:t>~                           Address                             ~</a:t>
+            </a:r>
+          </a:p>
+          <a:p>
+            <a:r>
+              <a:rPr lang="en-CA" sz="900" dirty="0">
+                <a:latin typeface="Courier" pitchFamily="2" charset="0"/>
+                <a:cs typeface="Courier New" panose="02070309020205020404" pitchFamily="49" charset="0"/>
+              </a:rPr>
+              <a:t>+-+-+-+-+-+-+-+-+-+-+-+-+-+-+-+-+-+-+-+-+-+-+-+-+-+-+-+-+-+-+-+-+</a:t>
+            </a:r>
+          </a:p>
+          <a:p>
+            <a:r>
+              <a:rPr lang="en-CA" sz="900" dirty="0">
+                <a:latin typeface="Courier" pitchFamily="2" charset="0"/>
+                <a:cs typeface="Courier New" panose="02070309020205020404" pitchFamily="49" charset="0"/>
+              </a:rPr>
+              <a:t> </a:t>
+            </a:r>
+          </a:p>
+          <a:p>
+            <a:r>
+              <a:rPr lang="en-CA" sz="900" dirty="0">
+                <a:latin typeface="Courier" pitchFamily="2" charset="0"/>
+                <a:cs typeface="Courier New" panose="02070309020205020404" pitchFamily="49" charset="0"/>
+              </a:rPr>
+              <a:t>                   Figure: Node Address TLV Format </a:t>
+            </a:r>
+            <a:endParaRPr lang="en-US" sz="900" dirty="0">
+              <a:latin typeface="Courier" pitchFamily="2" charset="0"/>
+              <a:cs typeface="Courier New" panose="02070309020205020404" pitchFamily="49" charset="0"/>
+            </a:endParaRPr>
+          </a:p>
+        </p:txBody>
+      </p:sp>
+      <p:sp>
+        <p:nvSpPr>
+          <p:cNvPr id="9" name="Rectangle 8">
+            <a:extLst>
+              <a:ext uri="{FF2B5EF4-FFF2-40B4-BE49-F238E27FC236}">
+                <a16:creationId xmlns:a16="http://schemas.microsoft.com/office/drawing/2014/main" id="{8BD4B8E2-831D-5C4C-9AA6-259F0AB5BE90}"/>
+              </a:ext>
+            </a:extLst>
+          </p:cNvPr>
+          <p:cNvSpPr/>
+          <p:nvPr/>
+        </p:nvSpPr>
+        <p:spPr>
+          <a:xfrm>
+            <a:off x="299357" y="1149180"/>
+            <a:ext cx="3924300" cy="2502929"/>
+          </a:xfrm>
+          <a:prstGeom prst="rect">
+            <a:avLst/>
+          </a:prstGeom>
+        </p:spPr>
+        <p:txBody>
+          <a:bodyPr wrap="square">
+            <a:spAutoFit/>
+          </a:bodyPr>
+          <a:lstStyle/>
+          <a:p>
+            <a:pPr>
+              <a:lnSpc>
+                <a:spcPts val="2120"/>
+              </a:lnSpc>
+              <a:spcAft>
+                <a:spcPts val="0"/>
+              </a:spcAft>
+            </a:pPr>
+            <a:r>
+              <a:rPr lang="en-CA" sz="1600" b="1" dirty="0">
+                <a:solidFill>
+                  <a:schemeClr val="tx2"/>
+                </a:solidFill>
+                <a:latin typeface="Calibri" panose="020F0502020204030204" pitchFamily="34" charset="0"/>
+                <a:ea typeface="Calibri" panose="020F0502020204030204" pitchFamily="34" charset="0"/>
+                <a:cs typeface="Consolas" panose="020B0609020204030204" pitchFamily="49" charset="0"/>
+              </a:rPr>
+              <a:t>Destination Node Address TLV (value TBA1):</a:t>
+            </a:r>
+          </a:p>
+          <a:p>
+            <a:pPr>
+              <a:lnSpc>
+                <a:spcPts val="2120"/>
+              </a:lnSpc>
+              <a:spcAft>
+                <a:spcPts val="0"/>
+              </a:spcAft>
+            </a:pPr>
+            <a:r>
+              <a:rPr lang="en-CA" sz="1600" dirty="0">
+                <a:solidFill>
+                  <a:schemeClr val="tx2"/>
+                </a:solidFill>
+                <a:latin typeface="Calibri" panose="020F0502020204030204" pitchFamily="34" charset="0"/>
+                <a:ea typeface="Calibri" panose="020F0502020204030204" pitchFamily="34" charset="0"/>
+                <a:cs typeface="Consolas" panose="020B0609020204030204" pitchFamily="49" charset="0"/>
+              </a:rPr>
+              <a:t> </a:t>
+            </a:r>
+          </a:p>
+          <a:p>
+            <a:pPr marL="285750" indent="-285750">
+              <a:lnSpc>
+                <a:spcPts val="2120"/>
+              </a:lnSpc>
+              <a:spcAft>
+                <a:spcPts val="0"/>
+              </a:spcAft>
+              <a:buFont typeface="Arial" panose="020B0604020202020204" pitchFamily="34" charset="0"/>
+              <a:buChar char="•"/>
+            </a:pPr>
+            <a:r>
+              <a:rPr lang="en-CA" sz="1600" dirty="0">
+                <a:solidFill>
+                  <a:schemeClr val="tx2"/>
+                </a:solidFill>
+                <a:latin typeface="Calibri" panose="020F0502020204030204" pitchFamily="34" charset="0"/>
+                <a:ea typeface="Calibri" panose="020F0502020204030204" pitchFamily="34" charset="0"/>
+                <a:cs typeface="Consolas" panose="020B0609020204030204" pitchFamily="49" charset="0"/>
+              </a:rPr>
+              <a:t>Indicates the address of the intended recipient node of the query message.  </a:t>
+            </a:r>
+          </a:p>
+          <a:p>
+            <a:pPr marL="285750" indent="-285750">
+              <a:lnSpc>
+                <a:spcPts val="2120"/>
+              </a:lnSpc>
+              <a:spcAft>
+                <a:spcPts val="0"/>
+              </a:spcAft>
+              <a:buFont typeface="Arial" panose="020B0604020202020204" pitchFamily="34" charset="0"/>
+              <a:buChar char="•"/>
+            </a:pPr>
+            <a:r>
+              <a:rPr lang="en-CA" sz="1600" dirty="0">
+                <a:solidFill>
+                  <a:schemeClr val="tx2"/>
+                </a:solidFill>
+                <a:latin typeface="Calibri" panose="020F0502020204030204" pitchFamily="34" charset="0"/>
+                <a:ea typeface="Calibri" panose="020F0502020204030204" pitchFamily="34" charset="0"/>
+                <a:cs typeface="Consolas" panose="020B0609020204030204" pitchFamily="49" charset="0"/>
+              </a:rPr>
+              <a:t>The Session-Reflector node </a:t>
+            </a:r>
+            <a:r>
+              <a:rPr lang="en-CA" sz="1600" b="1" dirty="0">
+                <a:solidFill>
+                  <a:schemeClr val="tx2"/>
+                </a:solidFill>
+                <a:latin typeface="Calibri" panose="020F0502020204030204" pitchFamily="34" charset="0"/>
+                <a:ea typeface="Calibri" panose="020F0502020204030204" pitchFamily="34" charset="0"/>
+                <a:cs typeface="Consolas" panose="020B0609020204030204" pitchFamily="49" charset="0"/>
+              </a:rPr>
+              <a:t>MUST NOT </a:t>
+            </a:r>
+            <a:r>
+              <a:rPr lang="en-CA" sz="1600" dirty="0">
+                <a:solidFill>
+                  <a:schemeClr val="tx2"/>
+                </a:solidFill>
+                <a:latin typeface="Calibri" panose="020F0502020204030204" pitchFamily="34" charset="0"/>
+                <a:ea typeface="Calibri" panose="020F0502020204030204" pitchFamily="34" charset="0"/>
+                <a:cs typeface="Consolas" panose="020B0609020204030204" pitchFamily="49" charset="0"/>
+              </a:rPr>
+              <a:t>send response if it is not the intended destination node of the query.</a:t>
+            </a:r>
+          </a:p>
+          <a:p>
+            <a:pPr marL="285750" indent="-285750">
+              <a:lnSpc>
+                <a:spcPts val="2120"/>
+              </a:lnSpc>
+              <a:spcAft>
+                <a:spcPts val="0"/>
+              </a:spcAft>
+              <a:buFont typeface="Arial" panose="020B0604020202020204" pitchFamily="34" charset="0"/>
+              <a:buChar char="•"/>
+            </a:pPr>
+            <a:r>
+              <a:rPr lang="en-CA" sz="1600" dirty="0">
+                <a:solidFill>
+                  <a:schemeClr val="tx2"/>
+                </a:solidFill>
+                <a:latin typeface="Calibri" panose="020F0502020204030204" pitchFamily="34" charset="0"/>
+                <a:ea typeface="Calibri" panose="020F0502020204030204" pitchFamily="34" charset="0"/>
+                <a:cs typeface="Consolas" panose="020B0609020204030204" pitchFamily="49" charset="0"/>
+              </a:rPr>
+              <a:t>Useful when query is sent with 127/8 destination address.</a:t>
+            </a:r>
+          </a:p>
+        </p:txBody>
+      </p:sp>
+    </p:spTree>
+    <p:extLst>
+      <p:ext uri="{BB962C8B-B14F-4D97-AF65-F5344CB8AC3E}">
+        <p14:creationId xmlns:p14="http://schemas.microsoft.com/office/powerpoint/2010/main" val="2343000683"/>
+      </p:ext>
+    </p:extLst>
+  </p:cSld>
+  <p:clrMapOvr>
+    <a:masterClrMapping/>
+  </p:clrMapOvr>
+</p:sld>
+</file>
+
+<file path=ppt/slides/slide8.xml><?xml version="1.0" encoding="utf-8"?>
+<p:sld xmlns:a="http://schemas.openxmlformats.org/drawingml/2006/main" xmlns:r="http://schemas.openxmlformats.org/officeDocument/2006/relationships" xmlns:p="http://schemas.openxmlformats.org/presentationml/2006/main">
+  <p:cSld>
+    <p:spTree>
+      <p:nvGrpSpPr>
+        <p:cNvPr id="1" name=""/>
+        <p:cNvGrpSpPr/>
+        <p:nvPr/>
+      </p:nvGrpSpPr>
+      <p:grpSpPr>
+        <a:xfrm>
+          <a:off x="0" y="0"/>
+          <a:ext cx="0" cy="0"/>
+          <a:chOff x="0" y="0"/>
+          <a:chExt cx="0" cy="0"/>
+        </a:xfrm>
+      </p:grpSpPr>
+      <p:sp>
+        <p:nvSpPr>
+          <p:cNvPr id="2" name="Title 1">
+            <a:extLst>
+              <a:ext uri="{FF2B5EF4-FFF2-40B4-BE49-F238E27FC236}">
+                <a16:creationId xmlns:a16="http://schemas.microsoft.com/office/drawing/2014/main" id="{9A6F4236-AC14-394A-A36C-F2BD8CED3237}"/>
+              </a:ext>
+            </a:extLst>
+          </p:cNvPr>
+          <p:cNvSpPr>
+            <a:spLocks noGrp="1"/>
+          </p:cNvSpPr>
+          <p:nvPr>
+            <p:ph type="title"/>
+          </p:nvPr>
+        </p:nvSpPr>
+        <p:spPr>
+          <a:xfrm>
+            <a:off x="228600" y="-8968"/>
+            <a:ext cx="8686800" cy="857250"/>
+          </a:xfrm>
+        </p:spPr>
+        <p:txBody>
+          <a:bodyPr/>
+          <a:lstStyle/>
+          <a:p>
+            <a:r>
+              <a:rPr lang="en-US" sz="3200" dirty="0">
+                <a:solidFill>
+                  <a:srgbClr val="0070C0"/>
+                </a:solidFill>
+                <a:latin typeface="Calibri Light" panose="020F0302020204030204" pitchFamily="34" charset="0"/>
+                <a:cs typeface="Calibri Light" panose="020F0302020204030204" pitchFamily="34" charset="0"/>
+              </a:rPr>
+              <a:t>STAMP - Return Path TLV</a:t>
+            </a:r>
+          </a:p>
+        </p:txBody>
+      </p:sp>
+      <p:sp>
+        <p:nvSpPr>
+          <p:cNvPr id="4" name="Footer Placeholder 3">
+            <a:extLst>
+              <a:ext uri="{FF2B5EF4-FFF2-40B4-BE49-F238E27FC236}">
+                <a16:creationId xmlns:a16="http://schemas.microsoft.com/office/drawing/2014/main" id="{643D160E-CC3C-EB46-A6F1-43B8E2996F46}"/>
+              </a:ext>
+            </a:extLst>
+          </p:cNvPr>
+          <p:cNvSpPr>
+            <a:spLocks noGrp="1"/>
+          </p:cNvSpPr>
+          <p:nvPr>
+            <p:ph type="ftr" sz="quarter" idx="11"/>
+          </p:nvPr>
+        </p:nvSpPr>
+        <p:spPr>
+          <a:xfrm>
+            <a:off x="3124200" y="4805362"/>
+            <a:ext cx="2895600" cy="357188"/>
+          </a:xfrm>
+        </p:spPr>
+        <p:txBody>
+          <a:bodyPr/>
+          <a:lstStyle/>
+          <a:p>
+            <a:r>
+              <a:rPr lang="en-CA" dirty="0"/>
+              <a:t>109</a:t>
+            </a:r>
+            <a:r>
+              <a:rPr lang="en-CA" baseline="30000" dirty="0"/>
+              <a:t>th</a:t>
+            </a:r>
+            <a:r>
+              <a:rPr lang="en-CA" dirty="0"/>
+              <a:t> IETF Online</a:t>
+            </a:r>
+          </a:p>
+        </p:txBody>
+      </p:sp>
+      <p:sp>
+        <p:nvSpPr>
+          <p:cNvPr id="5" name="Slide Number Placeholder 4">
+            <a:extLst>
+              <a:ext uri="{FF2B5EF4-FFF2-40B4-BE49-F238E27FC236}">
+                <a16:creationId xmlns:a16="http://schemas.microsoft.com/office/drawing/2014/main" id="{A8B868AE-B105-7547-A646-14FCDF91C2DD}"/>
+              </a:ext>
+            </a:extLst>
+          </p:cNvPr>
+          <p:cNvSpPr>
+            <a:spLocks noGrp="1"/>
+          </p:cNvSpPr>
+          <p:nvPr>
+            <p:ph type="sldNum" sz="quarter" idx="12"/>
+          </p:nvPr>
+        </p:nvSpPr>
+        <p:spPr/>
+        <p:txBody>
+          <a:bodyPr/>
+          <a:lstStyle/>
+          <a:p>
+            <a:pPr>
+              <a:defRPr/>
+            </a:pPr>
+            <a:fld id="{BD6E0F59-1DD8-40FC-9C92-B6295CBA6CCA}" type="slidenum">
+              <a:rPr lang="en-US" altLang="zh-CN" smtClean="0"/>
+              <a:pPr>
+                <a:defRPr/>
+              </a:pPr>
+              <a:t>8</a:t>
+            </a:fld>
+            <a:endParaRPr lang="en-US" altLang="zh-CN"/>
+          </a:p>
+        </p:txBody>
+      </p:sp>
+      <p:sp>
+        <p:nvSpPr>
+          <p:cNvPr id="7" name="Rectangle 6">
+            <a:extLst>
+              <a:ext uri="{FF2B5EF4-FFF2-40B4-BE49-F238E27FC236}">
+                <a16:creationId xmlns:a16="http://schemas.microsoft.com/office/drawing/2014/main" id="{AA6E66CA-28BC-2C4A-BC04-4600D8FEBF3B}"/>
+              </a:ext>
+            </a:extLst>
+          </p:cNvPr>
+          <p:cNvSpPr/>
+          <p:nvPr/>
+        </p:nvSpPr>
+        <p:spPr>
+          <a:xfrm>
+            <a:off x="4343400" y="837063"/>
+            <a:ext cx="4419600" cy="1323439"/>
+          </a:xfrm>
+          <a:prstGeom prst="rect">
+            <a:avLst/>
+          </a:prstGeom>
+          <a:solidFill>
+            <a:schemeClr val="accent6">
+              <a:lumMod val="20000"/>
+              <a:lumOff val="80000"/>
+            </a:schemeClr>
+          </a:solidFill>
+        </p:spPr>
+        <p:txBody>
+          <a:bodyPr wrap="square">
+            <a:spAutoFit/>
+          </a:bodyPr>
+          <a:lstStyle/>
+          <a:p>
+            <a:r>
+              <a:rPr lang="en-CA" sz="800" dirty="0">
+                <a:latin typeface="Courier" pitchFamily="2" charset="0"/>
+              </a:rPr>
+              <a:t>    0                   1                   2                   3</a:t>
+            </a:r>
+          </a:p>
+          <a:p>
+            <a:r>
+              <a:rPr lang="en-CA" sz="800" dirty="0">
+                <a:latin typeface="Courier" pitchFamily="2" charset="0"/>
+              </a:rPr>
+              <a:t>    0 1 2 3 4 5 6 7 8 9 0 1 2 3 4 5 6 7 8 9 0 1 2 3 4 5 6 7 8 9 0 1</a:t>
+            </a:r>
+          </a:p>
+          <a:p>
+            <a:r>
+              <a:rPr lang="en-CA" sz="800" dirty="0">
+                <a:latin typeface="Courier" pitchFamily="2" charset="0"/>
+              </a:rPr>
+              <a:t>    +-+-+-+-+-+-+-+-+-+-+-+-+-+-+-+-+-+-+-+-+-+-+-+-+-+-+-+-+-+-+-+-+</a:t>
+            </a:r>
+          </a:p>
+          <a:p>
+            <a:r>
+              <a:rPr lang="en-CA" sz="800" dirty="0">
+                <a:latin typeface="Courier" pitchFamily="2" charset="0"/>
+              </a:rPr>
+              <a:t>    |STAMP TLV Flags|  Type = TBA2  |     Length                    |</a:t>
+            </a:r>
+          </a:p>
+          <a:p>
+            <a:r>
+              <a:rPr lang="en-CA" sz="800" dirty="0">
+                <a:latin typeface="Courier" pitchFamily="2" charset="0"/>
+              </a:rPr>
+              <a:t>    +-+-+-+-+-+-+-+-+-+-+-+-+-+-+-+-+-+-+-+-+-+-+-+-+-+-+-+-+-+-+-+-+</a:t>
+            </a:r>
+          </a:p>
+          <a:p>
+            <a:r>
+              <a:rPr lang="en-CA" sz="800" dirty="0">
+                <a:latin typeface="Courier" pitchFamily="2" charset="0"/>
+              </a:rPr>
+              <a:t>    |                    Return Path Sub-TLVs                       |</a:t>
+            </a:r>
+          </a:p>
+          <a:p>
+            <a:r>
+              <a:rPr lang="en-CA" sz="800" dirty="0">
+                <a:latin typeface="Courier" pitchFamily="2" charset="0"/>
+              </a:rPr>
+              <a:t>    .                                                               .</a:t>
+            </a:r>
+          </a:p>
+          <a:p>
+            <a:r>
+              <a:rPr lang="en-CA" sz="800" dirty="0">
+                <a:latin typeface="Courier" pitchFamily="2" charset="0"/>
+              </a:rPr>
+              <a:t>    +-+-+-+-+-+-+-+-+-+-+-+-+-+-+-+-+-+-+-+-+-+-+-+-+-+-+-+-+-+-+-+-+</a:t>
+            </a:r>
+          </a:p>
+          <a:p>
+            <a:endParaRPr lang="en-CA" sz="800" dirty="0">
+              <a:latin typeface="Courier" pitchFamily="2" charset="0"/>
+            </a:endParaRPr>
+          </a:p>
+          <a:p>
+            <a:r>
+              <a:rPr lang="en-CA" sz="800" dirty="0">
+                <a:latin typeface="Courier" pitchFamily="2" charset="0"/>
+              </a:rPr>
+              <a:t>                         Figure: Return Path TLV</a:t>
+            </a:r>
+          </a:p>
+        </p:txBody>
+      </p:sp>
+      <p:sp>
+        <p:nvSpPr>
+          <p:cNvPr id="6" name="Content Placeholder 2">
+            <a:extLst>
+              <a:ext uri="{FF2B5EF4-FFF2-40B4-BE49-F238E27FC236}">
+                <a16:creationId xmlns:a16="http://schemas.microsoft.com/office/drawing/2014/main" id="{23AC919A-376F-2044-ADF3-0CCFB1FD964A}"/>
+              </a:ext>
+            </a:extLst>
+          </p:cNvPr>
+          <p:cNvSpPr>
+            <a:spLocks noGrp="1"/>
+          </p:cNvSpPr>
+          <p:nvPr>
+            <p:ph idx="1"/>
+          </p:nvPr>
+        </p:nvSpPr>
+        <p:spPr>
+          <a:xfrm>
+            <a:off x="152400" y="985158"/>
+            <a:ext cx="4114800" cy="3350617"/>
+          </a:xfrm>
+        </p:spPr>
+        <p:txBody>
+          <a:bodyPr/>
+          <a:lstStyle/>
+          <a:p>
+            <a:pPr marL="0" indent="0">
+              <a:spcBef>
+                <a:spcPts val="600"/>
+              </a:spcBef>
+              <a:buNone/>
+            </a:pPr>
+            <a:r>
+              <a:rPr lang="en-CA" sz="1400" b="1" dirty="0">
+                <a:latin typeface="Calibri" panose="020F0502020204030204" pitchFamily="34" charset="0"/>
+                <a:ea typeface="Calibri" panose="020F0502020204030204" pitchFamily="34" charset="0"/>
+                <a:cs typeface="Consolas" panose="020B0609020204030204" pitchFamily="49" charset="0"/>
+              </a:rPr>
+              <a:t>Return Path TLV (value TBA2):</a:t>
+            </a:r>
+            <a:endParaRPr lang="en-CA" sz="1400" b="1" dirty="0"/>
+          </a:p>
+          <a:p>
+            <a:pPr marL="0" indent="0">
+              <a:spcBef>
+                <a:spcPts val="600"/>
+              </a:spcBef>
+              <a:buNone/>
+            </a:pPr>
+            <a:r>
+              <a:rPr lang="en-CA" sz="1400" dirty="0"/>
+              <a:t>Sub-TLVs Types:</a:t>
+            </a:r>
+          </a:p>
+          <a:p>
+            <a:pPr>
+              <a:spcBef>
+                <a:spcPts val="600"/>
+              </a:spcBef>
+            </a:pPr>
+            <a:r>
+              <a:rPr lang="en-CA" sz="1400" dirty="0"/>
+              <a:t>Type (value 1): Return Address. Target node address of the response; different than the Source Address in the query</a:t>
+            </a:r>
+          </a:p>
+          <a:p>
+            <a:pPr>
+              <a:spcBef>
+                <a:spcPts val="600"/>
+              </a:spcBef>
+            </a:pPr>
+            <a:r>
+              <a:rPr lang="en-CA" sz="1400" dirty="0"/>
+              <a:t>Type (value 2): SR-MPLS Label Stack of the Reverse SR Path</a:t>
+            </a:r>
+          </a:p>
+          <a:p>
+            <a:pPr>
+              <a:spcBef>
+                <a:spcPts val="600"/>
+              </a:spcBef>
+            </a:pPr>
+            <a:r>
+              <a:rPr lang="en-CA" sz="1400" dirty="0"/>
+              <a:t>Type (value 3): SR-MPLS Binding SID [draft-</a:t>
+            </a:r>
+            <a:r>
+              <a:rPr lang="en-CA" sz="1400" dirty="0" err="1"/>
+              <a:t>ietf</a:t>
+            </a:r>
+            <a:r>
+              <a:rPr lang="en-CA" sz="1400" dirty="0"/>
+              <a:t>-</a:t>
+            </a:r>
+            <a:r>
+              <a:rPr lang="en-CA" sz="1400" dirty="0" err="1"/>
+              <a:t>pce</a:t>
+            </a:r>
+            <a:r>
+              <a:rPr lang="en-CA" sz="1400" dirty="0"/>
+              <a:t>-binding-label-</a:t>
+            </a:r>
+            <a:r>
+              <a:rPr lang="en-CA" sz="1400" dirty="0" err="1"/>
+              <a:t>sid</a:t>
+            </a:r>
+            <a:r>
+              <a:rPr lang="en-CA" sz="1400" dirty="0"/>
+              <a:t>] of the Reverse SR Policy</a:t>
+            </a:r>
+          </a:p>
+          <a:p>
+            <a:pPr>
+              <a:spcBef>
+                <a:spcPts val="600"/>
+              </a:spcBef>
+            </a:pPr>
+            <a:r>
+              <a:rPr lang="en-CA" sz="1400" dirty="0"/>
+              <a:t>Type (value 4): SRv6 Segment List of the Reverse SR Path</a:t>
+            </a:r>
+          </a:p>
+          <a:p>
+            <a:pPr>
+              <a:spcBef>
+                <a:spcPts val="600"/>
+              </a:spcBef>
+            </a:pPr>
+            <a:r>
+              <a:rPr lang="en-CA" sz="1400" dirty="0"/>
+              <a:t>Type (value 5): SRv6 Binding SID [draft-</a:t>
+            </a:r>
+            <a:r>
+              <a:rPr lang="en-CA" sz="1400" dirty="0" err="1"/>
+              <a:t>ietf</a:t>
+            </a:r>
+            <a:r>
+              <a:rPr lang="en-CA" sz="1400" dirty="0"/>
+              <a:t>-</a:t>
+            </a:r>
+            <a:r>
+              <a:rPr lang="en-CA" sz="1400" dirty="0" err="1"/>
+              <a:t>pce</a:t>
+            </a:r>
+            <a:r>
+              <a:rPr lang="en-CA" sz="1400" dirty="0"/>
+              <a:t>-binding-label-</a:t>
+            </a:r>
+            <a:r>
+              <a:rPr lang="en-CA" sz="1400" dirty="0" err="1"/>
+              <a:t>sid</a:t>
+            </a:r>
+            <a:r>
+              <a:rPr lang="en-CA" sz="1400" dirty="0"/>
+              <a:t>] of the Reverse SR Policy</a:t>
+            </a:r>
+            <a:endParaRPr lang="en-US" sz="1400" dirty="0">
+              <a:latin typeface="Calibri" charset="0"/>
+              <a:ea typeface="Calibri" charset="0"/>
+              <a:cs typeface="Calibri" charset="0"/>
+            </a:endParaRPr>
+          </a:p>
+        </p:txBody>
+      </p:sp>
+      <p:sp>
+        <p:nvSpPr>
+          <p:cNvPr id="9" name="Rectangle 8">
+            <a:extLst>
+              <a:ext uri="{FF2B5EF4-FFF2-40B4-BE49-F238E27FC236}">
+                <a16:creationId xmlns:a16="http://schemas.microsoft.com/office/drawing/2014/main" id="{B04D7E52-9ADA-114D-877F-E1C7CA482275}"/>
+              </a:ext>
+            </a:extLst>
+          </p:cNvPr>
+          <p:cNvSpPr/>
+          <p:nvPr/>
+        </p:nvSpPr>
+        <p:spPr>
+          <a:xfrm>
+            <a:off x="4343400" y="2385355"/>
+            <a:ext cx="4419600" cy="2185214"/>
+          </a:xfrm>
+          <a:prstGeom prst="rect">
+            <a:avLst/>
+          </a:prstGeom>
+          <a:solidFill>
+            <a:schemeClr val="accent6">
+              <a:lumMod val="20000"/>
+              <a:lumOff val="80000"/>
+            </a:schemeClr>
+          </a:solidFill>
+        </p:spPr>
+        <p:txBody>
+          <a:bodyPr wrap="square">
+            <a:spAutoFit/>
+          </a:bodyPr>
+          <a:lstStyle/>
+          <a:p>
+            <a:r>
+              <a:rPr lang="en-CA" sz="800" dirty="0">
+                <a:latin typeface="Courier" pitchFamily="2" charset="0"/>
+              </a:rPr>
+              <a:t>    0                   1                   2                   3</a:t>
+            </a:r>
+          </a:p>
+          <a:p>
+            <a:r>
+              <a:rPr lang="en-CA" sz="800" dirty="0">
+                <a:latin typeface="Courier" pitchFamily="2" charset="0"/>
+              </a:rPr>
+              <a:t>    0 1 2 3 4 5 6 7 8 9 0 1 2 3 4 5 6 7 8 9 0 1 2 3 4 5 6 7 8 9 0 1</a:t>
+            </a:r>
+          </a:p>
+          <a:p>
+            <a:r>
+              <a:rPr lang="en-CA" sz="800" dirty="0">
+                <a:latin typeface="Courier" pitchFamily="2" charset="0"/>
+              </a:rPr>
+              <a:t>    +-+-+-+-+-+-+-+-+-+-+-+-+-+-+-+-+-+-+-+-+-+-+-+-+-+-+-+-+-+-+-+-+</a:t>
+            </a:r>
+          </a:p>
+          <a:p>
+            <a:r>
+              <a:rPr lang="en-CA" sz="800" dirty="0">
+                <a:latin typeface="Courier" pitchFamily="2" charset="0"/>
+              </a:rPr>
+              <a:t>    |STAMP TLV Flags|  Type         |     Length                    |</a:t>
+            </a:r>
+          </a:p>
+          <a:p>
+            <a:r>
+              <a:rPr lang="en-CA" sz="800" dirty="0">
+                <a:latin typeface="Courier" pitchFamily="2" charset="0"/>
+              </a:rPr>
+              <a:t>    +-+-+-+-+-+-+-+-+-+-+-+-+-+-+-+-+-+-+-+-+-+-+-+-+-+-+-+-+-+-+-+-+</a:t>
+            </a:r>
+          </a:p>
+          <a:p>
+            <a:r>
+              <a:rPr lang="en-CA" sz="800" dirty="0">
+                <a:latin typeface="Courier" pitchFamily="2" charset="0"/>
+              </a:rPr>
+              <a:t>    |                    Segment(1)                                 |</a:t>
+            </a:r>
+          </a:p>
+          <a:p>
+            <a:r>
+              <a:rPr lang="en-CA" sz="800" dirty="0">
+                <a:latin typeface="Courier" pitchFamily="2" charset="0"/>
+              </a:rPr>
+              <a:t>    .                                                               .</a:t>
+            </a:r>
+          </a:p>
+          <a:p>
+            <a:r>
+              <a:rPr lang="en-CA" sz="800" dirty="0">
+                <a:latin typeface="Courier" pitchFamily="2" charset="0"/>
+              </a:rPr>
+              <a:t>    +-+-+-+-+-+-+-+-+-+-+-+-+-+-+-+-+-+-+-+-+-+-+-+-+-+-+-+-+-+-+-+-+</a:t>
+            </a:r>
+          </a:p>
+          <a:p>
+            <a:r>
+              <a:rPr lang="en-CA" sz="800" dirty="0">
+                <a:latin typeface="Courier" pitchFamily="2" charset="0"/>
+              </a:rPr>
+              <a:t>    .                                                               .</a:t>
+            </a:r>
+          </a:p>
+          <a:p>
+            <a:r>
+              <a:rPr lang="en-CA" sz="800" dirty="0">
+                <a:latin typeface="Courier" pitchFamily="2" charset="0"/>
+              </a:rPr>
+              <a:t>    .                                                               .</a:t>
+            </a:r>
+          </a:p>
+          <a:p>
+            <a:r>
+              <a:rPr lang="en-CA" sz="800" dirty="0">
+                <a:latin typeface="Courier" pitchFamily="2" charset="0"/>
+              </a:rPr>
+              <a:t>    .                                                               .</a:t>
+            </a:r>
+          </a:p>
+          <a:p>
+            <a:r>
+              <a:rPr lang="en-CA" sz="800" dirty="0">
+                <a:latin typeface="Courier" pitchFamily="2" charset="0"/>
+              </a:rPr>
+              <a:t>    +-+-+-+-+-+-+-+-+-+-+-+-+-+-+-+-+-+-+-+-+-+-+-+-+-+-+-+-+-+-+-+-+</a:t>
+            </a:r>
+          </a:p>
+          <a:p>
+            <a:r>
+              <a:rPr lang="en-CA" sz="800" dirty="0">
+                <a:latin typeface="Courier" pitchFamily="2" charset="0"/>
+              </a:rPr>
+              <a:t>    |                    Segment(n)                                 |</a:t>
+            </a:r>
+          </a:p>
+          <a:p>
+            <a:r>
+              <a:rPr lang="en-CA" sz="800" dirty="0">
+                <a:latin typeface="Courier" pitchFamily="2" charset="0"/>
+              </a:rPr>
+              <a:t>    .                                                               .</a:t>
+            </a:r>
+          </a:p>
+          <a:p>
+            <a:r>
+              <a:rPr lang="en-CA" sz="800" dirty="0">
+                <a:latin typeface="Courier" pitchFamily="2" charset="0"/>
+              </a:rPr>
+              <a:t>    +-+-+-+-+-+-+-+-+-+-+-+-+-+-+-+-+-+-+-+-+-+-+-+-+-+-+-+-+-+-+-+-+</a:t>
+            </a:r>
+          </a:p>
+          <a:p>
+            <a:endParaRPr lang="en-CA" sz="800" dirty="0">
+              <a:latin typeface="Courier" pitchFamily="2" charset="0"/>
+            </a:endParaRPr>
+          </a:p>
+          <a:p>
+            <a:r>
+              <a:rPr lang="en-CA" sz="800" dirty="0">
+                <a:latin typeface="Courier" pitchFamily="2" charset="0"/>
+              </a:rPr>
+              <a:t>              Figure: Segment List Sub-TLV in Return Path TLV</a:t>
+            </a:r>
+            <a:endParaRPr lang="en-US" sz="800" dirty="0">
+              <a:latin typeface="Courier" pitchFamily="2" charset="0"/>
+              <a:cs typeface="Courier New" panose="02070309020205020404" pitchFamily="49" charset="0"/>
+            </a:endParaRPr>
+          </a:p>
+        </p:txBody>
+      </p:sp>
+    </p:spTree>
+    <p:extLst>
+      <p:ext uri="{BB962C8B-B14F-4D97-AF65-F5344CB8AC3E}">
+        <p14:creationId xmlns:p14="http://schemas.microsoft.com/office/powerpoint/2010/main" val="720098633"/>
       </p:ext>
     </p:extLst>
   </p:cSld>

--- a/draft-gandhi-ippm-stamp-srpm-00.pptx
+++ b/draft-gandhi-ippm-stamp-srpm-00.pptx
@@ -5,10 +5,10 @@
     <p:sldMasterId id="2147483648" r:id="rId1"/>
   </p:sldMasterIdLst>
   <p:notesMasterIdLst>
-    <p:notesMasterId r:id="rId12"/>
+    <p:notesMasterId r:id="rId14"/>
   </p:notesMasterIdLst>
   <p:handoutMasterIdLst>
-    <p:handoutMasterId r:id="rId13"/>
+    <p:handoutMasterId r:id="rId15"/>
   </p:handoutMasterIdLst>
   <p:sldIdLst>
     <p:sldId id="1661" r:id="rId2"/>
@@ -19,8 +19,10 @@
     <p:sldId id="321" r:id="rId7"/>
     <p:sldId id="1668" r:id="rId8"/>
     <p:sldId id="1669" r:id="rId9"/>
-    <p:sldId id="1670" r:id="rId10"/>
-    <p:sldId id="1671" r:id="rId11"/>
+    <p:sldId id="1672" r:id="rId10"/>
+    <p:sldId id="1673" r:id="rId11"/>
+    <p:sldId id="1670" r:id="rId12"/>
+    <p:sldId id="1671" r:id="rId13"/>
   </p:sldIdLst>
   <p:sldSz cx="9144000" cy="5143500" type="screen16x9"/>
   <p:notesSz cx="6858000" cy="9144000"/>
@@ -253,7 +255,7 @@
           <a:p>
             <a:fld id="{E8FA3DB5-7722-3F4F-947D-12B203669AD7}" type="datetimeFigureOut">
               <a:rPr lang="en-US" smtClean="0"/>
-              <a:t>11/10/20</a:t>
+              <a:t>11/11/20</a:t>
             </a:fld>
             <a:endParaRPr lang="en-US"/>
           </a:p>
@@ -1220,7 +1222,7 @@
     </p:spTree>
     <p:extLst>
       <p:ext uri="{BB962C8B-B14F-4D97-AF65-F5344CB8AC3E}">
-        <p14:creationId xmlns:p14="http://schemas.microsoft.com/office/powerpoint/2010/main" val="1250483859"/>
+        <p14:creationId xmlns:p14="http://schemas.microsoft.com/office/powerpoint/2010/main" val="546535066"/>
       </p:ext>
     </p:extLst>
   </p:cSld>
@@ -1274,7 +1276,7 @@
           <a:bodyPr/>
           <a:lstStyle/>
           <a:p>
-            <a:endParaRPr lang="en-US" dirty="0"/>
+            <a:endParaRPr lang="en-CA" dirty="0"/>
           </a:p>
         </p:txBody>
       </p:sp>
@@ -1302,6 +1304,186 @@
                 <a:defRPr/>
               </a:pPr>
               <a:t>10</a:t>
+            </a:fld>
+            <a:endParaRPr lang="en-US" altLang="zh-CN"/>
+          </a:p>
+        </p:txBody>
+      </p:sp>
+    </p:spTree>
+    <p:extLst>
+      <p:ext uri="{BB962C8B-B14F-4D97-AF65-F5344CB8AC3E}">
+        <p14:creationId xmlns:p14="http://schemas.microsoft.com/office/powerpoint/2010/main" val="855600821"/>
+      </p:ext>
+    </p:extLst>
+  </p:cSld>
+  <p:clrMapOvr>
+    <a:masterClrMapping/>
+  </p:clrMapOvr>
+</p:notes>
+</file>
+
+<file path=ppt/notesSlides/notesSlide7.xml><?xml version="1.0" encoding="utf-8"?>
+<p:notes xmlns:a="http://schemas.openxmlformats.org/drawingml/2006/main" xmlns:r="http://schemas.openxmlformats.org/officeDocument/2006/relationships" xmlns:p="http://schemas.openxmlformats.org/presentationml/2006/main">
+  <p:cSld>
+    <p:spTree>
+      <p:nvGrpSpPr>
+        <p:cNvPr id="1" name=""/>
+        <p:cNvGrpSpPr/>
+        <p:nvPr/>
+      </p:nvGrpSpPr>
+      <p:grpSpPr>
+        <a:xfrm>
+          <a:off x="0" y="0"/>
+          <a:ext cx="0" cy="0"/>
+          <a:chOff x="0" y="0"/>
+          <a:chExt cx="0" cy="0"/>
+        </a:xfrm>
+      </p:grpSpPr>
+      <p:sp>
+        <p:nvSpPr>
+          <p:cNvPr id="2" name="Slide Image Placeholder 1"/>
+          <p:cNvSpPr>
+            <a:spLocks noGrp="1" noRot="1" noChangeAspect="1"/>
+          </p:cNvSpPr>
+          <p:nvPr>
+            <p:ph type="sldImg"/>
+          </p:nvPr>
+        </p:nvSpPr>
+        <p:spPr/>
+      </p:sp>
+      <p:sp>
+        <p:nvSpPr>
+          <p:cNvPr id="3" name="Notes Placeholder 2"/>
+          <p:cNvSpPr>
+            <a:spLocks noGrp="1"/>
+          </p:cNvSpPr>
+          <p:nvPr>
+            <p:ph type="body" idx="1"/>
+          </p:nvPr>
+        </p:nvSpPr>
+        <p:spPr/>
+        <p:txBody>
+          <a:bodyPr/>
+          <a:lstStyle/>
+          <a:p>
+            <a:endParaRPr lang="en-CA" dirty="0"/>
+          </a:p>
+        </p:txBody>
+      </p:sp>
+      <p:sp>
+        <p:nvSpPr>
+          <p:cNvPr id="4" name="Slide Number Placeholder 3"/>
+          <p:cNvSpPr>
+            <a:spLocks noGrp="1"/>
+          </p:cNvSpPr>
+          <p:nvPr>
+            <p:ph type="sldNum" sz="quarter" idx="10"/>
+          </p:nvPr>
+        </p:nvSpPr>
+        <p:spPr/>
+        <p:txBody>
+          <a:bodyPr/>
+          <a:lstStyle/>
+          <a:p>
+            <a:pPr>
+              <a:defRPr/>
+            </a:pPr>
+            <a:fld id="{100938BD-FD70-4535-B0C2-13FC38CDF1BE}" type="slidenum">
+              <a:rPr lang="en-US" altLang="zh-CN" smtClean="0"/>
+              <a:pPr>
+                <a:defRPr/>
+              </a:pPr>
+              <a:t>11</a:t>
+            </a:fld>
+            <a:endParaRPr lang="en-US" altLang="zh-CN"/>
+          </a:p>
+        </p:txBody>
+      </p:sp>
+    </p:spTree>
+    <p:extLst>
+      <p:ext uri="{BB962C8B-B14F-4D97-AF65-F5344CB8AC3E}">
+        <p14:creationId xmlns:p14="http://schemas.microsoft.com/office/powerpoint/2010/main" val="1250483859"/>
+      </p:ext>
+    </p:extLst>
+  </p:cSld>
+  <p:clrMapOvr>
+    <a:masterClrMapping/>
+  </p:clrMapOvr>
+</p:notes>
+</file>
+
+<file path=ppt/notesSlides/notesSlide8.xml><?xml version="1.0" encoding="utf-8"?>
+<p:notes xmlns:a="http://schemas.openxmlformats.org/drawingml/2006/main" xmlns:r="http://schemas.openxmlformats.org/officeDocument/2006/relationships" xmlns:p="http://schemas.openxmlformats.org/presentationml/2006/main">
+  <p:cSld>
+    <p:spTree>
+      <p:nvGrpSpPr>
+        <p:cNvPr id="1" name=""/>
+        <p:cNvGrpSpPr/>
+        <p:nvPr/>
+      </p:nvGrpSpPr>
+      <p:grpSpPr>
+        <a:xfrm>
+          <a:off x="0" y="0"/>
+          <a:ext cx="0" cy="0"/>
+          <a:chOff x="0" y="0"/>
+          <a:chExt cx="0" cy="0"/>
+        </a:xfrm>
+      </p:grpSpPr>
+      <p:sp>
+        <p:nvSpPr>
+          <p:cNvPr id="2" name="Slide Image Placeholder 1"/>
+          <p:cNvSpPr>
+            <a:spLocks noGrp="1" noRot="1" noChangeAspect="1"/>
+          </p:cNvSpPr>
+          <p:nvPr>
+            <p:ph type="sldImg"/>
+          </p:nvPr>
+        </p:nvSpPr>
+        <p:spPr/>
+      </p:sp>
+      <p:sp>
+        <p:nvSpPr>
+          <p:cNvPr id="3" name="Notes Placeholder 2"/>
+          <p:cNvSpPr>
+            <a:spLocks noGrp="1"/>
+          </p:cNvSpPr>
+          <p:nvPr>
+            <p:ph type="body" idx="1"/>
+          </p:nvPr>
+        </p:nvSpPr>
+        <p:spPr/>
+        <p:txBody>
+          <a:bodyPr/>
+          <a:lstStyle/>
+          <a:p>
+            <a:endParaRPr lang="en-US" dirty="0"/>
+          </a:p>
+        </p:txBody>
+      </p:sp>
+      <p:sp>
+        <p:nvSpPr>
+          <p:cNvPr id="4" name="Slide Number Placeholder 3"/>
+          <p:cNvSpPr>
+            <a:spLocks noGrp="1"/>
+          </p:cNvSpPr>
+          <p:nvPr>
+            <p:ph type="sldNum" sz="quarter" idx="10"/>
+          </p:nvPr>
+        </p:nvSpPr>
+        <p:spPr/>
+        <p:txBody>
+          <a:bodyPr/>
+          <a:lstStyle/>
+          <a:p>
+            <a:pPr>
+              <a:defRPr/>
+            </a:pPr>
+            <a:fld id="{100938BD-FD70-4535-B0C2-13FC38CDF1BE}" type="slidenum">
+              <a:rPr lang="en-US" altLang="zh-CN" smtClean="0"/>
+              <a:pPr>
+                <a:defRPr/>
+              </a:pPr>
+              <a:t>12</a:t>
             </a:fld>
             <a:endParaRPr lang="en-US" altLang="zh-CN"/>
           </a:p>
@@ -4914,6 +5096,467 @@
       </p:grpSpPr>
       <p:sp>
         <p:nvSpPr>
+          <p:cNvPr id="2" name="Title 1"/>
+          <p:cNvSpPr>
+            <a:spLocks noGrp="1"/>
+          </p:cNvSpPr>
+          <p:nvPr>
+            <p:ph type="title"/>
+          </p:nvPr>
+        </p:nvSpPr>
+        <p:spPr>
+          <a:xfrm>
+            <a:off x="457200" y="0"/>
+            <a:ext cx="8229600" cy="857250"/>
+          </a:xfrm>
+        </p:spPr>
+        <p:txBody>
+          <a:bodyPr/>
+          <a:lstStyle/>
+          <a:p>
+            <a:r>
+              <a:rPr lang="en-US" sz="3600" dirty="0">
+                <a:solidFill>
+                  <a:srgbClr val="0070C0"/>
+                </a:solidFill>
+                <a:latin typeface="Calibri Light" panose="020F0302020204030204" pitchFamily="34" charset="0"/>
+                <a:cs typeface="Calibri Light" panose="020F0302020204030204" pitchFamily="34" charset="0"/>
+              </a:rPr>
+              <a:t>SPRING Draft Review Comments</a:t>
+            </a:r>
+          </a:p>
+        </p:txBody>
+      </p:sp>
+      <p:sp>
+        <p:nvSpPr>
+          <p:cNvPr id="3" name="Content Placeholder 2"/>
+          <p:cNvSpPr>
+            <a:spLocks noGrp="1"/>
+          </p:cNvSpPr>
+          <p:nvPr>
+            <p:ph idx="1"/>
+          </p:nvPr>
+        </p:nvSpPr>
+        <p:spPr>
+          <a:xfrm>
+            <a:off x="685800" y="857249"/>
+            <a:ext cx="7772400" cy="3642891"/>
+          </a:xfrm>
+        </p:spPr>
+        <p:txBody>
+          <a:bodyPr/>
+          <a:lstStyle/>
+          <a:p>
+            <a:pPr>
+              <a:buFont typeface="+mj-lt"/>
+              <a:buAutoNum type="arabicPeriod"/>
+            </a:pPr>
+            <a:r>
+              <a:rPr lang="en-US" sz="1200" dirty="0"/>
+              <a:t>Destination UDP port used has zero UDP checksum with IPv6 header</a:t>
+            </a:r>
+          </a:p>
+          <a:p>
+            <a:pPr lvl="1"/>
+            <a:r>
+              <a:rPr lang="en-US" sz="1200" dirty="0">
+                <a:latin typeface="Calibri" charset="0"/>
+                <a:ea typeface="Calibri" charset="0"/>
+                <a:cs typeface="Calibri" charset="0"/>
+              </a:rPr>
+              <a:t>Add Reference for </a:t>
+            </a:r>
+            <a:r>
+              <a:rPr lang="en-CA" sz="1200" dirty="0"/>
+              <a:t>RFC 6936 in Security Section</a:t>
+            </a:r>
+            <a:endParaRPr lang="en-US" sz="1200" dirty="0">
+              <a:latin typeface="Calibri" charset="0"/>
+              <a:ea typeface="Calibri" charset="0"/>
+              <a:cs typeface="Calibri" charset="0"/>
+            </a:endParaRPr>
+          </a:p>
+          <a:p>
+            <a:pPr>
+              <a:buFont typeface="+mj-lt"/>
+              <a:buAutoNum type="arabicPeriod"/>
+            </a:pPr>
+            <a:r>
+              <a:rPr lang="en-US" sz="1200" dirty="0"/>
+              <a:t>Add references for well-known terms “Link”, “SR Path”, and “Congruent paths”</a:t>
+            </a:r>
+          </a:p>
+          <a:p>
+            <a:pPr>
+              <a:buFont typeface="+mj-lt"/>
+              <a:buAutoNum type="arabicPeriod"/>
+            </a:pPr>
+            <a:r>
+              <a:rPr lang="en-US" sz="1200" dirty="0">
+                <a:latin typeface="Calibri" charset="0"/>
+                <a:ea typeface="Calibri" charset="0"/>
+                <a:cs typeface="Calibri" charset="0"/>
+              </a:rPr>
+              <a:t>Add reference for Yang data model draft in provisioning model section</a:t>
+            </a:r>
+          </a:p>
+          <a:p>
+            <a:pPr>
+              <a:buFont typeface="+mj-lt"/>
+              <a:buAutoNum type="arabicPeriod"/>
+            </a:pPr>
+            <a:r>
+              <a:rPr lang="en-US" sz="1200" dirty="0"/>
+              <a:t>Liveness is to compute “connection loss” performance metric </a:t>
+            </a:r>
+          </a:p>
+          <a:p>
+            <a:pPr lvl="1"/>
+            <a:r>
+              <a:rPr lang="en-US" sz="1200" dirty="0"/>
+              <a:t>Similar to the widely deployed synthetic packet loss metric</a:t>
+            </a:r>
+            <a:endParaRPr lang="en-US" sz="1200" dirty="0">
+              <a:latin typeface="Calibri" charset="0"/>
+              <a:ea typeface="Calibri" charset="0"/>
+              <a:cs typeface="Calibri" charset="0"/>
+            </a:endParaRPr>
+          </a:p>
+          <a:p>
+            <a:pPr>
+              <a:buFont typeface="+mj-lt"/>
+              <a:buAutoNum type="arabicPeriod"/>
+            </a:pPr>
+            <a:r>
+              <a:rPr lang="en-US" sz="1200" dirty="0"/>
+              <a:t>Editorial</a:t>
+            </a:r>
+          </a:p>
+          <a:p>
+            <a:pPr lvl="1"/>
+            <a:r>
+              <a:rPr lang="en-US" sz="1200" dirty="0"/>
+              <a:t>Indicate packet loss is direct-mode loss </a:t>
+            </a:r>
+          </a:p>
+          <a:p>
+            <a:pPr lvl="1"/>
+            <a:r>
+              <a:rPr lang="en-US" sz="1200" dirty="0"/>
+              <a:t>Use test packet term for query message </a:t>
+            </a:r>
+          </a:p>
+          <a:p>
+            <a:pPr lvl="1"/>
+            <a:r>
+              <a:rPr lang="en-US" sz="1200" dirty="0"/>
+              <a:t>H/W timestamps required -&gt; H/W timestamps recommended </a:t>
+            </a:r>
+          </a:p>
+          <a:p>
+            <a:pPr lvl="1"/>
+            <a:r>
+              <a:rPr lang="en-CA" sz="1200" dirty="0"/>
+              <a:t>IPv6 address ::1/128 or ::FFFF:127/104</a:t>
+            </a:r>
+          </a:p>
+          <a:p>
+            <a:pPr lvl="1"/>
+            <a:r>
+              <a:rPr lang="en-CA" sz="1200" dirty="0"/>
+              <a:t>Clarify - Section 4.1.4.2 and 4.2.2.2 depict the packet format with word “as needed” for inner IP Header</a:t>
+            </a:r>
+          </a:p>
+          <a:p>
+            <a:pPr lvl="1"/>
+            <a:r>
+              <a:rPr lang="en-CA" sz="1200" dirty="0"/>
+              <a:t>Different UDP destination port when running authenticated and unauthenticated sessions simultaneously</a:t>
+            </a:r>
+            <a:endParaRPr lang="en-US" sz="1200" dirty="0"/>
+          </a:p>
+          <a:p>
+            <a:pPr lvl="1"/>
+            <a:endParaRPr lang="en-US" sz="1200" dirty="0"/>
+          </a:p>
+        </p:txBody>
+      </p:sp>
+      <p:sp>
+        <p:nvSpPr>
+          <p:cNvPr id="4" name="Footer Placeholder 3"/>
+          <p:cNvSpPr>
+            <a:spLocks noGrp="1"/>
+          </p:cNvSpPr>
+          <p:nvPr>
+            <p:ph type="ftr" sz="quarter" idx="11"/>
+          </p:nvPr>
+        </p:nvSpPr>
+        <p:spPr>
+          <a:xfrm>
+            <a:off x="3124200" y="4786312"/>
+            <a:ext cx="2895600" cy="357188"/>
+          </a:xfrm>
+        </p:spPr>
+        <p:txBody>
+          <a:bodyPr/>
+          <a:lstStyle/>
+          <a:p>
+            <a:r>
+              <a:rPr lang="en-CA" dirty="0"/>
+              <a:t>109</a:t>
+            </a:r>
+            <a:r>
+              <a:rPr lang="en-CA" baseline="30000" dirty="0"/>
+              <a:t>th</a:t>
+            </a:r>
+            <a:r>
+              <a:rPr lang="en-CA" dirty="0"/>
+              <a:t> IETF Online</a:t>
+            </a:r>
+          </a:p>
+        </p:txBody>
+      </p:sp>
+      <p:sp>
+        <p:nvSpPr>
+          <p:cNvPr id="5" name="Slide Number Placeholder 4"/>
+          <p:cNvSpPr>
+            <a:spLocks noGrp="1"/>
+          </p:cNvSpPr>
+          <p:nvPr>
+            <p:ph type="sldNum" sz="quarter" idx="12"/>
+          </p:nvPr>
+        </p:nvSpPr>
+        <p:spPr/>
+        <p:txBody>
+          <a:bodyPr/>
+          <a:lstStyle/>
+          <a:p>
+            <a:pPr>
+              <a:defRPr/>
+            </a:pPr>
+            <a:fld id="{BD6E0F59-1DD8-40FC-9C92-B6295CBA6CCA}" type="slidenum">
+              <a:rPr lang="en-US" altLang="zh-CN" smtClean="0"/>
+              <a:pPr>
+                <a:defRPr/>
+              </a:pPr>
+              <a:t>10</a:t>
+            </a:fld>
+            <a:endParaRPr lang="en-US" altLang="zh-CN"/>
+          </a:p>
+        </p:txBody>
+      </p:sp>
+    </p:spTree>
+    <p:extLst>
+      <p:ext uri="{BB962C8B-B14F-4D97-AF65-F5344CB8AC3E}">
+        <p14:creationId xmlns:p14="http://schemas.microsoft.com/office/powerpoint/2010/main" val="2147738015"/>
+      </p:ext>
+    </p:extLst>
+  </p:cSld>
+  <p:clrMapOvr>
+    <a:masterClrMapping/>
+  </p:clrMapOvr>
+</p:sld>
+</file>
+
+<file path=ppt/slides/slide11.xml><?xml version="1.0" encoding="utf-8"?>
+<p:sld xmlns:a="http://schemas.openxmlformats.org/drawingml/2006/main" xmlns:r="http://schemas.openxmlformats.org/officeDocument/2006/relationships" xmlns:p="http://schemas.openxmlformats.org/presentationml/2006/main">
+  <p:cSld>
+    <p:spTree>
+      <p:nvGrpSpPr>
+        <p:cNvPr id="1" name=""/>
+        <p:cNvGrpSpPr/>
+        <p:nvPr/>
+      </p:nvGrpSpPr>
+      <p:grpSpPr>
+        <a:xfrm>
+          <a:off x="0" y="0"/>
+          <a:ext cx="0" cy="0"/>
+          <a:chOff x="0" y="0"/>
+          <a:chExt cx="0" cy="0"/>
+        </a:xfrm>
+      </p:grpSpPr>
+      <p:sp>
+        <p:nvSpPr>
+          <p:cNvPr id="2" name="Title 1"/>
+          <p:cNvSpPr>
+            <a:spLocks noGrp="1"/>
+          </p:cNvSpPr>
+          <p:nvPr>
+            <p:ph type="title"/>
+          </p:nvPr>
+        </p:nvSpPr>
+        <p:spPr>
+          <a:xfrm>
+            <a:off x="457200" y="0"/>
+            <a:ext cx="8229600" cy="857250"/>
+          </a:xfrm>
+        </p:spPr>
+        <p:txBody>
+          <a:bodyPr/>
+          <a:lstStyle/>
+          <a:p>
+            <a:r>
+              <a:rPr lang="en-US" sz="3600" dirty="0">
+                <a:solidFill>
+                  <a:srgbClr val="0070C0"/>
+                </a:solidFill>
+                <a:latin typeface="Calibri Light" panose="020F0302020204030204" pitchFamily="34" charset="0"/>
+                <a:cs typeface="Calibri Light" panose="020F0302020204030204" pitchFamily="34" charset="0"/>
+              </a:rPr>
+              <a:t>Next Steps</a:t>
+            </a:r>
+          </a:p>
+        </p:txBody>
+      </p:sp>
+      <p:sp>
+        <p:nvSpPr>
+          <p:cNvPr id="3" name="Content Placeholder 2"/>
+          <p:cNvSpPr>
+            <a:spLocks noGrp="1"/>
+          </p:cNvSpPr>
+          <p:nvPr>
+            <p:ph idx="1"/>
+          </p:nvPr>
+        </p:nvSpPr>
+        <p:spPr>
+          <a:xfrm>
+            <a:off x="685800" y="1123950"/>
+            <a:ext cx="8001000" cy="2514599"/>
+          </a:xfrm>
+        </p:spPr>
+        <p:txBody>
+          <a:bodyPr/>
+          <a:lstStyle/>
+          <a:p>
+            <a:pPr lvl="0"/>
+            <a:r>
+              <a:rPr lang="en-US" sz="2400" dirty="0">
+                <a:latin typeface="Calibri" charset="0"/>
+                <a:ea typeface="Calibri" charset="0"/>
+                <a:cs typeface="Calibri" charset="0"/>
+              </a:rPr>
+              <a:t>Welcome your comments and suggestions</a:t>
+            </a:r>
+          </a:p>
+          <a:p>
+            <a:r>
+              <a:rPr lang="en-US" sz="2400" dirty="0"/>
+              <a:t>Request IPPM </a:t>
+            </a:r>
+            <a:r>
+              <a:rPr lang="en-US" sz="2400" dirty="0">
+                <a:latin typeface="Calibri" charset="0"/>
+                <a:ea typeface="Calibri" charset="0"/>
+                <a:cs typeface="Calibri" charset="0"/>
+              </a:rPr>
+              <a:t>WG adoption</a:t>
+            </a:r>
+          </a:p>
+          <a:p>
+            <a:endParaRPr lang="en-US" sz="2400" dirty="0">
+              <a:latin typeface="Calibri" charset="0"/>
+              <a:ea typeface="Calibri" charset="0"/>
+              <a:cs typeface="Calibri" charset="0"/>
+            </a:endParaRPr>
+          </a:p>
+        </p:txBody>
+      </p:sp>
+      <p:sp>
+        <p:nvSpPr>
+          <p:cNvPr id="4" name="Footer Placeholder 3"/>
+          <p:cNvSpPr>
+            <a:spLocks noGrp="1"/>
+          </p:cNvSpPr>
+          <p:nvPr>
+            <p:ph type="ftr" sz="quarter" idx="11"/>
+          </p:nvPr>
+        </p:nvSpPr>
+        <p:spPr>
+          <a:xfrm>
+            <a:off x="3048000" y="4786312"/>
+            <a:ext cx="2895600" cy="357188"/>
+          </a:xfrm>
+        </p:spPr>
+        <p:txBody>
+          <a:bodyPr/>
+          <a:lstStyle/>
+          <a:p>
+            <a:r>
+              <a:rPr lang="en-CA" dirty="0"/>
+              <a:t>109</a:t>
+            </a:r>
+            <a:r>
+              <a:rPr lang="en-CA" baseline="30000" dirty="0"/>
+              <a:t>th</a:t>
+            </a:r>
+            <a:r>
+              <a:rPr lang="en-CA" dirty="0"/>
+              <a:t> IETF Online</a:t>
+            </a:r>
+          </a:p>
+        </p:txBody>
+      </p:sp>
+      <p:sp>
+        <p:nvSpPr>
+          <p:cNvPr id="5" name="Slide Number Placeholder 4"/>
+          <p:cNvSpPr>
+            <a:spLocks noGrp="1"/>
+          </p:cNvSpPr>
+          <p:nvPr>
+            <p:ph type="sldNum" sz="quarter" idx="12"/>
+          </p:nvPr>
+        </p:nvSpPr>
+        <p:spPr/>
+        <p:txBody>
+          <a:bodyPr/>
+          <a:lstStyle/>
+          <a:p>
+            <a:pPr>
+              <a:defRPr/>
+            </a:pPr>
+            <a:fld id="{BD6E0F59-1DD8-40FC-9C92-B6295CBA6CCA}" type="slidenum">
+              <a:rPr lang="en-US" altLang="zh-CN" smtClean="0"/>
+              <a:pPr>
+                <a:defRPr/>
+              </a:pPr>
+              <a:t>11</a:t>
+            </a:fld>
+            <a:endParaRPr lang="en-US" altLang="zh-CN"/>
+          </a:p>
+        </p:txBody>
+      </p:sp>
+    </p:spTree>
+    <p:extLst>
+      <p:ext uri="{BB962C8B-B14F-4D97-AF65-F5344CB8AC3E}">
+        <p14:creationId xmlns:p14="http://schemas.microsoft.com/office/powerpoint/2010/main" val="256002898"/>
+      </p:ext>
+    </p:extLst>
+  </p:cSld>
+  <p:clrMapOvr>
+    <a:masterClrMapping/>
+  </p:clrMapOvr>
+</p:sld>
+</file>
+
+<file path=ppt/slides/slide12.xml><?xml version="1.0" encoding="utf-8"?>
+<p:sld xmlns:a="http://schemas.openxmlformats.org/drawingml/2006/main" xmlns:r="http://schemas.openxmlformats.org/officeDocument/2006/relationships" xmlns:p="http://schemas.openxmlformats.org/presentationml/2006/main">
+  <p:cSld>
+    <p:spTree>
+      <p:nvGrpSpPr>
+        <p:cNvPr id="1" name=""/>
+        <p:cNvGrpSpPr/>
+        <p:nvPr/>
+      </p:nvGrpSpPr>
+      <p:grpSpPr>
+        <a:xfrm>
+          <a:off x="0" y="0"/>
+          <a:ext cx="0" cy="0"/>
+          <a:chOff x="0" y="0"/>
+          <a:chExt cx="0" cy="0"/>
+        </a:xfrm>
+      </p:grpSpPr>
+      <p:sp>
+        <p:nvSpPr>
           <p:cNvPr id="4" name="Footer Placeholder 3"/>
           <p:cNvSpPr>
             <a:spLocks noGrp="1"/>
@@ -5159,7 +5802,7 @@
               <a:pPr>
                 <a:defRPr/>
               </a:pPr>
-              <a:t>10</a:t>
+              <a:t>12</a:t>
             </a:fld>
             <a:endParaRPr lang="en-US" altLang="zh-CN"/>
           </a:p>
@@ -5435,7 +6078,7 @@
             </a:pPr>
             <a:r>
               <a:rPr lang="en-US" sz="1600" dirty="0"/>
-              <a:t>Delay and Synthetic Loss Performance Measurement </a:t>
+              <a:t>Delay and synthetic Loss Measurement </a:t>
             </a:r>
           </a:p>
           <a:p>
@@ -6167,7 +6810,7 @@
                 <a:latin typeface="Calibri" panose="020F0502020204030204" pitchFamily="34" charset="0"/>
                 <a:cs typeface="Calibri" panose="020F0502020204030204" pitchFamily="34" charset="0"/>
               </a:rPr>
-              <a:t>This is also the default (current) behavior.</a:t>
+              <a:t>This is the existing behavior.</a:t>
             </a:r>
           </a:p>
           <a:p>
@@ -10891,7 +11534,7 @@
                 <a:latin typeface="Calibri Light" panose="020F0302020204030204" pitchFamily="34" charset="0"/>
                 <a:cs typeface="Calibri Light" panose="020F0302020204030204" pitchFamily="34" charset="0"/>
               </a:rPr>
-              <a:t>Next Steps</a:t>
+              <a:t>IPPM Draft Review Comments</a:t>
             </a:r>
           </a:p>
         </p:txBody>
@@ -10908,45 +11551,152 @@
         </p:nvSpPr>
         <p:spPr>
           <a:xfrm>
-            <a:off x="685800" y="1123950"/>
-            <a:ext cx="8001000" cy="2514599"/>
+            <a:off x="838200" y="1007878"/>
+            <a:ext cx="7543800" cy="3642123"/>
           </a:xfrm>
         </p:spPr>
         <p:txBody>
           <a:bodyPr/>
           <a:lstStyle/>
           <a:p>
-            <a:pPr lvl="0"/>
-            <a:r>
-              <a:rPr lang="en-US" sz="2400" dirty="0">
-                <a:latin typeface="Calibri" charset="0"/>
-                <a:ea typeface="Calibri" charset="0"/>
-                <a:cs typeface="Calibri" charset="0"/>
-              </a:rPr>
-              <a:t>Welcome your comments and suggestions</a:t>
-            </a:r>
-          </a:p>
-          <a:p>
-            <a:r>
-              <a:rPr lang="en-US" sz="2400" dirty="0"/>
-              <a:t>Request IPPM </a:t>
-            </a:r>
-            <a:r>
-              <a:rPr lang="en-US" sz="2400" dirty="0">
-                <a:latin typeface="Calibri" charset="0"/>
-                <a:ea typeface="Calibri" charset="0"/>
-                <a:cs typeface="Calibri" charset="0"/>
-              </a:rPr>
-              <a:t>WG adoption</a:t>
-            </a:r>
-          </a:p>
-          <a:p>
-            <a:endParaRPr lang="en-US" sz="2400" dirty="0">
+            <a:pPr>
+              <a:buFont typeface="+mj-lt"/>
+              <a:buAutoNum type="arabicPeriod"/>
+            </a:pPr>
+            <a:r>
+              <a:rPr lang="en-US" sz="1200" dirty="0"/>
+              <a:t>Draft status:</a:t>
+            </a:r>
+          </a:p>
+          <a:p>
+            <a:pPr marL="800100" lvl="1" indent="-342900">
+              <a:buFont typeface="+mj-lt"/>
+              <a:buAutoNum type="alphaLcParenR"/>
+            </a:pPr>
+            <a:r>
+              <a:rPr lang="en-US" sz="1200" dirty="0"/>
+              <a:t>Draft defines extensions for STAMP (is not a new protocol)</a:t>
+            </a:r>
+          </a:p>
+          <a:p>
+            <a:pPr marL="800100" lvl="1" indent="-342900">
+              <a:buFont typeface="+mj-lt"/>
+              <a:buAutoNum type="alphaLcParenR"/>
+            </a:pPr>
+            <a:r>
+              <a:rPr lang="en-US" sz="1200" dirty="0"/>
+              <a:t>Update RFC 8762 due to new field (control code) in the message</a:t>
+            </a:r>
+          </a:p>
+          <a:p>
+            <a:pPr>
+              <a:buFont typeface="+mj-lt"/>
+              <a:buAutoNum type="arabicPeriod"/>
+            </a:pPr>
+            <a:r>
+              <a:rPr lang="en-US" sz="1200" dirty="0"/>
+              <a:t>Extensions are not specific to SR, document should be renamed</a:t>
+            </a:r>
+          </a:p>
+          <a:p>
+            <a:pPr>
+              <a:buFont typeface="+mj-lt"/>
+              <a:buAutoNum type="arabicPeriod"/>
+            </a:pPr>
+            <a:r>
+              <a:rPr lang="en-US" sz="1200" dirty="0"/>
+              <a:t>Does not introduce any new security issue with this draft</a:t>
+            </a:r>
+          </a:p>
+          <a:p>
+            <a:pPr>
+              <a:buFont typeface="+mj-lt"/>
+              <a:buAutoNum type="arabicPeriod"/>
+            </a:pPr>
+            <a:r>
+              <a:rPr lang="en-US" sz="1200" dirty="0"/>
+              <a:t>Editorial</a:t>
+            </a:r>
+          </a:p>
+          <a:p>
+            <a:pPr marL="800100" lvl="1" indent="-342900">
+              <a:buFont typeface="+mj-lt"/>
+              <a:buAutoNum type="alphaLcParenR"/>
+            </a:pPr>
+            <a:r>
+              <a:rPr lang="en-US" sz="1200" dirty="0"/>
+              <a:t>Define Abbreviations (BSID, SRH, HMAC-SHA)</a:t>
+            </a:r>
+          </a:p>
+          <a:p>
+            <a:pPr marL="800100" lvl="1" indent="-342900">
+              <a:buFont typeface="+mj-lt"/>
+              <a:buAutoNum type="alphaLcParenR"/>
+            </a:pPr>
+            <a:r>
+              <a:rPr lang="en-US" sz="1200" dirty="0"/>
+              <a:t>Use Session-Sender, Session-Reflector terms</a:t>
+            </a:r>
+          </a:p>
+          <a:p>
+            <a:pPr marL="800100" lvl="1" indent="-342900">
+              <a:buFont typeface="+mj-lt"/>
+              <a:buAutoNum type="alphaLcParenR"/>
+            </a:pPr>
+            <a:r>
+              <a:rPr lang="en-US" sz="1200" dirty="0"/>
+              <a:t>Show entire test packet with session-sender control code field</a:t>
+            </a:r>
+          </a:p>
+          <a:p>
+            <a:pPr marL="800100" lvl="1" indent="-342900">
+              <a:buFont typeface="+mj-lt"/>
+              <a:buAutoNum type="alphaLcParenR"/>
+            </a:pPr>
+            <a:r>
+              <a:rPr lang="en-US" sz="1200" dirty="0"/>
+              <a:t>Indicate packet loss is direct-mode loss </a:t>
+            </a:r>
+          </a:p>
+          <a:p>
+            <a:pPr marL="800100" lvl="1" indent="-342900">
+              <a:buFont typeface="+mj-lt"/>
+              <a:buAutoNum type="alphaLcParenR"/>
+            </a:pPr>
+            <a:r>
+              <a:rPr lang="en-US" sz="1200" dirty="0"/>
+              <a:t>Move Receive Counter and other Response message fields to Section 4.1 from 3.2</a:t>
+            </a:r>
+          </a:p>
+          <a:p>
+            <a:pPr lvl="2"/>
+            <a:r>
+              <a:rPr lang="en-CA" sz="1200" dirty="0"/>
+              <a:t>Explain how the counters and sequence numbers are used to do loss measurement</a:t>
+            </a:r>
+          </a:p>
+          <a:p>
+            <a:pPr>
+              <a:buFont typeface="+mj-lt"/>
+              <a:buAutoNum type="arabicPeriod"/>
+            </a:pPr>
+            <a:r>
+              <a:rPr lang="en-US" sz="1200" dirty="0"/>
+              <a:t>Extend ICMP for direct-mode loss measurement – out of scope</a:t>
+            </a:r>
+            <a:endParaRPr lang="en-US" sz="1200" dirty="0">
               <a:latin typeface="Calibri" charset="0"/>
               <a:ea typeface="Calibri" charset="0"/>
               <a:cs typeface="Calibri" charset="0"/>
             </a:endParaRPr>
           </a:p>
+          <a:p>
+            <a:endParaRPr lang="en-US" sz="1200" dirty="0">
+              <a:latin typeface="Calibri" charset="0"/>
+              <a:ea typeface="Calibri" charset="0"/>
+              <a:cs typeface="Calibri" charset="0"/>
+            </a:endParaRPr>
+          </a:p>
         </p:txBody>
       </p:sp>
       <p:sp>
@@ -10961,7 +11711,7 @@
         </p:nvSpPr>
         <p:spPr>
           <a:xfrm>
-            <a:off x="3048000" y="4786312"/>
+            <a:off x="3124200" y="4786312"/>
             <a:ext cx="2895600" cy="357188"/>
           </a:xfrm>
         </p:spPr>
@@ -11016,7 +11766,7 @@
     </p:spTree>
     <p:extLst>
       <p:ext uri="{BB962C8B-B14F-4D97-AF65-F5344CB8AC3E}">
-        <p14:creationId xmlns:p14="http://schemas.microsoft.com/office/powerpoint/2010/main" val="256002898"/>
+        <p14:creationId xmlns:p14="http://schemas.microsoft.com/office/powerpoint/2010/main" val="719859898"/>
       </p:ext>
     </p:extLst>
   </p:cSld>

--- a/draft-gandhi-ippm-stamp-srpm-00.pptx
+++ b/draft-gandhi-ippm-stamp-srpm-00.pptx
@@ -5,24 +5,25 @@
     <p:sldMasterId id="2147483648" r:id="rId1"/>
   </p:sldMasterIdLst>
   <p:notesMasterIdLst>
-    <p:notesMasterId r:id="rId14"/>
+    <p:notesMasterId r:id="rId15"/>
   </p:notesMasterIdLst>
   <p:handoutMasterIdLst>
-    <p:handoutMasterId r:id="rId15"/>
+    <p:handoutMasterId r:id="rId16"/>
   </p:handoutMasterIdLst>
   <p:sldIdLst>
     <p:sldId id="1661" r:id="rId2"/>
     <p:sldId id="1662" r:id="rId3"/>
     <p:sldId id="1663" r:id="rId4"/>
-    <p:sldId id="1653" r:id="rId5"/>
-    <p:sldId id="1666" r:id="rId6"/>
-    <p:sldId id="321" r:id="rId7"/>
-    <p:sldId id="1668" r:id="rId8"/>
-    <p:sldId id="1669" r:id="rId9"/>
-    <p:sldId id="1672" r:id="rId10"/>
-    <p:sldId id="1673" r:id="rId11"/>
-    <p:sldId id="1670" r:id="rId12"/>
-    <p:sldId id="1671" r:id="rId13"/>
+    <p:sldId id="1675" r:id="rId5"/>
+    <p:sldId id="1653" r:id="rId6"/>
+    <p:sldId id="1666" r:id="rId7"/>
+    <p:sldId id="321" r:id="rId8"/>
+    <p:sldId id="1668" r:id="rId9"/>
+    <p:sldId id="1669" r:id="rId10"/>
+    <p:sldId id="1672" r:id="rId11"/>
+    <p:sldId id="1673" r:id="rId12"/>
+    <p:sldId id="1670" r:id="rId13"/>
+    <p:sldId id="1671" r:id="rId14"/>
   </p:sldIdLst>
   <p:sldSz cx="9144000" cy="5143500" type="screen16x9"/>
   <p:notesSz cx="6858000" cy="9144000"/>
@@ -1132,7 +1133,7 @@
     </p:spTree>
     <p:extLst>
       <p:ext uri="{BB962C8B-B14F-4D97-AF65-F5344CB8AC3E}">
-        <p14:creationId xmlns:p14="http://schemas.microsoft.com/office/powerpoint/2010/main" val="1782815436"/>
+        <p14:creationId xmlns:p14="http://schemas.microsoft.com/office/powerpoint/2010/main" val="3184505601"/>
       </p:ext>
     </p:extLst>
   </p:cSld>
@@ -1213,7 +1214,7 @@
               <a:pPr>
                 <a:defRPr/>
               </a:pPr>
-              <a:t>9</a:t>
+              <a:t>5</a:t>
             </a:fld>
             <a:endParaRPr lang="en-US" altLang="zh-CN"/>
           </a:p>
@@ -1222,7 +1223,7 @@
     </p:spTree>
     <p:extLst>
       <p:ext uri="{BB962C8B-B14F-4D97-AF65-F5344CB8AC3E}">
-        <p14:creationId xmlns:p14="http://schemas.microsoft.com/office/powerpoint/2010/main" val="546535066"/>
+        <p14:creationId xmlns:p14="http://schemas.microsoft.com/office/powerpoint/2010/main" val="1782815436"/>
       </p:ext>
     </p:extLst>
   </p:cSld>
@@ -1312,7 +1313,7 @@
     </p:spTree>
     <p:extLst>
       <p:ext uri="{BB962C8B-B14F-4D97-AF65-F5344CB8AC3E}">
-        <p14:creationId xmlns:p14="http://schemas.microsoft.com/office/powerpoint/2010/main" val="855600821"/>
+        <p14:creationId xmlns:p14="http://schemas.microsoft.com/office/powerpoint/2010/main" val="546535066"/>
       </p:ext>
     </p:extLst>
   </p:cSld>
@@ -1402,7 +1403,7 @@
     </p:spTree>
     <p:extLst>
       <p:ext uri="{BB962C8B-B14F-4D97-AF65-F5344CB8AC3E}">
-        <p14:creationId xmlns:p14="http://schemas.microsoft.com/office/powerpoint/2010/main" val="1250483859"/>
+        <p14:creationId xmlns:p14="http://schemas.microsoft.com/office/powerpoint/2010/main" val="855600821"/>
       </p:ext>
     </p:extLst>
   </p:cSld>
@@ -1456,7 +1457,7 @@
           <a:bodyPr/>
           <a:lstStyle/>
           <a:p>
-            <a:endParaRPr lang="en-US" dirty="0"/>
+            <a:endParaRPr lang="en-CA" dirty="0"/>
           </a:p>
         </p:txBody>
       </p:sp>
@@ -1484,6 +1485,96 @@
                 <a:defRPr/>
               </a:pPr>
               <a:t>12</a:t>
+            </a:fld>
+            <a:endParaRPr lang="en-US" altLang="zh-CN"/>
+          </a:p>
+        </p:txBody>
+      </p:sp>
+    </p:spTree>
+    <p:extLst>
+      <p:ext uri="{BB962C8B-B14F-4D97-AF65-F5344CB8AC3E}">
+        <p14:creationId xmlns:p14="http://schemas.microsoft.com/office/powerpoint/2010/main" val="1250483859"/>
+      </p:ext>
+    </p:extLst>
+  </p:cSld>
+  <p:clrMapOvr>
+    <a:masterClrMapping/>
+  </p:clrMapOvr>
+</p:notes>
+</file>
+
+<file path=ppt/notesSlides/notesSlide9.xml><?xml version="1.0" encoding="utf-8"?>
+<p:notes xmlns:a="http://schemas.openxmlformats.org/drawingml/2006/main" xmlns:r="http://schemas.openxmlformats.org/officeDocument/2006/relationships" xmlns:p="http://schemas.openxmlformats.org/presentationml/2006/main">
+  <p:cSld>
+    <p:spTree>
+      <p:nvGrpSpPr>
+        <p:cNvPr id="1" name=""/>
+        <p:cNvGrpSpPr/>
+        <p:nvPr/>
+      </p:nvGrpSpPr>
+      <p:grpSpPr>
+        <a:xfrm>
+          <a:off x="0" y="0"/>
+          <a:ext cx="0" cy="0"/>
+          <a:chOff x="0" y="0"/>
+          <a:chExt cx="0" cy="0"/>
+        </a:xfrm>
+      </p:grpSpPr>
+      <p:sp>
+        <p:nvSpPr>
+          <p:cNvPr id="2" name="Slide Image Placeholder 1"/>
+          <p:cNvSpPr>
+            <a:spLocks noGrp="1" noRot="1" noChangeAspect="1"/>
+          </p:cNvSpPr>
+          <p:nvPr>
+            <p:ph type="sldImg"/>
+          </p:nvPr>
+        </p:nvSpPr>
+        <p:spPr/>
+      </p:sp>
+      <p:sp>
+        <p:nvSpPr>
+          <p:cNvPr id="3" name="Notes Placeholder 2"/>
+          <p:cNvSpPr>
+            <a:spLocks noGrp="1"/>
+          </p:cNvSpPr>
+          <p:nvPr>
+            <p:ph type="body" idx="1"/>
+          </p:nvPr>
+        </p:nvSpPr>
+        <p:spPr/>
+        <p:txBody>
+          <a:bodyPr/>
+          <a:lstStyle/>
+          <a:p>
+            <a:endParaRPr lang="en-US" dirty="0"/>
+          </a:p>
+        </p:txBody>
+      </p:sp>
+      <p:sp>
+        <p:nvSpPr>
+          <p:cNvPr id="4" name="Slide Number Placeholder 3"/>
+          <p:cNvSpPr>
+            <a:spLocks noGrp="1"/>
+          </p:cNvSpPr>
+          <p:nvPr>
+            <p:ph type="sldNum" sz="quarter" idx="10"/>
+          </p:nvPr>
+        </p:nvSpPr>
+        <p:spPr/>
+        <p:txBody>
+          <a:bodyPr/>
+          <a:lstStyle/>
+          <a:p>
+            <a:pPr>
+              <a:defRPr/>
+            </a:pPr>
+            <a:fld id="{100938BD-FD70-4535-B0C2-13FC38CDF1BE}" type="slidenum">
+              <a:rPr lang="en-US" altLang="zh-CN" smtClean="0"/>
+              <a:pPr>
+                <a:defRPr/>
+              </a:pPr>
+              <a:t>13</a:t>
             </a:fld>
             <a:endParaRPr lang="en-US" altLang="zh-CN"/>
           </a:p>
@@ -5106,8 +5197,8 @@
         </p:nvSpPr>
         <p:spPr>
           <a:xfrm>
-            <a:off x="457200" y="0"/>
-            <a:ext cx="8229600" cy="857250"/>
+            <a:off x="152400" y="0"/>
+            <a:ext cx="8839200" cy="857250"/>
           </a:xfrm>
         </p:spPr>
         <p:txBody>
@@ -5115,15 +5206,82 @@
           <a:lstStyle/>
           <a:p>
             <a:r>
-              <a:rPr lang="en-US" sz="3600" dirty="0">
+              <a:rPr lang="en-US" sz="3200" dirty="0">
                 <a:solidFill>
                   <a:srgbClr val="0070C0"/>
                 </a:solidFill>
-                <a:latin typeface="Calibri Light" panose="020F0302020204030204" pitchFamily="34" charset="0"/>
-                <a:cs typeface="Calibri Light" panose="020F0302020204030204" pitchFamily="34" charset="0"/>
-              </a:rPr>
-              <a:t>SPRING Draft Review Comments</a:t>
-            </a:r>
+                <a:latin typeface="Calibri" panose="020F0502020204030204" pitchFamily="34" charset="0"/>
+                <a:cs typeface="Calibri" panose="020F0502020204030204" pitchFamily="34" charset="0"/>
+              </a:rPr>
+              <a:t>draft-</a:t>
+            </a:r>
+            <a:r>
+              <a:rPr lang="en-US" sz="3200" dirty="0" err="1">
+                <a:solidFill>
+                  <a:srgbClr val="0070C0"/>
+                </a:solidFill>
+                <a:latin typeface="Calibri" panose="020F0502020204030204" pitchFamily="34" charset="0"/>
+                <a:cs typeface="Calibri" panose="020F0502020204030204" pitchFamily="34" charset="0"/>
+              </a:rPr>
+              <a:t>gandhi</a:t>
+            </a:r>
+            <a:r>
+              <a:rPr lang="en-US" sz="3200" dirty="0">
+                <a:solidFill>
+                  <a:srgbClr val="0070C0"/>
+                </a:solidFill>
+                <a:latin typeface="Calibri" panose="020F0502020204030204" pitchFamily="34" charset="0"/>
+                <a:cs typeface="Calibri" panose="020F0502020204030204" pitchFamily="34" charset="0"/>
+              </a:rPr>
+              <a:t>-</a:t>
+            </a:r>
+            <a:r>
+              <a:rPr lang="en-US" sz="3200" dirty="0" err="1">
+                <a:solidFill>
+                  <a:srgbClr val="0070C0"/>
+                </a:solidFill>
+                <a:latin typeface="Calibri" panose="020F0502020204030204" pitchFamily="34" charset="0"/>
+                <a:cs typeface="Calibri" panose="020F0502020204030204" pitchFamily="34" charset="0"/>
+              </a:rPr>
+              <a:t>ippm</a:t>
+            </a:r>
+            <a:r>
+              <a:rPr lang="en-US" sz="3200" dirty="0">
+                <a:solidFill>
+                  <a:srgbClr val="0070C0"/>
+                </a:solidFill>
+                <a:latin typeface="Calibri" panose="020F0502020204030204" pitchFamily="34" charset="0"/>
+                <a:cs typeface="Calibri" panose="020F0502020204030204" pitchFamily="34" charset="0"/>
+              </a:rPr>
+              <a:t>-stamp-</a:t>
+            </a:r>
+            <a:r>
+              <a:rPr lang="en-US" sz="3200" dirty="0" err="1">
+                <a:solidFill>
+                  <a:srgbClr val="0070C0"/>
+                </a:solidFill>
+                <a:latin typeface="Calibri" panose="020F0502020204030204" pitchFamily="34" charset="0"/>
+                <a:cs typeface="Calibri" panose="020F0502020204030204" pitchFamily="34" charset="0"/>
+              </a:rPr>
+              <a:t>srpm</a:t>
+            </a:r>
+            <a:r>
+              <a:rPr lang="en-US" sz="3200" dirty="0">
+                <a:solidFill>
+                  <a:srgbClr val="0070C0"/>
+                </a:solidFill>
+                <a:latin typeface="Calibri" panose="020F0502020204030204" pitchFamily="34" charset="0"/>
+                <a:cs typeface="Calibri" panose="020F0502020204030204" pitchFamily="34" charset="0"/>
+              </a:rPr>
+              <a:t> - Review Comments</a:t>
+            </a:r>
+            <a:endParaRPr lang="en-US" sz="3200" dirty="0">
+              <a:solidFill>
+                <a:srgbClr val="0070C0"/>
+              </a:solidFill>
+              <a:latin typeface="Calibri Light" panose="020F0302020204030204" pitchFamily="34" charset="0"/>
+              <a:cs typeface="Calibri Light" panose="020F0302020204030204" pitchFamily="34" charset="0"/>
+            </a:endParaRPr>
           </a:p>
         </p:txBody>
       </p:sp>
@@ -5139,8 +5297,8 @@
         </p:nvSpPr>
         <p:spPr>
           <a:xfrm>
-            <a:off x="685800" y="857249"/>
-            <a:ext cx="7772400" cy="3642891"/>
+            <a:off x="838200" y="1007878"/>
+            <a:ext cx="7543800" cy="3642123"/>
           </a:xfrm>
         </p:spPr>
         <p:txBody>
@@ -5153,22 +5311,124 @@
             </a:pPr>
             <a:r>
               <a:rPr lang="en-US" sz="1200" dirty="0"/>
-              <a:t>Destination UDP port used has zero UDP checksum with IPv6 header</a:t>
-            </a:r>
-          </a:p>
-          <a:p>
-            <a:pPr lvl="1"/>
-            <a:r>
-              <a:rPr lang="en-US" sz="1200" dirty="0">
-                <a:latin typeface="Calibri" charset="0"/>
-                <a:ea typeface="Calibri" charset="0"/>
-                <a:cs typeface="Calibri" charset="0"/>
-              </a:rPr>
-              <a:t>Add Reference for </a:t>
-            </a:r>
+              <a:t>Draft status:</a:t>
+            </a:r>
+          </a:p>
+          <a:p>
+            <a:pPr marL="800100" lvl="1" indent="-342900">
+              <a:buFont typeface="+mj-lt"/>
+              <a:buAutoNum type="alphaLcParenR"/>
+            </a:pPr>
+            <a:r>
+              <a:rPr lang="en-US" sz="1200" dirty="0"/>
+              <a:t>Draft defines extensions for STAMP (is not a new protocol)</a:t>
+            </a:r>
+          </a:p>
+          <a:p>
+            <a:pPr marL="800100" lvl="1" indent="-342900">
+              <a:buFont typeface="+mj-lt"/>
+              <a:buAutoNum type="alphaLcParenR"/>
+            </a:pPr>
+            <a:r>
+              <a:rPr lang="en-US" sz="1200" dirty="0"/>
+              <a:t>Update RFC 8762 due to new field (control code) in the message</a:t>
+            </a:r>
+          </a:p>
+          <a:p>
+            <a:pPr>
+              <a:buFont typeface="+mj-lt"/>
+              <a:buAutoNum type="arabicPeriod"/>
+            </a:pPr>
+            <a:r>
+              <a:rPr lang="en-US" sz="1200" dirty="0"/>
+              <a:t>Extensions are not specific to SR, document should be renamed</a:t>
+            </a:r>
+          </a:p>
+          <a:p>
+            <a:pPr>
+              <a:buFont typeface="+mj-lt"/>
+              <a:buAutoNum type="arabicPeriod"/>
+            </a:pPr>
+            <a:r>
+              <a:rPr lang="en-US" sz="1200" dirty="0"/>
+              <a:t>Does not introduce any new security issue with this draft</a:t>
+            </a:r>
+          </a:p>
+          <a:p>
+            <a:pPr>
+              <a:buFont typeface="+mj-lt"/>
+              <a:buAutoNum type="arabicPeriod"/>
+            </a:pPr>
+            <a:r>
+              <a:rPr lang="en-US" sz="1200" dirty="0"/>
+              <a:t>Editorial</a:t>
+            </a:r>
+          </a:p>
+          <a:p>
+            <a:pPr marL="800100" lvl="1" indent="-342900">
+              <a:buFont typeface="+mj-lt"/>
+              <a:buAutoNum type="alphaLcParenR"/>
+            </a:pPr>
+            <a:r>
+              <a:rPr lang="en-US" sz="1200" dirty="0"/>
+              <a:t>Define Abbreviations (BSID, SRH, HMAC-SHA)</a:t>
+            </a:r>
+          </a:p>
+          <a:p>
+            <a:pPr marL="800100" lvl="1" indent="-342900">
+              <a:buFont typeface="+mj-lt"/>
+              <a:buAutoNum type="alphaLcParenR"/>
+            </a:pPr>
+            <a:r>
+              <a:rPr lang="en-US" sz="1200" dirty="0"/>
+              <a:t>Use Session-Sender, Session-Reflector terms</a:t>
+            </a:r>
+          </a:p>
+          <a:p>
+            <a:pPr marL="800100" lvl="1" indent="-342900">
+              <a:buFont typeface="+mj-lt"/>
+              <a:buAutoNum type="alphaLcParenR"/>
+            </a:pPr>
+            <a:r>
+              <a:rPr lang="en-US" sz="1200" dirty="0"/>
+              <a:t>Show entire test packet with session-sender control code field</a:t>
+            </a:r>
+          </a:p>
+          <a:p>
+            <a:pPr marL="800100" lvl="1" indent="-342900">
+              <a:buFont typeface="+mj-lt"/>
+              <a:buAutoNum type="alphaLcParenR"/>
+            </a:pPr>
+            <a:r>
+              <a:rPr lang="en-US" sz="1200" dirty="0"/>
+              <a:t>Indicate packet loss is direct-mode loss </a:t>
+            </a:r>
+          </a:p>
+          <a:p>
+            <a:pPr marL="800100" lvl="1" indent="-342900">
+              <a:buFont typeface="+mj-lt"/>
+              <a:buAutoNum type="alphaLcParenR"/>
+            </a:pPr>
+            <a:r>
+              <a:rPr lang="en-US" sz="1200" dirty="0"/>
+              <a:t>Move Receive Counter and other Response message fields to Section 4.1 from 3.2</a:t>
+            </a:r>
+          </a:p>
+          <a:p>
+            <a:pPr lvl="2"/>
             <a:r>
               <a:rPr lang="en-CA" sz="1200" dirty="0"/>
-              <a:t>RFC 6936 in Security Section</a:t>
+              <a:t>Explain how the counters and sequence numbers are used to do loss measurement</a:t>
+            </a:r>
+          </a:p>
+          <a:p>
+            <a:pPr>
+              <a:buFont typeface="+mj-lt"/>
+              <a:buAutoNum type="arabicPeriod"/>
+            </a:pPr>
+            <a:r>
+              <a:rPr lang="en-US" sz="1200" dirty="0"/>
+              <a:t>Extend ICMP for direct-mode loss measurement – out of scope</a:t>
             </a:r>
             <a:endParaRPr lang="en-US" sz="1200" dirty="0">
               <a:latin typeface="Calibri" charset="0"/>
@@ -5177,107 +5437,11 @@
             </a:endParaRPr>
           </a:p>
           <a:p>
-            <a:pPr>
-              <a:buFont typeface="+mj-lt"/>
-              <a:buAutoNum type="arabicPeriod"/>
-            </a:pPr>
-            <a:r>
-              <a:rPr lang="en-US" sz="1200" dirty="0"/>
-              <a:t>Add references for well-known terms “Link”, “SR Path”, and “Congruent paths”</a:t>
-            </a:r>
-          </a:p>
-          <a:p>
-            <a:pPr>
-              <a:buFont typeface="+mj-lt"/>
-              <a:buAutoNum type="arabicPeriod"/>
-            </a:pPr>
-            <a:r>
-              <a:rPr lang="en-US" sz="1200" dirty="0">
-                <a:latin typeface="Calibri" charset="0"/>
-                <a:ea typeface="Calibri" charset="0"/>
-                <a:cs typeface="Calibri" charset="0"/>
-              </a:rPr>
-              <a:t>Add reference for Yang data model draft in provisioning model section</a:t>
-            </a:r>
-          </a:p>
-          <a:p>
-            <a:pPr>
-              <a:buFont typeface="+mj-lt"/>
-              <a:buAutoNum type="arabicPeriod"/>
-            </a:pPr>
-            <a:r>
-              <a:rPr lang="en-US" sz="1200" dirty="0"/>
-              <a:t>Liveness is to compute “connection loss” performance metric </a:t>
-            </a:r>
-          </a:p>
-          <a:p>
-            <a:pPr lvl="1"/>
-            <a:r>
-              <a:rPr lang="en-US" sz="1200" dirty="0"/>
-              <a:t>Similar to the widely deployed synthetic packet loss metric</a:t>
-            </a:r>
             <a:endParaRPr lang="en-US" sz="1200" dirty="0">
               <a:latin typeface="Calibri" charset="0"/>
               <a:ea typeface="Calibri" charset="0"/>
               <a:cs typeface="Calibri" charset="0"/>
             </a:endParaRPr>
-          </a:p>
-          <a:p>
-            <a:pPr>
-              <a:buFont typeface="+mj-lt"/>
-              <a:buAutoNum type="arabicPeriod"/>
-            </a:pPr>
-            <a:r>
-              <a:rPr lang="en-US" sz="1200" dirty="0"/>
-              <a:t>Editorial</a:t>
-            </a:r>
-          </a:p>
-          <a:p>
-            <a:pPr lvl="1"/>
-            <a:r>
-              <a:rPr lang="en-US" sz="1200" dirty="0"/>
-              <a:t>Indicate packet loss is direct-mode loss </a:t>
-            </a:r>
-          </a:p>
-          <a:p>
-            <a:pPr lvl="1"/>
-            <a:r>
-              <a:rPr lang="en-US" sz="1200" dirty="0"/>
-              <a:t>Use test packet term for query message </a:t>
-            </a:r>
-          </a:p>
-          <a:p>
-            <a:pPr lvl="1"/>
-            <a:r>
-              <a:rPr lang="en-US" sz="1200" dirty="0"/>
-              <a:t>H/W timestamps required -&gt; H/W timestamps recommended </a:t>
-            </a:r>
-          </a:p>
-          <a:p>
-            <a:pPr lvl="1"/>
-            <a:r>
-              <a:rPr lang="en-CA" sz="1200" dirty="0"/>
-              <a:t>IPv6 address ::1/128 or ::FFFF:127/104</a:t>
-            </a:r>
-          </a:p>
-          <a:p>
-            <a:pPr lvl="1"/>
-            <a:r>
-              <a:rPr lang="en-CA" sz="1200" dirty="0"/>
-              <a:t>Clarify - Section 4.1.4.2 and 4.2.2.2 depict the packet format with word “as needed” for inner IP Header</a:t>
-            </a:r>
-          </a:p>
-          <a:p>
-            <a:pPr lvl="1"/>
-            <a:r>
-              <a:rPr lang="en-CA" sz="1200" dirty="0"/>
-              <a:t>Different UDP destination port when running authenticated and unauthenticated sessions simultaneously</a:t>
-            </a:r>
-            <a:endParaRPr lang="en-US" sz="1200" dirty="0"/>
-          </a:p>
-          <a:p>
-            <a:pPr lvl="1"/>
-            <a:endParaRPr lang="en-US" sz="1200" dirty="0"/>
           </a:p>
         </p:txBody>
       </p:sp>
@@ -5348,7 +5512,7 @@
     </p:spTree>
     <p:extLst>
       <p:ext uri="{BB962C8B-B14F-4D97-AF65-F5344CB8AC3E}">
-        <p14:creationId xmlns:p14="http://schemas.microsoft.com/office/powerpoint/2010/main" val="2147738015"/>
+        <p14:creationId xmlns:p14="http://schemas.microsoft.com/office/powerpoint/2010/main" val="719859898"/>
       </p:ext>
     </p:extLst>
   </p:cSld>
@@ -5387,6 +5551,327 @@
         </p:nvSpPr>
         <p:spPr>
           <a:xfrm>
+            <a:off x="76200" y="0"/>
+            <a:ext cx="9067800" cy="857250"/>
+          </a:xfrm>
+        </p:spPr>
+        <p:txBody>
+          <a:bodyPr/>
+          <a:lstStyle/>
+          <a:p>
+            <a:r>
+              <a:rPr lang="en-US" sz="3200" dirty="0">
+                <a:solidFill>
+                  <a:srgbClr val="0070C0"/>
+                </a:solidFill>
+                <a:latin typeface="Calibri" panose="020F0502020204030204" pitchFamily="34" charset="0"/>
+                <a:cs typeface="Calibri" panose="020F0502020204030204" pitchFamily="34" charset="0"/>
+              </a:rPr>
+              <a:t>draft-</a:t>
+            </a:r>
+            <a:r>
+              <a:rPr lang="en-US" sz="3200" dirty="0" err="1">
+                <a:solidFill>
+                  <a:srgbClr val="0070C0"/>
+                </a:solidFill>
+                <a:latin typeface="Calibri" panose="020F0502020204030204" pitchFamily="34" charset="0"/>
+                <a:cs typeface="Calibri" panose="020F0502020204030204" pitchFamily="34" charset="0"/>
+              </a:rPr>
+              <a:t>gandhi</a:t>
+            </a:r>
+            <a:r>
+              <a:rPr lang="en-US" sz="3200" dirty="0">
+                <a:solidFill>
+                  <a:srgbClr val="0070C0"/>
+                </a:solidFill>
+                <a:latin typeface="Calibri" panose="020F0502020204030204" pitchFamily="34" charset="0"/>
+                <a:cs typeface="Calibri" panose="020F0502020204030204" pitchFamily="34" charset="0"/>
+              </a:rPr>
+              <a:t>-spring-stamp-</a:t>
+            </a:r>
+            <a:r>
+              <a:rPr lang="en-US" sz="3200" dirty="0" err="1">
+                <a:solidFill>
+                  <a:srgbClr val="0070C0"/>
+                </a:solidFill>
+                <a:latin typeface="Calibri" panose="020F0502020204030204" pitchFamily="34" charset="0"/>
+                <a:cs typeface="Calibri" panose="020F0502020204030204" pitchFamily="34" charset="0"/>
+              </a:rPr>
+              <a:t>srpm</a:t>
+            </a:r>
+            <a:r>
+              <a:rPr lang="en-US" sz="3200" dirty="0">
+                <a:solidFill>
+                  <a:srgbClr val="0070C0"/>
+                </a:solidFill>
+                <a:latin typeface="Calibri" panose="020F0502020204030204" pitchFamily="34" charset="0"/>
+                <a:cs typeface="Calibri" panose="020F0502020204030204" pitchFamily="34" charset="0"/>
+              </a:rPr>
+              <a:t> - Review Comments</a:t>
+            </a:r>
+          </a:p>
+        </p:txBody>
+      </p:sp>
+      <p:sp>
+        <p:nvSpPr>
+          <p:cNvPr id="3" name="Content Placeholder 2"/>
+          <p:cNvSpPr>
+            <a:spLocks noGrp="1"/>
+          </p:cNvSpPr>
+          <p:nvPr>
+            <p:ph idx="1"/>
+          </p:nvPr>
+        </p:nvSpPr>
+        <p:spPr>
+          <a:xfrm>
+            <a:off x="685800" y="857249"/>
+            <a:ext cx="7772400" cy="3642891"/>
+          </a:xfrm>
+        </p:spPr>
+        <p:txBody>
+          <a:bodyPr/>
+          <a:lstStyle/>
+          <a:p>
+            <a:pPr>
+              <a:buFont typeface="+mj-lt"/>
+              <a:buAutoNum type="arabicPeriod"/>
+            </a:pPr>
+            <a:r>
+              <a:rPr lang="en-US" sz="1200" dirty="0"/>
+              <a:t>Destination UDP port used has zero UDP checksum with IPv6 header</a:t>
+            </a:r>
+          </a:p>
+          <a:p>
+            <a:pPr lvl="1"/>
+            <a:r>
+              <a:rPr lang="en-US" sz="1200" dirty="0">
+                <a:latin typeface="Calibri" charset="0"/>
+                <a:ea typeface="Calibri" charset="0"/>
+                <a:cs typeface="Calibri" charset="0"/>
+              </a:rPr>
+              <a:t>Add Reference for </a:t>
+            </a:r>
+            <a:r>
+              <a:rPr lang="en-CA" sz="1200" dirty="0"/>
+              <a:t>RFC 6936 in Security Section</a:t>
+            </a:r>
+            <a:endParaRPr lang="en-US" sz="1200" dirty="0">
+              <a:latin typeface="Calibri" charset="0"/>
+              <a:ea typeface="Calibri" charset="0"/>
+              <a:cs typeface="Calibri" charset="0"/>
+            </a:endParaRPr>
+          </a:p>
+          <a:p>
+            <a:pPr>
+              <a:buFont typeface="+mj-lt"/>
+              <a:buAutoNum type="arabicPeriod"/>
+            </a:pPr>
+            <a:r>
+              <a:rPr lang="en-US" sz="1200" dirty="0"/>
+              <a:t>Add references for well-known terms “Link”, “SR Path”, and “Congruent paths”</a:t>
+            </a:r>
+          </a:p>
+          <a:p>
+            <a:pPr>
+              <a:buFont typeface="+mj-lt"/>
+              <a:buAutoNum type="arabicPeriod"/>
+            </a:pPr>
+            <a:r>
+              <a:rPr lang="en-US" sz="1200" dirty="0">
+                <a:latin typeface="Calibri" charset="0"/>
+                <a:ea typeface="Calibri" charset="0"/>
+                <a:cs typeface="Calibri" charset="0"/>
+              </a:rPr>
+              <a:t>Add reference for Yang data model draft in provisioning model section</a:t>
+            </a:r>
+          </a:p>
+          <a:p>
+            <a:pPr>
+              <a:buFont typeface="+mj-lt"/>
+              <a:buAutoNum type="arabicPeriod"/>
+            </a:pPr>
+            <a:r>
+              <a:rPr lang="en-US" sz="1200" dirty="0"/>
+              <a:t>Liveness is to compute “connection loss” performance metric </a:t>
+            </a:r>
+          </a:p>
+          <a:p>
+            <a:pPr lvl="1"/>
+            <a:r>
+              <a:rPr lang="en-US" sz="1200" dirty="0"/>
+              <a:t>Similar to the widely deployed synthetic packet loss metric</a:t>
+            </a:r>
+            <a:endParaRPr lang="en-US" sz="1200" dirty="0">
+              <a:latin typeface="Calibri" charset="0"/>
+              <a:ea typeface="Calibri" charset="0"/>
+              <a:cs typeface="Calibri" charset="0"/>
+            </a:endParaRPr>
+          </a:p>
+          <a:p>
+            <a:pPr>
+              <a:buFont typeface="+mj-lt"/>
+              <a:buAutoNum type="arabicPeriod"/>
+            </a:pPr>
+            <a:r>
+              <a:rPr lang="en-US" sz="1200" dirty="0"/>
+              <a:t>Editorial</a:t>
+            </a:r>
+          </a:p>
+          <a:p>
+            <a:pPr lvl="1"/>
+            <a:r>
+              <a:rPr lang="en-US" sz="1200" dirty="0"/>
+              <a:t>Indicate packet loss is direct-mode loss </a:t>
+            </a:r>
+          </a:p>
+          <a:p>
+            <a:pPr lvl="1"/>
+            <a:r>
+              <a:rPr lang="en-US" sz="1200" dirty="0"/>
+              <a:t>Use test packet term for query message </a:t>
+            </a:r>
+          </a:p>
+          <a:p>
+            <a:pPr lvl="1"/>
+            <a:r>
+              <a:rPr lang="en-US" sz="1200" dirty="0"/>
+              <a:t>H/W timestamps required -&gt; H/W timestamps recommended </a:t>
+            </a:r>
+          </a:p>
+          <a:p>
+            <a:pPr lvl="1"/>
+            <a:r>
+              <a:rPr lang="en-CA" sz="1200" dirty="0"/>
+              <a:t>IPv6 address ::1/128 or ::FFFF:127/104</a:t>
+            </a:r>
+          </a:p>
+          <a:p>
+            <a:pPr lvl="1"/>
+            <a:r>
+              <a:rPr lang="en-CA" sz="1200" dirty="0"/>
+              <a:t>Clarify - Section 4.1.4.2 and 4.2.2.2 depict the packet format with word “as needed” for inner IP Header</a:t>
+            </a:r>
+          </a:p>
+          <a:p>
+            <a:pPr lvl="1"/>
+            <a:r>
+              <a:rPr lang="en-CA" sz="1200" dirty="0"/>
+              <a:t>Different UDP destination port when running authenticated and unauthenticated sessions simultaneously</a:t>
+            </a:r>
+            <a:endParaRPr lang="en-US" sz="1200" dirty="0"/>
+          </a:p>
+          <a:p>
+            <a:pPr lvl="1"/>
+            <a:endParaRPr lang="en-US" sz="1200" dirty="0"/>
+          </a:p>
+        </p:txBody>
+      </p:sp>
+      <p:sp>
+        <p:nvSpPr>
+          <p:cNvPr id="4" name="Footer Placeholder 3"/>
+          <p:cNvSpPr>
+            <a:spLocks noGrp="1"/>
+          </p:cNvSpPr>
+          <p:nvPr>
+            <p:ph type="ftr" sz="quarter" idx="11"/>
+          </p:nvPr>
+        </p:nvSpPr>
+        <p:spPr>
+          <a:xfrm>
+            <a:off x="3124200" y="4786312"/>
+            <a:ext cx="2895600" cy="357188"/>
+          </a:xfrm>
+        </p:spPr>
+        <p:txBody>
+          <a:bodyPr/>
+          <a:lstStyle/>
+          <a:p>
+            <a:r>
+              <a:rPr lang="en-CA" dirty="0"/>
+              <a:t>109</a:t>
+            </a:r>
+            <a:r>
+              <a:rPr lang="en-CA" baseline="30000" dirty="0"/>
+              <a:t>th</a:t>
+            </a:r>
+            <a:r>
+              <a:rPr lang="en-CA" dirty="0"/>
+              <a:t> IETF Online</a:t>
+            </a:r>
+          </a:p>
+        </p:txBody>
+      </p:sp>
+      <p:sp>
+        <p:nvSpPr>
+          <p:cNvPr id="5" name="Slide Number Placeholder 4"/>
+          <p:cNvSpPr>
+            <a:spLocks noGrp="1"/>
+          </p:cNvSpPr>
+          <p:nvPr>
+            <p:ph type="sldNum" sz="quarter" idx="12"/>
+          </p:nvPr>
+        </p:nvSpPr>
+        <p:spPr/>
+        <p:txBody>
+          <a:bodyPr/>
+          <a:lstStyle/>
+          <a:p>
+            <a:pPr>
+              <a:defRPr/>
+            </a:pPr>
+            <a:fld id="{BD6E0F59-1DD8-40FC-9C92-B6295CBA6CCA}" type="slidenum">
+              <a:rPr lang="en-US" altLang="zh-CN" smtClean="0"/>
+              <a:pPr>
+                <a:defRPr/>
+              </a:pPr>
+              <a:t>11</a:t>
+            </a:fld>
+            <a:endParaRPr lang="en-US" altLang="zh-CN"/>
+          </a:p>
+        </p:txBody>
+      </p:sp>
+    </p:spTree>
+    <p:extLst>
+      <p:ext uri="{BB962C8B-B14F-4D97-AF65-F5344CB8AC3E}">
+        <p14:creationId xmlns:p14="http://schemas.microsoft.com/office/powerpoint/2010/main" val="2147738015"/>
+      </p:ext>
+    </p:extLst>
+  </p:cSld>
+  <p:clrMapOvr>
+    <a:masterClrMapping/>
+  </p:clrMapOvr>
+</p:sld>
+</file>
+
+<file path=ppt/slides/slide12.xml><?xml version="1.0" encoding="utf-8"?>
+<p:sld xmlns:a="http://schemas.openxmlformats.org/drawingml/2006/main" xmlns:r="http://schemas.openxmlformats.org/officeDocument/2006/relationships" xmlns:p="http://schemas.openxmlformats.org/presentationml/2006/main">
+  <p:cSld>
+    <p:spTree>
+      <p:nvGrpSpPr>
+        <p:cNvPr id="1" name=""/>
+        <p:cNvGrpSpPr/>
+        <p:nvPr/>
+      </p:nvGrpSpPr>
+      <p:grpSpPr>
+        <a:xfrm>
+          <a:off x="0" y="0"/>
+          <a:ext cx="0" cy="0"/>
+          <a:chOff x="0" y="0"/>
+          <a:chExt cx="0" cy="0"/>
+        </a:xfrm>
+      </p:grpSpPr>
+      <p:sp>
+        <p:nvSpPr>
+          <p:cNvPr id="2" name="Title 1"/>
+          <p:cNvSpPr>
+            <a:spLocks noGrp="1"/>
+          </p:cNvSpPr>
+          <p:nvPr>
+            <p:ph type="title"/>
+          </p:nvPr>
+        </p:nvSpPr>
+        <p:spPr>
+          <a:xfrm>
             <a:off x="457200" y="0"/>
             <a:ext cx="8229600" cy="857250"/>
           </a:xfrm>
@@ -5519,7 +6004,7 @@
               <a:pPr>
                 <a:defRPr/>
               </a:pPr>
-              <a:t>11</a:t>
+              <a:t>12</a:t>
             </a:fld>
             <a:endParaRPr lang="en-US" altLang="zh-CN"/>
           </a:p>
@@ -5538,7 +6023,7 @@
 </p:sld>
 </file>
 
-<file path=ppt/slides/slide12.xml><?xml version="1.0" encoding="utf-8"?>
+<file path=ppt/slides/slide13.xml><?xml version="1.0" encoding="utf-8"?>
 <p:sld xmlns:a="http://schemas.openxmlformats.org/drawingml/2006/main" xmlns:r="http://schemas.openxmlformats.org/officeDocument/2006/relationships" xmlns:p="http://schemas.openxmlformats.org/presentationml/2006/main">
   <p:cSld>
     <p:spTree>
@@ -5802,7 +6287,7 @@
               <a:pPr>
                 <a:defRPr/>
               </a:pPr>
-              <a:t>12</a:t>
+              <a:t>13</a:t>
             </a:fld>
             <a:endParaRPr lang="en-US" altLang="zh-CN"/>
           </a:p>
@@ -6281,7 +6766,7 @@
                 <a:latin typeface="Calibri Light" panose="020F0302020204030204" pitchFamily="34" charset="0"/>
                 <a:cs typeface="Calibri Light" panose="020F0302020204030204" pitchFamily="34" charset="0"/>
               </a:rPr>
-              <a:t>History of the Draft</a:t>
+              <a:t>STAMP - Summary of PM Drafts</a:t>
             </a:r>
           </a:p>
         </p:txBody>
@@ -6298,228 +6783,243 @@
         </p:nvSpPr>
         <p:spPr>
           <a:xfrm>
-            <a:off x="457200" y="857250"/>
-            <a:ext cx="8229600" cy="3645176"/>
+            <a:off x="609600" y="947738"/>
+            <a:ext cx="8001000" cy="3543300"/>
           </a:xfrm>
         </p:spPr>
         <p:txBody>
           <a:bodyPr/>
           <a:lstStyle/>
           <a:p>
-            <a:r>
-              <a:rPr lang="en-US" sz="1000" dirty="0"/>
-              <a:t>Feb 2019</a:t>
-            </a:r>
-          </a:p>
-          <a:p>
-            <a:pPr lvl="1"/>
-            <a:r>
-              <a:rPr lang="en-US" sz="1000" dirty="0"/>
-              <a:t>Draft was published - </a:t>
-            </a:r>
-            <a:r>
-              <a:rPr lang="en-US" sz="1000" i="1" dirty="0"/>
-              <a:t>draft-gandhi-spring-twamp-srpm-00</a:t>
-            </a:r>
-            <a:endParaRPr lang="en-US" sz="1000" dirty="0"/>
-          </a:p>
-          <a:p>
-            <a:r>
-              <a:rPr lang="en-US" sz="1000" dirty="0"/>
-              <a:t>Mar 2019</a:t>
-            </a:r>
-          </a:p>
-          <a:p>
-            <a:pPr lvl="1"/>
-            <a:r>
-              <a:rPr lang="en-US" sz="1000" dirty="0"/>
-              <a:t>Presented </a:t>
-            </a:r>
-            <a:r>
-              <a:rPr lang="en-US" sz="1000" i="1" dirty="0"/>
-              <a:t>draft-gandhi-spring-twamp-srpm-00</a:t>
-            </a:r>
-            <a:r>
-              <a:rPr lang="en-US" sz="1000" dirty="0"/>
-              <a:t> at IETF 104 Prague in SPRING WG</a:t>
-            </a:r>
-          </a:p>
-          <a:p>
-            <a:r>
-              <a:rPr lang="en-US" sz="1000" dirty="0"/>
-              <a:t>May 2019</a:t>
-            </a:r>
-          </a:p>
-          <a:p>
-            <a:pPr lvl="1"/>
-            <a:r>
-              <a:rPr lang="en-US" sz="1000" dirty="0"/>
-              <a:t>Added STAMP TLV for Return Path </a:t>
-            </a:r>
-          </a:p>
-          <a:p>
-            <a:r>
-              <a:rPr lang="en-US" sz="1000" dirty="0"/>
-              <a:t>July 2019</a:t>
-            </a:r>
-          </a:p>
-          <a:p>
-            <a:pPr lvl="1"/>
-            <a:r>
-              <a:rPr lang="en-US" sz="1000" dirty="0"/>
-              <a:t>Presented </a:t>
-            </a:r>
-            <a:r>
-              <a:rPr lang="en-US" sz="1000" i="1" dirty="0"/>
-              <a:t>draft-gandhi-spring-twamp-srpm-01</a:t>
-            </a:r>
-            <a:r>
-              <a:rPr lang="en-US" sz="1000" dirty="0"/>
-              <a:t> at IETF 105 Montreal in IPPM WG</a:t>
-            </a:r>
-          </a:p>
-          <a:p>
-            <a:pPr lvl="2"/>
-            <a:r>
-              <a:rPr lang="en-US" sz="1000" dirty="0"/>
-              <a:t>Slide 9 Titled - </a:t>
-            </a:r>
-            <a:r>
-              <a:rPr lang="en-CA" sz="1000" dirty="0"/>
-              <a:t>Applicability of STAMP</a:t>
-            </a:r>
-            <a:endParaRPr lang="en-US" sz="1000" dirty="0"/>
-          </a:p>
-          <a:p>
-            <a:r>
-              <a:rPr lang="en-US" sz="1000" dirty="0"/>
-              <a:t>Nov 2019</a:t>
-            </a:r>
-          </a:p>
-          <a:p>
-            <a:pPr lvl="1"/>
-            <a:r>
-              <a:rPr lang="en-US" sz="1000" dirty="0"/>
-              <a:t>SPRING Chairs announced in the meeting the agreement with IPPM chairs to progress the draft in SPRING WG</a:t>
-            </a:r>
-          </a:p>
-          <a:p>
-            <a:pPr lvl="1"/>
-            <a:r>
-              <a:rPr lang="en-US" sz="1000" dirty="0"/>
-              <a:t>Presented </a:t>
-            </a:r>
-            <a:r>
-              <a:rPr lang="en-US" sz="1000" i="1" dirty="0"/>
-              <a:t>draft-gandhi-spring-twamp-srpm-04</a:t>
-            </a:r>
-            <a:r>
-              <a:rPr lang="en-US" sz="1000" dirty="0"/>
-              <a:t> at IETF 106 Singapore in SPRING WG</a:t>
-            </a:r>
-          </a:p>
-          <a:p>
-            <a:r>
-              <a:rPr lang="en-US" sz="1000" dirty="0"/>
-              <a:t>Mar 2020</a:t>
-            </a:r>
-          </a:p>
-          <a:p>
-            <a:pPr lvl="1"/>
-            <a:r>
-              <a:rPr lang="en-US" sz="1000" dirty="0"/>
-              <a:t>Moved STAMP support to </a:t>
-            </a:r>
-            <a:r>
-              <a:rPr lang="en-US" sz="1000" i="1" dirty="0"/>
-              <a:t>draft-gandhi-spring-</a:t>
-            </a:r>
-            <a:r>
-              <a:rPr lang="en-US" sz="1000" b="1" i="1" dirty="0"/>
-              <a:t>stamp</a:t>
-            </a:r>
-            <a:r>
-              <a:rPr lang="en-US" sz="1000" i="1" dirty="0"/>
-              <a:t>-srpm-00</a:t>
-            </a:r>
-          </a:p>
-          <a:p>
-            <a:pPr lvl="1"/>
-            <a:r>
-              <a:rPr lang="en-US" sz="1000" dirty="0"/>
-              <a:t>Keep TWAMP Light support as informational in </a:t>
-            </a:r>
-            <a:r>
-              <a:rPr lang="en-US" sz="1000" i="1" dirty="0"/>
-              <a:t>draft-gandhi-spring-</a:t>
-            </a:r>
-            <a:r>
-              <a:rPr lang="en-US" sz="1000" b="1" i="1" dirty="0"/>
-              <a:t>twamp</a:t>
-            </a:r>
-            <a:r>
-              <a:rPr lang="en-US" sz="1000" i="1" dirty="0"/>
-              <a:t>-srpm-08</a:t>
-            </a:r>
-          </a:p>
-          <a:p>
-            <a:r>
-              <a:rPr lang="en-US" sz="1000" dirty="0"/>
-              <a:t>Jul 2020</a:t>
-            </a:r>
-          </a:p>
-          <a:p>
-            <a:pPr lvl="1"/>
-            <a:r>
-              <a:rPr lang="en-US" sz="1000" dirty="0"/>
-              <a:t>Presented </a:t>
-            </a:r>
-            <a:r>
-              <a:rPr lang="en-US" sz="1000" i="1" dirty="0"/>
-              <a:t>draft-gandhi-spring-stamp-srpm-01</a:t>
-            </a:r>
-            <a:r>
-              <a:rPr lang="en-US" sz="1000" dirty="0"/>
-              <a:t> at IETF 108 in SPRING and IPPM WG </a:t>
-            </a:r>
-          </a:p>
-          <a:p>
-            <a:r>
-              <a:rPr lang="en-US" sz="1000" dirty="0"/>
-              <a:t>October 2020</a:t>
-            </a:r>
-          </a:p>
-          <a:p>
-            <a:pPr lvl="1"/>
-            <a:r>
-              <a:rPr lang="en-US" sz="1000" dirty="0"/>
-              <a:t>Split draft into </a:t>
-            </a:r>
-            <a:r>
-              <a:rPr lang="en-US" sz="1000" i="1" dirty="0"/>
-              <a:t>draft-gandhi-</a:t>
-            </a:r>
-            <a:r>
-              <a:rPr lang="en-US" sz="1000" b="1" i="1" dirty="0"/>
-              <a:t>spring</a:t>
-            </a:r>
-            <a:r>
-              <a:rPr lang="en-US" sz="1000" i="1" dirty="0"/>
-              <a:t>-stamp-srpm-03 and draft-gandhi-</a:t>
-            </a:r>
-            <a:r>
-              <a:rPr lang="en-US" sz="1000" b="1" i="1" dirty="0"/>
+            <a:pPr marL="0" indent="0">
+              <a:lnSpc>
+                <a:spcPts val="1780"/>
+              </a:lnSpc>
+              <a:spcBef>
+                <a:spcPts val="600"/>
+              </a:spcBef>
+              <a:buNone/>
+            </a:pPr>
+            <a:r>
+              <a:rPr lang="en-US" sz="1600" b="1" dirty="0">
+                <a:latin typeface="Calibri" panose="020F0502020204030204" pitchFamily="34" charset="0"/>
+                <a:cs typeface="Calibri" panose="020F0502020204030204" pitchFamily="34" charset="0"/>
+              </a:rPr>
+              <a:t>draft-</a:t>
+            </a:r>
+            <a:r>
+              <a:rPr lang="en-US" sz="1600" b="1" dirty="0" err="1">
+                <a:latin typeface="Calibri" panose="020F0502020204030204" pitchFamily="34" charset="0"/>
+                <a:cs typeface="Calibri" panose="020F0502020204030204" pitchFamily="34" charset="0"/>
+              </a:rPr>
+              <a:t>gandhi</a:t>
+            </a:r>
+            <a:r>
+              <a:rPr lang="en-US" sz="1600" b="1" dirty="0">
+                <a:latin typeface="Calibri" panose="020F0502020204030204" pitchFamily="34" charset="0"/>
+                <a:cs typeface="Calibri" panose="020F0502020204030204" pitchFamily="34" charset="0"/>
+              </a:rPr>
+              <a:t>-spring-stamp-</a:t>
+            </a:r>
+            <a:r>
+              <a:rPr lang="en-US" sz="1600" b="1" dirty="0" err="1">
+                <a:latin typeface="Calibri" panose="020F0502020204030204" pitchFamily="34" charset="0"/>
+                <a:cs typeface="Calibri" panose="020F0502020204030204" pitchFamily="34" charset="0"/>
+              </a:rPr>
+              <a:t>srpm</a:t>
+            </a:r>
+            <a:endParaRPr lang="en-US" sz="1600" b="1" dirty="0">
+              <a:latin typeface="Calibri" panose="020F0502020204030204" pitchFamily="34" charset="0"/>
+              <a:cs typeface="Calibri" panose="020F0502020204030204" pitchFamily="34" charset="0"/>
+            </a:endParaRPr>
+          </a:p>
+          <a:p>
+            <a:pPr>
+              <a:lnSpc>
+                <a:spcPts val="1780"/>
+              </a:lnSpc>
+              <a:spcBef>
+                <a:spcPts val="600"/>
+              </a:spcBef>
+            </a:pPr>
+            <a:r>
+              <a:rPr lang="en-US" sz="1600" dirty="0">
+                <a:latin typeface="Calibri" panose="020F0502020204030204" pitchFamily="34" charset="0"/>
+                <a:cs typeface="Calibri" panose="020F0502020204030204" pitchFamily="34" charset="0"/>
+              </a:rPr>
+              <a:t>Defines procedures for delay, synthetic loss and direct-mode loss measurements</a:t>
+            </a:r>
+          </a:p>
+          <a:p>
+            <a:pPr lvl="1">
+              <a:lnSpc>
+                <a:spcPts val="1780"/>
+              </a:lnSpc>
+              <a:spcBef>
+                <a:spcPts val="600"/>
+              </a:spcBef>
+            </a:pPr>
+            <a:r>
+              <a:rPr lang="en-US" sz="1600" dirty="0">
+                <a:latin typeface="Calibri" panose="020F0502020204030204" pitchFamily="34" charset="0"/>
+                <a:cs typeface="Calibri" panose="020F0502020204030204" pitchFamily="34" charset="0"/>
+              </a:rPr>
+              <a:t>For Links and end-to-end SR Paths for SR-MPLS and SRv6 data planes</a:t>
+            </a:r>
+          </a:p>
+          <a:p>
+            <a:pPr>
+              <a:lnSpc>
+                <a:spcPts val="1780"/>
+              </a:lnSpc>
+              <a:spcBef>
+                <a:spcPts val="600"/>
+              </a:spcBef>
+            </a:pPr>
+            <a:endParaRPr lang="en-US" sz="1600" dirty="0">
+              <a:latin typeface="Calibri" panose="020F0502020204030204" pitchFamily="34" charset="0"/>
+              <a:cs typeface="Calibri" panose="020F0502020204030204" pitchFamily="34" charset="0"/>
+            </a:endParaRPr>
+          </a:p>
+          <a:p>
+            <a:pPr marL="0" indent="0">
+              <a:lnSpc>
+                <a:spcPts val="1780"/>
+              </a:lnSpc>
+              <a:spcBef>
+                <a:spcPts val="600"/>
+              </a:spcBef>
+              <a:buNone/>
+            </a:pPr>
+            <a:r>
+              <a:rPr lang="en-US" sz="1600" b="1" dirty="0">
+                <a:latin typeface="Calibri" panose="020F0502020204030204" pitchFamily="34" charset="0"/>
+                <a:cs typeface="Calibri" panose="020F0502020204030204" pitchFamily="34" charset="0"/>
+              </a:rPr>
+              <a:t>draft-</a:t>
+            </a:r>
+            <a:r>
+              <a:rPr lang="en-US" sz="1600" b="1" dirty="0" err="1">
+                <a:latin typeface="Calibri" panose="020F0502020204030204" pitchFamily="34" charset="0"/>
+                <a:cs typeface="Calibri" panose="020F0502020204030204" pitchFamily="34" charset="0"/>
+              </a:rPr>
+              <a:t>gandhi</a:t>
+            </a:r>
+            <a:r>
+              <a:rPr lang="en-US" sz="1600" b="1" dirty="0">
+                <a:latin typeface="Calibri" panose="020F0502020204030204" pitchFamily="34" charset="0"/>
+                <a:cs typeface="Calibri" panose="020F0502020204030204" pitchFamily="34" charset="0"/>
+              </a:rPr>
+              <a:t>-</a:t>
+            </a:r>
+            <a:r>
+              <a:rPr lang="en-US" sz="1600" b="1" dirty="0" err="1">
+                <a:latin typeface="Calibri" panose="020F0502020204030204" pitchFamily="34" charset="0"/>
+                <a:cs typeface="Calibri" panose="020F0502020204030204" pitchFamily="34" charset="0"/>
+              </a:rPr>
               <a:t>ippm</a:t>
             </a:r>
             <a:r>
-              <a:rPr lang="en-US" sz="1000" i="1" dirty="0"/>
-              <a:t>-stamp-srpm-00</a:t>
-            </a:r>
-            <a:endParaRPr lang="en-US" sz="1000" dirty="0"/>
-          </a:p>
-          <a:p>
-            <a:pPr lvl="1"/>
-            <a:endParaRPr lang="en-US" sz="1000" i="1" dirty="0"/>
+              <a:rPr lang="en-US" sz="1600" b="1" dirty="0">
+                <a:latin typeface="Calibri" panose="020F0502020204030204" pitchFamily="34" charset="0"/>
+                <a:cs typeface="Calibri" panose="020F0502020204030204" pitchFamily="34" charset="0"/>
+              </a:rPr>
+              <a:t>-stamp-</a:t>
+            </a:r>
+            <a:r>
+              <a:rPr lang="en-US" sz="1600" b="1" dirty="0" err="1">
+                <a:latin typeface="Calibri" panose="020F0502020204030204" pitchFamily="34" charset="0"/>
+                <a:cs typeface="Calibri" panose="020F0502020204030204" pitchFamily="34" charset="0"/>
+              </a:rPr>
+              <a:t>srpm</a:t>
+            </a:r>
+            <a:endParaRPr lang="en-US" sz="1600" b="1" dirty="0">
+              <a:latin typeface="Calibri" panose="020F0502020204030204" pitchFamily="34" charset="0"/>
+              <a:cs typeface="Calibri" panose="020F0502020204030204" pitchFamily="34" charset="0"/>
+            </a:endParaRPr>
+          </a:p>
+          <a:p>
+            <a:pPr>
+              <a:lnSpc>
+                <a:spcPts val="1780"/>
+              </a:lnSpc>
+              <a:spcBef>
+                <a:spcPts val="600"/>
+              </a:spcBef>
+            </a:pPr>
+            <a:r>
+              <a:rPr lang="en-US" sz="1600" dirty="0">
+                <a:latin typeface="Calibri" panose="020F0502020204030204" pitchFamily="34" charset="0"/>
+                <a:cs typeface="Calibri" panose="020F0502020204030204" pitchFamily="34" charset="0"/>
+              </a:rPr>
+              <a:t>Defines extensions for STAMP for Segment Routing</a:t>
+            </a:r>
+          </a:p>
+          <a:p>
+            <a:pPr lvl="1">
+              <a:lnSpc>
+                <a:spcPts val="1780"/>
+              </a:lnSpc>
+              <a:spcBef>
+                <a:spcPts val="600"/>
+              </a:spcBef>
+            </a:pPr>
+            <a:r>
+              <a:rPr lang="en-US" sz="1600" dirty="0">
+                <a:latin typeface="Calibri" panose="020F0502020204030204" pitchFamily="34" charset="0"/>
+                <a:cs typeface="Calibri" panose="020F0502020204030204" pitchFamily="34" charset="0"/>
+              </a:rPr>
+              <a:t>Defines Session-Sender Control Code field for in-band response request</a:t>
+            </a:r>
+          </a:p>
+          <a:p>
+            <a:pPr lvl="1">
+              <a:lnSpc>
+                <a:spcPts val="1780"/>
+              </a:lnSpc>
+              <a:spcBef>
+                <a:spcPts val="600"/>
+              </a:spcBef>
+            </a:pPr>
+            <a:r>
+              <a:rPr lang="en-US" sz="1600" dirty="0">
+                <a:latin typeface="Calibri" panose="020F0502020204030204" pitchFamily="34" charset="0"/>
+                <a:cs typeface="Calibri" panose="020F0502020204030204" pitchFamily="34" charset="0"/>
+              </a:rPr>
+              <a:t>Defines stand-alone direct-mode loss measurement query and response messages</a:t>
+            </a:r>
+          </a:p>
+          <a:p>
+            <a:pPr lvl="1">
+              <a:lnSpc>
+                <a:spcPts val="1780"/>
+              </a:lnSpc>
+              <a:spcBef>
+                <a:spcPts val="600"/>
+              </a:spcBef>
+            </a:pPr>
+            <a:r>
+              <a:rPr lang="en-US" sz="1600" dirty="0">
+                <a:latin typeface="Calibri" panose="020F0502020204030204" pitchFamily="34" charset="0"/>
+                <a:cs typeface="Calibri" panose="020F0502020204030204" pitchFamily="34" charset="0"/>
+              </a:rPr>
+              <a:t>Defines TLVs to carry Destination Node Address and Return Path</a:t>
+            </a:r>
+          </a:p>
+          <a:p>
+            <a:pPr marL="457200" lvl="1" indent="0">
+              <a:lnSpc>
+                <a:spcPts val="1780"/>
+              </a:lnSpc>
+              <a:spcBef>
+                <a:spcPts val="600"/>
+              </a:spcBef>
+              <a:buNone/>
+            </a:pPr>
+            <a:endParaRPr lang="en-US" sz="1600" dirty="0">
+              <a:latin typeface="Calibri" panose="020F0502020204030204" pitchFamily="34" charset="0"/>
+              <a:cs typeface="Calibri" panose="020F0502020204030204" pitchFamily="34" charset="0"/>
+            </a:endParaRPr>
           </a:p>
         </p:txBody>
       </p:sp>
@@ -6590,7 +7090,7 @@
     </p:spTree>
     <p:extLst>
       <p:ext uri="{BB962C8B-B14F-4D97-AF65-F5344CB8AC3E}">
-        <p14:creationId xmlns:p14="http://schemas.microsoft.com/office/powerpoint/2010/main" val="2612321327"/>
+        <p14:creationId xmlns:p14="http://schemas.microsoft.com/office/powerpoint/2010/main" val="1710430186"/>
       </p:ext>
     </p:extLst>
   </p:cSld>
@@ -6619,6 +7119,370 @@
       </p:grpSpPr>
       <p:sp>
         <p:nvSpPr>
+          <p:cNvPr id="2" name="Title 1"/>
+          <p:cNvSpPr>
+            <a:spLocks noGrp="1"/>
+          </p:cNvSpPr>
+          <p:nvPr>
+            <p:ph type="title"/>
+          </p:nvPr>
+        </p:nvSpPr>
+        <p:spPr>
+          <a:xfrm>
+            <a:off x="457200" y="0"/>
+            <a:ext cx="8229600" cy="857250"/>
+          </a:xfrm>
+        </p:spPr>
+        <p:txBody>
+          <a:bodyPr/>
+          <a:lstStyle/>
+          <a:p>
+            <a:r>
+              <a:rPr lang="en-US" sz="3600" dirty="0">
+                <a:solidFill>
+                  <a:srgbClr val="0070C0"/>
+                </a:solidFill>
+                <a:latin typeface="Calibri Light" panose="020F0302020204030204" pitchFamily="34" charset="0"/>
+                <a:cs typeface="Calibri Light" panose="020F0302020204030204" pitchFamily="34" charset="0"/>
+              </a:rPr>
+              <a:t>History of the Draft</a:t>
+            </a:r>
+          </a:p>
+        </p:txBody>
+      </p:sp>
+      <p:sp>
+        <p:nvSpPr>
+          <p:cNvPr id="3" name="Content Placeholder 2"/>
+          <p:cNvSpPr>
+            <a:spLocks noGrp="1"/>
+          </p:cNvSpPr>
+          <p:nvPr>
+            <p:ph idx="1"/>
+          </p:nvPr>
+        </p:nvSpPr>
+        <p:spPr>
+          <a:xfrm>
+            <a:off x="457200" y="857250"/>
+            <a:ext cx="8229600" cy="3645176"/>
+          </a:xfrm>
+        </p:spPr>
+        <p:txBody>
+          <a:bodyPr/>
+          <a:lstStyle/>
+          <a:p>
+            <a:r>
+              <a:rPr lang="en-US" sz="1000" dirty="0"/>
+              <a:t>Feb 2019</a:t>
+            </a:r>
+          </a:p>
+          <a:p>
+            <a:pPr lvl="1"/>
+            <a:r>
+              <a:rPr lang="en-US" sz="1000" dirty="0"/>
+              <a:t>Draft was published - </a:t>
+            </a:r>
+            <a:r>
+              <a:rPr lang="en-US" sz="1000" i="1" dirty="0"/>
+              <a:t>draft-gandhi-spring-twamp-srpm-00</a:t>
+            </a:r>
+            <a:endParaRPr lang="en-US" sz="1000" dirty="0"/>
+          </a:p>
+          <a:p>
+            <a:r>
+              <a:rPr lang="en-US" sz="1000" dirty="0"/>
+              <a:t>Mar 2019</a:t>
+            </a:r>
+          </a:p>
+          <a:p>
+            <a:pPr lvl="1"/>
+            <a:r>
+              <a:rPr lang="en-US" sz="1000" dirty="0"/>
+              <a:t>Presented </a:t>
+            </a:r>
+            <a:r>
+              <a:rPr lang="en-US" sz="1000" i="1" dirty="0"/>
+              <a:t>draft-gandhi-spring-twamp-srpm-00</a:t>
+            </a:r>
+            <a:r>
+              <a:rPr lang="en-US" sz="1000" dirty="0"/>
+              <a:t> at IETF 104 Prague in SPRING WG</a:t>
+            </a:r>
+          </a:p>
+          <a:p>
+            <a:r>
+              <a:rPr lang="en-US" sz="1000" dirty="0"/>
+              <a:t>May 2019</a:t>
+            </a:r>
+          </a:p>
+          <a:p>
+            <a:pPr lvl="1"/>
+            <a:r>
+              <a:rPr lang="en-US" sz="1000" dirty="0"/>
+              <a:t>Added STAMP TLV for Return Path </a:t>
+            </a:r>
+          </a:p>
+          <a:p>
+            <a:r>
+              <a:rPr lang="en-US" sz="1000" dirty="0"/>
+              <a:t>July 2019</a:t>
+            </a:r>
+          </a:p>
+          <a:p>
+            <a:pPr lvl="1"/>
+            <a:r>
+              <a:rPr lang="en-US" sz="1000" dirty="0"/>
+              <a:t>Presented </a:t>
+            </a:r>
+            <a:r>
+              <a:rPr lang="en-US" sz="1000" i="1" dirty="0"/>
+              <a:t>draft-gandhi-spring-twamp-srpm-01</a:t>
+            </a:r>
+            <a:r>
+              <a:rPr lang="en-US" sz="1000" dirty="0"/>
+              <a:t> at IETF 105 Montreal in IPPM WG</a:t>
+            </a:r>
+          </a:p>
+          <a:p>
+            <a:pPr lvl="2"/>
+            <a:r>
+              <a:rPr lang="en-US" sz="1000" dirty="0"/>
+              <a:t>Slide 9 Titled - </a:t>
+            </a:r>
+            <a:r>
+              <a:rPr lang="en-CA" sz="1000" dirty="0"/>
+              <a:t>Applicability of STAMP</a:t>
+            </a:r>
+            <a:endParaRPr lang="en-US" sz="1000" dirty="0"/>
+          </a:p>
+          <a:p>
+            <a:r>
+              <a:rPr lang="en-US" sz="1000" dirty="0"/>
+              <a:t>Nov 2019</a:t>
+            </a:r>
+          </a:p>
+          <a:p>
+            <a:pPr lvl="1"/>
+            <a:r>
+              <a:rPr lang="en-US" sz="1000" dirty="0"/>
+              <a:t>SPRING Chairs announced in the meeting the agreement with IPPM chairs to progress the draft in SPRING WG</a:t>
+            </a:r>
+          </a:p>
+          <a:p>
+            <a:pPr lvl="1"/>
+            <a:r>
+              <a:rPr lang="en-US" sz="1000" dirty="0"/>
+              <a:t>Presented </a:t>
+            </a:r>
+            <a:r>
+              <a:rPr lang="en-US" sz="1000" i="1" dirty="0"/>
+              <a:t>draft-gandhi-spring-twamp-srpm-04</a:t>
+            </a:r>
+            <a:r>
+              <a:rPr lang="en-US" sz="1000" dirty="0"/>
+              <a:t> at IETF 106 Singapore in SPRING WG</a:t>
+            </a:r>
+          </a:p>
+          <a:p>
+            <a:r>
+              <a:rPr lang="en-US" sz="1000" dirty="0"/>
+              <a:t>Mar 2020</a:t>
+            </a:r>
+          </a:p>
+          <a:p>
+            <a:pPr lvl="1"/>
+            <a:r>
+              <a:rPr lang="en-US" sz="1000" dirty="0"/>
+              <a:t>Moved STAMP support to </a:t>
+            </a:r>
+            <a:r>
+              <a:rPr lang="en-US" sz="1000" i="1" dirty="0"/>
+              <a:t>draft-gandhi-spring-</a:t>
+            </a:r>
+            <a:r>
+              <a:rPr lang="en-US" sz="1000" b="1" i="1" dirty="0"/>
+              <a:t>stamp</a:t>
+            </a:r>
+            <a:r>
+              <a:rPr lang="en-US" sz="1000" i="1" dirty="0"/>
+              <a:t>-srpm-00</a:t>
+            </a:r>
+          </a:p>
+          <a:p>
+            <a:pPr lvl="1"/>
+            <a:r>
+              <a:rPr lang="en-US" sz="1000" dirty="0"/>
+              <a:t>Keep TWAMP Light support as informational in </a:t>
+            </a:r>
+            <a:r>
+              <a:rPr lang="en-US" sz="1000" i="1" dirty="0"/>
+              <a:t>draft-gandhi-spring-</a:t>
+            </a:r>
+            <a:r>
+              <a:rPr lang="en-US" sz="1000" b="1" i="1" dirty="0"/>
+              <a:t>twamp</a:t>
+            </a:r>
+            <a:r>
+              <a:rPr lang="en-US" sz="1000" i="1" dirty="0"/>
+              <a:t>-srpm-08</a:t>
+            </a:r>
+          </a:p>
+          <a:p>
+            <a:r>
+              <a:rPr lang="en-US" sz="1000" dirty="0"/>
+              <a:t>Jul 2020</a:t>
+            </a:r>
+          </a:p>
+          <a:p>
+            <a:pPr lvl="1"/>
+            <a:r>
+              <a:rPr lang="en-US" sz="1000" dirty="0"/>
+              <a:t>Presented </a:t>
+            </a:r>
+            <a:r>
+              <a:rPr lang="en-US" sz="1000" i="1" dirty="0"/>
+              <a:t>draft-gandhi-spring-stamp-srpm-01</a:t>
+            </a:r>
+            <a:r>
+              <a:rPr lang="en-US" sz="1000" dirty="0"/>
+              <a:t> at IETF 108 in SPRING and IPPM WG </a:t>
+            </a:r>
+          </a:p>
+          <a:p>
+            <a:r>
+              <a:rPr lang="en-US" sz="1000" dirty="0"/>
+              <a:t>October 2020</a:t>
+            </a:r>
+          </a:p>
+          <a:p>
+            <a:pPr lvl="1"/>
+            <a:r>
+              <a:rPr lang="en-US" sz="1000" dirty="0"/>
+              <a:t>Split draft into </a:t>
+            </a:r>
+            <a:r>
+              <a:rPr lang="en-US" sz="1000" i="1" dirty="0"/>
+              <a:t>draft-gandhi-</a:t>
+            </a:r>
+            <a:r>
+              <a:rPr lang="en-US" sz="1000" b="1" i="1" dirty="0"/>
+              <a:t>spring</a:t>
+            </a:r>
+            <a:r>
+              <a:rPr lang="en-US" sz="1000" i="1" dirty="0"/>
+              <a:t>-stamp-srpm-03 and draft-gandhi-</a:t>
+            </a:r>
+            <a:r>
+              <a:rPr lang="en-US" sz="1000" b="1" i="1" dirty="0"/>
+              <a:t>ippm</a:t>
+            </a:r>
+            <a:r>
+              <a:rPr lang="en-US" sz="1000" i="1" dirty="0"/>
+              <a:t>-stamp-srpm-00</a:t>
+            </a:r>
+            <a:endParaRPr lang="en-US" sz="1000" dirty="0"/>
+          </a:p>
+          <a:p>
+            <a:pPr lvl="1"/>
+            <a:endParaRPr lang="en-US" sz="1000" i="1" dirty="0"/>
+          </a:p>
+        </p:txBody>
+      </p:sp>
+      <p:sp>
+        <p:nvSpPr>
+          <p:cNvPr id="4" name="Footer Placeholder 3"/>
+          <p:cNvSpPr>
+            <a:spLocks noGrp="1"/>
+          </p:cNvSpPr>
+          <p:nvPr>
+            <p:ph type="ftr" sz="quarter" idx="11"/>
+          </p:nvPr>
+        </p:nvSpPr>
+        <p:spPr>
+          <a:xfrm>
+            <a:off x="3124200" y="4786312"/>
+            <a:ext cx="2895600" cy="357188"/>
+          </a:xfrm>
+        </p:spPr>
+        <p:txBody>
+          <a:bodyPr/>
+          <a:lstStyle/>
+          <a:p>
+            <a:r>
+              <a:rPr lang="en-CA" dirty="0"/>
+              <a:t>109</a:t>
+            </a:r>
+            <a:r>
+              <a:rPr lang="en-CA" baseline="30000" dirty="0"/>
+              <a:t>th</a:t>
+            </a:r>
+            <a:r>
+              <a:rPr lang="en-CA" dirty="0"/>
+              <a:t> IETF Online</a:t>
+            </a:r>
+          </a:p>
+        </p:txBody>
+      </p:sp>
+      <p:sp>
+        <p:nvSpPr>
+          <p:cNvPr id="5" name="Slide Number Placeholder 4"/>
+          <p:cNvSpPr>
+            <a:spLocks noGrp="1"/>
+          </p:cNvSpPr>
+          <p:nvPr>
+            <p:ph type="sldNum" sz="quarter" idx="12"/>
+          </p:nvPr>
+        </p:nvSpPr>
+        <p:spPr/>
+        <p:txBody>
+          <a:bodyPr/>
+          <a:lstStyle/>
+          <a:p>
+            <a:pPr>
+              <a:defRPr/>
+            </a:pPr>
+            <a:fld id="{BD6E0F59-1DD8-40FC-9C92-B6295CBA6CCA}" type="slidenum">
+              <a:rPr lang="en-US" altLang="zh-CN" smtClean="0"/>
+              <a:pPr>
+                <a:defRPr/>
+              </a:pPr>
+              <a:t>5</a:t>
+            </a:fld>
+            <a:endParaRPr lang="en-US" altLang="zh-CN"/>
+          </a:p>
+        </p:txBody>
+      </p:sp>
+    </p:spTree>
+    <p:extLst>
+      <p:ext uri="{BB962C8B-B14F-4D97-AF65-F5344CB8AC3E}">
+        <p14:creationId xmlns:p14="http://schemas.microsoft.com/office/powerpoint/2010/main" val="2612321327"/>
+      </p:ext>
+    </p:extLst>
+  </p:cSld>
+  <p:clrMapOvr>
+    <a:masterClrMapping/>
+  </p:clrMapOvr>
+</p:sld>
+</file>
+
+<file path=ppt/slides/slide6.xml><?xml version="1.0" encoding="utf-8"?>
+<p:sld xmlns:a="http://schemas.openxmlformats.org/drawingml/2006/main" xmlns:r="http://schemas.openxmlformats.org/officeDocument/2006/relationships" xmlns:p="http://schemas.openxmlformats.org/presentationml/2006/main">
+  <p:cSld>
+    <p:spTree>
+      <p:nvGrpSpPr>
+        <p:cNvPr id="1" name=""/>
+        <p:cNvGrpSpPr/>
+        <p:nvPr/>
+      </p:nvGrpSpPr>
+      <p:grpSpPr>
+        <a:xfrm>
+          <a:off x="0" y="0"/>
+          <a:ext cx="0" cy="0"/>
+          <a:chOff x="0" y="0"/>
+          <a:chExt cx="0" cy="0"/>
+        </a:xfrm>
+      </p:grpSpPr>
+      <p:sp>
+        <p:nvSpPr>
           <p:cNvPr id="2" name="Title 1">
             <a:extLst>
               <a:ext uri="{FF2B5EF4-FFF2-40B4-BE49-F238E27FC236}">
@@ -6726,7 +7590,7 @@
               <a:pPr>
                 <a:defRPr/>
               </a:pPr>
-              <a:t>5</a:t>
+              <a:t>6</a:t>
             </a:fld>
             <a:endParaRPr lang="en-US" altLang="zh-CN"/>
           </a:p>
@@ -7826,7 +8690,7 @@
 </p:sld>
 </file>
 
-<file path=ppt/slides/slide6.xml><?xml version="1.0" encoding="utf-8"?>
+<file path=ppt/slides/slide7.xml><?xml version="1.0" encoding="utf-8"?>
 <p:sld xmlns:a="http://schemas.openxmlformats.org/drawingml/2006/main" xmlns:r="http://schemas.openxmlformats.org/officeDocument/2006/relationships" xmlns:p="http://schemas.openxmlformats.org/presentationml/2006/main">
   <p:cSld>
     <p:spTree>
@@ -8175,7 +9039,7 @@
               <a:pPr>
                 <a:defRPr/>
               </a:pPr>
-              <a:t>6</a:t>
+              <a:t>7</a:t>
             </a:fld>
             <a:endParaRPr lang="en-US" altLang="zh-CN" dirty="0"/>
           </a:p>
@@ -10456,7 +11320,7 @@
 </p:sld>
 </file>
 
-<file path=ppt/slides/slide7.xml><?xml version="1.0" encoding="utf-8"?>
+<file path=ppt/slides/slide8.xml><?xml version="1.0" encoding="utf-8"?>
 <p:sld xmlns:a="http://schemas.openxmlformats.org/drawingml/2006/main" xmlns:r="http://schemas.openxmlformats.org/officeDocument/2006/relationships" xmlns:p="http://schemas.openxmlformats.org/presentationml/2006/main">
   <p:cSld>
     <p:spTree>
@@ -10582,7 +11446,7 @@
               <a:pPr>
                 <a:defRPr/>
               </a:pPr>
-              <a:t>7</a:t>
+              <a:t>8</a:t>
             </a:fld>
             <a:endParaRPr lang="en-US" altLang="zh-CN"/>
           </a:p>
@@ -10889,597 +11753,6 @@
     <p:extLst>
       <p:ext uri="{BB962C8B-B14F-4D97-AF65-F5344CB8AC3E}">
         <p14:creationId xmlns:p14="http://schemas.microsoft.com/office/powerpoint/2010/main" val="2343000683"/>
-      </p:ext>
-    </p:extLst>
-  </p:cSld>
-  <p:clrMapOvr>
-    <a:masterClrMapping/>
-  </p:clrMapOvr>
-</p:sld>
-</file>
-
-<file path=ppt/slides/slide8.xml><?xml version="1.0" encoding="utf-8"?>
-<p:sld xmlns:a="http://schemas.openxmlformats.org/drawingml/2006/main" xmlns:r="http://schemas.openxmlformats.org/officeDocument/2006/relationships" xmlns:p="http://schemas.openxmlformats.org/presentationml/2006/main">
-  <p:cSld>
-    <p:spTree>
-      <p:nvGrpSpPr>
-        <p:cNvPr id="1" name=""/>
-        <p:cNvGrpSpPr/>
-        <p:nvPr/>
-      </p:nvGrpSpPr>
-      <p:grpSpPr>
-        <a:xfrm>
-          <a:off x="0" y="0"/>
-          <a:ext cx="0" cy="0"/>
-          <a:chOff x="0" y="0"/>
-          <a:chExt cx="0" cy="0"/>
-        </a:xfrm>
-      </p:grpSpPr>
-      <p:sp>
-        <p:nvSpPr>
-          <p:cNvPr id="2" name="Title 1">
-            <a:extLst>
-              <a:ext uri="{FF2B5EF4-FFF2-40B4-BE49-F238E27FC236}">
-                <a16:creationId xmlns:a16="http://schemas.microsoft.com/office/drawing/2014/main" id="{9A6F4236-AC14-394A-A36C-F2BD8CED3237}"/>
-              </a:ext>
-            </a:extLst>
-          </p:cNvPr>
-          <p:cNvSpPr>
-            <a:spLocks noGrp="1"/>
-          </p:cNvSpPr>
-          <p:nvPr>
-            <p:ph type="title"/>
-          </p:nvPr>
-        </p:nvSpPr>
-        <p:spPr>
-          <a:xfrm>
-            <a:off x="228600" y="-8968"/>
-            <a:ext cx="8686800" cy="857250"/>
-          </a:xfrm>
-        </p:spPr>
-        <p:txBody>
-          <a:bodyPr/>
-          <a:lstStyle/>
-          <a:p>
-            <a:r>
-              <a:rPr lang="en-US" sz="3200" dirty="0">
-                <a:solidFill>
-                  <a:srgbClr val="0070C0"/>
-                </a:solidFill>
-                <a:latin typeface="Calibri Light" panose="020F0302020204030204" pitchFamily="34" charset="0"/>
-                <a:cs typeface="Calibri Light" panose="020F0302020204030204" pitchFamily="34" charset="0"/>
-              </a:rPr>
-              <a:t>STAMP - Return Path TLV</a:t>
-            </a:r>
-          </a:p>
-        </p:txBody>
-      </p:sp>
-      <p:sp>
-        <p:nvSpPr>
-          <p:cNvPr id="4" name="Footer Placeholder 3">
-            <a:extLst>
-              <a:ext uri="{FF2B5EF4-FFF2-40B4-BE49-F238E27FC236}">
-                <a16:creationId xmlns:a16="http://schemas.microsoft.com/office/drawing/2014/main" id="{643D160E-CC3C-EB46-A6F1-43B8E2996F46}"/>
-              </a:ext>
-            </a:extLst>
-          </p:cNvPr>
-          <p:cNvSpPr>
-            <a:spLocks noGrp="1"/>
-          </p:cNvSpPr>
-          <p:nvPr>
-            <p:ph type="ftr" sz="quarter" idx="11"/>
-          </p:nvPr>
-        </p:nvSpPr>
-        <p:spPr>
-          <a:xfrm>
-            <a:off x="3124200" y="4805362"/>
-            <a:ext cx="2895600" cy="357188"/>
-          </a:xfrm>
-        </p:spPr>
-        <p:txBody>
-          <a:bodyPr/>
-          <a:lstStyle/>
-          <a:p>
-            <a:r>
-              <a:rPr lang="en-CA" dirty="0"/>
-              <a:t>109</a:t>
-            </a:r>
-            <a:r>
-              <a:rPr lang="en-CA" baseline="30000" dirty="0"/>
-              <a:t>th</a:t>
-            </a:r>
-            <a:r>
-              <a:rPr lang="en-CA" dirty="0"/>
-              <a:t> IETF Online</a:t>
-            </a:r>
-          </a:p>
-        </p:txBody>
-      </p:sp>
-      <p:sp>
-        <p:nvSpPr>
-          <p:cNvPr id="5" name="Slide Number Placeholder 4">
-            <a:extLst>
-              <a:ext uri="{FF2B5EF4-FFF2-40B4-BE49-F238E27FC236}">
-                <a16:creationId xmlns:a16="http://schemas.microsoft.com/office/drawing/2014/main" id="{A8B868AE-B105-7547-A646-14FCDF91C2DD}"/>
-              </a:ext>
-            </a:extLst>
-          </p:cNvPr>
-          <p:cNvSpPr>
-            <a:spLocks noGrp="1"/>
-          </p:cNvSpPr>
-          <p:nvPr>
-            <p:ph type="sldNum" sz="quarter" idx="12"/>
-          </p:nvPr>
-        </p:nvSpPr>
-        <p:spPr/>
-        <p:txBody>
-          <a:bodyPr/>
-          <a:lstStyle/>
-          <a:p>
-            <a:pPr>
-              <a:defRPr/>
-            </a:pPr>
-            <a:fld id="{BD6E0F59-1DD8-40FC-9C92-B6295CBA6CCA}" type="slidenum">
-              <a:rPr lang="en-US" altLang="zh-CN" smtClean="0"/>
-              <a:pPr>
-                <a:defRPr/>
-              </a:pPr>
-              <a:t>8</a:t>
-            </a:fld>
-            <a:endParaRPr lang="en-US" altLang="zh-CN"/>
-          </a:p>
-        </p:txBody>
-      </p:sp>
-      <p:sp>
-        <p:nvSpPr>
-          <p:cNvPr id="7" name="Rectangle 6">
-            <a:extLst>
-              <a:ext uri="{FF2B5EF4-FFF2-40B4-BE49-F238E27FC236}">
-                <a16:creationId xmlns:a16="http://schemas.microsoft.com/office/drawing/2014/main" id="{AA6E66CA-28BC-2C4A-BC04-4600D8FEBF3B}"/>
-              </a:ext>
-            </a:extLst>
-          </p:cNvPr>
-          <p:cNvSpPr/>
-          <p:nvPr/>
-        </p:nvSpPr>
-        <p:spPr>
-          <a:xfrm>
-            <a:off x="4343400" y="837063"/>
-            <a:ext cx="4419600" cy="1323439"/>
-          </a:xfrm>
-          <a:prstGeom prst="rect">
-            <a:avLst/>
-          </a:prstGeom>
-          <a:solidFill>
-            <a:schemeClr val="accent6">
-              <a:lumMod val="20000"/>
-              <a:lumOff val="80000"/>
-            </a:schemeClr>
-          </a:solidFill>
-        </p:spPr>
-        <p:txBody>
-          <a:bodyPr wrap="square">
-            <a:spAutoFit/>
-          </a:bodyPr>
-          <a:lstStyle/>
-          <a:p>
-            <a:r>
-              <a:rPr lang="en-CA" sz="800" dirty="0">
-                <a:latin typeface="Courier" pitchFamily="2" charset="0"/>
-              </a:rPr>
-              <a:t>    0                   1                   2                   3</a:t>
-            </a:r>
-          </a:p>
-          <a:p>
-            <a:r>
-              <a:rPr lang="en-CA" sz="800" dirty="0">
-                <a:latin typeface="Courier" pitchFamily="2" charset="0"/>
-              </a:rPr>
-              <a:t>    0 1 2 3 4 5 6 7 8 9 0 1 2 3 4 5 6 7 8 9 0 1 2 3 4 5 6 7 8 9 0 1</a:t>
-            </a:r>
-          </a:p>
-          <a:p>
-            <a:r>
-              <a:rPr lang="en-CA" sz="800" dirty="0">
-                <a:latin typeface="Courier" pitchFamily="2" charset="0"/>
-              </a:rPr>
-              <a:t>    +-+-+-+-+-+-+-+-+-+-+-+-+-+-+-+-+-+-+-+-+-+-+-+-+-+-+-+-+-+-+-+-+</a:t>
-            </a:r>
-          </a:p>
-          <a:p>
-            <a:r>
-              <a:rPr lang="en-CA" sz="800" dirty="0">
-                <a:latin typeface="Courier" pitchFamily="2" charset="0"/>
-              </a:rPr>
-              <a:t>    |STAMP TLV Flags|  Type = TBA2  |     Length                    |</a:t>
-            </a:r>
-          </a:p>
-          <a:p>
-            <a:r>
-              <a:rPr lang="en-CA" sz="800" dirty="0">
-                <a:latin typeface="Courier" pitchFamily="2" charset="0"/>
-              </a:rPr>
-              <a:t>    +-+-+-+-+-+-+-+-+-+-+-+-+-+-+-+-+-+-+-+-+-+-+-+-+-+-+-+-+-+-+-+-+</a:t>
-            </a:r>
-          </a:p>
-          <a:p>
-            <a:r>
-              <a:rPr lang="en-CA" sz="800" dirty="0">
-                <a:latin typeface="Courier" pitchFamily="2" charset="0"/>
-              </a:rPr>
-              <a:t>    |                    Return Path Sub-TLVs                       |</a:t>
-            </a:r>
-          </a:p>
-          <a:p>
-            <a:r>
-              <a:rPr lang="en-CA" sz="800" dirty="0">
-                <a:latin typeface="Courier" pitchFamily="2" charset="0"/>
-              </a:rPr>
-              <a:t>    .                                                               .</a:t>
-            </a:r>
-          </a:p>
-          <a:p>
-            <a:r>
-              <a:rPr lang="en-CA" sz="800" dirty="0">
-                <a:latin typeface="Courier" pitchFamily="2" charset="0"/>
-              </a:rPr>
-              <a:t>    +-+-+-+-+-+-+-+-+-+-+-+-+-+-+-+-+-+-+-+-+-+-+-+-+-+-+-+-+-+-+-+-+</a:t>
-            </a:r>
-          </a:p>
-          <a:p>
-            <a:endParaRPr lang="en-CA" sz="800" dirty="0">
-              <a:latin typeface="Courier" pitchFamily="2" charset="0"/>
-            </a:endParaRPr>
-          </a:p>
-          <a:p>
-            <a:r>
-              <a:rPr lang="en-CA" sz="800" dirty="0">
-                <a:latin typeface="Courier" pitchFamily="2" charset="0"/>
-              </a:rPr>
-              <a:t>                         Figure: Return Path TLV</a:t>
-            </a:r>
-          </a:p>
-        </p:txBody>
-      </p:sp>
-      <p:sp>
-        <p:nvSpPr>
-          <p:cNvPr id="6" name="Content Placeholder 2">
-            <a:extLst>
-              <a:ext uri="{FF2B5EF4-FFF2-40B4-BE49-F238E27FC236}">
-                <a16:creationId xmlns:a16="http://schemas.microsoft.com/office/drawing/2014/main" id="{23AC919A-376F-2044-ADF3-0CCFB1FD964A}"/>
-              </a:ext>
-            </a:extLst>
-          </p:cNvPr>
-          <p:cNvSpPr>
-            <a:spLocks noGrp="1"/>
-          </p:cNvSpPr>
-          <p:nvPr>
-            <p:ph idx="1"/>
-          </p:nvPr>
-        </p:nvSpPr>
-        <p:spPr>
-          <a:xfrm>
-            <a:off x="152400" y="985158"/>
-            <a:ext cx="4114800" cy="3350617"/>
-          </a:xfrm>
-        </p:spPr>
-        <p:txBody>
-          <a:bodyPr/>
-          <a:lstStyle/>
-          <a:p>
-            <a:pPr marL="0" indent="0">
-              <a:spcBef>
-                <a:spcPts val="600"/>
-              </a:spcBef>
-              <a:buNone/>
-            </a:pPr>
-            <a:r>
-              <a:rPr lang="en-CA" sz="1400" b="1" dirty="0">
-                <a:latin typeface="Calibri" panose="020F0502020204030204" pitchFamily="34" charset="0"/>
-                <a:ea typeface="Calibri" panose="020F0502020204030204" pitchFamily="34" charset="0"/>
-                <a:cs typeface="Consolas" panose="020B0609020204030204" pitchFamily="49" charset="0"/>
-              </a:rPr>
-              <a:t>Return Path TLV (value TBA2):</a:t>
-            </a:r>
-            <a:endParaRPr lang="en-CA" sz="1400" b="1" dirty="0"/>
-          </a:p>
-          <a:p>
-            <a:pPr marL="0" indent="0">
-              <a:spcBef>
-                <a:spcPts val="600"/>
-              </a:spcBef>
-              <a:buNone/>
-            </a:pPr>
-            <a:r>
-              <a:rPr lang="en-CA" sz="1400" dirty="0"/>
-              <a:t>Sub-TLVs Types:</a:t>
-            </a:r>
-          </a:p>
-          <a:p>
-            <a:pPr>
-              <a:spcBef>
-                <a:spcPts val="600"/>
-              </a:spcBef>
-            </a:pPr>
-            <a:r>
-              <a:rPr lang="en-CA" sz="1400" dirty="0"/>
-              <a:t>Type (value 1): Return Address. Target node address of the response; different than the Source Address in the query</a:t>
-            </a:r>
-          </a:p>
-          <a:p>
-            <a:pPr>
-              <a:spcBef>
-                <a:spcPts val="600"/>
-              </a:spcBef>
-            </a:pPr>
-            <a:r>
-              <a:rPr lang="en-CA" sz="1400" dirty="0"/>
-              <a:t>Type (value 2): SR-MPLS Label Stack of the Reverse SR Path</a:t>
-            </a:r>
-          </a:p>
-          <a:p>
-            <a:pPr>
-              <a:spcBef>
-                <a:spcPts val="600"/>
-              </a:spcBef>
-            </a:pPr>
-            <a:r>
-              <a:rPr lang="en-CA" sz="1400" dirty="0"/>
-              <a:t>Type (value 3): SR-MPLS Binding SID [draft-</a:t>
-            </a:r>
-            <a:r>
-              <a:rPr lang="en-CA" sz="1400" dirty="0" err="1"/>
-              <a:t>ietf</a:t>
-            </a:r>
-            <a:r>
-              <a:rPr lang="en-CA" sz="1400" dirty="0"/>
-              <a:t>-</a:t>
-            </a:r>
-            <a:r>
-              <a:rPr lang="en-CA" sz="1400" dirty="0" err="1"/>
-              <a:t>pce</a:t>
-            </a:r>
-            <a:r>
-              <a:rPr lang="en-CA" sz="1400" dirty="0"/>
-              <a:t>-binding-label-</a:t>
-            </a:r>
-            <a:r>
-              <a:rPr lang="en-CA" sz="1400" dirty="0" err="1"/>
-              <a:t>sid</a:t>
-            </a:r>
-            <a:r>
-              <a:rPr lang="en-CA" sz="1400" dirty="0"/>
-              <a:t>] of the Reverse SR Policy</a:t>
-            </a:r>
-          </a:p>
-          <a:p>
-            <a:pPr>
-              <a:spcBef>
-                <a:spcPts val="600"/>
-              </a:spcBef>
-            </a:pPr>
-            <a:r>
-              <a:rPr lang="en-CA" sz="1400" dirty="0"/>
-              <a:t>Type (value 4): SRv6 Segment List of the Reverse SR Path</a:t>
-            </a:r>
-          </a:p>
-          <a:p>
-            <a:pPr>
-              <a:spcBef>
-                <a:spcPts val="600"/>
-              </a:spcBef>
-            </a:pPr>
-            <a:r>
-              <a:rPr lang="en-CA" sz="1400" dirty="0"/>
-              <a:t>Type (value 5): SRv6 Binding SID [draft-</a:t>
-            </a:r>
-            <a:r>
-              <a:rPr lang="en-CA" sz="1400" dirty="0" err="1"/>
-              <a:t>ietf</a:t>
-            </a:r>
-            <a:r>
-              <a:rPr lang="en-CA" sz="1400" dirty="0"/>
-              <a:t>-</a:t>
-            </a:r>
-            <a:r>
-              <a:rPr lang="en-CA" sz="1400" dirty="0" err="1"/>
-              <a:t>pce</a:t>
-            </a:r>
-            <a:r>
-              <a:rPr lang="en-CA" sz="1400" dirty="0"/>
-              <a:t>-binding-label-</a:t>
-            </a:r>
-            <a:r>
-              <a:rPr lang="en-CA" sz="1400" dirty="0" err="1"/>
-              <a:t>sid</a:t>
-            </a:r>
-            <a:r>
-              <a:rPr lang="en-CA" sz="1400" dirty="0"/>
-              <a:t>] of the Reverse SR Policy</a:t>
-            </a:r>
-            <a:endParaRPr lang="en-US" sz="1400" dirty="0">
-              <a:latin typeface="Calibri" charset="0"/>
-              <a:ea typeface="Calibri" charset="0"/>
-              <a:cs typeface="Calibri" charset="0"/>
-            </a:endParaRPr>
-          </a:p>
-        </p:txBody>
-      </p:sp>
-      <p:sp>
-        <p:nvSpPr>
-          <p:cNvPr id="9" name="Rectangle 8">
-            <a:extLst>
-              <a:ext uri="{FF2B5EF4-FFF2-40B4-BE49-F238E27FC236}">
-                <a16:creationId xmlns:a16="http://schemas.microsoft.com/office/drawing/2014/main" id="{B04D7E52-9ADA-114D-877F-E1C7CA482275}"/>
-              </a:ext>
-            </a:extLst>
-          </p:cNvPr>
-          <p:cNvSpPr/>
-          <p:nvPr/>
-        </p:nvSpPr>
-        <p:spPr>
-          <a:xfrm>
-            <a:off x="4343400" y="2385355"/>
-            <a:ext cx="4419600" cy="2185214"/>
-          </a:xfrm>
-          <a:prstGeom prst="rect">
-            <a:avLst/>
-          </a:prstGeom>
-          <a:solidFill>
-            <a:schemeClr val="accent6">
-              <a:lumMod val="20000"/>
-              <a:lumOff val="80000"/>
-            </a:schemeClr>
-          </a:solidFill>
-        </p:spPr>
-        <p:txBody>
-          <a:bodyPr wrap="square">
-            <a:spAutoFit/>
-          </a:bodyPr>
-          <a:lstStyle/>
-          <a:p>
-            <a:r>
-              <a:rPr lang="en-CA" sz="800" dirty="0">
-                <a:latin typeface="Courier" pitchFamily="2" charset="0"/>
-              </a:rPr>
-              <a:t>    0                   1                   2                   3</a:t>
-            </a:r>
-          </a:p>
-          <a:p>
-            <a:r>
-              <a:rPr lang="en-CA" sz="800" dirty="0">
-                <a:latin typeface="Courier" pitchFamily="2" charset="0"/>
-              </a:rPr>
-              <a:t>    0 1 2 3 4 5 6 7 8 9 0 1 2 3 4 5 6 7 8 9 0 1 2 3 4 5 6 7 8 9 0 1</a:t>
-            </a:r>
-          </a:p>
-          <a:p>
-            <a:r>
-              <a:rPr lang="en-CA" sz="800" dirty="0">
-                <a:latin typeface="Courier" pitchFamily="2" charset="0"/>
-              </a:rPr>
-              <a:t>    +-+-+-+-+-+-+-+-+-+-+-+-+-+-+-+-+-+-+-+-+-+-+-+-+-+-+-+-+-+-+-+-+</a:t>
-            </a:r>
-          </a:p>
-          <a:p>
-            <a:r>
-              <a:rPr lang="en-CA" sz="800" dirty="0">
-                <a:latin typeface="Courier" pitchFamily="2" charset="0"/>
-              </a:rPr>
-              <a:t>    |STAMP TLV Flags|  Type         |     Length                    |</a:t>
-            </a:r>
-          </a:p>
-          <a:p>
-            <a:r>
-              <a:rPr lang="en-CA" sz="800" dirty="0">
-                <a:latin typeface="Courier" pitchFamily="2" charset="0"/>
-              </a:rPr>
-              <a:t>    +-+-+-+-+-+-+-+-+-+-+-+-+-+-+-+-+-+-+-+-+-+-+-+-+-+-+-+-+-+-+-+-+</a:t>
-            </a:r>
-          </a:p>
-          <a:p>
-            <a:r>
-              <a:rPr lang="en-CA" sz="800" dirty="0">
-                <a:latin typeface="Courier" pitchFamily="2" charset="0"/>
-              </a:rPr>
-              <a:t>    |                    Segment(1)                                 |</a:t>
-            </a:r>
-          </a:p>
-          <a:p>
-            <a:r>
-              <a:rPr lang="en-CA" sz="800" dirty="0">
-                <a:latin typeface="Courier" pitchFamily="2" charset="0"/>
-              </a:rPr>
-              <a:t>    .                                                               .</a:t>
-            </a:r>
-          </a:p>
-          <a:p>
-            <a:r>
-              <a:rPr lang="en-CA" sz="800" dirty="0">
-                <a:latin typeface="Courier" pitchFamily="2" charset="0"/>
-              </a:rPr>
-              <a:t>    +-+-+-+-+-+-+-+-+-+-+-+-+-+-+-+-+-+-+-+-+-+-+-+-+-+-+-+-+-+-+-+-+</a:t>
-            </a:r>
-          </a:p>
-          <a:p>
-            <a:r>
-              <a:rPr lang="en-CA" sz="800" dirty="0">
-                <a:latin typeface="Courier" pitchFamily="2" charset="0"/>
-              </a:rPr>
-              <a:t>    .                                                               .</a:t>
-            </a:r>
-          </a:p>
-          <a:p>
-            <a:r>
-              <a:rPr lang="en-CA" sz="800" dirty="0">
-                <a:latin typeface="Courier" pitchFamily="2" charset="0"/>
-              </a:rPr>
-              <a:t>    .                                                               .</a:t>
-            </a:r>
-          </a:p>
-          <a:p>
-            <a:r>
-              <a:rPr lang="en-CA" sz="800" dirty="0">
-                <a:latin typeface="Courier" pitchFamily="2" charset="0"/>
-              </a:rPr>
-              <a:t>    .                                                               .</a:t>
-            </a:r>
-          </a:p>
-          <a:p>
-            <a:r>
-              <a:rPr lang="en-CA" sz="800" dirty="0">
-                <a:latin typeface="Courier" pitchFamily="2" charset="0"/>
-              </a:rPr>
-              <a:t>    +-+-+-+-+-+-+-+-+-+-+-+-+-+-+-+-+-+-+-+-+-+-+-+-+-+-+-+-+-+-+-+-+</a:t>
-            </a:r>
-          </a:p>
-          <a:p>
-            <a:r>
-              <a:rPr lang="en-CA" sz="800" dirty="0">
-                <a:latin typeface="Courier" pitchFamily="2" charset="0"/>
-              </a:rPr>
-              <a:t>    |                    Segment(n)                                 |</a:t>
-            </a:r>
-          </a:p>
-          <a:p>
-            <a:r>
-              <a:rPr lang="en-CA" sz="800" dirty="0">
-                <a:latin typeface="Courier" pitchFamily="2" charset="0"/>
-              </a:rPr>
-              <a:t>    .                                                               .</a:t>
-            </a:r>
-          </a:p>
-          <a:p>
-            <a:r>
-              <a:rPr lang="en-CA" sz="800" dirty="0">
-                <a:latin typeface="Courier" pitchFamily="2" charset="0"/>
-              </a:rPr>
-              <a:t>    +-+-+-+-+-+-+-+-+-+-+-+-+-+-+-+-+-+-+-+-+-+-+-+-+-+-+-+-+-+-+-+-+</a:t>
-            </a:r>
-          </a:p>
-          <a:p>
-            <a:endParaRPr lang="en-CA" sz="800" dirty="0">
-              <a:latin typeface="Courier" pitchFamily="2" charset="0"/>
-            </a:endParaRPr>
-          </a:p>
-          <a:p>
-            <a:r>
-              <a:rPr lang="en-CA" sz="800" dirty="0">
-                <a:latin typeface="Courier" pitchFamily="2" charset="0"/>
-              </a:rPr>
-              <a:t>              Figure: Segment List Sub-TLV in Return Path TLV</a:t>
-            </a:r>
-            <a:endParaRPr lang="en-US" sz="800" dirty="0">
-              <a:latin typeface="Courier" pitchFamily="2" charset="0"/>
-              <a:cs typeface="Courier New" panose="02070309020205020404" pitchFamily="49" charset="0"/>
-            </a:endParaRPr>
-          </a:p>
-        </p:txBody>
-      </p:sp>
-    </p:spTree>
-    <p:extLst>
-      <p:ext uri="{BB962C8B-B14F-4D97-AF65-F5344CB8AC3E}">
-        <p14:creationId xmlns:p14="http://schemas.microsoft.com/office/powerpoint/2010/main" val="720098633"/>
       </p:ext>
     </p:extLst>
   </p:cSld>
@@ -11508,7 +11781,13 @@
       </p:grpSpPr>
       <p:sp>
         <p:nvSpPr>
-          <p:cNvPr id="2" name="Title 1"/>
+          <p:cNvPr id="2" name="Title 1">
+            <a:extLst>
+              <a:ext uri="{FF2B5EF4-FFF2-40B4-BE49-F238E27FC236}">
+                <a16:creationId xmlns:a16="http://schemas.microsoft.com/office/drawing/2014/main" id="{9A6F4236-AC14-394A-A36C-F2BD8CED3237}"/>
+              </a:ext>
+            </a:extLst>
+          </p:cNvPr>
           <p:cNvSpPr>
             <a:spLocks noGrp="1"/>
           </p:cNvSpPr>
@@ -11518,8 +11797,8 @@
         </p:nvSpPr>
         <p:spPr>
           <a:xfrm>
-            <a:off x="457200" y="0"/>
-            <a:ext cx="8229600" cy="857250"/>
+            <a:off x="228600" y="-8968"/>
+            <a:ext cx="8686800" cy="857250"/>
           </a:xfrm>
         </p:spPr>
         <p:txBody>
@@ -11527,181 +11806,27 @@
           <a:lstStyle/>
           <a:p>
             <a:r>
-              <a:rPr lang="en-US" sz="3600" dirty="0">
+              <a:rPr lang="en-US" sz="3200" dirty="0">
                 <a:solidFill>
                   <a:srgbClr val="0070C0"/>
                 </a:solidFill>
                 <a:latin typeface="Calibri Light" panose="020F0302020204030204" pitchFamily="34" charset="0"/>
                 <a:cs typeface="Calibri Light" panose="020F0302020204030204" pitchFamily="34" charset="0"/>
               </a:rPr>
-              <a:t>IPPM Draft Review Comments</a:t>
+              <a:t>STAMP - Return Path TLV</a:t>
             </a:r>
           </a:p>
         </p:txBody>
       </p:sp>
       <p:sp>
         <p:nvSpPr>
-          <p:cNvPr id="3" name="Content Placeholder 2"/>
-          <p:cNvSpPr>
-            <a:spLocks noGrp="1"/>
-          </p:cNvSpPr>
-          <p:nvPr>
-            <p:ph idx="1"/>
-          </p:nvPr>
-        </p:nvSpPr>
-        <p:spPr>
-          <a:xfrm>
-            <a:off x="838200" y="1007878"/>
-            <a:ext cx="7543800" cy="3642123"/>
-          </a:xfrm>
-        </p:spPr>
-        <p:txBody>
-          <a:bodyPr/>
-          <a:lstStyle/>
-          <a:p>
-            <a:pPr>
-              <a:buFont typeface="+mj-lt"/>
-              <a:buAutoNum type="arabicPeriod"/>
-            </a:pPr>
-            <a:r>
-              <a:rPr lang="en-US" sz="1200" dirty="0"/>
-              <a:t>Draft status:</a:t>
-            </a:r>
-          </a:p>
-          <a:p>
-            <a:pPr marL="800100" lvl="1" indent="-342900">
-              <a:buFont typeface="+mj-lt"/>
-              <a:buAutoNum type="alphaLcParenR"/>
-            </a:pPr>
-            <a:r>
-              <a:rPr lang="en-US" sz="1200" dirty="0"/>
-              <a:t>Draft defines extensions for STAMP (is not a new protocol)</a:t>
-            </a:r>
-          </a:p>
-          <a:p>
-            <a:pPr marL="800100" lvl="1" indent="-342900">
-              <a:buFont typeface="+mj-lt"/>
-              <a:buAutoNum type="alphaLcParenR"/>
-            </a:pPr>
-            <a:r>
-              <a:rPr lang="en-US" sz="1200" dirty="0"/>
-              <a:t>Update RFC 8762 due to new field (control code) in the message</a:t>
-            </a:r>
-          </a:p>
-          <a:p>
-            <a:pPr>
-              <a:buFont typeface="+mj-lt"/>
-              <a:buAutoNum type="arabicPeriod"/>
-            </a:pPr>
-            <a:r>
-              <a:rPr lang="en-US" sz="1200" dirty="0"/>
-              <a:t>Extensions are not specific to SR, document should be renamed</a:t>
-            </a:r>
-          </a:p>
-          <a:p>
-            <a:pPr>
-              <a:buFont typeface="+mj-lt"/>
-              <a:buAutoNum type="arabicPeriod"/>
-            </a:pPr>
-            <a:r>
-              <a:rPr lang="en-US" sz="1200" dirty="0"/>
-              <a:t>Does not introduce any new security issue with this draft</a:t>
-            </a:r>
-          </a:p>
-          <a:p>
-            <a:pPr>
-              <a:buFont typeface="+mj-lt"/>
-              <a:buAutoNum type="arabicPeriod"/>
-            </a:pPr>
-            <a:r>
-              <a:rPr lang="en-US" sz="1200" dirty="0"/>
-              <a:t>Editorial</a:t>
-            </a:r>
-          </a:p>
-          <a:p>
-            <a:pPr marL="800100" lvl="1" indent="-342900">
-              <a:buFont typeface="+mj-lt"/>
-              <a:buAutoNum type="alphaLcParenR"/>
-            </a:pPr>
-            <a:r>
-              <a:rPr lang="en-US" sz="1200" dirty="0"/>
-              <a:t>Define Abbreviations (BSID, SRH, HMAC-SHA)</a:t>
-            </a:r>
-          </a:p>
-          <a:p>
-            <a:pPr marL="800100" lvl="1" indent="-342900">
-              <a:buFont typeface="+mj-lt"/>
-              <a:buAutoNum type="alphaLcParenR"/>
-            </a:pPr>
-            <a:r>
-              <a:rPr lang="en-US" sz="1200" dirty="0"/>
-              <a:t>Use Session-Sender, Session-Reflector terms</a:t>
-            </a:r>
-          </a:p>
-          <a:p>
-            <a:pPr marL="800100" lvl="1" indent="-342900">
-              <a:buFont typeface="+mj-lt"/>
-              <a:buAutoNum type="alphaLcParenR"/>
-            </a:pPr>
-            <a:r>
-              <a:rPr lang="en-US" sz="1200" dirty="0"/>
-              <a:t>Show entire test packet with session-sender control code field</a:t>
-            </a:r>
-          </a:p>
-          <a:p>
-            <a:pPr marL="800100" lvl="1" indent="-342900">
-              <a:buFont typeface="+mj-lt"/>
-              <a:buAutoNum type="alphaLcParenR"/>
-            </a:pPr>
-            <a:r>
-              <a:rPr lang="en-US" sz="1200" dirty="0"/>
-              <a:t>Indicate packet loss is direct-mode loss </a:t>
-            </a:r>
-          </a:p>
-          <a:p>
-            <a:pPr marL="800100" lvl="1" indent="-342900">
-              <a:buFont typeface="+mj-lt"/>
-              <a:buAutoNum type="alphaLcParenR"/>
-            </a:pPr>
-            <a:r>
-              <a:rPr lang="en-US" sz="1200" dirty="0"/>
-              <a:t>Move Receive Counter and other Response message fields to Section 4.1 from 3.2</a:t>
-            </a:r>
-          </a:p>
-          <a:p>
-            <a:pPr lvl="2"/>
-            <a:r>
-              <a:rPr lang="en-CA" sz="1200" dirty="0"/>
-              <a:t>Explain how the counters and sequence numbers are used to do loss measurement</a:t>
-            </a:r>
-          </a:p>
-          <a:p>
-            <a:pPr>
-              <a:buFont typeface="+mj-lt"/>
-              <a:buAutoNum type="arabicPeriod"/>
-            </a:pPr>
-            <a:r>
-              <a:rPr lang="en-US" sz="1200" dirty="0"/>
-              <a:t>Extend ICMP for direct-mode loss measurement – out of scope</a:t>
-            </a:r>
-            <a:endParaRPr lang="en-US" sz="1200" dirty="0">
-              <a:latin typeface="Calibri" charset="0"/>
-              <a:ea typeface="Calibri" charset="0"/>
-              <a:cs typeface="Calibri" charset="0"/>
-            </a:endParaRPr>
-          </a:p>
-          <a:p>
-            <a:endParaRPr lang="en-US" sz="1200" dirty="0">
-              <a:latin typeface="Calibri" charset="0"/>
-              <a:ea typeface="Calibri" charset="0"/>
-              <a:cs typeface="Calibri" charset="0"/>
-            </a:endParaRPr>
-          </a:p>
-        </p:txBody>
-      </p:sp>
-      <p:sp>
-        <p:nvSpPr>
-          <p:cNvPr id="4" name="Footer Placeholder 3"/>
+          <p:cNvPr id="4" name="Footer Placeholder 3">
+            <a:extLst>
+              <a:ext uri="{FF2B5EF4-FFF2-40B4-BE49-F238E27FC236}">
+                <a16:creationId xmlns:a16="http://schemas.microsoft.com/office/drawing/2014/main" id="{643D160E-CC3C-EB46-A6F1-43B8E2996F46}"/>
+              </a:ext>
+            </a:extLst>
+          </p:cNvPr>
           <p:cNvSpPr>
             <a:spLocks noGrp="1"/>
           </p:cNvSpPr>
@@ -11711,7 +11836,7 @@
         </p:nvSpPr>
         <p:spPr>
           <a:xfrm>
-            <a:off x="3124200" y="4786312"/>
+            <a:off x="3124200" y="4805362"/>
             <a:ext cx="2895600" cy="357188"/>
           </a:xfrm>
         </p:spPr>
@@ -11736,7 +11861,13 @@
       </p:sp>
       <p:sp>
         <p:nvSpPr>
-          <p:cNvPr id="5" name="Slide Number Placeholder 4"/>
+          <p:cNvPr id="5" name="Slide Number Placeholder 4">
+            <a:extLst>
+              <a:ext uri="{FF2B5EF4-FFF2-40B4-BE49-F238E27FC236}">
+                <a16:creationId xmlns:a16="http://schemas.microsoft.com/office/drawing/2014/main" id="{A8B868AE-B105-7547-A646-14FCDF91C2DD}"/>
+              </a:ext>
+            </a:extLst>
+          </p:cNvPr>
           <p:cNvSpPr>
             <a:spLocks noGrp="1"/>
           </p:cNvSpPr>
@@ -11763,10 +11894,456 @@
           </a:p>
         </p:txBody>
       </p:sp>
+      <p:sp>
+        <p:nvSpPr>
+          <p:cNvPr id="7" name="Rectangle 6">
+            <a:extLst>
+              <a:ext uri="{FF2B5EF4-FFF2-40B4-BE49-F238E27FC236}">
+                <a16:creationId xmlns:a16="http://schemas.microsoft.com/office/drawing/2014/main" id="{AA6E66CA-28BC-2C4A-BC04-4600D8FEBF3B}"/>
+              </a:ext>
+            </a:extLst>
+          </p:cNvPr>
+          <p:cNvSpPr/>
+          <p:nvPr/>
+        </p:nvSpPr>
+        <p:spPr>
+          <a:xfrm>
+            <a:off x="4343400" y="837063"/>
+            <a:ext cx="4419600" cy="1323439"/>
+          </a:xfrm>
+          <a:prstGeom prst="rect">
+            <a:avLst/>
+          </a:prstGeom>
+          <a:solidFill>
+            <a:schemeClr val="accent6">
+              <a:lumMod val="20000"/>
+              <a:lumOff val="80000"/>
+            </a:schemeClr>
+          </a:solidFill>
+        </p:spPr>
+        <p:txBody>
+          <a:bodyPr wrap="square">
+            <a:spAutoFit/>
+          </a:bodyPr>
+          <a:lstStyle/>
+          <a:p>
+            <a:r>
+              <a:rPr lang="en-CA" sz="800" dirty="0">
+                <a:latin typeface="Courier" pitchFamily="2" charset="0"/>
+              </a:rPr>
+              <a:t>    0                   1                   2                   3</a:t>
+            </a:r>
+          </a:p>
+          <a:p>
+            <a:r>
+              <a:rPr lang="en-CA" sz="800" dirty="0">
+                <a:latin typeface="Courier" pitchFamily="2" charset="0"/>
+              </a:rPr>
+              <a:t>    0 1 2 3 4 5 6 7 8 9 0 1 2 3 4 5 6 7 8 9 0 1 2 3 4 5 6 7 8 9 0 1</a:t>
+            </a:r>
+          </a:p>
+          <a:p>
+            <a:r>
+              <a:rPr lang="en-CA" sz="800" dirty="0">
+                <a:latin typeface="Courier" pitchFamily="2" charset="0"/>
+              </a:rPr>
+              <a:t>    +-+-+-+-+-+-+-+-+-+-+-+-+-+-+-+-+-+-+-+-+-+-+-+-+-+-+-+-+-+-+-+-+</a:t>
+            </a:r>
+          </a:p>
+          <a:p>
+            <a:r>
+              <a:rPr lang="en-CA" sz="800" dirty="0">
+                <a:latin typeface="Courier" pitchFamily="2" charset="0"/>
+              </a:rPr>
+              <a:t>    |STAMP TLV Flags|  Type = TBA2  |     Length                    |</a:t>
+            </a:r>
+          </a:p>
+          <a:p>
+            <a:r>
+              <a:rPr lang="en-CA" sz="800" dirty="0">
+                <a:latin typeface="Courier" pitchFamily="2" charset="0"/>
+              </a:rPr>
+              <a:t>    +-+-+-+-+-+-+-+-+-+-+-+-+-+-+-+-+-+-+-+-+-+-+-+-+-+-+-+-+-+-+-+-+</a:t>
+            </a:r>
+          </a:p>
+          <a:p>
+            <a:r>
+              <a:rPr lang="en-CA" sz="800" dirty="0">
+                <a:latin typeface="Courier" pitchFamily="2" charset="0"/>
+              </a:rPr>
+              <a:t>    |                    Return Path Sub-TLVs                       |</a:t>
+            </a:r>
+          </a:p>
+          <a:p>
+            <a:r>
+              <a:rPr lang="en-CA" sz="800" dirty="0">
+                <a:latin typeface="Courier" pitchFamily="2" charset="0"/>
+              </a:rPr>
+              <a:t>    .                                                               .</a:t>
+            </a:r>
+          </a:p>
+          <a:p>
+            <a:r>
+              <a:rPr lang="en-CA" sz="800" dirty="0">
+                <a:latin typeface="Courier" pitchFamily="2" charset="0"/>
+              </a:rPr>
+              <a:t>    +-+-+-+-+-+-+-+-+-+-+-+-+-+-+-+-+-+-+-+-+-+-+-+-+-+-+-+-+-+-+-+-+</a:t>
+            </a:r>
+          </a:p>
+          <a:p>
+            <a:endParaRPr lang="en-CA" sz="800" dirty="0">
+              <a:latin typeface="Courier" pitchFamily="2" charset="0"/>
+            </a:endParaRPr>
+          </a:p>
+          <a:p>
+            <a:r>
+              <a:rPr lang="en-CA" sz="800" dirty="0">
+                <a:latin typeface="Courier" pitchFamily="2" charset="0"/>
+              </a:rPr>
+              <a:t>                         Figure: Return Path TLV</a:t>
+            </a:r>
+          </a:p>
+        </p:txBody>
+      </p:sp>
+      <p:sp>
+        <p:nvSpPr>
+          <p:cNvPr id="6" name="Content Placeholder 2">
+            <a:extLst>
+              <a:ext uri="{FF2B5EF4-FFF2-40B4-BE49-F238E27FC236}">
+                <a16:creationId xmlns:a16="http://schemas.microsoft.com/office/drawing/2014/main" id="{23AC919A-376F-2044-ADF3-0CCFB1FD964A}"/>
+              </a:ext>
+            </a:extLst>
+          </p:cNvPr>
+          <p:cNvSpPr>
+            <a:spLocks noGrp="1"/>
+          </p:cNvSpPr>
+          <p:nvPr>
+            <p:ph idx="1"/>
+          </p:nvPr>
+        </p:nvSpPr>
+        <p:spPr>
+          <a:xfrm>
+            <a:off x="152400" y="985158"/>
+            <a:ext cx="4114800" cy="3350617"/>
+          </a:xfrm>
+        </p:spPr>
+        <p:txBody>
+          <a:bodyPr/>
+          <a:lstStyle/>
+          <a:p>
+            <a:pPr marL="0" indent="0">
+              <a:spcBef>
+                <a:spcPts val="600"/>
+              </a:spcBef>
+              <a:buNone/>
+            </a:pPr>
+            <a:r>
+              <a:rPr lang="en-CA" sz="1400" b="1" dirty="0">
+                <a:latin typeface="Calibri" panose="020F0502020204030204" pitchFamily="34" charset="0"/>
+                <a:ea typeface="Calibri" panose="020F0502020204030204" pitchFamily="34" charset="0"/>
+                <a:cs typeface="Consolas" panose="020B0609020204030204" pitchFamily="49" charset="0"/>
+              </a:rPr>
+              <a:t>Return Path TLV (value TBA2):</a:t>
+            </a:r>
+            <a:endParaRPr lang="en-CA" sz="1400" b="1" dirty="0"/>
+          </a:p>
+          <a:p>
+            <a:pPr marL="0" indent="0">
+              <a:spcBef>
+                <a:spcPts val="600"/>
+              </a:spcBef>
+              <a:buNone/>
+            </a:pPr>
+            <a:r>
+              <a:rPr lang="en-CA" sz="1400" dirty="0"/>
+              <a:t>Sub-TLVs Types:</a:t>
+            </a:r>
+          </a:p>
+          <a:p>
+            <a:pPr>
+              <a:spcBef>
+                <a:spcPts val="600"/>
+              </a:spcBef>
+            </a:pPr>
+            <a:r>
+              <a:rPr lang="en-CA" sz="1400" dirty="0"/>
+              <a:t>Type (value 1): Return Address. Target node address of the response; different than the Source Address in the query</a:t>
+            </a:r>
+          </a:p>
+          <a:p>
+            <a:pPr>
+              <a:spcBef>
+                <a:spcPts val="600"/>
+              </a:spcBef>
+            </a:pPr>
+            <a:r>
+              <a:rPr lang="en-CA" sz="1400" dirty="0"/>
+              <a:t>Type (value 2): SR-MPLS Label Stack of the Reverse SR Path</a:t>
+            </a:r>
+          </a:p>
+          <a:p>
+            <a:pPr>
+              <a:spcBef>
+                <a:spcPts val="600"/>
+              </a:spcBef>
+            </a:pPr>
+            <a:r>
+              <a:rPr lang="en-CA" sz="1400" dirty="0"/>
+              <a:t>Type (value 3): SR-MPLS Binding SID [draft-</a:t>
+            </a:r>
+            <a:r>
+              <a:rPr lang="en-CA" sz="1400" dirty="0" err="1"/>
+              <a:t>ietf</a:t>
+            </a:r>
+            <a:r>
+              <a:rPr lang="en-CA" sz="1400" dirty="0"/>
+              <a:t>-</a:t>
+            </a:r>
+            <a:r>
+              <a:rPr lang="en-CA" sz="1400" dirty="0" err="1"/>
+              <a:t>pce</a:t>
+            </a:r>
+            <a:r>
+              <a:rPr lang="en-CA" sz="1400" dirty="0"/>
+              <a:t>-binding-label-</a:t>
+            </a:r>
+            <a:r>
+              <a:rPr lang="en-CA" sz="1400" dirty="0" err="1"/>
+              <a:t>sid</a:t>
+            </a:r>
+            <a:r>
+              <a:rPr lang="en-CA" sz="1400" dirty="0"/>
+              <a:t>] of the Reverse SR Policy</a:t>
+            </a:r>
+          </a:p>
+          <a:p>
+            <a:pPr>
+              <a:spcBef>
+                <a:spcPts val="600"/>
+              </a:spcBef>
+            </a:pPr>
+            <a:r>
+              <a:rPr lang="en-CA" sz="1400" dirty="0"/>
+              <a:t>Type (value 4): SRv6 Segment List of the Reverse SR Path</a:t>
+            </a:r>
+          </a:p>
+          <a:p>
+            <a:pPr>
+              <a:spcBef>
+                <a:spcPts val="600"/>
+              </a:spcBef>
+            </a:pPr>
+            <a:r>
+              <a:rPr lang="en-CA" sz="1400" dirty="0"/>
+              <a:t>Type (value 5): SRv6 Binding SID [draft-</a:t>
+            </a:r>
+            <a:r>
+              <a:rPr lang="en-CA" sz="1400" dirty="0" err="1"/>
+              <a:t>ietf</a:t>
+            </a:r>
+            <a:r>
+              <a:rPr lang="en-CA" sz="1400" dirty="0"/>
+              <a:t>-</a:t>
+            </a:r>
+            <a:r>
+              <a:rPr lang="en-CA" sz="1400" dirty="0" err="1"/>
+              <a:t>pce</a:t>
+            </a:r>
+            <a:r>
+              <a:rPr lang="en-CA" sz="1400" dirty="0"/>
+              <a:t>-binding-label-</a:t>
+            </a:r>
+            <a:r>
+              <a:rPr lang="en-CA" sz="1400" dirty="0" err="1"/>
+              <a:t>sid</a:t>
+            </a:r>
+            <a:r>
+              <a:rPr lang="en-CA" sz="1400" dirty="0"/>
+              <a:t>] of the Reverse SR Policy</a:t>
+            </a:r>
+            <a:endParaRPr lang="en-US" sz="1400" dirty="0">
+              <a:latin typeface="Calibri" charset="0"/>
+              <a:ea typeface="Calibri" charset="0"/>
+              <a:cs typeface="Calibri" charset="0"/>
+            </a:endParaRPr>
+          </a:p>
+        </p:txBody>
+      </p:sp>
+      <p:sp>
+        <p:nvSpPr>
+          <p:cNvPr id="9" name="Rectangle 8">
+            <a:extLst>
+              <a:ext uri="{FF2B5EF4-FFF2-40B4-BE49-F238E27FC236}">
+                <a16:creationId xmlns:a16="http://schemas.microsoft.com/office/drawing/2014/main" id="{B04D7E52-9ADA-114D-877F-E1C7CA482275}"/>
+              </a:ext>
+            </a:extLst>
+          </p:cNvPr>
+          <p:cNvSpPr/>
+          <p:nvPr/>
+        </p:nvSpPr>
+        <p:spPr>
+          <a:xfrm>
+            <a:off x="4343400" y="2385355"/>
+            <a:ext cx="4419600" cy="2185214"/>
+          </a:xfrm>
+          <a:prstGeom prst="rect">
+            <a:avLst/>
+          </a:prstGeom>
+          <a:solidFill>
+            <a:schemeClr val="accent6">
+              <a:lumMod val="20000"/>
+              <a:lumOff val="80000"/>
+            </a:schemeClr>
+          </a:solidFill>
+        </p:spPr>
+        <p:txBody>
+          <a:bodyPr wrap="square">
+            <a:spAutoFit/>
+          </a:bodyPr>
+          <a:lstStyle/>
+          <a:p>
+            <a:r>
+              <a:rPr lang="en-CA" sz="800" dirty="0">
+                <a:latin typeface="Courier" pitchFamily="2" charset="0"/>
+              </a:rPr>
+              <a:t>    0                   1                   2                   3</a:t>
+            </a:r>
+          </a:p>
+          <a:p>
+            <a:r>
+              <a:rPr lang="en-CA" sz="800" dirty="0">
+                <a:latin typeface="Courier" pitchFamily="2" charset="0"/>
+              </a:rPr>
+              <a:t>    0 1 2 3 4 5 6 7 8 9 0 1 2 3 4 5 6 7 8 9 0 1 2 3 4 5 6 7 8 9 0 1</a:t>
+            </a:r>
+          </a:p>
+          <a:p>
+            <a:r>
+              <a:rPr lang="en-CA" sz="800" dirty="0">
+                <a:latin typeface="Courier" pitchFamily="2" charset="0"/>
+              </a:rPr>
+              <a:t>    +-+-+-+-+-+-+-+-+-+-+-+-+-+-+-+-+-+-+-+-+-+-+-+-+-+-+-+-+-+-+-+-+</a:t>
+            </a:r>
+          </a:p>
+          <a:p>
+            <a:r>
+              <a:rPr lang="en-CA" sz="800" dirty="0">
+                <a:latin typeface="Courier" pitchFamily="2" charset="0"/>
+              </a:rPr>
+              <a:t>    |STAMP TLV Flags|  Type         |     Length                    |</a:t>
+            </a:r>
+          </a:p>
+          <a:p>
+            <a:r>
+              <a:rPr lang="en-CA" sz="800" dirty="0">
+                <a:latin typeface="Courier" pitchFamily="2" charset="0"/>
+              </a:rPr>
+              <a:t>    +-+-+-+-+-+-+-+-+-+-+-+-+-+-+-+-+-+-+-+-+-+-+-+-+-+-+-+-+-+-+-+-+</a:t>
+            </a:r>
+          </a:p>
+          <a:p>
+            <a:r>
+              <a:rPr lang="en-CA" sz="800" dirty="0">
+                <a:latin typeface="Courier" pitchFamily="2" charset="0"/>
+              </a:rPr>
+              <a:t>    |                    Segment(1)                                 |</a:t>
+            </a:r>
+          </a:p>
+          <a:p>
+            <a:r>
+              <a:rPr lang="en-CA" sz="800" dirty="0">
+                <a:latin typeface="Courier" pitchFamily="2" charset="0"/>
+              </a:rPr>
+              <a:t>    .                                                               .</a:t>
+            </a:r>
+          </a:p>
+          <a:p>
+            <a:r>
+              <a:rPr lang="en-CA" sz="800" dirty="0">
+                <a:latin typeface="Courier" pitchFamily="2" charset="0"/>
+              </a:rPr>
+              <a:t>    +-+-+-+-+-+-+-+-+-+-+-+-+-+-+-+-+-+-+-+-+-+-+-+-+-+-+-+-+-+-+-+-+</a:t>
+            </a:r>
+          </a:p>
+          <a:p>
+            <a:r>
+              <a:rPr lang="en-CA" sz="800" dirty="0">
+                <a:latin typeface="Courier" pitchFamily="2" charset="0"/>
+              </a:rPr>
+              <a:t>    .                                                               .</a:t>
+            </a:r>
+          </a:p>
+          <a:p>
+            <a:r>
+              <a:rPr lang="en-CA" sz="800" dirty="0">
+                <a:latin typeface="Courier" pitchFamily="2" charset="0"/>
+              </a:rPr>
+              <a:t>    .                                                               .</a:t>
+            </a:r>
+          </a:p>
+          <a:p>
+            <a:r>
+              <a:rPr lang="en-CA" sz="800" dirty="0">
+                <a:latin typeface="Courier" pitchFamily="2" charset="0"/>
+              </a:rPr>
+              <a:t>    .                                                               .</a:t>
+            </a:r>
+          </a:p>
+          <a:p>
+            <a:r>
+              <a:rPr lang="en-CA" sz="800" dirty="0">
+                <a:latin typeface="Courier" pitchFamily="2" charset="0"/>
+              </a:rPr>
+              <a:t>    +-+-+-+-+-+-+-+-+-+-+-+-+-+-+-+-+-+-+-+-+-+-+-+-+-+-+-+-+-+-+-+-+</a:t>
+            </a:r>
+          </a:p>
+          <a:p>
+            <a:r>
+              <a:rPr lang="en-CA" sz="800" dirty="0">
+                <a:latin typeface="Courier" pitchFamily="2" charset="0"/>
+              </a:rPr>
+              <a:t>    |                    Segment(n)                                 |</a:t>
+            </a:r>
+          </a:p>
+          <a:p>
+            <a:r>
+              <a:rPr lang="en-CA" sz="800" dirty="0">
+                <a:latin typeface="Courier" pitchFamily="2" charset="0"/>
+              </a:rPr>
+              <a:t>    .                                                               .</a:t>
+            </a:r>
+          </a:p>
+          <a:p>
+            <a:r>
+              <a:rPr lang="en-CA" sz="800" dirty="0">
+                <a:latin typeface="Courier" pitchFamily="2" charset="0"/>
+              </a:rPr>
+              <a:t>    +-+-+-+-+-+-+-+-+-+-+-+-+-+-+-+-+-+-+-+-+-+-+-+-+-+-+-+-+-+-+-+-+</a:t>
+            </a:r>
+          </a:p>
+          <a:p>
+            <a:endParaRPr lang="en-CA" sz="800" dirty="0">
+              <a:latin typeface="Courier" pitchFamily="2" charset="0"/>
+            </a:endParaRPr>
+          </a:p>
+          <a:p>
+            <a:r>
+              <a:rPr lang="en-CA" sz="800" dirty="0">
+                <a:latin typeface="Courier" pitchFamily="2" charset="0"/>
+              </a:rPr>
+              <a:t>              Figure: Segment List Sub-TLV in Return Path TLV</a:t>
+            </a:r>
+            <a:endParaRPr lang="en-US" sz="800" dirty="0">
+              <a:latin typeface="Courier" pitchFamily="2" charset="0"/>
+              <a:cs typeface="Courier New" panose="02070309020205020404" pitchFamily="49" charset="0"/>
+            </a:endParaRPr>
+          </a:p>
+        </p:txBody>
+      </p:sp>
     </p:spTree>
     <p:extLst>
       <p:ext uri="{BB962C8B-B14F-4D97-AF65-F5344CB8AC3E}">
-        <p14:creationId xmlns:p14="http://schemas.microsoft.com/office/powerpoint/2010/main" val="719859898"/>
+        <p14:creationId xmlns:p14="http://schemas.microsoft.com/office/powerpoint/2010/main" val="720098633"/>
       </p:ext>
     </p:extLst>
   </p:cSld>

--- a/draft-gandhi-ippm-stamp-srpm-00.pptx
+++ b/draft-gandhi-ippm-stamp-srpm-00.pptx
@@ -5210,8 +5210,8 @@
                 <a:solidFill>
                   <a:srgbClr val="0070C0"/>
                 </a:solidFill>
-                <a:latin typeface="Calibri" panose="020F0502020204030204" pitchFamily="34" charset="0"/>
-                <a:cs typeface="Calibri" panose="020F0502020204030204" pitchFamily="34" charset="0"/>
+                <a:latin typeface="Calibri Light" panose="020F0302020204030204" pitchFamily="34" charset="0"/>
+                <a:cs typeface="Calibri Light" panose="020F0302020204030204" pitchFamily="34" charset="0"/>
               </a:rPr>
               <a:t>draft-</a:t>
             </a:r>
@@ -5220,8 +5220,8 @@
                 <a:solidFill>
                   <a:srgbClr val="0070C0"/>
                 </a:solidFill>
-                <a:latin typeface="Calibri" panose="020F0502020204030204" pitchFamily="34" charset="0"/>
-                <a:cs typeface="Calibri" panose="020F0502020204030204" pitchFamily="34" charset="0"/>
+                <a:latin typeface="Calibri Light" panose="020F0302020204030204" pitchFamily="34" charset="0"/>
+                <a:cs typeface="Calibri Light" panose="020F0302020204030204" pitchFamily="34" charset="0"/>
               </a:rPr>
               <a:t>gandhi</a:t>
             </a:r>
@@ -5230,8 +5230,8 @@
                 <a:solidFill>
                   <a:srgbClr val="0070C0"/>
                 </a:solidFill>
-                <a:latin typeface="Calibri" panose="020F0502020204030204" pitchFamily="34" charset="0"/>
-                <a:cs typeface="Calibri" panose="020F0502020204030204" pitchFamily="34" charset="0"/>
+                <a:latin typeface="Calibri Light" panose="020F0302020204030204" pitchFamily="34" charset="0"/>
+                <a:cs typeface="Calibri Light" panose="020F0302020204030204" pitchFamily="34" charset="0"/>
               </a:rPr>
               <a:t>-</a:t>
             </a:r>
@@ -5240,8 +5240,8 @@
                 <a:solidFill>
                   <a:srgbClr val="0070C0"/>
                 </a:solidFill>
-                <a:latin typeface="Calibri" panose="020F0502020204030204" pitchFamily="34" charset="0"/>
-                <a:cs typeface="Calibri" panose="020F0502020204030204" pitchFamily="34" charset="0"/>
+                <a:latin typeface="Calibri Light" panose="020F0302020204030204" pitchFamily="34" charset="0"/>
+                <a:cs typeface="Calibri Light" panose="020F0302020204030204" pitchFamily="34" charset="0"/>
               </a:rPr>
               <a:t>ippm</a:t>
             </a:r>
@@ -5250,8 +5250,8 @@
                 <a:solidFill>
                   <a:srgbClr val="0070C0"/>
                 </a:solidFill>
-                <a:latin typeface="Calibri" panose="020F0502020204030204" pitchFamily="34" charset="0"/>
-                <a:cs typeface="Calibri" panose="020F0502020204030204" pitchFamily="34" charset="0"/>
+                <a:latin typeface="Calibri Light" panose="020F0302020204030204" pitchFamily="34" charset="0"/>
+                <a:cs typeface="Calibri Light" panose="020F0302020204030204" pitchFamily="34" charset="0"/>
               </a:rPr>
               <a:t>-stamp-</a:t>
             </a:r>
@@ -5260,8 +5260,8 @@
                 <a:solidFill>
                   <a:srgbClr val="0070C0"/>
                 </a:solidFill>
-                <a:latin typeface="Calibri" panose="020F0502020204030204" pitchFamily="34" charset="0"/>
-                <a:cs typeface="Calibri" panose="020F0502020204030204" pitchFamily="34" charset="0"/>
+                <a:latin typeface="Calibri Light" panose="020F0302020204030204" pitchFamily="34" charset="0"/>
+                <a:cs typeface="Calibri Light" panose="020F0302020204030204" pitchFamily="34" charset="0"/>
               </a:rPr>
               <a:t>srpm</a:t>
             </a:r>
@@ -5270,18 +5270,11 @@
                 <a:solidFill>
                   <a:srgbClr val="0070C0"/>
                 </a:solidFill>
-                <a:latin typeface="Calibri" panose="020F0502020204030204" pitchFamily="34" charset="0"/>
-                <a:cs typeface="Calibri" panose="020F0502020204030204" pitchFamily="34" charset="0"/>
+                <a:latin typeface="Calibri Light" panose="020F0302020204030204" pitchFamily="34" charset="0"/>
+                <a:cs typeface="Calibri Light" panose="020F0302020204030204" pitchFamily="34" charset="0"/>
               </a:rPr>
               <a:t> - Review Comments</a:t>
             </a:r>
-            <a:endParaRPr lang="en-US" sz="3200" dirty="0">
-              <a:solidFill>
-                <a:srgbClr val="0070C0"/>
-              </a:solidFill>
-              <a:latin typeface="Calibri Light" panose="020F0302020204030204" pitchFamily="34" charset="0"/>
-              <a:cs typeface="Calibri Light" panose="020F0302020204030204" pitchFamily="34" charset="0"/>
-            </a:endParaRPr>
           </a:p>
         </p:txBody>
       </p:sp>
@@ -5564,8 +5557,8 @@
                 <a:solidFill>
                   <a:srgbClr val="0070C0"/>
                 </a:solidFill>
-                <a:latin typeface="Calibri" panose="020F0502020204030204" pitchFamily="34" charset="0"/>
-                <a:cs typeface="Calibri" panose="020F0502020204030204" pitchFamily="34" charset="0"/>
+                <a:latin typeface="Calibri Light" panose="020F0302020204030204" pitchFamily="34" charset="0"/>
+                <a:cs typeface="Calibri Light" panose="020F0302020204030204" pitchFamily="34" charset="0"/>
               </a:rPr>
               <a:t>draft-</a:t>
             </a:r>
@@ -5574,8 +5567,8 @@
                 <a:solidFill>
                   <a:srgbClr val="0070C0"/>
                 </a:solidFill>
-                <a:latin typeface="Calibri" panose="020F0502020204030204" pitchFamily="34" charset="0"/>
-                <a:cs typeface="Calibri" panose="020F0502020204030204" pitchFamily="34" charset="0"/>
+                <a:latin typeface="Calibri Light" panose="020F0302020204030204" pitchFamily="34" charset="0"/>
+                <a:cs typeface="Calibri Light" panose="020F0302020204030204" pitchFamily="34" charset="0"/>
               </a:rPr>
               <a:t>gandhi</a:t>
             </a:r>
@@ -5584,8 +5577,8 @@
                 <a:solidFill>
                   <a:srgbClr val="0070C0"/>
                 </a:solidFill>
-                <a:latin typeface="Calibri" panose="020F0502020204030204" pitchFamily="34" charset="0"/>
-                <a:cs typeface="Calibri" panose="020F0502020204030204" pitchFamily="34" charset="0"/>
+                <a:latin typeface="Calibri Light" panose="020F0302020204030204" pitchFamily="34" charset="0"/>
+                <a:cs typeface="Calibri Light" panose="020F0302020204030204" pitchFamily="34" charset="0"/>
               </a:rPr>
               <a:t>-spring-stamp-</a:t>
             </a:r>
@@ -5594,8 +5587,8 @@
                 <a:solidFill>
                   <a:srgbClr val="0070C0"/>
                 </a:solidFill>
-                <a:latin typeface="Calibri" panose="020F0502020204030204" pitchFamily="34" charset="0"/>
-                <a:cs typeface="Calibri" panose="020F0502020204030204" pitchFamily="34" charset="0"/>
+                <a:latin typeface="Calibri Light" panose="020F0302020204030204" pitchFamily="34" charset="0"/>
+                <a:cs typeface="Calibri Light" panose="020F0302020204030204" pitchFamily="34" charset="0"/>
               </a:rPr>
               <a:t>srpm</a:t>
             </a:r>
@@ -5604,8 +5597,8 @@
                 <a:solidFill>
                   <a:srgbClr val="0070C0"/>
                 </a:solidFill>
-                <a:latin typeface="Calibri" panose="020F0502020204030204" pitchFamily="34" charset="0"/>
-                <a:cs typeface="Calibri" panose="020F0502020204030204" pitchFamily="34" charset="0"/>
+                <a:latin typeface="Calibri Light" panose="020F0302020204030204" pitchFamily="34" charset="0"/>
+                <a:cs typeface="Calibri Light" panose="020F0302020204030204" pitchFamily="34" charset="0"/>
               </a:rPr>
               <a:t> - Review Comments</a:t>
             </a:r>
@@ -5926,7 +5919,7 @@
           <a:p>
             <a:r>
               <a:rPr lang="en-US" sz="2400" dirty="0"/>
-              <a:t>Request IPPM </a:t>
+              <a:t>In IPPM </a:t>
             </a:r>
             <a:r>
               <a:rPr lang="en-US" sz="2400" dirty="0">
@@ -5934,7 +5927,7 @@
                 <a:ea typeface="Calibri" charset="0"/>
                 <a:cs typeface="Calibri" charset="0"/>
               </a:rPr>
-              <a:t>WG adoption</a:t>
+              <a:t>WG adoption poll</a:t>
             </a:r>
           </a:p>
           <a:p>
@@ -6563,7 +6556,7 @@
             </a:pPr>
             <a:r>
               <a:rPr lang="en-US" sz="1600" dirty="0"/>
-              <a:t>Delay and synthetic Loss Measurement </a:t>
+              <a:t>Support Delay and synthetic Loss Measurement </a:t>
             </a:r>
           </a:p>
           <a:p>

--- a/draft-gandhi-ippm-stamp-srpm-00.pptx
+++ b/draft-gandhi-ippm-stamp-srpm-00.pptx
@@ -5,10 +5,10 @@
     <p:sldMasterId id="2147483648" r:id="rId1"/>
   </p:sldMasterIdLst>
   <p:notesMasterIdLst>
-    <p:notesMasterId r:id="rId15"/>
+    <p:notesMasterId r:id="rId16"/>
   </p:notesMasterIdLst>
   <p:handoutMasterIdLst>
-    <p:handoutMasterId r:id="rId16"/>
+    <p:handoutMasterId r:id="rId17"/>
   </p:handoutMasterIdLst>
   <p:sldIdLst>
     <p:sldId id="1661" r:id="rId2"/>
@@ -17,13 +17,14 @@
     <p:sldId id="1675" r:id="rId5"/>
     <p:sldId id="1653" r:id="rId6"/>
     <p:sldId id="1666" r:id="rId7"/>
-    <p:sldId id="321" r:id="rId8"/>
+    <p:sldId id="1669" r:id="rId8"/>
     <p:sldId id="1668" r:id="rId9"/>
-    <p:sldId id="1669" r:id="rId10"/>
+    <p:sldId id="321" r:id="rId10"/>
     <p:sldId id="1672" r:id="rId11"/>
-    <p:sldId id="1673" r:id="rId12"/>
-    <p:sldId id="1670" r:id="rId13"/>
-    <p:sldId id="1671" r:id="rId14"/>
+    <p:sldId id="1670" r:id="rId12"/>
+    <p:sldId id="1671" r:id="rId13"/>
+    <p:sldId id="1676" r:id="rId14"/>
+    <p:sldId id="1673" r:id="rId15"/>
   </p:sldIdLst>
   <p:sldSz cx="9144000" cy="5143500" type="screen16x9"/>
   <p:notesSz cx="6858000" cy="9144000"/>
@@ -256,7 +257,7 @@
           <a:p>
             <a:fld id="{E8FA3DB5-7722-3F4F-947D-12B203669AD7}" type="datetimeFigureOut">
               <a:rPr lang="en-US" smtClean="0"/>
-              <a:t>11/11/20</a:t>
+              <a:t>11/14/20</a:t>
             </a:fld>
             <a:endParaRPr lang="en-US"/>
           </a:p>
@@ -873,6 +874,96 @@
 </p:notes>
 </file>
 
+<file path=ppt/notesSlides/notesSlide10.xml><?xml version="1.0" encoding="utf-8"?>
+<p:notes xmlns:a="http://schemas.openxmlformats.org/drawingml/2006/main" xmlns:r="http://schemas.openxmlformats.org/officeDocument/2006/relationships" xmlns:p="http://schemas.openxmlformats.org/presentationml/2006/main">
+  <p:cSld>
+    <p:spTree>
+      <p:nvGrpSpPr>
+        <p:cNvPr id="1" name=""/>
+        <p:cNvGrpSpPr/>
+        <p:nvPr/>
+      </p:nvGrpSpPr>
+      <p:grpSpPr>
+        <a:xfrm>
+          <a:off x="0" y="0"/>
+          <a:ext cx="0" cy="0"/>
+          <a:chOff x="0" y="0"/>
+          <a:chExt cx="0" cy="0"/>
+        </a:xfrm>
+      </p:grpSpPr>
+      <p:sp>
+        <p:nvSpPr>
+          <p:cNvPr id="2" name="Slide Image Placeholder 1"/>
+          <p:cNvSpPr>
+            <a:spLocks noGrp="1" noRot="1" noChangeAspect="1"/>
+          </p:cNvSpPr>
+          <p:nvPr>
+            <p:ph type="sldImg"/>
+          </p:nvPr>
+        </p:nvSpPr>
+        <p:spPr/>
+      </p:sp>
+      <p:sp>
+        <p:nvSpPr>
+          <p:cNvPr id="3" name="Notes Placeholder 2"/>
+          <p:cNvSpPr>
+            <a:spLocks noGrp="1"/>
+          </p:cNvSpPr>
+          <p:nvPr>
+            <p:ph type="body" idx="1"/>
+          </p:nvPr>
+        </p:nvSpPr>
+        <p:spPr/>
+        <p:txBody>
+          <a:bodyPr/>
+          <a:lstStyle/>
+          <a:p>
+            <a:endParaRPr lang="en-CA" dirty="0"/>
+          </a:p>
+        </p:txBody>
+      </p:sp>
+      <p:sp>
+        <p:nvSpPr>
+          <p:cNvPr id="4" name="Slide Number Placeholder 3"/>
+          <p:cNvSpPr>
+            <a:spLocks noGrp="1"/>
+          </p:cNvSpPr>
+          <p:nvPr>
+            <p:ph type="sldNum" sz="quarter" idx="10"/>
+          </p:nvPr>
+        </p:nvSpPr>
+        <p:spPr/>
+        <p:txBody>
+          <a:bodyPr/>
+          <a:lstStyle/>
+          <a:p>
+            <a:pPr>
+              <a:defRPr/>
+            </a:pPr>
+            <a:fld id="{100938BD-FD70-4535-B0C2-13FC38CDF1BE}" type="slidenum">
+              <a:rPr lang="en-US" altLang="zh-CN" smtClean="0"/>
+              <a:pPr>
+                <a:defRPr/>
+              </a:pPr>
+              <a:t>14</a:t>
+            </a:fld>
+            <a:endParaRPr lang="en-US" altLang="zh-CN"/>
+          </a:p>
+        </p:txBody>
+      </p:sp>
+    </p:spTree>
+    <p:extLst>
+      <p:ext uri="{BB962C8B-B14F-4D97-AF65-F5344CB8AC3E}">
+        <p14:creationId xmlns:p14="http://schemas.microsoft.com/office/powerpoint/2010/main" val="2302916239"/>
+      </p:ext>
+    </p:extLst>
+  </p:cSld>
+  <p:clrMapOvr>
+    <a:masterClrMapping/>
+  </p:clrMapOvr>
+</p:notes>
+</file>
+
 <file path=ppt/notesSlides/notesSlide2.xml><?xml version="1.0" encoding="utf-8"?>
 <p:notes xmlns:a="http://schemas.openxmlformats.org/drawingml/2006/main" xmlns:r="http://schemas.openxmlformats.org/officeDocument/2006/relationships" xmlns:p="http://schemas.openxmlformats.org/presentationml/2006/main">
   <p:cSld>
@@ -1403,7 +1494,7 @@
     </p:spTree>
     <p:extLst>
       <p:ext uri="{BB962C8B-B14F-4D97-AF65-F5344CB8AC3E}">
-        <p14:creationId xmlns:p14="http://schemas.microsoft.com/office/powerpoint/2010/main" val="855600821"/>
+        <p14:creationId xmlns:p14="http://schemas.microsoft.com/office/powerpoint/2010/main" val="1250483859"/>
       </p:ext>
     </p:extLst>
   </p:cSld>
@@ -1457,7 +1548,7 @@
           <a:bodyPr/>
           <a:lstStyle/>
           <a:p>
-            <a:endParaRPr lang="en-CA" dirty="0"/>
+            <a:endParaRPr lang="en-US" dirty="0"/>
           </a:p>
         </p:txBody>
       </p:sp>
@@ -1493,7 +1584,7 @@
     </p:spTree>
     <p:extLst>
       <p:ext uri="{BB962C8B-B14F-4D97-AF65-F5344CB8AC3E}">
-        <p14:creationId xmlns:p14="http://schemas.microsoft.com/office/powerpoint/2010/main" val="1250483859"/>
+        <p14:creationId xmlns:p14="http://schemas.microsoft.com/office/powerpoint/2010/main" val="3553270564"/>
       </p:ext>
     </p:extLst>
   </p:cSld>
@@ -1547,7 +1638,7 @@
           <a:bodyPr/>
           <a:lstStyle/>
           <a:p>
-            <a:endParaRPr lang="en-US" dirty="0"/>
+            <a:endParaRPr lang="en-CA" dirty="0"/>
           </a:p>
         </p:txBody>
       </p:sp>
@@ -1583,7 +1674,7 @@
     </p:spTree>
     <p:extLst>
       <p:ext uri="{BB962C8B-B14F-4D97-AF65-F5344CB8AC3E}">
-        <p14:creationId xmlns:p14="http://schemas.microsoft.com/office/powerpoint/2010/main" val="3553270564"/>
+        <p14:creationId xmlns:p14="http://schemas.microsoft.com/office/powerpoint/2010/main" val="403117841"/>
       </p:ext>
     </p:extLst>
   </p:cSld>
@@ -5303,7 +5394,7 @@
               <a:buAutoNum type="arabicPeriod"/>
             </a:pPr>
             <a:r>
-              <a:rPr lang="en-US" sz="1200" dirty="0"/>
+              <a:rPr lang="en-US" sz="1400" dirty="0"/>
               <a:t>Draft status:</a:t>
             </a:r>
           </a:p>
@@ -5313,8 +5404,35 @@
               <a:buAutoNum type="alphaLcParenR"/>
             </a:pPr>
             <a:r>
-              <a:rPr lang="en-US" sz="1200" dirty="0"/>
-              <a:t>Draft defines extensions for STAMP (is not a new protocol)</a:t>
+              <a:rPr lang="en-US" sz="1400" dirty="0"/>
+              <a:t>Draft defines extensions for RFC 8762 - STAMP</a:t>
+            </a:r>
+          </a:p>
+          <a:p>
+            <a:pPr marL="1200150" lvl="2" indent="-342900"/>
+            <a:r>
+              <a:rPr lang="en-US" sz="1400" dirty="0"/>
+              <a:t>Updates RFC 8762 due to new field (control code) in the message</a:t>
+            </a:r>
+          </a:p>
+          <a:p>
+            <a:pPr>
+              <a:buFont typeface="+mj-lt"/>
+              <a:buAutoNum type="arabicPeriod"/>
+            </a:pPr>
+            <a:r>
+              <a:rPr lang="en-US" sz="1400" dirty="0"/>
+              <a:t>Extensions are not specific to SR, document should be renamed</a:t>
+            </a:r>
+          </a:p>
+          <a:p>
+            <a:pPr>
+              <a:buFont typeface="+mj-lt"/>
+              <a:buAutoNum type="arabicPeriod"/>
+            </a:pPr>
+            <a:r>
+              <a:rPr lang="en-US" sz="1400" dirty="0"/>
+              <a:t>Editorial</a:t>
             </a:r>
           </a:p>
           <a:p>
@@ -5323,8 +5441,55 @@
               <a:buAutoNum type="alphaLcParenR"/>
             </a:pPr>
             <a:r>
-              <a:rPr lang="en-US" sz="1200" dirty="0"/>
-              <a:t>Update RFC 8762 due to new field (control code) in the message</a:t>
+              <a:rPr lang="en-US" sz="1400" dirty="0"/>
+              <a:t>Define Abbreviations (BSID, SRH, HMAC-SHA)</a:t>
+            </a:r>
+          </a:p>
+          <a:p>
+            <a:pPr marL="800100" lvl="1" indent="-342900">
+              <a:buFont typeface="+mj-lt"/>
+              <a:buAutoNum type="alphaLcParenR"/>
+            </a:pPr>
+            <a:r>
+              <a:rPr lang="en-US" sz="1400" dirty="0"/>
+              <a:t>Use Session-Sender, Session-Reflector terms</a:t>
+            </a:r>
+          </a:p>
+          <a:p>
+            <a:pPr marL="800100" lvl="1" indent="-342900">
+              <a:buFont typeface="+mj-lt"/>
+              <a:buAutoNum type="alphaLcParenR"/>
+            </a:pPr>
+            <a:r>
+              <a:rPr lang="en-US" sz="1400" dirty="0"/>
+              <a:t>Show entire test packet with session-sender control code field</a:t>
+            </a:r>
+          </a:p>
+          <a:p>
+            <a:pPr marL="800100" lvl="1" indent="-342900">
+              <a:buFont typeface="+mj-lt"/>
+              <a:buAutoNum type="alphaLcParenR"/>
+            </a:pPr>
+            <a:r>
+              <a:rPr lang="en-US" sz="1400" dirty="0"/>
+              <a:t>Indicate packet loss is direct-mode loss </a:t>
+            </a:r>
+          </a:p>
+          <a:p>
+            <a:pPr marL="800100" lvl="1" indent="-342900">
+              <a:buFont typeface="+mj-lt"/>
+              <a:buAutoNum type="alphaLcParenR"/>
+            </a:pPr>
+            <a:r>
+              <a:rPr lang="en-US" sz="1400" dirty="0"/>
+              <a:t>Move Receive Counter and other Response message fields to Section 4.1 from 3.2</a:t>
+            </a:r>
+          </a:p>
+          <a:p>
+            <a:pPr lvl="2"/>
+            <a:r>
+              <a:rPr lang="en-CA" sz="1400" dirty="0"/>
+              <a:t>Explain how the counters and sequence numbers are used to do loss measurement</a:t>
             </a:r>
           </a:p>
           <a:p>
@@ -5333,104 +5498,17 @@
               <a:buAutoNum type="arabicPeriod"/>
             </a:pPr>
             <a:r>
-              <a:rPr lang="en-US" sz="1200" dirty="0"/>
-              <a:t>Extensions are not specific to SR, document should be renamed</a:t>
-            </a:r>
-          </a:p>
-          <a:p>
-            <a:pPr>
-              <a:buFont typeface="+mj-lt"/>
-              <a:buAutoNum type="arabicPeriod"/>
-            </a:pPr>
-            <a:r>
-              <a:rPr lang="en-US" sz="1200" dirty="0"/>
-              <a:t>Does not introduce any new security issue with this draft</a:t>
-            </a:r>
-          </a:p>
-          <a:p>
-            <a:pPr>
-              <a:buFont typeface="+mj-lt"/>
-              <a:buAutoNum type="arabicPeriod"/>
-            </a:pPr>
-            <a:r>
-              <a:rPr lang="en-US" sz="1200" dirty="0"/>
-              <a:t>Editorial</a:t>
-            </a:r>
-          </a:p>
-          <a:p>
-            <a:pPr marL="800100" lvl="1" indent="-342900">
-              <a:buFont typeface="+mj-lt"/>
-              <a:buAutoNum type="alphaLcParenR"/>
-            </a:pPr>
-            <a:r>
-              <a:rPr lang="en-US" sz="1200" dirty="0"/>
-              <a:t>Define Abbreviations (BSID, SRH, HMAC-SHA)</a:t>
-            </a:r>
-          </a:p>
-          <a:p>
-            <a:pPr marL="800100" lvl="1" indent="-342900">
-              <a:buFont typeface="+mj-lt"/>
-              <a:buAutoNum type="alphaLcParenR"/>
-            </a:pPr>
-            <a:r>
-              <a:rPr lang="en-US" sz="1200" dirty="0"/>
-              <a:t>Use Session-Sender, Session-Reflector terms</a:t>
-            </a:r>
-          </a:p>
-          <a:p>
-            <a:pPr marL="800100" lvl="1" indent="-342900">
-              <a:buFont typeface="+mj-lt"/>
-              <a:buAutoNum type="alphaLcParenR"/>
-            </a:pPr>
-            <a:r>
-              <a:rPr lang="en-US" sz="1200" dirty="0"/>
-              <a:t>Show entire test packet with session-sender control code field</a:t>
-            </a:r>
-          </a:p>
-          <a:p>
-            <a:pPr marL="800100" lvl="1" indent="-342900">
-              <a:buFont typeface="+mj-lt"/>
-              <a:buAutoNum type="alphaLcParenR"/>
-            </a:pPr>
-            <a:r>
-              <a:rPr lang="en-US" sz="1200" dirty="0"/>
-              <a:t>Indicate packet loss is direct-mode loss </a:t>
-            </a:r>
-          </a:p>
-          <a:p>
-            <a:pPr marL="800100" lvl="1" indent="-342900">
-              <a:buFont typeface="+mj-lt"/>
-              <a:buAutoNum type="alphaLcParenR"/>
-            </a:pPr>
-            <a:r>
-              <a:rPr lang="en-US" sz="1200" dirty="0"/>
-              <a:t>Move Receive Counter and other Response message fields to Section 4.1 from 3.2</a:t>
-            </a:r>
-          </a:p>
-          <a:p>
-            <a:pPr lvl="2"/>
-            <a:r>
-              <a:rPr lang="en-CA" sz="1200" dirty="0"/>
-              <a:t>Explain how the counters and sequence numbers are used to do loss measurement</a:t>
-            </a:r>
-          </a:p>
-          <a:p>
-            <a:pPr>
-              <a:buFont typeface="+mj-lt"/>
-              <a:buAutoNum type="arabicPeriod"/>
-            </a:pPr>
-            <a:r>
-              <a:rPr lang="en-US" sz="1200" dirty="0"/>
+              <a:rPr lang="en-US" sz="1400" dirty="0"/>
               <a:t>Extend ICMP for direct-mode loss measurement – out of scope</a:t>
             </a:r>
-            <a:endParaRPr lang="en-US" sz="1200" dirty="0">
+            <a:endParaRPr lang="en-US" sz="1400" dirty="0">
               <a:latin typeface="Calibri" charset="0"/>
               <a:ea typeface="Calibri" charset="0"/>
               <a:cs typeface="Calibri" charset="0"/>
             </a:endParaRPr>
           </a:p>
           <a:p>
-            <a:endParaRPr lang="en-US" sz="1200" dirty="0">
+            <a:endParaRPr lang="en-US" sz="1400" dirty="0">
               <a:latin typeface="Calibri" charset="0"/>
               <a:ea typeface="Calibri" charset="0"/>
               <a:cs typeface="Calibri" charset="0"/>
@@ -5544,8 +5622,8 @@
         </p:nvSpPr>
         <p:spPr>
           <a:xfrm>
-            <a:off x="76200" y="0"/>
-            <a:ext cx="9067800" cy="857250"/>
+            <a:off x="457200" y="0"/>
+            <a:ext cx="8229600" cy="857250"/>
           </a:xfrm>
         </p:spPr>
         <p:txBody>
@@ -5553,54 +5631,14 @@
           <a:lstStyle/>
           <a:p>
             <a:r>
-              <a:rPr lang="en-US" sz="3200" dirty="0">
+              <a:rPr lang="en-US" sz="3600" dirty="0">
                 <a:solidFill>
                   <a:srgbClr val="0070C0"/>
                 </a:solidFill>
                 <a:latin typeface="Calibri Light" panose="020F0302020204030204" pitchFamily="34" charset="0"/>
                 <a:cs typeface="Calibri Light" panose="020F0302020204030204" pitchFamily="34" charset="0"/>
               </a:rPr>
-              <a:t>draft-</a:t>
-            </a:r>
-            <a:r>
-              <a:rPr lang="en-US" sz="3200" dirty="0" err="1">
-                <a:solidFill>
-                  <a:srgbClr val="0070C0"/>
-                </a:solidFill>
-                <a:latin typeface="Calibri Light" panose="020F0302020204030204" pitchFamily="34" charset="0"/>
-                <a:cs typeface="Calibri Light" panose="020F0302020204030204" pitchFamily="34" charset="0"/>
-              </a:rPr>
-              <a:t>gandhi</a:t>
-            </a:r>
-            <a:r>
-              <a:rPr lang="en-US" sz="3200" dirty="0">
-                <a:solidFill>
-                  <a:srgbClr val="0070C0"/>
-                </a:solidFill>
-                <a:latin typeface="Calibri Light" panose="020F0302020204030204" pitchFamily="34" charset="0"/>
-                <a:cs typeface="Calibri Light" panose="020F0302020204030204" pitchFamily="34" charset="0"/>
-              </a:rPr>
-              <a:t>-spring-stamp-</a:t>
-            </a:r>
-            <a:r>
-              <a:rPr lang="en-US" sz="3200" dirty="0" err="1">
-                <a:solidFill>
-                  <a:srgbClr val="0070C0"/>
-                </a:solidFill>
-                <a:latin typeface="Calibri Light" panose="020F0302020204030204" pitchFamily="34" charset="0"/>
-                <a:cs typeface="Calibri Light" panose="020F0302020204030204" pitchFamily="34" charset="0"/>
-              </a:rPr>
-              <a:t>srpm</a:t>
-            </a:r>
-            <a:r>
-              <a:rPr lang="en-US" sz="3200" dirty="0">
-                <a:solidFill>
-                  <a:srgbClr val="0070C0"/>
-                </a:solidFill>
-                <a:latin typeface="Calibri Light" panose="020F0302020204030204" pitchFamily="34" charset="0"/>
-                <a:cs typeface="Calibri Light" panose="020F0302020204030204" pitchFamily="34" charset="0"/>
-              </a:rPr>
-              <a:t> - Review Comments</a:t>
+              <a:t>Next Steps</a:t>
             </a:r>
           </a:p>
         </p:txBody>
@@ -5617,146 +5655,45 @@
         </p:nvSpPr>
         <p:spPr>
           <a:xfrm>
-            <a:off x="685800" y="857249"/>
-            <a:ext cx="7772400" cy="3642891"/>
+            <a:off x="685800" y="1123950"/>
+            <a:ext cx="8001000" cy="2514599"/>
           </a:xfrm>
         </p:spPr>
         <p:txBody>
           <a:bodyPr/>
           <a:lstStyle/>
           <a:p>
-            <a:pPr>
-              <a:buFont typeface="+mj-lt"/>
-              <a:buAutoNum type="arabicPeriod"/>
-            </a:pPr>
-            <a:r>
-              <a:rPr lang="en-US" sz="1200" dirty="0"/>
-              <a:t>Destination UDP port used has zero UDP checksum with IPv6 header</a:t>
-            </a:r>
-          </a:p>
-          <a:p>
-            <a:pPr lvl="1"/>
-            <a:r>
-              <a:rPr lang="en-US" sz="1200" dirty="0">
+            <a:pPr lvl="0"/>
+            <a:r>
+              <a:rPr lang="en-US" sz="2400" dirty="0">
                 <a:latin typeface="Calibri" charset="0"/>
                 <a:ea typeface="Calibri" charset="0"/>
                 <a:cs typeface="Calibri" charset="0"/>
               </a:rPr>
-              <a:t>Add Reference for </a:t>
-            </a:r>
-            <a:r>
-              <a:rPr lang="en-CA" sz="1200" dirty="0"/>
-              <a:t>RFC 6936 in Security Section</a:t>
-            </a:r>
-            <a:endParaRPr lang="en-US" sz="1200" dirty="0">
+              <a:t>Welcome your comments and suggestions</a:t>
+            </a:r>
+          </a:p>
+          <a:p>
+            <a:r>
+              <a:rPr lang="en-US" sz="2400" dirty="0"/>
+              <a:t>In IPPM </a:t>
+            </a:r>
+            <a:r>
+              <a:rPr lang="en-US" sz="2400" dirty="0">
+                <a:latin typeface="Calibri" charset="0"/>
+                <a:ea typeface="Calibri" charset="0"/>
+                <a:cs typeface="Calibri" charset="0"/>
+              </a:rPr>
+              <a:t>WG adoption poll</a:t>
+            </a:r>
+          </a:p>
+          <a:p>
+            <a:endParaRPr lang="en-US" sz="2400" dirty="0">
               <a:latin typeface="Calibri" charset="0"/>
               <a:ea typeface="Calibri" charset="0"/>
               <a:cs typeface="Calibri" charset="0"/>
             </a:endParaRPr>
           </a:p>
-          <a:p>
-            <a:pPr>
-              <a:buFont typeface="+mj-lt"/>
-              <a:buAutoNum type="arabicPeriod"/>
-            </a:pPr>
-            <a:r>
-              <a:rPr lang="en-US" sz="1200" dirty="0"/>
-              <a:t>Add references for well-known terms “Link”, “SR Path”, and “Congruent paths”</a:t>
-            </a:r>
-          </a:p>
-          <a:p>
-            <a:pPr>
-              <a:buFont typeface="+mj-lt"/>
-              <a:buAutoNum type="arabicPeriod"/>
-            </a:pPr>
-            <a:r>
-              <a:rPr lang="en-US" sz="1200" dirty="0">
-                <a:latin typeface="Calibri" charset="0"/>
-                <a:ea typeface="Calibri" charset="0"/>
-                <a:cs typeface="Calibri" charset="0"/>
-              </a:rPr>
-              <a:t>Add reference for Yang data model draft in provisioning model section</a:t>
-            </a:r>
-          </a:p>
-          <a:p>
-            <a:pPr>
-              <a:buFont typeface="+mj-lt"/>
-              <a:buAutoNum type="arabicPeriod"/>
-            </a:pPr>
-            <a:r>
-              <a:rPr lang="en-US" sz="1200" dirty="0"/>
-              <a:t>Liveness is to compute “connection loss” performance metric </a:t>
-            </a:r>
-          </a:p>
-          <a:p>
-            <a:pPr lvl="1"/>
-            <a:r>
-              <a:rPr lang="en-US" sz="1200" dirty="0"/>
-              <a:t>Similar to the widely deployed synthetic packet loss metric</a:t>
-            </a:r>
-            <a:endParaRPr lang="en-US" sz="1200" dirty="0">
-              <a:latin typeface="Calibri" charset="0"/>
-              <a:ea typeface="Calibri" charset="0"/>
-              <a:cs typeface="Calibri" charset="0"/>
-            </a:endParaRPr>
-          </a:p>
-          <a:p>
-            <a:pPr>
-              <a:buFont typeface="+mj-lt"/>
-              <a:buAutoNum type="arabicPeriod"/>
-            </a:pPr>
-            <a:r>
-              <a:rPr lang="en-US" sz="1200" dirty="0"/>
-              <a:t>Editorial</a:t>
-            </a:r>
-          </a:p>
-          <a:p>
-            <a:pPr lvl="1"/>
-            <a:r>
-              <a:rPr lang="en-US" sz="1200" dirty="0"/>
-              <a:t>Indicate packet loss is direct-mode loss </a:t>
-            </a:r>
-          </a:p>
-          <a:p>
-            <a:pPr lvl="1"/>
-            <a:r>
-              <a:rPr lang="en-US" sz="1200" dirty="0"/>
-              <a:t>Use test packet term for query message </a:t>
-            </a:r>
-          </a:p>
-          <a:p>
-            <a:pPr lvl="1"/>
-            <a:r>
-              <a:rPr lang="en-US" sz="1200" dirty="0"/>
-              <a:t>H/W timestamps required -&gt; H/W timestamps recommended </a:t>
-            </a:r>
-          </a:p>
-          <a:p>
-            <a:pPr lvl="1"/>
-            <a:r>
-              <a:rPr lang="en-CA" sz="1200" dirty="0"/>
-              <a:t>IPv6 address ::1/128 or ::FFFF:127/104</a:t>
-            </a:r>
-          </a:p>
-          <a:p>
-            <a:pPr lvl="1"/>
-            <a:r>
-              <a:rPr lang="en-CA" sz="1200" dirty="0"/>
-              <a:t>Clarify - Section 4.1.4.2 and 4.2.2.2 depict the packet format with word “as needed” for inner IP Header</a:t>
-            </a:r>
-          </a:p>
-          <a:p>
-            <a:pPr lvl="1"/>
-            <a:r>
-              <a:rPr lang="en-CA" sz="1200" dirty="0"/>
-              <a:t>Different UDP destination port when running authenticated and unauthenticated sessions simultaneously</a:t>
-            </a:r>
-            <a:endParaRPr lang="en-US" sz="1200" dirty="0"/>
-          </a:p>
-          <a:p>
-            <a:pPr lvl="1"/>
-            <a:endParaRPr lang="en-US" sz="1200" dirty="0"/>
-          </a:p>
         </p:txBody>
       </p:sp>
       <p:sp>
@@ -5771,7 +5708,7 @@
         </p:nvSpPr>
         <p:spPr>
           <a:xfrm>
-            <a:off x="3124200" y="4786312"/>
+            <a:off x="3048000" y="4786312"/>
             <a:ext cx="2895600" cy="357188"/>
           </a:xfrm>
         </p:spPr>
@@ -5818,186 +5755,6 @@
                 <a:defRPr/>
               </a:pPr>
               <a:t>11</a:t>
-            </a:fld>
-            <a:endParaRPr lang="en-US" altLang="zh-CN"/>
-          </a:p>
-        </p:txBody>
-      </p:sp>
-    </p:spTree>
-    <p:extLst>
-      <p:ext uri="{BB962C8B-B14F-4D97-AF65-F5344CB8AC3E}">
-        <p14:creationId xmlns:p14="http://schemas.microsoft.com/office/powerpoint/2010/main" val="2147738015"/>
-      </p:ext>
-    </p:extLst>
-  </p:cSld>
-  <p:clrMapOvr>
-    <a:masterClrMapping/>
-  </p:clrMapOvr>
-</p:sld>
-</file>
-
-<file path=ppt/slides/slide12.xml><?xml version="1.0" encoding="utf-8"?>
-<p:sld xmlns:a="http://schemas.openxmlformats.org/drawingml/2006/main" xmlns:r="http://schemas.openxmlformats.org/officeDocument/2006/relationships" xmlns:p="http://schemas.openxmlformats.org/presentationml/2006/main">
-  <p:cSld>
-    <p:spTree>
-      <p:nvGrpSpPr>
-        <p:cNvPr id="1" name=""/>
-        <p:cNvGrpSpPr/>
-        <p:nvPr/>
-      </p:nvGrpSpPr>
-      <p:grpSpPr>
-        <a:xfrm>
-          <a:off x="0" y="0"/>
-          <a:ext cx="0" cy="0"/>
-          <a:chOff x="0" y="0"/>
-          <a:chExt cx="0" cy="0"/>
-        </a:xfrm>
-      </p:grpSpPr>
-      <p:sp>
-        <p:nvSpPr>
-          <p:cNvPr id="2" name="Title 1"/>
-          <p:cNvSpPr>
-            <a:spLocks noGrp="1"/>
-          </p:cNvSpPr>
-          <p:nvPr>
-            <p:ph type="title"/>
-          </p:nvPr>
-        </p:nvSpPr>
-        <p:spPr>
-          <a:xfrm>
-            <a:off x="457200" y="0"/>
-            <a:ext cx="8229600" cy="857250"/>
-          </a:xfrm>
-        </p:spPr>
-        <p:txBody>
-          <a:bodyPr/>
-          <a:lstStyle/>
-          <a:p>
-            <a:r>
-              <a:rPr lang="en-US" sz="3600" dirty="0">
-                <a:solidFill>
-                  <a:srgbClr val="0070C0"/>
-                </a:solidFill>
-                <a:latin typeface="Calibri Light" panose="020F0302020204030204" pitchFamily="34" charset="0"/>
-                <a:cs typeface="Calibri Light" panose="020F0302020204030204" pitchFamily="34" charset="0"/>
-              </a:rPr>
-              <a:t>Next Steps</a:t>
-            </a:r>
-          </a:p>
-        </p:txBody>
-      </p:sp>
-      <p:sp>
-        <p:nvSpPr>
-          <p:cNvPr id="3" name="Content Placeholder 2"/>
-          <p:cNvSpPr>
-            <a:spLocks noGrp="1"/>
-          </p:cNvSpPr>
-          <p:nvPr>
-            <p:ph idx="1"/>
-          </p:nvPr>
-        </p:nvSpPr>
-        <p:spPr>
-          <a:xfrm>
-            <a:off x="685800" y="1123950"/>
-            <a:ext cx="8001000" cy="2514599"/>
-          </a:xfrm>
-        </p:spPr>
-        <p:txBody>
-          <a:bodyPr/>
-          <a:lstStyle/>
-          <a:p>
-            <a:pPr lvl="0"/>
-            <a:r>
-              <a:rPr lang="en-US" sz="2400" dirty="0">
-                <a:latin typeface="Calibri" charset="0"/>
-                <a:ea typeface="Calibri" charset="0"/>
-                <a:cs typeface="Calibri" charset="0"/>
-              </a:rPr>
-              <a:t>Welcome your comments and suggestions</a:t>
-            </a:r>
-          </a:p>
-          <a:p>
-            <a:r>
-              <a:rPr lang="en-US" sz="2400" dirty="0"/>
-              <a:t>In IPPM </a:t>
-            </a:r>
-            <a:r>
-              <a:rPr lang="en-US" sz="2400" dirty="0">
-                <a:latin typeface="Calibri" charset="0"/>
-                <a:ea typeface="Calibri" charset="0"/>
-                <a:cs typeface="Calibri" charset="0"/>
-              </a:rPr>
-              <a:t>WG adoption poll</a:t>
-            </a:r>
-          </a:p>
-          <a:p>
-            <a:endParaRPr lang="en-US" sz="2400" dirty="0">
-              <a:latin typeface="Calibri" charset="0"/>
-              <a:ea typeface="Calibri" charset="0"/>
-              <a:cs typeface="Calibri" charset="0"/>
-            </a:endParaRPr>
-          </a:p>
-        </p:txBody>
-      </p:sp>
-      <p:sp>
-        <p:nvSpPr>
-          <p:cNvPr id="4" name="Footer Placeholder 3"/>
-          <p:cNvSpPr>
-            <a:spLocks noGrp="1"/>
-          </p:cNvSpPr>
-          <p:nvPr>
-            <p:ph type="ftr" sz="quarter" idx="11"/>
-          </p:nvPr>
-        </p:nvSpPr>
-        <p:spPr>
-          <a:xfrm>
-            <a:off x="3048000" y="4786312"/>
-            <a:ext cx="2895600" cy="357188"/>
-          </a:xfrm>
-        </p:spPr>
-        <p:txBody>
-          <a:bodyPr/>
-          <a:lstStyle/>
-          <a:p>
-            <a:r>
-              <a:rPr lang="en-CA" dirty="0"/>
-              <a:t>109</a:t>
-            </a:r>
-            <a:r>
-              <a:rPr lang="en-CA" baseline="30000" dirty="0"/>
-              <a:t>th</a:t>
-            </a:r>
-            <a:r>
-              <a:rPr lang="en-CA" dirty="0"/>
-              <a:t> IETF Online</a:t>
-            </a:r>
-          </a:p>
-        </p:txBody>
-      </p:sp>
-      <p:sp>
-        <p:nvSpPr>
-          <p:cNvPr id="5" name="Slide Number Placeholder 4"/>
-          <p:cNvSpPr>
-            <a:spLocks noGrp="1"/>
-          </p:cNvSpPr>
-          <p:nvPr>
-            <p:ph type="sldNum" sz="quarter" idx="12"/>
-          </p:nvPr>
-        </p:nvSpPr>
-        <p:spPr/>
-        <p:txBody>
-          <a:bodyPr/>
-          <a:lstStyle/>
-          <a:p>
-            <a:pPr>
-              <a:defRPr/>
-            </a:pPr>
-            <a:fld id="{BD6E0F59-1DD8-40FC-9C92-B6295CBA6CCA}" type="slidenum">
-              <a:rPr lang="en-US" altLang="zh-CN" smtClean="0"/>
-              <a:pPr>
-                <a:defRPr/>
-              </a:pPr>
-              <a:t>12</a:t>
             </a:fld>
             <a:endParaRPr lang="en-US" altLang="zh-CN"/>
           </a:p>
@@ -6016,7 +5773,7 @@
 </p:sld>
 </file>
 
-<file path=ppt/slides/slide13.xml><?xml version="1.0" encoding="utf-8"?>
+<file path=ppt/slides/slide12.xml><?xml version="1.0" encoding="utf-8"?>
 <p:sld xmlns:a="http://schemas.openxmlformats.org/drawingml/2006/main" xmlns:r="http://schemas.openxmlformats.org/officeDocument/2006/relationships" xmlns:p="http://schemas.openxmlformats.org/presentationml/2006/main">
   <p:cSld>
     <p:spTree>
@@ -6280,7 +6037,7 @@
               <a:pPr>
                 <a:defRPr/>
               </a:pPr>
-              <a:t>13</a:t>
+              <a:t>12</a:t>
             </a:fld>
             <a:endParaRPr lang="en-US" altLang="zh-CN"/>
           </a:p>
@@ -6290,6 +6047,525 @@
     <p:extLst>
       <p:ext uri="{BB962C8B-B14F-4D97-AF65-F5344CB8AC3E}">
         <p14:creationId xmlns:p14="http://schemas.microsoft.com/office/powerpoint/2010/main" val="1091639292"/>
+      </p:ext>
+    </p:extLst>
+  </p:cSld>
+  <p:clrMapOvr>
+    <a:masterClrMapping/>
+  </p:clrMapOvr>
+</p:sld>
+</file>
+
+<file path=ppt/slides/slide13.xml><?xml version="1.0" encoding="utf-8"?>
+<p:sld xmlns:a="http://schemas.openxmlformats.org/drawingml/2006/main" xmlns:r="http://schemas.openxmlformats.org/officeDocument/2006/relationships" xmlns:p="http://schemas.openxmlformats.org/presentationml/2006/main">
+  <p:cSld>
+    <p:spTree>
+      <p:nvGrpSpPr>
+        <p:cNvPr id="1" name=""/>
+        <p:cNvGrpSpPr/>
+        <p:nvPr/>
+      </p:nvGrpSpPr>
+      <p:grpSpPr>
+        <a:xfrm>
+          <a:off x="0" y="0"/>
+          <a:ext cx="0" cy="0"/>
+          <a:chOff x="0" y="0"/>
+          <a:chExt cx="0" cy="0"/>
+        </a:xfrm>
+      </p:grpSpPr>
+      <p:sp>
+        <p:nvSpPr>
+          <p:cNvPr id="6" name="Footer Placeholder 3"/>
+          <p:cNvSpPr>
+            <a:spLocks noGrp="1"/>
+          </p:cNvSpPr>
+          <p:nvPr>
+            <p:ph type="ftr" sz="quarter" idx="11"/>
+          </p:nvPr>
+        </p:nvSpPr>
+        <p:spPr>
+          <a:xfrm>
+            <a:off x="3124200" y="4786312"/>
+            <a:ext cx="2895600" cy="357188"/>
+          </a:xfrm>
+        </p:spPr>
+        <p:txBody>
+          <a:bodyPr/>
+          <a:lstStyle/>
+          <a:p>
+            <a:r>
+              <a:rPr lang="en-CA" dirty="0"/>
+              <a:t>109</a:t>
+            </a:r>
+            <a:r>
+              <a:rPr lang="en-CA" baseline="30000" dirty="0"/>
+              <a:t>th</a:t>
+            </a:r>
+            <a:r>
+              <a:rPr lang="en-CA" dirty="0"/>
+              <a:t> IETF Online</a:t>
+            </a:r>
+          </a:p>
+        </p:txBody>
+      </p:sp>
+      <p:sp>
+        <p:nvSpPr>
+          <p:cNvPr id="3" name="Slide Number Placeholder 2"/>
+          <p:cNvSpPr>
+            <a:spLocks noGrp="1"/>
+          </p:cNvSpPr>
+          <p:nvPr>
+            <p:ph type="sldNum" sz="quarter" idx="12"/>
+          </p:nvPr>
+        </p:nvSpPr>
+        <p:spPr/>
+        <p:txBody>
+          <a:bodyPr/>
+          <a:lstStyle/>
+          <a:p>
+            <a:pPr>
+              <a:defRPr/>
+            </a:pPr>
+            <a:fld id="{D5EE1D1A-EEC2-4D53-94A7-85D62C853479}" type="slidenum">
+              <a:rPr lang="en-US" altLang="zh-CN" smtClean="0"/>
+              <a:pPr>
+                <a:defRPr/>
+              </a:pPr>
+              <a:t>13</a:t>
+            </a:fld>
+            <a:endParaRPr lang="en-US" altLang="zh-CN"/>
+          </a:p>
+        </p:txBody>
+      </p:sp>
+      <p:sp>
+        <p:nvSpPr>
+          <p:cNvPr id="8" name="Title 7">
+            <a:extLst>
+              <a:ext uri="{FF2B5EF4-FFF2-40B4-BE49-F238E27FC236}">
+                <a16:creationId xmlns:a16="http://schemas.microsoft.com/office/drawing/2014/main" id="{EAE0D9DC-8575-A84F-A04B-3BD8C30794A3}"/>
+              </a:ext>
+            </a:extLst>
+          </p:cNvPr>
+          <p:cNvSpPr>
+            <a:spLocks noGrp="1"/>
+          </p:cNvSpPr>
+          <p:nvPr>
+            <p:ph type="ctrTitle"/>
+          </p:nvPr>
+        </p:nvSpPr>
+        <p:spPr/>
+        <p:txBody>
+          <a:bodyPr/>
+          <a:lstStyle/>
+          <a:p>
+            <a:r>
+              <a:rPr lang="en-US" dirty="0"/>
+              <a:t>Backup</a:t>
+            </a:r>
+          </a:p>
+        </p:txBody>
+      </p:sp>
+    </p:spTree>
+    <p:extLst>
+      <p:ext uri="{BB962C8B-B14F-4D97-AF65-F5344CB8AC3E}">
+        <p14:creationId xmlns:p14="http://schemas.microsoft.com/office/powerpoint/2010/main" val="2558093334"/>
+      </p:ext>
+    </p:extLst>
+  </p:cSld>
+  <p:clrMapOvr>
+    <a:masterClrMapping/>
+  </p:clrMapOvr>
+</p:sld>
+</file>
+
+<file path=ppt/slides/slide14.xml><?xml version="1.0" encoding="utf-8"?>
+<p:sld xmlns:a="http://schemas.openxmlformats.org/drawingml/2006/main" xmlns:r="http://schemas.openxmlformats.org/officeDocument/2006/relationships" xmlns:p="http://schemas.openxmlformats.org/presentationml/2006/main">
+  <p:cSld>
+    <p:spTree>
+      <p:nvGrpSpPr>
+        <p:cNvPr id="1" name=""/>
+        <p:cNvGrpSpPr/>
+        <p:nvPr/>
+      </p:nvGrpSpPr>
+      <p:grpSpPr>
+        <a:xfrm>
+          <a:off x="0" y="0"/>
+          <a:ext cx="0" cy="0"/>
+          <a:chOff x="0" y="0"/>
+          <a:chExt cx="0" cy="0"/>
+        </a:xfrm>
+      </p:grpSpPr>
+      <p:sp>
+        <p:nvSpPr>
+          <p:cNvPr id="2" name="Title 1"/>
+          <p:cNvSpPr>
+            <a:spLocks noGrp="1"/>
+          </p:cNvSpPr>
+          <p:nvPr>
+            <p:ph type="title"/>
+          </p:nvPr>
+        </p:nvSpPr>
+        <p:spPr>
+          <a:xfrm>
+            <a:off x="76200" y="0"/>
+            <a:ext cx="9067800" cy="857250"/>
+          </a:xfrm>
+        </p:spPr>
+        <p:txBody>
+          <a:bodyPr/>
+          <a:lstStyle/>
+          <a:p>
+            <a:r>
+              <a:rPr lang="en-US" sz="3200" dirty="0">
+                <a:solidFill>
+                  <a:srgbClr val="0070C0"/>
+                </a:solidFill>
+                <a:latin typeface="Calibri Light" panose="020F0302020204030204" pitchFamily="34" charset="0"/>
+                <a:cs typeface="Calibri Light" panose="020F0302020204030204" pitchFamily="34" charset="0"/>
+              </a:rPr>
+              <a:t>draft-</a:t>
+            </a:r>
+            <a:r>
+              <a:rPr lang="en-US" sz="3200" dirty="0" err="1">
+                <a:solidFill>
+                  <a:srgbClr val="0070C0"/>
+                </a:solidFill>
+                <a:latin typeface="Calibri Light" panose="020F0302020204030204" pitchFamily="34" charset="0"/>
+                <a:cs typeface="Calibri Light" panose="020F0302020204030204" pitchFamily="34" charset="0"/>
+              </a:rPr>
+              <a:t>gandhi</a:t>
+            </a:r>
+            <a:r>
+              <a:rPr lang="en-US" sz="3200" dirty="0">
+                <a:solidFill>
+                  <a:srgbClr val="0070C0"/>
+                </a:solidFill>
+                <a:latin typeface="Calibri Light" panose="020F0302020204030204" pitchFamily="34" charset="0"/>
+                <a:cs typeface="Calibri Light" panose="020F0302020204030204" pitchFamily="34" charset="0"/>
+              </a:rPr>
+              <a:t>-spring-stamp-</a:t>
+            </a:r>
+            <a:r>
+              <a:rPr lang="en-US" sz="3200" dirty="0" err="1">
+                <a:solidFill>
+                  <a:srgbClr val="0070C0"/>
+                </a:solidFill>
+                <a:latin typeface="Calibri Light" panose="020F0302020204030204" pitchFamily="34" charset="0"/>
+                <a:cs typeface="Calibri Light" panose="020F0302020204030204" pitchFamily="34" charset="0"/>
+              </a:rPr>
+              <a:t>srpm</a:t>
+            </a:r>
+            <a:r>
+              <a:rPr lang="en-US" sz="3200" dirty="0">
+                <a:solidFill>
+                  <a:srgbClr val="0070C0"/>
+                </a:solidFill>
+                <a:latin typeface="Calibri Light" panose="020F0302020204030204" pitchFamily="34" charset="0"/>
+                <a:cs typeface="Calibri Light" panose="020F0302020204030204" pitchFamily="34" charset="0"/>
+              </a:rPr>
+              <a:t> - Review Comments</a:t>
+            </a:r>
+          </a:p>
+        </p:txBody>
+      </p:sp>
+      <p:sp>
+        <p:nvSpPr>
+          <p:cNvPr id="3" name="Content Placeholder 2"/>
+          <p:cNvSpPr>
+            <a:spLocks noGrp="1"/>
+          </p:cNvSpPr>
+          <p:nvPr>
+            <p:ph idx="1"/>
+          </p:nvPr>
+        </p:nvSpPr>
+        <p:spPr>
+          <a:xfrm>
+            <a:off x="685800" y="857249"/>
+            <a:ext cx="7772400" cy="3642891"/>
+          </a:xfrm>
+        </p:spPr>
+        <p:txBody>
+          <a:bodyPr/>
+          <a:lstStyle/>
+          <a:p>
+            <a:pPr>
+              <a:buFont typeface="+mj-lt"/>
+              <a:buAutoNum type="arabicPeriod"/>
+            </a:pPr>
+            <a:r>
+              <a:rPr lang="en-US" sz="1200" dirty="0"/>
+              <a:t>Add references for well-known terms “Link”, “SR Path”, and “Congruent paths”</a:t>
+            </a:r>
+          </a:p>
+          <a:p>
+            <a:pPr>
+              <a:buFont typeface="+mj-lt"/>
+              <a:buAutoNum type="arabicPeriod"/>
+            </a:pPr>
+            <a:r>
+              <a:rPr lang="en-US" sz="1200" dirty="0"/>
+              <a:t>Destination UDP port used has zero UDP checksum for IPv6 header</a:t>
+            </a:r>
+          </a:p>
+          <a:p>
+            <a:pPr lvl="1">
+              <a:buFont typeface="+mj-lt"/>
+              <a:buAutoNum type="alphaLcParenR"/>
+            </a:pPr>
+            <a:r>
+              <a:rPr lang="en-US" sz="1200" dirty="0">
+                <a:latin typeface="Calibri" charset="0"/>
+                <a:ea typeface="Calibri" charset="0"/>
+                <a:cs typeface="Calibri" charset="0"/>
+              </a:rPr>
+              <a:t>Add Reference for </a:t>
+            </a:r>
+            <a:r>
+              <a:rPr lang="en-CA" sz="1200" dirty="0"/>
+              <a:t>RFC 6936 in Security Section</a:t>
+            </a:r>
+          </a:p>
+          <a:p>
+            <a:pPr lvl="1">
+              <a:buFont typeface="+mj-lt"/>
+              <a:buAutoNum type="alphaLcParenR"/>
+            </a:pPr>
+            <a:r>
+              <a:rPr lang="en-CA" sz="1200" dirty="0"/>
+              <a:t>For IPv4 and IPv6 probe messages, where the hardware is not capable of re-computing the UDP checksum or adding checksum complement [</a:t>
+            </a:r>
+            <a:r>
+              <a:rPr lang="en-CA" sz="1200" dirty="0">
+                <a:hlinkClick r:id="rId3" tooltip="&quot;UDP Checksum Complement in the One-Way Active Measurement Protocol (OWAMP) and Two-Way Active Measurement Protocol (TWAMP)&quot;"/>
+              </a:rPr>
+              <a:t>RFC7820</a:t>
+            </a:r>
+            <a:r>
+              <a:rPr lang="en-CA" sz="1200" dirty="0"/>
+              <a:t>], the sender node </a:t>
+            </a:r>
+            <a:r>
+              <a:rPr lang="en-CA" sz="1200" b="1" dirty="0"/>
+              <a:t>MAY</a:t>
+            </a:r>
+            <a:r>
+              <a:rPr lang="en-CA" sz="1200" dirty="0"/>
+              <a:t> set the UDP checksum to 0 [</a:t>
+            </a:r>
+            <a:r>
+              <a:rPr lang="en-CA" sz="1200" dirty="0">
+                <a:hlinkClick r:id="rId4" tooltip="&quot;UDP Usage Guidelines&quot;"/>
+              </a:rPr>
+              <a:t>RFC8085</a:t>
+            </a:r>
+            <a:r>
+              <a:rPr lang="en-CA" sz="1200" dirty="0"/>
+              <a:t>] </a:t>
+            </a:r>
+            <a:r>
+              <a:rPr lang="en-CA" sz="1200" b="1" dirty="0"/>
+              <a:t>and reflector node MAY accept it as long as it meets requirements specified in [</a:t>
+            </a:r>
+            <a:r>
+              <a:rPr lang="en-CA" sz="1200" b="1" dirty="0">
+                <a:hlinkClick r:id="rId5" tooltip="&quot;Applicability Statement for the Use of IPv6 UDP Datagrams with Zero Checksums&quot;"/>
+              </a:rPr>
+              <a:t>RFC6936</a:t>
+            </a:r>
+            <a:r>
+              <a:rPr lang="en-CA" sz="1200" b="1" dirty="0"/>
+              <a:t>]</a:t>
+            </a:r>
+            <a:endParaRPr lang="en-US" sz="1200" b="1" dirty="0">
+              <a:latin typeface="Calibri" charset="0"/>
+              <a:ea typeface="Calibri" charset="0"/>
+              <a:cs typeface="Calibri" charset="0"/>
+            </a:endParaRPr>
+          </a:p>
+          <a:p>
+            <a:pPr>
+              <a:buFont typeface="+mj-lt"/>
+              <a:buAutoNum type="arabicPeriod"/>
+            </a:pPr>
+            <a:r>
+              <a:rPr lang="en-US" sz="1200" dirty="0">
+                <a:latin typeface="Calibri" charset="0"/>
+                <a:ea typeface="Calibri" charset="0"/>
+                <a:cs typeface="Calibri" charset="0"/>
+              </a:rPr>
+              <a:t>Add reference for Yang data model draft in provisioning model section</a:t>
+            </a:r>
+          </a:p>
+          <a:p>
+            <a:pPr>
+              <a:buFont typeface="+mj-lt"/>
+              <a:buAutoNum type="arabicPeriod"/>
+            </a:pPr>
+            <a:r>
+              <a:rPr lang="en-US" sz="1200" dirty="0"/>
+              <a:t>Liveness is to compute “connection loss” performance metric </a:t>
+            </a:r>
+          </a:p>
+          <a:p>
+            <a:pPr lvl="1">
+              <a:buFont typeface="+mj-lt"/>
+              <a:buAutoNum type="alphaLcParenR"/>
+            </a:pPr>
+            <a:r>
+              <a:rPr lang="en-US" sz="1200" dirty="0"/>
+              <a:t>Similar to the widely deployed synthetic packet loss metric</a:t>
+            </a:r>
+            <a:endParaRPr lang="en-US" sz="1200" dirty="0">
+              <a:latin typeface="Calibri" charset="0"/>
+              <a:ea typeface="Calibri" charset="0"/>
+              <a:cs typeface="Calibri" charset="0"/>
+            </a:endParaRPr>
+          </a:p>
+          <a:p>
+            <a:pPr>
+              <a:buFont typeface="+mj-lt"/>
+              <a:buAutoNum type="arabicPeriod"/>
+            </a:pPr>
+            <a:r>
+              <a:rPr lang="en-US" sz="1200" dirty="0"/>
+              <a:t>Editorial</a:t>
+            </a:r>
+          </a:p>
+          <a:p>
+            <a:pPr lvl="1">
+              <a:buFont typeface="+mj-lt"/>
+              <a:buAutoNum type="alphaLcParenR"/>
+            </a:pPr>
+            <a:r>
+              <a:rPr lang="en-US" sz="1200" dirty="0"/>
+              <a:t>Indicate packet loss is direct-mode loss </a:t>
+            </a:r>
+          </a:p>
+          <a:p>
+            <a:pPr lvl="1">
+              <a:buFont typeface="+mj-lt"/>
+              <a:buAutoNum type="alphaLcParenR"/>
+            </a:pPr>
+            <a:r>
+              <a:rPr lang="en-US" sz="1200" dirty="0"/>
+              <a:t>Use test packet term for query message </a:t>
+            </a:r>
+          </a:p>
+          <a:p>
+            <a:pPr lvl="1">
+              <a:buFont typeface="+mj-lt"/>
+              <a:buAutoNum type="alphaLcParenR"/>
+            </a:pPr>
+            <a:r>
+              <a:rPr lang="en-US" sz="1200" dirty="0"/>
+              <a:t>H/W timestamps required -&gt; H/W timestamps recommended </a:t>
+            </a:r>
+          </a:p>
+          <a:p>
+            <a:pPr lvl="1">
+              <a:buFont typeface="+mj-lt"/>
+              <a:buAutoNum type="alphaLcParenR"/>
+            </a:pPr>
+            <a:r>
+              <a:rPr lang="en-CA" sz="1200" dirty="0"/>
+              <a:t>IPv6 address ::1/128 or ::FFFF:127/104</a:t>
+            </a:r>
+          </a:p>
+          <a:p>
+            <a:pPr lvl="1">
+              <a:buFont typeface="+mj-lt"/>
+              <a:buAutoNum type="alphaLcParenR"/>
+            </a:pPr>
+            <a:r>
+              <a:rPr lang="en-CA" sz="1200" dirty="0"/>
+              <a:t>Clarify - Section 4.1.4.2 and 4.2.2.2 depict the packet format with word “as needed” for inner IP Header</a:t>
+            </a:r>
+          </a:p>
+          <a:p>
+            <a:pPr lvl="1">
+              <a:buFont typeface="+mj-lt"/>
+              <a:buAutoNum type="alphaLcParenR"/>
+            </a:pPr>
+            <a:r>
+              <a:rPr lang="en-CA" sz="1200" dirty="0"/>
+              <a:t>Different UDP destination ports when running authenticated and unauthenticated sessions simultaneously</a:t>
+            </a:r>
+            <a:endParaRPr lang="en-US" sz="1200" dirty="0"/>
+          </a:p>
+          <a:p>
+            <a:pPr lvl="1"/>
+            <a:endParaRPr lang="en-US" sz="1200" dirty="0"/>
+          </a:p>
+        </p:txBody>
+      </p:sp>
+      <p:sp>
+        <p:nvSpPr>
+          <p:cNvPr id="4" name="Footer Placeholder 3"/>
+          <p:cNvSpPr>
+            <a:spLocks noGrp="1"/>
+          </p:cNvSpPr>
+          <p:nvPr>
+            <p:ph type="ftr" sz="quarter" idx="11"/>
+          </p:nvPr>
+        </p:nvSpPr>
+        <p:spPr>
+          <a:xfrm>
+            <a:off x="3124200" y="4786312"/>
+            <a:ext cx="2895600" cy="357188"/>
+          </a:xfrm>
+        </p:spPr>
+        <p:txBody>
+          <a:bodyPr/>
+          <a:lstStyle/>
+          <a:p>
+            <a:r>
+              <a:rPr lang="en-CA" dirty="0"/>
+              <a:t>109</a:t>
+            </a:r>
+            <a:r>
+              <a:rPr lang="en-CA" baseline="30000" dirty="0"/>
+              <a:t>th</a:t>
+            </a:r>
+            <a:r>
+              <a:rPr lang="en-CA" dirty="0"/>
+              <a:t> IETF Online</a:t>
+            </a:r>
+          </a:p>
+        </p:txBody>
+      </p:sp>
+      <p:sp>
+        <p:nvSpPr>
+          <p:cNvPr id="5" name="Slide Number Placeholder 4"/>
+          <p:cNvSpPr>
+            <a:spLocks noGrp="1"/>
+          </p:cNvSpPr>
+          <p:nvPr>
+            <p:ph type="sldNum" sz="quarter" idx="12"/>
+          </p:nvPr>
+        </p:nvSpPr>
+        <p:spPr/>
+        <p:txBody>
+          <a:bodyPr/>
+          <a:lstStyle/>
+          <a:p>
+            <a:pPr>
+              <a:defRPr/>
+            </a:pPr>
+            <a:fld id="{BD6E0F59-1DD8-40FC-9C92-B6295CBA6CCA}" type="slidenum">
+              <a:rPr lang="en-US" altLang="zh-CN" smtClean="0"/>
+              <a:pPr>
+                <a:defRPr/>
+              </a:pPr>
+              <a:t>14</a:t>
+            </a:fld>
+            <a:endParaRPr lang="en-US" altLang="zh-CN"/>
+          </a:p>
+        </p:txBody>
+      </p:sp>
+    </p:spTree>
+    <p:extLst>
+      <p:ext uri="{BB962C8B-B14F-4D97-AF65-F5344CB8AC3E}">
+        <p14:creationId xmlns:p14="http://schemas.microsoft.com/office/powerpoint/2010/main" val="2013477993"/>
       </p:ext>
     </p:extLst>
   </p:cSld>
@@ -6556,7 +6832,7 @@
             </a:pPr>
             <a:r>
               <a:rPr lang="en-US" sz="1600" dirty="0"/>
-              <a:t>Support Delay and synthetic Loss Measurement </a:t>
+              <a:t>Support In-band Delay and Synthetic Loss Measurement </a:t>
             </a:r>
           </a:p>
           <a:p>
@@ -6979,7 +7255,7 @@
                 <a:latin typeface="Calibri" panose="020F0502020204030204" pitchFamily="34" charset="0"/>
                 <a:cs typeface="Calibri" panose="020F0502020204030204" pitchFamily="34" charset="0"/>
               </a:rPr>
-              <a:t>Defines stand-alone direct-mode loss measurement query and response messages</a:t>
+              <a:t>Defines TLV to carry Return Path</a:t>
             </a:r>
           </a:p>
           <a:p>
@@ -6996,8 +7272,39 @@
                 <a:latin typeface="Calibri" panose="020F0502020204030204" pitchFamily="34" charset="0"/>
                 <a:cs typeface="Calibri" panose="020F0502020204030204" pitchFamily="34" charset="0"/>
               </a:rPr>
-              <a:t>Defines TLVs to carry Destination Node Address and Return Path</a:t>
-            </a:r>
+              <a:t>Defines TLV to carry Destination Node Address</a:t>
+            </a:r>
+          </a:p>
+          <a:p>
+            <a:pPr lvl="1">
+              <a:lnSpc>
+                <a:spcPts val="1780"/>
+              </a:lnSpc>
+              <a:spcBef>
+                <a:spcPts val="600"/>
+              </a:spcBef>
+            </a:pPr>
+            <a:r>
+              <a:rPr lang="en-US" sz="1600" dirty="0">
+                <a:latin typeface="Calibri" panose="020F0502020204030204" pitchFamily="34" charset="0"/>
+                <a:cs typeface="Calibri" panose="020F0502020204030204" pitchFamily="34" charset="0"/>
+              </a:rPr>
+              <a:t>Defines stand-alone direct-mode loss measurement query and response messages</a:t>
+            </a:r>
+          </a:p>
+          <a:p>
+            <a:pPr lvl="1">
+              <a:lnSpc>
+                <a:spcPts val="1780"/>
+              </a:lnSpc>
+              <a:spcBef>
+                <a:spcPts val="600"/>
+              </a:spcBef>
+            </a:pPr>
+            <a:endParaRPr lang="en-US" sz="1600" dirty="0">
+              <a:latin typeface="Calibri" panose="020F0502020204030204" pitchFamily="34" charset="0"/>
+              <a:cs typeface="Calibri" panose="020F0502020204030204" pitchFamily="34" charset="0"/>
+            </a:endParaRPr>
           </a:p>
           <a:p>
             <a:pPr marL="457200" lvl="1" indent="0">
@@ -7343,7 +7650,7 @@
           <a:p>
             <a:r>
               <a:rPr lang="en-US" sz="1000" dirty="0"/>
-              <a:t>October 2020</a:t>
+              <a:t>Oct 2020</a:t>
             </a:r>
           </a:p>
           <a:p>
@@ -8702,6 +9009,1039 @@
       </p:grpSpPr>
       <p:sp>
         <p:nvSpPr>
+          <p:cNvPr id="2" name="Title 1">
+            <a:extLst>
+              <a:ext uri="{FF2B5EF4-FFF2-40B4-BE49-F238E27FC236}">
+                <a16:creationId xmlns:a16="http://schemas.microsoft.com/office/drawing/2014/main" id="{9A6F4236-AC14-394A-A36C-F2BD8CED3237}"/>
+              </a:ext>
+            </a:extLst>
+          </p:cNvPr>
+          <p:cNvSpPr>
+            <a:spLocks noGrp="1"/>
+          </p:cNvSpPr>
+          <p:nvPr>
+            <p:ph type="title"/>
+          </p:nvPr>
+        </p:nvSpPr>
+        <p:spPr>
+          <a:xfrm>
+            <a:off x="228600" y="-8968"/>
+            <a:ext cx="8686800" cy="857250"/>
+          </a:xfrm>
+        </p:spPr>
+        <p:txBody>
+          <a:bodyPr/>
+          <a:lstStyle/>
+          <a:p>
+            <a:r>
+              <a:rPr lang="en-US" sz="3200" dirty="0">
+                <a:solidFill>
+                  <a:srgbClr val="0070C0"/>
+                </a:solidFill>
+                <a:latin typeface="Calibri Light" panose="020F0302020204030204" pitchFamily="34" charset="0"/>
+                <a:cs typeface="Calibri Light" panose="020F0302020204030204" pitchFamily="34" charset="0"/>
+              </a:rPr>
+              <a:t>STAMP - Return Path TLV</a:t>
+            </a:r>
+          </a:p>
+        </p:txBody>
+      </p:sp>
+      <p:sp>
+        <p:nvSpPr>
+          <p:cNvPr id="4" name="Footer Placeholder 3">
+            <a:extLst>
+              <a:ext uri="{FF2B5EF4-FFF2-40B4-BE49-F238E27FC236}">
+                <a16:creationId xmlns:a16="http://schemas.microsoft.com/office/drawing/2014/main" id="{643D160E-CC3C-EB46-A6F1-43B8E2996F46}"/>
+              </a:ext>
+            </a:extLst>
+          </p:cNvPr>
+          <p:cNvSpPr>
+            <a:spLocks noGrp="1"/>
+          </p:cNvSpPr>
+          <p:nvPr>
+            <p:ph type="ftr" sz="quarter" idx="11"/>
+          </p:nvPr>
+        </p:nvSpPr>
+        <p:spPr>
+          <a:xfrm>
+            <a:off x="3124200" y="4805362"/>
+            <a:ext cx="2895600" cy="357188"/>
+          </a:xfrm>
+        </p:spPr>
+        <p:txBody>
+          <a:bodyPr/>
+          <a:lstStyle/>
+          <a:p>
+            <a:r>
+              <a:rPr lang="en-CA" dirty="0"/>
+              <a:t>109</a:t>
+            </a:r>
+            <a:r>
+              <a:rPr lang="en-CA" baseline="30000" dirty="0"/>
+              <a:t>th</a:t>
+            </a:r>
+            <a:r>
+              <a:rPr lang="en-CA" dirty="0"/>
+              <a:t> IETF Online</a:t>
+            </a:r>
+          </a:p>
+        </p:txBody>
+      </p:sp>
+      <p:sp>
+        <p:nvSpPr>
+          <p:cNvPr id="5" name="Slide Number Placeholder 4">
+            <a:extLst>
+              <a:ext uri="{FF2B5EF4-FFF2-40B4-BE49-F238E27FC236}">
+                <a16:creationId xmlns:a16="http://schemas.microsoft.com/office/drawing/2014/main" id="{A8B868AE-B105-7547-A646-14FCDF91C2DD}"/>
+              </a:ext>
+            </a:extLst>
+          </p:cNvPr>
+          <p:cNvSpPr>
+            <a:spLocks noGrp="1"/>
+          </p:cNvSpPr>
+          <p:nvPr>
+            <p:ph type="sldNum" sz="quarter" idx="12"/>
+          </p:nvPr>
+        </p:nvSpPr>
+        <p:spPr/>
+        <p:txBody>
+          <a:bodyPr/>
+          <a:lstStyle/>
+          <a:p>
+            <a:pPr>
+              <a:defRPr/>
+            </a:pPr>
+            <a:fld id="{BD6E0F59-1DD8-40FC-9C92-B6295CBA6CCA}" type="slidenum">
+              <a:rPr lang="en-US" altLang="zh-CN" smtClean="0"/>
+              <a:pPr>
+                <a:defRPr/>
+              </a:pPr>
+              <a:t>7</a:t>
+            </a:fld>
+            <a:endParaRPr lang="en-US" altLang="zh-CN"/>
+          </a:p>
+        </p:txBody>
+      </p:sp>
+      <p:sp>
+        <p:nvSpPr>
+          <p:cNvPr id="7" name="Rectangle 6">
+            <a:extLst>
+              <a:ext uri="{FF2B5EF4-FFF2-40B4-BE49-F238E27FC236}">
+                <a16:creationId xmlns:a16="http://schemas.microsoft.com/office/drawing/2014/main" id="{AA6E66CA-28BC-2C4A-BC04-4600D8FEBF3B}"/>
+              </a:ext>
+            </a:extLst>
+          </p:cNvPr>
+          <p:cNvSpPr/>
+          <p:nvPr/>
+        </p:nvSpPr>
+        <p:spPr>
+          <a:xfrm>
+            <a:off x="4343400" y="837063"/>
+            <a:ext cx="4419600" cy="1323439"/>
+          </a:xfrm>
+          <a:prstGeom prst="rect">
+            <a:avLst/>
+          </a:prstGeom>
+          <a:solidFill>
+            <a:schemeClr val="accent6">
+              <a:lumMod val="20000"/>
+              <a:lumOff val="80000"/>
+            </a:schemeClr>
+          </a:solidFill>
+        </p:spPr>
+        <p:txBody>
+          <a:bodyPr wrap="square">
+            <a:spAutoFit/>
+          </a:bodyPr>
+          <a:lstStyle/>
+          <a:p>
+            <a:r>
+              <a:rPr lang="en-CA" sz="800" dirty="0">
+                <a:latin typeface="Courier" pitchFamily="2" charset="0"/>
+              </a:rPr>
+              <a:t>    0                   1                   2                   3</a:t>
+            </a:r>
+          </a:p>
+          <a:p>
+            <a:r>
+              <a:rPr lang="en-CA" sz="800" dirty="0">
+                <a:latin typeface="Courier" pitchFamily="2" charset="0"/>
+              </a:rPr>
+              <a:t>    0 1 2 3 4 5 6 7 8 9 0 1 2 3 4 5 6 7 8 9 0 1 2 3 4 5 6 7 8 9 0 1</a:t>
+            </a:r>
+          </a:p>
+          <a:p>
+            <a:r>
+              <a:rPr lang="en-CA" sz="800" dirty="0">
+                <a:latin typeface="Courier" pitchFamily="2" charset="0"/>
+              </a:rPr>
+              <a:t>    +-+-+-+-+-+-+-+-+-+-+-+-+-+-+-+-+-+-+-+-+-+-+-+-+-+-+-+-+-+-+-+-+</a:t>
+            </a:r>
+          </a:p>
+          <a:p>
+            <a:r>
+              <a:rPr lang="en-CA" sz="800" dirty="0">
+                <a:latin typeface="Courier" pitchFamily="2" charset="0"/>
+              </a:rPr>
+              <a:t>    |STAMP TLV Flags|  Type = TBA2  |     Length                    |</a:t>
+            </a:r>
+          </a:p>
+          <a:p>
+            <a:r>
+              <a:rPr lang="en-CA" sz="800" dirty="0">
+                <a:latin typeface="Courier" pitchFamily="2" charset="0"/>
+              </a:rPr>
+              <a:t>    +-+-+-+-+-+-+-+-+-+-+-+-+-+-+-+-+-+-+-+-+-+-+-+-+-+-+-+-+-+-+-+-+</a:t>
+            </a:r>
+          </a:p>
+          <a:p>
+            <a:r>
+              <a:rPr lang="en-CA" sz="800" dirty="0">
+                <a:latin typeface="Courier" pitchFamily="2" charset="0"/>
+              </a:rPr>
+              <a:t>    |                    Return Path Sub-TLVs                       |</a:t>
+            </a:r>
+          </a:p>
+          <a:p>
+            <a:r>
+              <a:rPr lang="en-CA" sz="800" dirty="0">
+                <a:latin typeface="Courier" pitchFamily="2" charset="0"/>
+              </a:rPr>
+              <a:t>    .                                                               .</a:t>
+            </a:r>
+          </a:p>
+          <a:p>
+            <a:r>
+              <a:rPr lang="en-CA" sz="800" dirty="0">
+                <a:latin typeface="Courier" pitchFamily="2" charset="0"/>
+              </a:rPr>
+              <a:t>    +-+-+-+-+-+-+-+-+-+-+-+-+-+-+-+-+-+-+-+-+-+-+-+-+-+-+-+-+-+-+-+-+</a:t>
+            </a:r>
+          </a:p>
+          <a:p>
+            <a:endParaRPr lang="en-CA" sz="800" dirty="0">
+              <a:latin typeface="Courier" pitchFamily="2" charset="0"/>
+            </a:endParaRPr>
+          </a:p>
+          <a:p>
+            <a:r>
+              <a:rPr lang="en-CA" sz="800" dirty="0">
+                <a:latin typeface="Courier" pitchFamily="2" charset="0"/>
+              </a:rPr>
+              <a:t>                         Figure: Return Path TLV</a:t>
+            </a:r>
+          </a:p>
+        </p:txBody>
+      </p:sp>
+      <p:sp>
+        <p:nvSpPr>
+          <p:cNvPr id="6" name="Content Placeholder 2">
+            <a:extLst>
+              <a:ext uri="{FF2B5EF4-FFF2-40B4-BE49-F238E27FC236}">
+                <a16:creationId xmlns:a16="http://schemas.microsoft.com/office/drawing/2014/main" id="{23AC919A-376F-2044-ADF3-0CCFB1FD964A}"/>
+              </a:ext>
+            </a:extLst>
+          </p:cNvPr>
+          <p:cNvSpPr>
+            <a:spLocks noGrp="1"/>
+          </p:cNvSpPr>
+          <p:nvPr>
+            <p:ph idx="1"/>
+          </p:nvPr>
+        </p:nvSpPr>
+        <p:spPr>
+          <a:xfrm>
+            <a:off x="152400" y="985158"/>
+            <a:ext cx="4114800" cy="3350617"/>
+          </a:xfrm>
+        </p:spPr>
+        <p:txBody>
+          <a:bodyPr/>
+          <a:lstStyle/>
+          <a:p>
+            <a:pPr marL="0" indent="0">
+              <a:spcBef>
+                <a:spcPts val="600"/>
+              </a:spcBef>
+              <a:buNone/>
+            </a:pPr>
+            <a:r>
+              <a:rPr lang="en-CA" sz="1400" b="1" dirty="0">
+                <a:latin typeface="Calibri" panose="020F0502020204030204" pitchFamily="34" charset="0"/>
+                <a:ea typeface="Calibri" panose="020F0502020204030204" pitchFamily="34" charset="0"/>
+                <a:cs typeface="Consolas" panose="020B0609020204030204" pitchFamily="49" charset="0"/>
+              </a:rPr>
+              <a:t>Return Path TLV (value TBA2):</a:t>
+            </a:r>
+            <a:endParaRPr lang="en-CA" sz="1400" b="1" dirty="0"/>
+          </a:p>
+          <a:p>
+            <a:pPr marL="0" indent="0">
+              <a:spcBef>
+                <a:spcPts val="600"/>
+              </a:spcBef>
+              <a:buNone/>
+            </a:pPr>
+            <a:r>
+              <a:rPr lang="en-CA" sz="1400" dirty="0"/>
+              <a:t>Sub-TLVs Types:</a:t>
+            </a:r>
+          </a:p>
+          <a:p>
+            <a:pPr>
+              <a:spcBef>
+                <a:spcPts val="600"/>
+              </a:spcBef>
+            </a:pPr>
+            <a:r>
+              <a:rPr lang="en-CA" sz="1400" dirty="0"/>
+              <a:t>Type (value 1): Return Address. Target node address of the response; different than the Source Address in the query</a:t>
+            </a:r>
+          </a:p>
+          <a:p>
+            <a:pPr>
+              <a:spcBef>
+                <a:spcPts val="600"/>
+              </a:spcBef>
+            </a:pPr>
+            <a:r>
+              <a:rPr lang="en-CA" sz="1400" dirty="0"/>
+              <a:t>Type (value 2): SR-MPLS Label Stack of the Reverse SR Path</a:t>
+            </a:r>
+          </a:p>
+          <a:p>
+            <a:pPr>
+              <a:spcBef>
+                <a:spcPts val="600"/>
+              </a:spcBef>
+            </a:pPr>
+            <a:r>
+              <a:rPr lang="en-CA" sz="1400" dirty="0"/>
+              <a:t>Type (value 3): SR-MPLS Binding SID [draft-</a:t>
+            </a:r>
+            <a:r>
+              <a:rPr lang="en-CA" sz="1400" dirty="0" err="1"/>
+              <a:t>ietf</a:t>
+            </a:r>
+            <a:r>
+              <a:rPr lang="en-CA" sz="1400" dirty="0"/>
+              <a:t>-</a:t>
+            </a:r>
+            <a:r>
+              <a:rPr lang="en-CA" sz="1400" dirty="0" err="1"/>
+              <a:t>pce</a:t>
+            </a:r>
+            <a:r>
+              <a:rPr lang="en-CA" sz="1400" dirty="0"/>
+              <a:t>-binding-label-</a:t>
+            </a:r>
+            <a:r>
+              <a:rPr lang="en-CA" sz="1400" dirty="0" err="1"/>
+              <a:t>sid</a:t>
+            </a:r>
+            <a:r>
+              <a:rPr lang="en-CA" sz="1400" dirty="0"/>
+              <a:t>] of the Reverse SR Policy</a:t>
+            </a:r>
+          </a:p>
+          <a:p>
+            <a:pPr>
+              <a:spcBef>
+                <a:spcPts val="600"/>
+              </a:spcBef>
+            </a:pPr>
+            <a:r>
+              <a:rPr lang="en-CA" sz="1400" dirty="0"/>
+              <a:t>Type (value 4): SRv6 Segment List of the Reverse SR Path</a:t>
+            </a:r>
+          </a:p>
+          <a:p>
+            <a:pPr>
+              <a:spcBef>
+                <a:spcPts val="600"/>
+              </a:spcBef>
+            </a:pPr>
+            <a:r>
+              <a:rPr lang="en-CA" sz="1400" dirty="0"/>
+              <a:t>Type (value 5): SRv6 Binding SID [draft-</a:t>
+            </a:r>
+            <a:r>
+              <a:rPr lang="en-CA" sz="1400" dirty="0" err="1"/>
+              <a:t>ietf</a:t>
+            </a:r>
+            <a:r>
+              <a:rPr lang="en-CA" sz="1400" dirty="0"/>
+              <a:t>-</a:t>
+            </a:r>
+            <a:r>
+              <a:rPr lang="en-CA" sz="1400" dirty="0" err="1"/>
+              <a:t>pce</a:t>
+            </a:r>
+            <a:r>
+              <a:rPr lang="en-CA" sz="1400" dirty="0"/>
+              <a:t>-binding-label-</a:t>
+            </a:r>
+            <a:r>
+              <a:rPr lang="en-CA" sz="1400" dirty="0" err="1"/>
+              <a:t>sid</a:t>
+            </a:r>
+            <a:r>
+              <a:rPr lang="en-CA" sz="1400" dirty="0"/>
+              <a:t>] of the Reverse SR Policy</a:t>
+            </a:r>
+            <a:endParaRPr lang="en-US" sz="1400" dirty="0">
+              <a:latin typeface="Calibri" charset="0"/>
+              <a:ea typeface="Calibri" charset="0"/>
+              <a:cs typeface="Calibri" charset="0"/>
+            </a:endParaRPr>
+          </a:p>
+        </p:txBody>
+      </p:sp>
+      <p:sp>
+        <p:nvSpPr>
+          <p:cNvPr id="9" name="Rectangle 8">
+            <a:extLst>
+              <a:ext uri="{FF2B5EF4-FFF2-40B4-BE49-F238E27FC236}">
+                <a16:creationId xmlns:a16="http://schemas.microsoft.com/office/drawing/2014/main" id="{B04D7E52-9ADA-114D-877F-E1C7CA482275}"/>
+              </a:ext>
+            </a:extLst>
+          </p:cNvPr>
+          <p:cNvSpPr/>
+          <p:nvPr/>
+        </p:nvSpPr>
+        <p:spPr>
+          <a:xfrm>
+            <a:off x="4343400" y="2385355"/>
+            <a:ext cx="4419600" cy="2185214"/>
+          </a:xfrm>
+          <a:prstGeom prst="rect">
+            <a:avLst/>
+          </a:prstGeom>
+          <a:solidFill>
+            <a:schemeClr val="accent6">
+              <a:lumMod val="20000"/>
+              <a:lumOff val="80000"/>
+            </a:schemeClr>
+          </a:solidFill>
+        </p:spPr>
+        <p:txBody>
+          <a:bodyPr wrap="square">
+            <a:spAutoFit/>
+          </a:bodyPr>
+          <a:lstStyle/>
+          <a:p>
+            <a:r>
+              <a:rPr lang="en-CA" sz="800" dirty="0">
+                <a:latin typeface="Courier" pitchFamily="2" charset="0"/>
+              </a:rPr>
+              <a:t>    0                   1                   2                   3</a:t>
+            </a:r>
+          </a:p>
+          <a:p>
+            <a:r>
+              <a:rPr lang="en-CA" sz="800" dirty="0">
+                <a:latin typeface="Courier" pitchFamily="2" charset="0"/>
+              </a:rPr>
+              <a:t>    0 1 2 3 4 5 6 7 8 9 0 1 2 3 4 5 6 7 8 9 0 1 2 3 4 5 6 7 8 9 0 1</a:t>
+            </a:r>
+          </a:p>
+          <a:p>
+            <a:r>
+              <a:rPr lang="en-CA" sz="800" dirty="0">
+                <a:latin typeface="Courier" pitchFamily="2" charset="0"/>
+              </a:rPr>
+              <a:t>    +-+-+-+-+-+-+-+-+-+-+-+-+-+-+-+-+-+-+-+-+-+-+-+-+-+-+-+-+-+-+-+-+</a:t>
+            </a:r>
+          </a:p>
+          <a:p>
+            <a:r>
+              <a:rPr lang="en-CA" sz="800" dirty="0">
+                <a:latin typeface="Courier" pitchFamily="2" charset="0"/>
+              </a:rPr>
+              <a:t>    |STAMP TLV Flags|  Type         |     Length                    |</a:t>
+            </a:r>
+          </a:p>
+          <a:p>
+            <a:r>
+              <a:rPr lang="en-CA" sz="800" dirty="0">
+                <a:latin typeface="Courier" pitchFamily="2" charset="0"/>
+              </a:rPr>
+              <a:t>    +-+-+-+-+-+-+-+-+-+-+-+-+-+-+-+-+-+-+-+-+-+-+-+-+-+-+-+-+-+-+-+-+</a:t>
+            </a:r>
+          </a:p>
+          <a:p>
+            <a:r>
+              <a:rPr lang="en-CA" sz="800" dirty="0">
+                <a:latin typeface="Courier" pitchFamily="2" charset="0"/>
+              </a:rPr>
+              <a:t>    |                    Segment(1)                                 |</a:t>
+            </a:r>
+          </a:p>
+          <a:p>
+            <a:r>
+              <a:rPr lang="en-CA" sz="800" dirty="0">
+                <a:latin typeface="Courier" pitchFamily="2" charset="0"/>
+              </a:rPr>
+              <a:t>    .                                                               .</a:t>
+            </a:r>
+          </a:p>
+          <a:p>
+            <a:r>
+              <a:rPr lang="en-CA" sz="800" dirty="0">
+                <a:latin typeface="Courier" pitchFamily="2" charset="0"/>
+              </a:rPr>
+              <a:t>    +-+-+-+-+-+-+-+-+-+-+-+-+-+-+-+-+-+-+-+-+-+-+-+-+-+-+-+-+-+-+-+-+</a:t>
+            </a:r>
+          </a:p>
+          <a:p>
+            <a:r>
+              <a:rPr lang="en-CA" sz="800" dirty="0">
+                <a:latin typeface="Courier" pitchFamily="2" charset="0"/>
+              </a:rPr>
+              <a:t>    .                                                               .</a:t>
+            </a:r>
+          </a:p>
+          <a:p>
+            <a:r>
+              <a:rPr lang="en-CA" sz="800" dirty="0">
+                <a:latin typeface="Courier" pitchFamily="2" charset="0"/>
+              </a:rPr>
+              <a:t>    .                                                               .</a:t>
+            </a:r>
+          </a:p>
+          <a:p>
+            <a:r>
+              <a:rPr lang="en-CA" sz="800" dirty="0">
+                <a:latin typeface="Courier" pitchFamily="2" charset="0"/>
+              </a:rPr>
+              <a:t>    .                                                               .</a:t>
+            </a:r>
+          </a:p>
+          <a:p>
+            <a:r>
+              <a:rPr lang="en-CA" sz="800" dirty="0">
+                <a:latin typeface="Courier" pitchFamily="2" charset="0"/>
+              </a:rPr>
+              <a:t>    +-+-+-+-+-+-+-+-+-+-+-+-+-+-+-+-+-+-+-+-+-+-+-+-+-+-+-+-+-+-+-+-+</a:t>
+            </a:r>
+          </a:p>
+          <a:p>
+            <a:r>
+              <a:rPr lang="en-CA" sz="800" dirty="0">
+                <a:latin typeface="Courier" pitchFamily="2" charset="0"/>
+              </a:rPr>
+              <a:t>    |                    Segment(n)                                 |</a:t>
+            </a:r>
+          </a:p>
+          <a:p>
+            <a:r>
+              <a:rPr lang="en-CA" sz="800" dirty="0">
+                <a:latin typeface="Courier" pitchFamily="2" charset="0"/>
+              </a:rPr>
+              <a:t>    .                                                               .</a:t>
+            </a:r>
+          </a:p>
+          <a:p>
+            <a:r>
+              <a:rPr lang="en-CA" sz="800" dirty="0">
+                <a:latin typeface="Courier" pitchFamily="2" charset="0"/>
+              </a:rPr>
+              <a:t>    +-+-+-+-+-+-+-+-+-+-+-+-+-+-+-+-+-+-+-+-+-+-+-+-+-+-+-+-+-+-+-+-+</a:t>
+            </a:r>
+          </a:p>
+          <a:p>
+            <a:endParaRPr lang="en-CA" sz="800" dirty="0">
+              <a:latin typeface="Courier" pitchFamily="2" charset="0"/>
+            </a:endParaRPr>
+          </a:p>
+          <a:p>
+            <a:r>
+              <a:rPr lang="en-CA" sz="800" dirty="0">
+                <a:latin typeface="Courier" pitchFamily="2" charset="0"/>
+              </a:rPr>
+              <a:t>              Figure: Segment List Sub-TLV in Return Path TLV</a:t>
+            </a:r>
+            <a:endParaRPr lang="en-US" sz="800" dirty="0">
+              <a:latin typeface="Courier" pitchFamily="2" charset="0"/>
+              <a:cs typeface="Courier New" panose="02070309020205020404" pitchFamily="49" charset="0"/>
+            </a:endParaRPr>
+          </a:p>
+        </p:txBody>
+      </p:sp>
+    </p:spTree>
+    <p:extLst>
+      <p:ext uri="{BB962C8B-B14F-4D97-AF65-F5344CB8AC3E}">
+        <p14:creationId xmlns:p14="http://schemas.microsoft.com/office/powerpoint/2010/main" val="720098633"/>
+      </p:ext>
+    </p:extLst>
+  </p:cSld>
+  <p:clrMapOvr>
+    <a:masterClrMapping/>
+  </p:clrMapOvr>
+</p:sld>
+</file>
+
+<file path=ppt/slides/slide8.xml><?xml version="1.0" encoding="utf-8"?>
+<p:sld xmlns:a="http://schemas.openxmlformats.org/drawingml/2006/main" xmlns:r="http://schemas.openxmlformats.org/officeDocument/2006/relationships" xmlns:p="http://schemas.openxmlformats.org/presentationml/2006/main">
+  <p:cSld>
+    <p:spTree>
+      <p:nvGrpSpPr>
+        <p:cNvPr id="1" name=""/>
+        <p:cNvGrpSpPr/>
+        <p:nvPr/>
+      </p:nvGrpSpPr>
+      <p:grpSpPr>
+        <a:xfrm>
+          <a:off x="0" y="0"/>
+          <a:ext cx="0" cy="0"/>
+          <a:chOff x="0" y="0"/>
+          <a:chExt cx="0" cy="0"/>
+        </a:xfrm>
+      </p:grpSpPr>
+      <p:sp>
+        <p:nvSpPr>
+          <p:cNvPr id="2" name="Title 1">
+            <a:extLst>
+              <a:ext uri="{FF2B5EF4-FFF2-40B4-BE49-F238E27FC236}">
+                <a16:creationId xmlns:a16="http://schemas.microsoft.com/office/drawing/2014/main" id="{9A6F4236-AC14-394A-A36C-F2BD8CED3237}"/>
+              </a:ext>
+            </a:extLst>
+          </p:cNvPr>
+          <p:cNvSpPr>
+            <a:spLocks noGrp="1"/>
+          </p:cNvSpPr>
+          <p:nvPr>
+            <p:ph type="title"/>
+          </p:nvPr>
+        </p:nvSpPr>
+        <p:spPr>
+          <a:xfrm>
+            <a:off x="228600" y="-20187"/>
+            <a:ext cx="8686800" cy="857250"/>
+          </a:xfrm>
+        </p:spPr>
+        <p:txBody>
+          <a:bodyPr/>
+          <a:lstStyle/>
+          <a:p>
+            <a:r>
+              <a:rPr lang="en-US" sz="3200" dirty="0">
+                <a:solidFill>
+                  <a:srgbClr val="0070C0"/>
+                </a:solidFill>
+                <a:latin typeface="Calibri Light" panose="020F0302020204030204" pitchFamily="34" charset="0"/>
+                <a:cs typeface="Calibri Light" panose="020F0302020204030204" pitchFamily="34" charset="0"/>
+              </a:rPr>
+              <a:t>STAMP - Destination Node Address TLV</a:t>
+            </a:r>
+          </a:p>
+        </p:txBody>
+      </p:sp>
+      <p:sp>
+        <p:nvSpPr>
+          <p:cNvPr id="4" name="Footer Placeholder 3">
+            <a:extLst>
+              <a:ext uri="{FF2B5EF4-FFF2-40B4-BE49-F238E27FC236}">
+                <a16:creationId xmlns:a16="http://schemas.microsoft.com/office/drawing/2014/main" id="{643D160E-CC3C-EB46-A6F1-43B8E2996F46}"/>
+              </a:ext>
+            </a:extLst>
+          </p:cNvPr>
+          <p:cNvSpPr>
+            <a:spLocks noGrp="1"/>
+          </p:cNvSpPr>
+          <p:nvPr>
+            <p:ph type="ftr" sz="quarter" idx="11"/>
+          </p:nvPr>
+        </p:nvSpPr>
+        <p:spPr>
+          <a:xfrm>
+            <a:off x="3124200" y="4805362"/>
+            <a:ext cx="2895600" cy="357188"/>
+          </a:xfrm>
+        </p:spPr>
+        <p:txBody>
+          <a:bodyPr/>
+          <a:lstStyle/>
+          <a:p>
+            <a:r>
+              <a:rPr lang="en-CA" dirty="0"/>
+              <a:t>109</a:t>
+            </a:r>
+            <a:r>
+              <a:rPr lang="en-CA" baseline="30000" dirty="0"/>
+              <a:t>th</a:t>
+            </a:r>
+            <a:r>
+              <a:rPr lang="en-CA" dirty="0"/>
+              <a:t> IETF Online</a:t>
+            </a:r>
+          </a:p>
+        </p:txBody>
+      </p:sp>
+      <p:sp>
+        <p:nvSpPr>
+          <p:cNvPr id="5" name="Slide Number Placeholder 4">
+            <a:extLst>
+              <a:ext uri="{FF2B5EF4-FFF2-40B4-BE49-F238E27FC236}">
+                <a16:creationId xmlns:a16="http://schemas.microsoft.com/office/drawing/2014/main" id="{A8B868AE-B105-7547-A646-14FCDF91C2DD}"/>
+              </a:ext>
+            </a:extLst>
+          </p:cNvPr>
+          <p:cNvSpPr>
+            <a:spLocks noGrp="1"/>
+          </p:cNvSpPr>
+          <p:nvPr>
+            <p:ph type="sldNum" sz="quarter" idx="12"/>
+          </p:nvPr>
+        </p:nvSpPr>
+        <p:spPr/>
+        <p:txBody>
+          <a:bodyPr/>
+          <a:lstStyle/>
+          <a:p>
+            <a:pPr>
+              <a:defRPr/>
+            </a:pPr>
+            <a:fld id="{BD6E0F59-1DD8-40FC-9C92-B6295CBA6CCA}" type="slidenum">
+              <a:rPr lang="en-US" altLang="zh-CN" smtClean="0"/>
+              <a:pPr>
+                <a:defRPr/>
+              </a:pPr>
+              <a:t>8</a:t>
+            </a:fld>
+            <a:endParaRPr lang="en-US" altLang="zh-CN"/>
+          </a:p>
+        </p:txBody>
+      </p:sp>
+      <p:sp>
+        <p:nvSpPr>
+          <p:cNvPr id="7" name="Rectangle 6">
+            <a:extLst>
+              <a:ext uri="{FF2B5EF4-FFF2-40B4-BE49-F238E27FC236}">
+                <a16:creationId xmlns:a16="http://schemas.microsoft.com/office/drawing/2014/main" id="{AA6E66CA-28BC-2C4A-BC04-4600D8FEBF3B}"/>
+              </a:ext>
+            </a:extLst>
+          </p:cNvPr>
+          <p:cNvSpPr/>
+          <p:nvPr/>
+        </p:nvSpPr>
+        <p:spPr>
+          <a:xfrm>
+            <a:off x="4229100" y="1625953"/>
+            <a:ext cx="4648200" cy="1615827"/>
+          </a:xfrm>
+          <a:prstGeom prst="rect">
+            <a:avLst/>
+          </a:prstGeom>
+          <a:solidFill>
+            <a:schemeClr val="accent6">
+              <a:lumMod val="20000"/>
+              <a:lumOff val="80000"/>
+            </a:schemeClr>
+          </a:solidFill>
+        </p:spPr>
+        <p:txBody>
+          <a:bodyPr wrap="square">
+            <a:spAutoFit/>
+          </a:bodyPr>
+          <a:lstStyle/>
+          <a:p>
+            <a:r>
+              <a:rPr lang="en-CA" sz="900" dirty="0">
+                <a:latin typeface="Courier" pitchFamily="2" charset="0"/>
+                <a:cs typeface="Courier New" panose="02070309020205020404" pitchFamily="49" charset="0"/>
+              </a:rPr>
+              <a:t>0                   1                   2                   3</a:t>
+            </a:r>
+          </a:p>
+          <a:p>
+            <a:r>
+              <a:rPr lang="en-CA" sz="900" dirty="0">
+                <a:latin typeface="Courier" pitchFamily="2" charset="0"/>
+                <a:cs typeface="Courier New" panose="02070309020205020404" pitchFamily="49" charset="0"/>
+              </a:rPr>
+              <a:t>0 1 2 3 4 5 6 7 8 9 0 1 2 3 4 5 6 7 8 9 0 1 2 3 4 5 6 7 8 9 0 1</a:t>
+            </a:r>
+          </a:p>
+          <a:p>
+            <a:r>
+              <a:rPr lang="en-CA" sz="900" dirty="0">
+                <a:latin typeface="Courier" pitchFamily="2" charset="0"/>
+                <a:cs typeface="Courier New" panose="02070309020205020404" pitchFamily="49" charset="0"/>
+              </a:rPr>
+              <a:t>+-+-+-+-+-+-+-+-+-+-+-+-+-+-+-+-+-+-+-+-+-+-+-+-+-+-+-+-+-+-+-+-+</a:t>
+            </a:r>
+          </a:p>
+          <a:p>
+            <a:r>
+              <a:rPr lang="en-CA" sz="900" dirty="0">
+                <a:latin typeface="Courier" pitchFamily="2" charset="0"/>
+              </a:rPr>
+              <a:t>|STAMP TLV Flags|  Type         |     Length                    |</a:t>
+            </a:r>
+          </a:p>
+          <a:p>
+            <a:r>
+              <a:rPr lang="en-CA" sz="900" dirty="0">
+                <a:latin typeface="Courier" pitchFamily="2" charset="0"/>
+                <a:cs typeface="Courier New" panose="02070309020205020404" pitchFamily="49" charset="0"/>
+              </a:rPr>
+              <a:t>+-+-+-+-+-+-+-+-+-+-+-+-+-+-+-+-+-+-+-+-+-+-+-+-+-+-+-+-+-+-+-+-+</a:t>
+            </a:r>
+          </a:p>
+          <a:p>
+            <a:r>
+              <a:rPr lang="en-CA" sz="900" dirty="0">
+                <a:latin typeface="Courier" pitchFamily="2" charset="0"/>
+                <a:cs typeface="Courier New" panose="02070309020205020404" pitchFamily="49" charset="0"/>
+              </a:rPr>
+              <a:t>|     Reserved                  |        Address Family         |</a:t>
+            </a:r>
+          </a:p>
+          <a:p>
+            <a:r>
+              <a:rPr lang="en-CA" sz="900" dirty="0">
+                <a:latin typeface="Courier" pitchFamily="2" charset="0"/>
+                <a:cs typeface="Courier New" panose="02070309020205020404" pitchFamily="49" charset="0"/>
+              </a:rPr>
+              <a:t>+-+-+-+-+-+-+-+-+-+-+-+-+-+-+-+-+-+-+-+-+-+-+-+-+-+-+-+-+-+-+-+-+</a:t>
+            </a:r>
+          </a:p>
+          <a:p>
+            <a:r>
+              <a:rPr lang="en-CA" sz="900" dirty="0">
+                <a:latin typeface="Courier" pitchFamily="2" charset="0"/>
+                <a:cs typeface="Courier New" panose="02070309020205020404" pitchFamily="49" charset="0"/>
+              </a:rPr>
+              <a:t>~                           Address                             ~</a:t>
+            </a:r>
+          </a:p>
+          <a:p>
+            <a:r>
+              <a:rPr lang="en-CA" sz="900" dirty="0">
+                <a:latin typeface="Courier" pitchFamily="2" charset="0"/>
+                <a:cs typeface="Courier New" panose="02070309020205020404" pitchFamily="49" charset="0"/>
+              </a:rPr>
+              <a:t>+-+-+-+-+-+-+-+-+-+-+-+-+-+-+-+-+-+-+-+-+-+-+-+-+-+-+-+-+-+-+-+-+</a:t>
+            </a:r>
+          </a:p>
+          <a:p>
+            <a:r>
+              <a:rPr lang="en-CA" sz="900" dirty="0">
+                <a:latin typeface="Courier" pitchFamily="2" charset="0"/>
+                <a:cs typeface="Courier New" panose="02070309020205020404" pitchFamily="49" charset="0"/>
+              </a:rPr>
+              <a:t> </a:t>
+            </a:r>
+          </a:p>
+          <a:p>
+            <a:r>
+              <a:rPr lang="en-CA" sz="900" dirty="0">
+                <a:latin typeface="Courier" pitchFamily="2" charset="0"/>
+                <a:cs typeface="Courier New" panose="02070309020205020404" pitchFamily="49" charset="0"/>
+              </a:rPr>
+              <a:t>                   Figure: Node Address TLV Format </a:t>
+            </a:r>
+            <a:endParaRPr lang="en-US" sz="900" dirty="0">
+              <a:latin typeface="Courier" pitchFamily="2" charset="0"/>
+              <a:cs typeface="Courier New" panose="02070309020205020404" pitchFamily="49" charset="0"/>
+            </a:endParaRPr>
+          </a:p>
+        </p:txBody>
+      </p:sp>
+      <p:sp>
+        <p:nvSpPr>
+          <p:cNvPr id="9" name="Rectangle 8">
+            <a:extLst>
+              <a:ext uri="{FF2B5EF4-FFF2-40B4-BE49-F238E27FC236}">
+                <a16:creationId xmlns:a16="http://schemas.microsoft.com/office/drawing/2014/main" id="{8BD4B8E2-831D-5C4C-9AA6-259F0AB5BE90}"/>
+              </a:ext>
+            </a:extLst>
+          </p:cNvPr>
+          <p:cNvSpPr/>
+          <p:nvPr/>
+        </p:nvSpPr>
+        <p:spPr>
+          <a:xfrm>
+            <a:off x="299357" y="1149180"/>
+            <a:ext cx="3924300" cy="2502929"/>
+          </a:xfrm>
+          <a:prstGeom prst="rect">
+            <a:avLst/>
+          </a:prstGeom>
+        </p:spPr>
+        <p:txBody>
+          <a:bodyPr wrap="square">
+            <a:spAutoFit/>
+          </a:bodyPr>
+          <a:lstStyle/>
+          <a:p>
+            <a:pPr>
+              <a:lnSpc>
+                <a:spcPts val="2120"/>
+              </a:lnSpc>
+              <a:spcAft>
+                <a:spcPts val="0"/>
+              </a:spcAft>
+            </a:pPr>
+            <a:r>
+              <a:rPr lang="en-CA" sz="1600" b="1" dirty="0">
+                <a:solidFill>
+                  <a:schemeClr val="tx2"/>
+                </a:solidFill>
+                <a:latin typeface="Calibri" panose="020F0502020204030204" pitchFamily="34" charset="0"/>
+                <a:ea typeface="Calibri" panose="020F0502020204030204" pitchFamily="34" charset="0"/>
+                <a:cs typeface="Consolas" panose="020B0609020204030204" pitchFamily="49" charset="0"/>
+              </a:rPr>
+              <a:t>Destination Node Address TLV (value TBA1):</a:t>
+            </a:r>
+          </a:p>
+          <a:p>
+            <a:pPr>
+              <a:lnSpc>
+                <a:spcPts val="2120"/>
+              </a:lnSpc>
+              <a:spcAft>
+                <a:spcPts val="0"/>
+              </a:spcAft>
+            </a:pPr>
+            <a:r>
+              <a:rPr lang="en-CA" sz="1600" dirty="0">
+                <a:solidFill>
+                  <a:schemeClr val="tx2"/>
+                </a:solidFill>
+                <a:latin typeface="Calibri" panose="020F0502020204030204" pitchFamily="34" charset="0"/>
+                <a:ea typeface="Calibri" panose="020F0502020204030204" pitchFamily="34" charset="0"/>
+                <a:cs typeface="Consolas" panose="020B0609020204030204" pitchFamily="49" charset="0"/>
+              </a:rPr>
+              <a:t> </a:t>
+            </a:r>
+          </a:p>
+          <a:p>
+            <a:pPr marL="285750" indent="-285750">
+              <a:lnSpc>
+                <a:spcPts val="2120"/>
+              </a:lnSpc>
+              <a:spcAft>
+                <a:spcPts val="0"/>
+              </a:spcAft>
+              <a:buFont typeface="Arial" panose="020B0604020202020204" pitchFamily="34" charset="0"/>
+              <a:buChar char="•"/>
+            </a:pPr>
+            <a:r>
+              <a:rPr lang="en-CA" sz="1600" dirty="0">
+                <a:solidFill>
+                  <a:schemeClr val="tx2"/>
+                </a:solidFill>
+                <a:latin typeface="Calibri" panose="020F0502020204030204" pitchFamily="34" charset="0"/>
+                <a:ea typeface="Calibri" panose="020F0502020204030204" pitchFamily="34" charset="0"/>
+                <a:cs typeface="Consolas" panose="020B0609020204030204" pitchFamily="49" charset="0"/>
+              </a:rPr>
+              <a:t>Indicates the address of the intended recipient node of the query message.  </a:t>
+            </a:r>
+          </a:p>
+          <a:p>
+            <a:pPr marL="285750" indent="-285750">
+              <a:lnSpc>
+                <a:spcPts val="2120"/>
+              </a:lnSpc>
+              <a:spcAft>
+                <a:spcPts val="0"/>
+              </a:spcAft>
+              <a:buFont typeface="Arial" panose="020B0604020202020204" pitchFamily="34" charset="0"/>
+              <a:buChar char="•"/>
+            </a:pPr>
+            <a:r>
+              <a:rPr lang="en-CA" sz="1600" dirty="0">
+                <a:solidFill>
+                  <a:schemeClr val="tx2"/>
+                </a:solidFill>
+                <a:latin typeface="Calibri" panose="020F0502020204030204" pitchFamily="34" charset="0"/>
+                <a:ea typeface="Calibri" panose="020F0502020204030204" pitchFamily="34" charset="0"/>
+                <a:cs typeface="Consolas" panose="020B0609020204030204" pitchFamily="49" charset="0"/>
+              </a:rPr>
+              <a:t>The Session-Reflector node </a:t>
+            </a:r>
+            <a:r>
+              <a:rPr lang="en-CA" sz="1600" b="1" dirty="0">
+                <a:solidFill>
+                  <a:schemeClr val="tx2"/>
+                </a:solidFill>
+                <a:latin typeface="Calibri" panose="020F0502020204030204" pitchFamily="34" charset="0"/>
+                <a:ea typeface="Calibri" panose="020F0502020204030204" pitchFamily="34" charset="0"/>
+                <a:cs typeface="Consolas" panose="020B0609020204030204" pitchFamily="49" charset="0"/>
+              </a:rPr>
+              <a:t>MUST NOT </a:t>
+            </a:r>
+            <a:r>
+              <a:rPr lang="en-CA" sz="1600" dirty="0">
+                <a:solidFill>
+                  <a:schemeClr val="tx2"/>
+                </a:solidFill>
+                <a:latin typeface="Calibri" panose="020F0502020204030204" pitchFamily="34" charset="0"/>
+                <a:ea typeface="Calibri" panose="020F0502020204030204" pitchFamily="34" charset="0"/>
+                <a:cs typeface="Consolas" panose="020B0609020204030204" pitchFamily="49" charset="0"/>
+              </a:rPr>
+              <a:t>send response if it is not the intended destination node of the query.</a:t>
+            </a:r>
+          </a:p>
+          <a:p>
+            <a:pPr marL="285750" indent="-285750">
+              <a:lnSpc>
+                <a:spcPts val="2120"/>
+              </a:lnSpc>
+              <a:spcAft>
+                <a:spcPts val="0"/>
+              </a:spcAft>
+              <a:buFont typeface="Arial" panose="020B0604020202020204" pitchFamily="34" charset="0"/>
+              <a:buChar char="•"/>
+            </a:pPr>
+            <a:r>
+              <a:rPr lang="en-CA" sz="1600" dirty="0">
+                <a:solidFill>
+                  <a:schemeClr val="tx2"/>
+                </a:solidFill>
+                <a:latin typeface="Calibri" panose="020F0502020204030204" pitchFamily="34" charset="0"/>
+                <a:ea typeface="Calibri" panose="020F0502020204030204" pitchFamily="34" charset="0"/>
+                <a:cs typeface="Consolas" panose="020B0609020204030204" pitchFamily="49" charset="0"/>
+              </a:rPr>
+              <a:t>Useful when query is sent with 127/8 destination address.</a:t>
+            </a:r>
+          </a:p>
+        </p:txBody>
+      </p:sp>
+    </p:spTree>
+    <p:extLst>
+      <p:ext uri="{BB962C8B-B14F-4D97-AF65-F5344CB8AC3E}">
+        <p14:creationId xmlns:p14="http://schemas.microsoft.com/office/powerpoint/2010/main" val="2343000683"/>
+      </p:ext>
+    </p:extLst>
+  </p:cSld>
+  <p:clrMapOvr>
+    <a:masterClrMapping/>
+  </p:clrMapOvr>
+</p:sld>
+</file>
+
+<file path=ppt/slides/slide9.xml><?xml version="1.0" encoding="utf-8"?>
+<p:sld xmlns:a="http://schemas.openxmlformats.org/drawingml/2006/main" xmlns:r="http://schemas.openxmlformats.org/officeDocument/2006/relationships" xmlns:p="http://schemas.openxmlformats.org/presentationml/2006/main">
+  <p:cSld>
+    <p:spTree>
+      <p:nvGrpSpPr>
+        <p:cNvPr id="1" name=""/>
+        <p:cNvGrpSpPr/>
+        <p:nvPr/>
+      </p:nvGrpSpPr>
+      <p:grpSpPr>
+        <a:xfrm>
+          <a:off x="0" y="0"/>
+          <a:ext cx="0" cy="0"/>
+          <a:chOff x="0" y="0"/>
+          <a:chExt cx="0" cy="0"/>
+        </a:xfrm>
+      </p:grpSpPr>
+      <p:sp>
+        <p:nvSpPr>
           <p:cNvPr id="2" name="Title 1"/>
           <p:cNvSpPr>
             <a:spLocks noGrp="1"/>
@@ -9032,7 +10372,7 @@
               <a:pPr>
                 <a:defRPr/>
               </a:pPr>
-              <a:t>7</a:t>
+              <a:t>9</a:t>
             </a:fld>
             <a:endParaRPr lang="en-US" altLang="zh-CN" dirty="0"/>
           </a:p>
@@ -11304,1039 +12644,6 @@
     <p:extLst>
       <p:ext uri="{BB962C8B-B14F-4D97-AF65-F5344CB8AC3E}">
         <p14:creationId xmlns:p14="http://schemas.microsoft.com/office/powerpoint/2010/main" val="4229054511"/>
-      </p:ext>
-    </p:extLst>
-  </p:cSld>
-  <p:clrMapOvr>
-    <a:masterClrMapping/>
-  </p:clrMapOvr>
-</p:sld>
-</file>
-
-<file path=ppt/slides/slide8.xml><?xml version="1.0" encoding="utf-8"?>
-<p:sld xmlns:a="http://schemas.openxmlformats.org/drawingml/2006/main" xmlns:r="http://schemas.openxmlformats.org/officeDocument/2006/relationships" xmlns:p="http://schemas.openxmlformats.org/presentationml/2006/main">
-  <p:cSld>
-    <p:spTree>
-      <p:nvGrpSpPr>
-        <p:cNvPr id="1" name=""/>
-        <p:cNvGrpSpPr/>
-        <p:nvPr/>
-      </p:nvGrpSpPr>
-      <p:grpSpPr>
-        <a:xfrm>
-          <a:off x="0" y="0"/>
-          <a:ext cx="0" cy="0"/>
-          <a:chOff x="0" y="0"/>
-          <a:chExt cx="0" cy="0"/>
-        </a:xfrm>
-      </p:grpSpPr>
-      <p:sp>
-        <p:nvSpPr>
-          <p:cNvPr id="2" name="Title 1">
-            <a:extLst>
-              <a:ext uri="{FF2B5EF4-FFF2-40B4-BE49-F238E27FC236}">
-                <a16:creationId xmlns:a16="http://schemas.microsoft.com/office/drawing/2014/main" id="{9A6F4236-AC14-394A-A36C-F2BD8CED3237}"/>
-              </a:ext>
-            </a:extLst>
-          </p:cNvPr>
-          <p:cNvSpPr>
-            <a:spLocks noGrp="1"/>
-          </p:cNvSpPr>
-          <p:nvPr>
-            <p:ph type="title"/>
-          </p:nvPr>
-        </p:nvSpPr>
-        <p:spPr>
-          <a:xfrm>
-            <a:off x="228600" y="-20187"/>
-            <a:ext cx="8686800" cy="857250"/>
-          </a:xfrm>
-        </p:spPr>
-        <p:txBody>
-          <a:bodyPr/>
-          <a:lstStyle/>
-          <a:p>
-            <a:r>
-              <a:rPr lang="en-US" sz="3200" dirty="0">
-                <a:solidFill>
-                  <a:srgbClr val="0070C0"/>
-                </a:solidFill>
-                <a:latin typeface="Calibri Light" panose="020F0302020204030204" pitchFamily="34" charset="0"/>
-                <a:cs typeface="Calibri Light" panose="020F0302020204030204" pitchFamily="34" charset="0"/>
-              </a:rPr>
-              <a:t>STAMP - Destination Node Address TLV</a:t>
-            </a:r>
-          </a:p>
-        </p:txBody>
-      </p:sp>
-      <p:sp>
-        <p:nvSpPr>
-          <p:cNvPr id="4" name="Footer Placeholder 3">
-            <a:extLst>
-              <a:ext uri="{FF2B5EF4-FFF2-40B4-BE49-F238E27FC236}">
-                <a16:creationId xmlns:a16="http://schemas.microsoft.com/office/drawing/2014/main" id="{643D160E-CC3C-EB46-A6F1-43B8E2996F46}"/>
-              </a:ext>
-            </a:extLst>
-          </p:cNvPr>
-          <p:cNvSpPr>
-            <a:spLocks noGrp="1"/>
-          </p:cNvSpPr>
-          <p:nvPr>
-            <p:ph type="ftr" sz="quarter" idx="11"/>
-          </p:nvPr>
-        </p:nvSpPr>
-        <p:spPr>
-          <a:xfrm>
-            <a:off x="3124200" y="4805362"/>
-            <a:ext cx="2895600" cy="357188"/>
-          </a:xfrm>
-        </p:spPr>
-        <p:txBody>
-          <a:bodyPr/>
-          <a:lstStyle/>
-          <a:p>
-            <a:r>
-              <a:rPr lang="en-CA" dirty="0"/>
-              <a:t>109</a:t>
-            </a:r>
-            <a:r>
-              <a:rPr lang="en-CA" baseline="30000" dirty="0"/>
-              <a:t>th</a:t>
-            </a:r>
-            <a:r>
-              <a:rPr lang="en-CA" dirty="0"/>
-              <a:t> IETF Online</a:t>
-            </a:r>
-          </a:p>
-        </p:txBody>
-      </p:sp>
-      <p:sp>
-        <p:nvSpPr>
-          <p:cNvPr id="5" name="Slide Number Placeholder 4">
-            <a:extLst>
-              <a:ext uri="{FF2B5EF4-FFF2-40B4-BE49-F238E27FC236}">
-                <a16:creationId xmlns:a16="http://schemas.microsoft.com/office/drawing/2014/main" id="{A8B868AE-B105-7547-A646-14FCDF91C2DD}"/>
-              </a:ext>
-            </a:extLst>
-          </p:cNvPr>
-          <p:cNvSpPr>
-            <a:spLocks noGrp="1"/>
-          </p:cNvSpPr>
-          <p:nvPr>
-            <p:ph type="sldNum" sz="quarter" idx="12"/>
-          </p:nvPr>
-        </p:nvSpPr>
-        <p:spPr/>
-        <p:txBody>
-          <a:bodyPr/>
-          <a:lstStyle/>
-          <a:p>
-            <a:pPr>
-              <a:defRPr/>
-            </a:pPr>
-            <a:fld id="{BD6E0F59-1DD8-40FC-9C92-B6295CBA6CCA}" type="slidenum">
-              <a:rPr lang="en-US" altLang="zh-CN" smtClean="0"/>
-              <a:pPr>
-                <a:defRPr/>
-              </a:pPr>
-              <a:t>8</a:t>
-            </a:fld>
-            <a:endParaRPr lang="en-US" altLang="zh-CN"/>
-          </a:p>
-        </p:txBody>
-      </p:sp>
-      <p:sp>
-        <p:nvSpPr>
-          <p:cNvPr id="7" name="Rectangle 6">
-            <a:extLst>
-              <a:ext uri="{FF2B5EF4-FFF2-40B4-BE49-F238E27FC236}">
-                <a16:creationId xmlns:a16="http://schemas.microsoft.com/office/drawing/2014/main" id="{AA6E66CA-28BC-2C4A-BC04-4600D8FEBF3B}"/>
-              </a:ext>
-            </a:extLst>
-          </p:cNvPr>
-          <p:cNvSpPr/>
-          <p:nvPr/>
-        </p:nvSpPr>
-        <p:spPr>
-          <a:xfrm>
-            <a:off x="4229100" y="1625953"/>
-            <a:ext cx="4648200" cy="1615827"/>
-          </a:xfrm>
-          <a:prstGeom prst="rect">
-            <a:avLst/>
-          </a:prstGeom>
-          <a:solidFill>
-            <a:schemeClr val="accent6">
-              <a:lumMod val="20000"/>
-              <a:lumOff val="80000"/>
-            </a:schemeClr>
-          </a:solidFill>
-        </p:spPr>
-        <p:txBody>
-          <a:bodyPr wrap="square">
-            <a:spAutoFit/>
-          </a:bodyPr>
-          <a:lstStyle/>
-          <a:p>
-            <a:r>
-              <a:rPr lang="en-CA" sz="900" dirty="0">
-                <a:latin typeface="Courier" pitchFamily="2" charset="0"/>
-                <a:cs typeface="Courier New" panose="02070309020205020404" pitchFamily="49" charset="0"/>
-              </a:rPr>
-              <a:t>0                   1                   2                   3</a:t>
-            </a:r>
-          </a:p>
-          <a:p>
-            <a:r>
-              <a:rPr lang="en-CA" sz="900" dirty="0">
-                <a:latin typeface="Courier" pitchFamily="2" charset="0"/>
-                <a:cs typeface="Courier New" panose="02070309020205020404" pitchFamily="49" charset="0"/>
-              </a:rPr>
-              <a:t>0 1 2 3 4 5 6 7 8 9 0 1 2 3 4 5 6 7 8 9 0 1 2 3 4 5 6 7 8 9 0 1</a:t>
-            </a:r>
-          </a:p>
-          <a:p>
-            <a:r>
-              <a:rPr lang="en-CA" sz="900" dirty="0">
-                <a:latin typeface="Courier" pitchFamily="2" charset="0"/>
-                <a:cs typeface="Courier New" panose="02070309020205020404" pitchFamily="49" charset="0"/>
-              </a:rPr>
-              <a:t>+-+-+-+-+-+-+-+-+-+-+-+-+-+-+-+-+-+-+-+-+-+-+-+-+-+-+-+-+-+-+-+-+</a:t>
-            </a:r>
-          </a:p>
-          <a:p>
-            <a:r>
-              <a:rPr lang="en-CA" sz="900" dirty="0">
-                <a:latin typeface="Courier" pitchFamily="2" charset="0"/>
-              </a:rPr>
-              <a:t>|STAMP TLV Flags|  Type         |     Length                    |</a:t>
-            </a:r>
-          </a:p>
-          <a:p>
-            <a:r>
-              <a:rPr lang="en-CA" sz="900" dirty="0">
-                <a:latin typeface="Courier" pitchFamily="2" charset="0"/>
-                <a:cs typeface="Courier New" panose="02070309020205020404" pitchFamily="49" charset="0"/>
-              </a:rPr>
-              <a:t>+-+-+-+-+-+-+-+-+-+-+-+-+-+-+-+-+-+-+-+-+-+-+-+-+-+-+-+-+-+-+-+-+</a:t>
-            </a:r>
-          </a:p>
-          <a:p>
-            <a:r>
-              <a:rPr lang="en-CA" sz="900" dirty="0">
-                <a:latin typeface="Courier" pitchFamily="2" charset="0"/>
-                <a:cs typeface="Courier New" panose="02070309020205020404" pitchFamily="49" charset="0"/>
-              </a:rPr>
-              <a:t>|     Reserved                  |        Address Family         |</a:t>
-            </a:r>
-          </a:p>
-          <a:p>
-            <a:r>
-              <a:rPr lang="en-CA" sz="900" dirty="0">
-                <a:latin typeface="Courier" pitchFamily="2" charset="0"/>
-                <a:cs typeface="Courier New" panose="02070309020205020404" pitchFamily="49" charset="0"/>
-              </a:rPr>
-              <a:t>+-+-+-+-+-+-+-+-+-+-+-+-+-+-+-+-+-+-+-+-+-+-+-+-+-+-+-+-+-+-+-+-+</a:t>
-            </a:r>
-          </a:p>
-          <a:p>
-            <a:r>
-              <a:rPr lang="en-CA" sz="900" dirty="0">
-                <a:latin typeface="Courier" pitchFamily="2" charset="0"/>
-                <a:cs typeface="Courier New" panose="02070309020205020404" pitchFamily="49" charset="0"/>
-              </a:rPr>
-              <a:t>~                           Address                             ~</a:t>
-            </a:r>
-          </a:p>
-          <a:p>
-            <a:r>
-              <a:rPr lang="en-CA" sz="900" dirty="0">
-                <a:latin typeface="Courier" pitchFamily="2" charset="0"/>
-                <a:cs typeface="Courier New" panose="02070309020205020404" pitchFamily="49" charset="0"/>
-              </a:rPr>
-              <a:t>+-+-+-+-+-+-+-+-+-+-+-+-+-+-+-+-+-+-+-+-+-+-+-+-+-+-+-+-+-+-+-+-+</a:t>
-            </a:r>
-          </a:p>
-          <a:p>
-            <a:r>
-              <a:rPr lang="en-CA" sz="900" dirty="0">
-                <a:latin typeface="Courier" pitchFamily="2" charset="0"/>
-                <a:cs typeface="Courier New" panose="02070309020205020404" pitchFamily="49" charset="0"/>
-              </a:rPr>
-              <a:t> </a:t>
-            </a:r>
-          </a:p>
-          <a:p>
-            <a:r>
-              <a:rPr lang="en-CA" sz="900" dirty="0">
-                <a:latin typeface="Courier" pitchFamily="2" charset="0"/>
-                <a:cs typeface="Courier New" panose="02070309020205020404" pitchFamily="49" charset="0"/>
-              </a:rPr>
-              <a:t>                   Figure: Node Address TLV Format </a:t>
-            </a:r>
-            <a:endParaRPr lang="en-US" sz="900" dirty="0">
-              <a:latin typeface="Courier" pitchFamily="2" charset="0"/>
-              <a:cs typeface="Courier New" panose="02070309020205020404" pitchFamily="49" charset="0"/>
-            </a:endParaRPr>
-          </a:p>
-        </p:txBody>
-      </p:sp>
-      <p:sp>
-        <p:nvSpPr>
-          <p:cNvPr id="9" name="Rectangle 8">
-            <a:extLst>
-              <a:ext uri="{FF2B5EF4-FFF2-40B4-BE49-F238E27FC236}">
-                <a16:creationId xmlns:a16="http://schemas.microsoft.com/office/drawing/2014/main" id="{8BD4B8E2-831D-5C4C-9AA6-259F0AB5BE90}"/>
-              </a:ext>
-            </a:extLst>
-          </p:cNvPr>
-          <p:cNvSpPr/>
-          <p:nvPr/>
-        </p:nvSpPr>
-        <p:spPr>
-          <a:xfrm>
-            <a:off x="299357" y="1149180"/>
-            <a:ext cx="3924300" cy="2502929"/>
-          </a:xfrm>
-          <a:prstGeom prst="rect">
-            <a:avLst/>
-          </a:prstGeom>
-        </p:spPr>
-        <p:txBody>
-          <a:bodyPr wrap="square">
-            <a:spAutoFit/>
-          </a:bodyPr>
-          <a:lstStyle/>
-          <a:p>
-            <a:pPr>
-              <a:lnSpc>
-                <a:spcPts val="2120"/>
-              </a:lnSpc>
-              <a:spcAft>
-                <a:spcPts val="0"/>
-              </a:spcAft>
-            </a:pPr>
-            <a:r>
-              <a:rPr lang="en-CA" sz="1600" b="1" dirty="0">
-                <a:solidFill>
-                  <a:schemeClr val="tx2"/>
-                </a:solidFill>
-                <a:latin typeface="Calibri" panose="020F0502020204030204" pitchFamily="34" charset="0"/>
-                <a:ea typeface="Calibri" panose="020F0502020204030204" pitchFamily="34" charset="0"/>
-                <a:cs typeface="Consolas" panose="020B0609020204030204" pitchFamily="49" charset="0"/>
-              </a:rPr>
-              <a:t>Destination Node Address TLV (value TBA1):</a:t>
-            </a:r>
-          </a:p>
-          <a:p>
-            <a:pPr>
-              <a:lnSpc>
-                <a:spcPts val="2120"/>
-              </a:lnSpc>
-              <a:spcAft>
-                <a:spcPts val="0"/>
-              </a:spcAft>
-            </a:pPr>
-            <a:r>
-              <a:rPr lang="en-CA" sz="1600" dirty="0">
-                <a:solidFill>
-                  <a:schemeClr val="tx2"/>
-                </a:solidFill>
-                <a:latin typeface="Calibri" panose="020F0502020204030204" pitchFamily="34" charset="0"/>
-                <a:ea typeface="Calibri" panose="020F0502020204030204" pitchFamily="34" charset="0"/>
-                <a:cs typeface="Consolas" panose="020B0609020204030204" pitchFamily="49" charset="0"/>
-              </a:rPr>
-              <a:t> </a:t>
-            </a:r>
-          </a:p>
-          <a:p>
-            <a:pPr marL="285750" indent="-285750">
-              <a:lnSpc>
-                <a:spcPts val="2120"/>
-              </a:lnSpc>
-              <a:spcAft>
-                <a:spcPts val="0"/>
-              </a:spcAft>
-              <a:buFont typeface="Arial" panose="020B0604020202020204" pitchFamily="34" charset="0"/>
-              <a:buChar char="•"/>
-            </a:pPr>
-            <a:r>
-              <a:rPr lang="en-CA" sz="1600" dirty="0">
-                <a:solidFill>
-                  <a:schemeClr val="tx2"/>
-                </a:solidFill>
-                <a:latin typeface="Calibri" panose="020F0502020204030204" pitchFamily="34" charset="0"/>
-                <a:ea typeface="Calibri" panose="020F0502020204030204" pitchFamily="34" charset="0"/>
-                <a:cs typeface="Consolas" panose="020B0609020204030204" pitchFamily="49" charset="0"/>
-              </a:rPr>
-              <a:t>Indicates the address of the intended recipient node of the query message.  </a:t>
-            </a:r>
-          </a:p>
-          <a:p>
-            <a:pPr marL="285750" indent="-285750">
-              <a:lnSpc>
-                <a:spcPts val="2120"/>
-              </a:lnSpc>
-              <a:spcAft>
-                <a:spcPts val="0"/>
-              </a:spcAft>
-              <a:buFont typeface="Arial" panose="020B0604020202020204" pitchFamily="34" charset="0"/>
-              <a:buChar char="•"/>
-            </a:pPr>
-            <a:r>
-              <a:rPr lang="en-CA" sz="1600" dirty="0">
-                <a:solidFill>
-                  <a:schemeClr val="tx2"/>
-                </a:solidFill>
-                <a:latin typeface="Calibri" panose="020F0502020204030204" pitchFamily="34" charset="0"/>
-                <a:ea typeface="Calibri" panose="020F0502020204030204" pitchFamily="34" charset="0"/>
-                <a:cs typeface="Consolas" panose="020B0609020204030204" pitchFamily="49" charset="0"/>
-              </a:rPr>
-              <a:t>The Session-Reflector node </a:t>
-            </a:r>
-            <a:r>
-              <a:rPr lang="en-CA" sz="1600" b="1" dirty="0">
-                <a:solidFill>
-                  <a:schemeClr val="tx2"/>
-                </a:solidFill>
-                <a:latin typeface="Calibri" panose="020F0502020204030204" pitchFamily="34" charset="0"/>
-                <a:ea typeface="Calibri" panose="020F0502020204030204" pitchFamily="34" charset="0"/>
-                <a:cs typeface="Consolas" panose="020B0609020204030204" pitchFamily="49" charset="0"/>
-              </a:rPr>
-              <a:t>MUST NOT </a:t>
-            </a:r>
-            <a:r>
-              <a:rPr lang="en-CA" sz="1600" dirty="0">
-                <a:solidFill>
-                  <a:schemeClr val="tx2"/>
-                </a:solidFill>
-                <a:latin typeface="Calibri" panose="020F0502020204030204" pitchFamily="34" charset="0"/>
-                <a:ea typeface="Calibri" panose="020F0502020204030204" pitchFamily="34" charset="0"/>
-                <a:cs typeface="Consolas" panose="020B0609020204030204" pitchFamily="49" charset="0"/>
-              </a:rPr>
-              <a:t>send response if it is not the intended destination node of the query.</a:t>
-            </a:r>
-          </a:p>
-          <a:p>
-            <a:pPr marL="285750" indent="-285750">
-              <a:lnSpc>
-                <a:spcPts val="2120"/>
-              </a:lnSpc>
-              <a:spcAft>
-                <a:spcPts val="0"/>
-              </a:spcAft>
-              <a:buFont typeface="Arial" panose="020B0604020202020204" pitchFamily="34" charset="0"/>
-              <a:buChar char="•"/>
-            </a:pPr>
-            <a:r>
-              <a:rPr lang="en-CA" sz="1600" dirty="0">
-                <a:solidFill>
-                  <a:schemeClr val="tx2"/>
-                </a:solidFill>
-                <a:latin typeface="Calibri" panose="020F0502020204030204" pitchFamily="34" charset="0"/>
-                <a:ea typeface="Calibri" panose="020F0502020204030204" pitchFamily="34" charset="0"/>
-                <a:cs typeface="Consolas" panose="020B0609020204030204" pitchFamily="49" charset="0"/>
-              </a:rPr>
-              <a:t>Useful when query is sent with 127/8 destination address.</a:t>
-            </a:r>
-          </a:p>
-        </p:txBody>
-      </p:sp>
-    </p:spTree>
-    <p:extLst>
-      <p:ext uri="{BB962C8B-B14F-4D97-AF65-F5344CB8AC3E}">
-        <p14:creationId xmlns:p14="http://schemas.microsoft.com/office/powerpoint/2010/main" val="2343000683"/>
-      </p:ext>
-    </p:extLst>
-  </p:cSld>
-  <p:clrMapOvr>
-    <a:masterClrMapping/>
-  </p:clrMapOvr>
-</p:sld>
-</file>
-
-<file path=ppt/slides/slide9.xml><?xml version="1.0" encoding="utf-8"?>
-<p:sld xmlns:a="http://schemas.openxmlformats.org/drawingml/2006/main" xmlns:r="http://schemas.openxmlformats.org/officeDocument/2006/relationships" xmlns:p="http://schemas.openxmlformats.org/presentationml/2006/main">
-  <p:cSld>
-    <p:spTree>
-      <p:nvGrpSpPr>
-        <p:cNvPr id="1" name=""/>
-        <p:cNvGrpSpPr/>
-        <p:nvPr/>
-      </p:nvGrpSpPr>
-      <p:grpSpPr>
-        <a:xfrm>
-          <a:off x="0" y="0"/>
-          <a:ext cx="0" cy="0"/>
-          <a:chOff x="0" y="0"/>
-          <a:chExt cx="0" cy="0"/>
-        </a:xfrm>
-      </p:grpSpPr>
-      <p:sp>
-        <p:nvSpPr>
-          <p:cNvPr id="2" name="Title 1">
-            <a:extLst>
-              <a:ext uri="{FF2B5EF4-FFF2-40B4-BE49-F238E27FC236}">
-                <a16:creationId xmlns:a16="http://schemas.microsoft.com/office/drawing/2014/main" id="{9A6F4236-AC14-394A-A36C-F2BD8CED3237}"/>
-              </a:ext>
-            </a:extLst>
-          </p:cNvPr>
-          <p:cNvSpPr>
-            <a:spLocks noGrp="1"/>
-          </p:cNvSpPr>
-          <p:nvPr>
-            <p:ph type="title"/>
-          </p:nvPr>
-        </p:nvSpPr>
-        <p:spPr>
-          <a:xfrm>
-            <a:off x="228600" y="-8968"/>
-            <a:ext cx="8686800" cy="857250"/>
-          </a:xfrm>
-        </p:spPr>
-        <p:txBody>
-          <a:bodyPr/>
-          <a:lstStyle/>
-          <a:p>
-            <a:r>
-              <a:rPr lang="en-US" sz="3200" dirty="0">
-                <a:solidFill>
-                  <a:srgbClr val="0070C0"/>
-                </a:solidFill>
-                <a:latin typeface="Calibri Light" panose="020F0302020204030204" pitchFamily="34" charset="0"/>
-                <a:cs typeface="Calibri Light" panose="020F0302020204030204" pitchFamily="34" charset="0"/>
-              </a:rPr>
-              <a:t>STAMP - Return Path TLV</a:t>
-            </a:r>
-          </a:p>
-        </p:txBody>
-      </p:sp>
-      <p:sp>
-        <p:nvSpPr>
-          <p:cNvPr id="4" name="Footer Placeholder 3">
-            <a:extLst>
-              <a:ext uri="{FF2B5EF4-FFF2-40B4-BE49-F238E27FC236}">
-                <a16:creationId xmlns:a16="http://schemas.microsoft.com/office/drawing/2014/main" id="{643D160E-CC3C-EB46-A6F1-43B8E2996F46}"/>
-              </a:ext>
-            </a:extLst>
-          </p:cNvPr>
-          <p:cNvSpPr>
-            <a:spLocks noGrp="1"/>
-          </p:cNvSpPr>
-          <p:nvPr>
-            <p:ph type="ftr" sz="quarter" idx="11"/>
-          </p:nvPr>
-        </p:nvSpPr>
-        <p:spPr>
-          <a:xfrm>
-            <a:off x="3124200" y="4805362"/>
-            <a:ext cx="2895600" cy="357188"/>
-          </a:xfrm>
-        </p:spPr>
-        <p:txBody>
-          <a:bodyPr/>
-          <a:lstStyle/>
-          <a:p>
-            <a:r>
-              <a:rPr lang="en-CA" dirty="0"/>
-              <a:t>109</a:t>
-            </a:r>
-            <a:r>
-              <a:rPr lang="en-CA" baseline="30000" dirty="0"/>
-              <a:t>th</a:t>
-            </a:r>
-            <a:r>
-              <a:rPr lang="en-CA" dirty="0"/>
-              <a:t> IETF Online</a:t>
-            </a:r>
-          </a:p>
-        </p:txBody>
-      </p:sp>
-      <p:sp>
-        <p:nvSpPr>
-          <p:cNvPr id="5" name="Slide Number Placeholder 4">
-            <a:extLst>
-              <a:ext uri="{FF2B5EF4-FFF2-40B4-BE49-F238E27FC236}">
-                <a16:creationId xmlns:a16="http://schemas.microsoft.com/office/drawing/2014/main" id="{A8B868AE-B105-7547-A646-14FCDF91C2DD}"/>
-              </a:ext>
-            </a:extLst>
-          </p:cNvPr>
-          <p:cNvSpPr>
-            <a:spLocks noGrp="1"/>
-          </p:cNvSpPr>
-          <p:nvPr>
-            <p:ph type="sldNum" sz="quarter" idx="12"/>
-          </p:nvPr>
-        </p:nvSpPr>
-        <p:spPr/>
-        <p:txBody>
-          <a:bodyPr/>
-          <a:lstStyle/>
-          <a:p>
-            <a:pPr>
-              <a:defRPr/>
-            </a:pPr>
-            <a:fld id="{BD6E0F59-1DD8-40FC-9C92-B6295CBA6CCA}" type="slidenum">
-              <a:rPr lang="en-US" altLang="zh-CN" smtClean="0"/>
-              <a:pPr>
-                <a:defRPr/>
-              </a:pPr>
-              <a:t>9</a:t>
-            </a:fld>
-            <a:endParaRPr lang="en-US" altLang="zh-CN"/>
-          </a:p>
-        </p:txBody>
-      </p:sp>
-      <p:sp>
-        <p:nvSpPr>
-          <p:cNvPr id="7" name="Rectangle 6">
-            <a:extLst>
-              <a:ext uri="{FF2B5EF4-FFF2-40B4-BE49-F238E27FC236}">
-                <a16:creationId xmlns:a16="http://schemas.microsoft.com/office/drawing/2014/main" id="{AA6E66CA-28BC-2C4A-BC04-4600D8FEBF3B}"/>
-              </a:ext>
-            </a:extLst>
-          </p:cNvPr>
-          <p:cNvSpPr/>
-          <p:nvPr/>
-        </p:nvSpPr>
-        <p:spPr>
-          <a:xfrm>
-            <a:off x="4343400" y="837063"/>
-            <a:ext cx="4419600" cy="1323439"/>
-          </a:xfrm>
-          <a:prstGeom prst="rect">
-            <a:avLst/>
-          </a:prstGeom>
-          <a:solidFill>
-            <a:schemeClr val="accent6">
-              <a:lumMod val="20000"/>
-              <a:lumOff val="80000"/>
-            </a:schemeClr>
-          </a:solidFill>
-        </p:spPr>
-        <p:txBody>
-          <a:bodyPr wrap="square">
-            <a:spAutoFit/>
-          </a:bodyPr>
-          <a:lstStyle/>
-          <a:p>
-            <a:r>
-              <a:rPr lang="en-CA" sz="800" dirty="0">
-                <a:latin typeface="Courier" pitchFamily="2" charset="0"/>
-              </a:rPr>
-              <a:t>    0                   1                   2                   3</a:t>
-            </a:r>
-          </a:p>
-          <a:p>
-            <a:r>
-              <a:rPr lang="en-CA" sz="800" dirty="0">
-                <a:latin typeface="Courier" pitchFamily="2" charset="0"/>
-              </a:rPr>
-              <a:t>    0 1 2 3 4 5 6 7 8 9 0 1 2 3 4 5 6 7 8 9 0 1 2 3 4 5 6 7 8 9 0 1</a:t>
-            </a:r>
-          </a:p>
-          <a:p>
-            <a:r>
-              <a:rPr lang="en-CA" sz="800" dirty="0">
-                <a:latin typeface="Courier" pitchFamily="2" charset="0"/>
-              </a:rPr>
-              <a:t>    +-+-+-+-+-+-+-+-+-+-+-+-+-+-+-+-+-+-+-+-+-+-+-+-+-+-+-+-+-+-+-+-+</a:t>
-            </a:r>
-          </a:p>
-          <a:p>
-            <a:r>
-              <a:rPr lang="en-CA" sz="800" dirty="0">
-                <a:latin typeface="Courier" pitchFamily="2" charset="0"/>
-              </a:rPr>
-              <a:t>    |STAMP TLV Flags|  Type = TBA2  |     Length                    |</a:t>
-            </a:r>
-          </a:p>
-          <a:p>
-            <a:r>
-              <a:rPr lang="en-CA" sz="800" dirty="0">
-                <a:latin typeface="Courier" pitchFamily="2" charset="0"/>
-              </a:rPr>
-              <a:t>    +-+-+-+-+-+-+-+-+-+-+-+-+-+-+-+-+-+-+-+-+-+-+-+-+-+-+-+-+-+-+-+-+</a:t>
-            </a:r>
-          </a:p>
-          <a:p>
-            <a:r>
-              <a:rPr lang="en-CA" sz="800" dirty="0">
-                <a:latin typeface="Courier" pitchFamily="2" charset="0"/>
-              </a:rPr>
-              <a:t>    |                    Return Path Sub-TLVs                       |</a:t>
-            </a:r>
-          </a:p>
-          <a:p>
-            <a:r>
-              <a:rPr lang="en-CA" sz="800" dirty="0">
-                <a:latin typeface="Courier" pitchFamily="2" charset="0"/>
-              </a:rPr>
-              <a:t>    .                                                               .</a:t>
-            </a:r>
-          </a:p>
-          <a:p>
-            <a:r>
-              <a:rPr lang="en-CA" sz="800" dirty="0">
-                <a:latin typeface="Courier" pitchFamily="2" charset="0"/>
-              </a:rPr>
-              <a:t>    +-+-+-+-+-+-+-+-+-+-+-+-+-+-+-+-+-+-+-+-+-+-+-+-+-+-+-+-+-+-+-+-+</a:t>
-            </a:r>
-          </a:p>
-          <a:p>
-            <a:endParaRPr lang="en-CA" sz="800" dirty="0">
-              <a:latin typeface="Courier" pitchFamily="2" charset="0"/>
-            </a:endParaRPr>
-          </a:p>
-          <a:p>
-            <a:r>
-              <a:rPr lang="en-CA" sz="800" dirty="0">
-                <a:latin typeface="Courier" pitchFamily="2" charset="0"/>
-              </a:rPr>
-              <a:t>                         Figure: Return Path TLV</a:t>
-            </a:r>
-          </a:p>
-        </p:txBody>
-      </p:sp>
-      <p:sp>
-        <p:nvSpPr>
-          <p:cNvPr id="6" name="Content Placeholder 2">
-            <a:extLst>
-              <a:ext uri="{FF2B5EF4-FFF2-40B4-BE49-F238E27FC236}">
-                <a16:creationId xmlns:a16="http://schemas.microsoft.com/office/drawing/2014/main" id="{23AC919A-376F-2044-ADF3-0CCFB1FD964A}"/>
-              </a:ext>
-            </a:extLst>
-          </p:cNvPr>
-          <p:cNvSpPr>
-            <a:spLocks noGrp="1"/>
-          </p:cNvSpPr>
-          <p:nvPr>
-            <p:ph idx="1"/>
-          </p:nvPr>
-        </p:nvSpPr>
-        <p:spPr>
-          <a:xfrm>
-            <a:off x="152400" y="985158"/>
-            <a:ext cx="4114800" cy="3350617"/>
-          </a:xfrm>
-        </p:spPr>
-        <p:txBody>
-          <a:bodyPr/>
-          <a:lstStyle/>
-          <a:p>
-            <a:pPr marL="0" indent="0">
-              <a:spcBef>
-                <a:spcPts val="600"/>
-              </a:spcBef>
-              <a:buNone/>
-            </a:pPr>
-            <a:r>
-              <a:rPr lang="en-CA" sz="1400" b="1" dirty="0">
-                <a:latin typeface="Calibri" panose="020F0502020204030204" pitchFamily="34" charset="0"/>
-                <a:ea typeface="Calibri" panose="020F0502020204030204" pitchFamily="34" charset="0"/>
-                <a:cs typeface="Consolas" panose="020B0609020204030204" pitchFamily="49" charset="0"/>
-              </a:rPr>
-              <a:t>Return Path TLV (value TBA2):</a:t>
-            </a:r>
-            <a:endParaRPr lang="en-CA" sz="1400" b="1" dirty="0"/>
-          </a:p>
-          <a:p>
-            <a:pPr marL="0" indent="0">
-              <a:spcBef>
-                <a:spcPts val="600"/>
-              </a:spcBef>
-              <a:buNone/>
-            </a:pPr>
-            <a:r>
-              <a:rPr lang="en-CA" sz="1400" dirty="0"/>
-              <a:t>Sub-TLVs Types:</a:t>
-            </a:r>
-          </a:p>
-          <a:p>
-            <a:pPr>
-              <a:spcBef>
-                <a:spcPts val="600"/>
-              </a:spcBef>
-            </a:pPr>
-            <a:r>
-              <a:rPr lang="en-CA" sz="1400" dirty="0"/>
-              <a:t>Type (value 1): Return Address. Target node address of the response; different than the Source Address in the query</a:t>
-            </a:r>
-          </a:p>
-          <a:p>
-            <a:pPr>
-              <a:spcBef>
-                <a:spcPts val="600"/>
-              </a:spcBef>
-            </a:pPr>
-            <a:r>
-              <a:rPr lang="en-CA" sz="1400" dirty="0"/>
-              <a:t>Type (value 2): SR-MPLS Label Stack of the Reverse SR Path</a:t>
-            </a:r>
-          </a:p>
-          <a:p>
-            <a:pPr>
-              <a:spcBef>
-                <a:spcPts val="600"/>
-              </a:spcBef>
-            </a:pPr>
-            <a:r>
-              <a:rPr lang="en-CA" sz="1400" dirty="0"/>
-              <a:t>Type (value 3): SR-MPLS Binding SID [draft-</a:t>
-            </a:r>
-            <a:r>
-              <a:rPr lang="en-CA" sz="1400" dirty="0" err="1"/>
-              <a:t>ietf</a:t>
-            </a:r>
-            <a:r>
-              <a:rPr lang="en-CA" sz="1400" dirty="0"/>
-              <a:t>-</a:t>
-            </a:r>
-            <a:r>
-              <a:rPr lang="en-CA" sz="1400" dirty="0" err="1"/>
-              <a:t>pce</a:t>
-            </a:r>
-            <a:r>
-              <a:rPr lang="en-CA" sz="1400" dirty="0"/>
-              <a:t>-binding-label-</a:t>
-            </a:r>
-            <a:r>
-              <a:rPr lang="en-CA" sz="1400" dirty="0" err="1"/>
-              <a:t>sid</a:t>
-            </a:r>
-            <a:r>
-              <a:rPr lang="en-CA" sz="1400" dirty="0"/>
-              <a:t>] of the Reverse SR Policy</a:t>
-            </a:r>
-          </a:p>
-          <a:p>
-            <a:pPr>
-              <a:spcBef>
-                <a:spcPts val="600"/>
-              </a:spcBef>
-            </a:pPr>
-            <a:r>
-              <a:rPr lang="en-CA" sz="1400" dirty="0"/>
-              <a:t>Type (value 4): SRv6 Segment List of the Reverse SR Path</a:t>
-            </a:r>
-          </a:p>
-          <a:p>
-            <a:pPr>
-              <a:spcBef>
-                <a:spcPts val="600"/>
-              </a:spcBef>
-            </a:pPr>
-            <a:r>
-              <a:rPr lang="en-CA" sz="1400" dirty="0"/>
-              <a:t>Type (value 5): SRv6 Binding SID [draft-</a:t>
-            </a:r>
-            <a:r>
-              <a:rPr lang="en-CA" sz="1400" dirty="0" err="1"/>
-              <a:t>ietf</a:t>
-            </a:r>
-            <a:r>
-              <a:rPr lang="en-CA" sz="1400" dirty="0"/>
-              <a:t>-</a:t>
-            </a:r>
-            <a:r>
-              <a:rPr lang="en-CA" sz="1400" dirty="0" err="1"/>
-              <a:t>pce</a:t>
-            </a:r>
-            <a:r>
-              <a:rPr lang="en-CA" sz="1400" dirty="0"/>
-              <a:t>-binding-label-</a:t>
-            </a:r>
-            <a:r>
-              <a:rPr lang="en-CA" sz="1400" dirty="0" err="1"/>
-              <a:t>sid</a:t>
-            </a:r>
-            <a:r>
-              <a:rPr lang="en-CA" sz="1400" dirty="0"/>
-              <a:t>] of the Reverse SR Policy</a:t>
-            </a:r>
-            <a:endParaRPr lang="en-US" sz="1400" dirty="0">
-              <a:latin typeface="Calibri" charset="0"/>
-              <a:ea typeface="Calibri" charset="0"/>
-              <a:cs typeface="Calibri" charset="0"/>
-            </a:endParaRPr>
-          </a:p>
-        </p:txBody>
-      </p:sp>
-      <p:sp>
-        <p:nvSpPr>
-          <p:cNvPr id="9" name="Rectangle 8">
-            <a:extLst>
-              <a:ext uri="{FF2B5EF4-FFF2-40B4-BE49-F238E27FC236}">
-                <a16:creationId xmlns:a16="http://schemas.microsoft.com/office/drawing/2014/main" id="{B04D7E52-9ADA-114D-877F-E1C7CA482275}"/>
-              </a:ext>
-            </a:extLst>
-          </p:cNvPr>
-          <p:cNvSpPr/>
-          <p:nvPr/>
-        </p:nvSpPr>
-        <p:spPr>
-          <a:xfrm>
-            <a:off x="4343400" y="2385355"/>
-            <a:ext cx="4419600" cy="2185214"/>
-          </a:xfrm>
-          <a:prstGeom prst="rect">
-            <a:avLst/>
-          </a:prstGeom>
-          <a:solidFill>
-            <a:schemeClr val="accent6">
-              <a:lumMod val="20000"/>
-              <a:lumOff val="80000"/>
-            </a:schemeClr>
-          </a:solidFill>
-        </p:spPr>
-        <p:txBody>
-          <a:bodyPr wrap="square">
-            <a:spAutoFit/>
-          </a:bodyPr>
-          <a:lstStyle/>
-          <a:p>
-            <a:r>
-              <a:rPr lang="en-CA" sz="800" dirty="0">
-                <a:latin typeface="Courier" pitchFamily="2" charset="0"/>
-              </a:rPr>
-              <a:t>    0                   1                   2                   3</a:t>
-            </a:r>
-          </a:p>
-          <a:p>
-            <a:r>
-              <a:rPr lang="en-CA" sz="800" dirty="0">
-                <a:latin typeface="Courier" pitchFamily="2" charset="0"/>
-              </a:rPr>
-              <a:t>    0 1 2 3 4 5 6 7 8 9 0 1 2 3 4 5 6 7 8 9 0 1 2 3 4 5 6 7 8 9 0 1</a:t>
-            </a:r>
-          </a:p>
-          <a:p>
-            <a:r>
-              <a:rPr lang="en-CA" sz="800" dirty="0">
-                <a:latin typeface="Courier" pitchFamily="2" charset="0"/>
-              </a:rPr>
-              <a:t>    +-+-+-+-+-+-+-+-+-+-+-+-+-+-+-+-+-+-+-+-+-+-+-+-+-+-+-+-+-+-+-+-+</a:t>
-            </a:r>
-          </a:p>
-          <a:p>
-            <a:r>
-              <a:rPr lang="en-CA" sz="800" dirty="0">
-                <a:latin typeface="Courier" pitchFamily="2" charset="0"/>
-              </a:rPr>
-              <a:t>    |STAMP TLV Flags|  Type         |     Length                    |</a:t>
-            </a:r>
-          </a:p>
-          <a:p>
-            <a:r>
-              <a:rPr lang="en-CA" sz="800" dirty="0">
-                <a:latin typeface="Courier" pitchFamily="2" charset="0"/>
-              </a:rPr>
-              <a:t>    +-+-+-+-+-+-+-+-+-+-+-+-+-+-+-+-+-+-+-+-+-+-+-+-+-+-+-+-+-+-+-+-+</a:t>
-            </a:r>
-          </a:p>
-          <a:p>
-            <a:r>
-              <a:rPr lang="en-CA" sz="800" dirty="0">
-                <a:latin typeface="Courier" pitchFamily="2" charset="0"/>
-              </a:rPr>
-              <a:t>    |                    Segment(1)                                 |</a:t>
-            </a:r>
-          </a:p>
-          <a:p>
-            <a:r>
-              <a:rPr lang="en-CA" sz="800" dirty="0">
-                <a:latin typeface="Courier" pitchFamily="2" charset="0"/>
-              </a:rPr>
-              <a:t>    .                                                               .</a:t>
-            </a:r>
-          </a:p>
-          <a:p>
-            <a:r>
-              <a:rPr lang="en-CA" sz="800" dirty="0">
-                <a:latin typeface="Courier" pitchFamily="2" charset="0"/>
-              </a:rPr>
-              <a:t>    +-+-+-+-+-+-+-+-+-+-+-+-+-+-+-+-+-+-+-+-+-+-+-+-+-+-+-+-+-+-+-+-+</a:t>
-            </a:r>
-          </a:p>
-          <a:p>
-            <a:r>
-              <a:rPr lang="en-CA" sz="800" dirty="0">
-                <a:latin typeface="Courier" pitchFamily="2" charset="0"/>
-              </a:rPr>
-              <a:t>    .                                                               .</a:t>
-            </a:r>
-          </a:p>
-          <a:p>
-            <a:r>
-              <a:rPr lang="en-CA" sz="800" dirty="0">
-                <a:latin typeface="Courier" pitchFamily="2" charset="0"/>
-              </a:rPr>
-              <a:t>    .                                                               .</a:t>
-            </a:r>
-          </a:p>
-          <a:p>
-            <a:r>
-              <a:rPr lang="en-CA" sz="800" dirty="0">
-                <a:latin typeface="Courier" pitchFamily="2" charset="0"/>
-              </a:rPr>
-              <a:t>    .                                                               .</a:t>
-            </a:r>
-          </a:p>
-          <a:p>
-            <a:r>
-              <a:rPr lang="en-CA" sz="800" dirty="0">
-                <a:latin typeface="Courier" pitchFamily="2" charset="0"/>
-              </a:rPr>
-              <a:t>    +-+-+-+-+-+-+-+-+-+-+-+-+-+-+-+-+-+-+-+-+-+-+-+-+-+-+-+-+-+-+-+-+</a:t>
-            </a:r>
-          </a:p>
-          <a:p>
-            <a:r>
-              <a:rPr lang="en-CA" sz="800" dirty="0">
-                <a:latin typeface="Courier" pitchFamily="2" charset="0"/>
-              </a:rPr>
-              <a:t>    |                    Segment(n)                                 |</a:t>
-            </a:r>
-          </a:p>
-          <a:p>
-            <a:r>
-              <a:rPr lang="en-CA" sz="800" dirty="0">
-                <a:latin typeface="Courier" pitchFamily="2" charset="0"/>
-              </a:rPr>
-              <a:t>    .                                                               .</a:t>
-            </a:r>
-          </a:p>
-          <a:p>
-            <a:r>
-              <a:rPr lang="en-CA" sz="800" dirty="0">
-                <a:latin typeface="Courier" pitchFamily="2" charset="0"/>
-              </a:rPr>
-              <a:t>    +-+-+-+-+-+-+-+-+-+-+-+-+-+-+-+-+-+-+-+-+-+-+-+-+-+-+-+-+-+-+-+-+</a:t>
-            </a:r>
-          </a:p>
-          <a:p>
-            <a:endParaRPr lang="en-CA" sz="800" dirty="0">
-              <a:latin typeface="Courier" pitchFamily="2" charset="0"/>
-            </a:endParaRPr>
-          </a:p>
-          <a:p>
-            <a:r>
-              <a:rPr lang="en-CA" sz="800" dirty="0">
-                <a:latin typeface="Courier" pitchFamily="2" charset="0"/>
-              </a:rPr>
-              <a:t>              Figure: Segment List Sub-TLV in Return Path TLV</a:t>
-            </a:r>
-            <a:endParaRPr lang="en-US" sz="800" dirty="0">
-              <a:latin typeface="Courier" pitchFamily="2" charset="0"/>
-              <a:cs typeface="Courier New" panose="02070309020205020404" pitchFamily="49" charset="0"/>
-            </a:endParaRPr>
-          </a:p>
-        </p:txBody>
-      </p:sp>
-    </p:spTree>
-    <p:extLst>
-      <p:ext uri="{BB962C8B-B14F-4D97-AF65-F5344CB8AC3E}">
-        <p14:creationId xmlns:p14="http://schemas.microsoft.com/office/powerpoint/2010/main" val="720098633"/>
       </p:ext>
     </p:extLst>
   </p:cSld>
